--- a/Presentation_Team_1233 _mike.pptx
+++ b/Presentation_Team_1233 _mike.pptx
@@ -258,10 +258,36 @@
       <p15:sldGuideLst xmlns:p15="http://schemas.microsoft.com/office/powerpoint/2012/main"/>
     </p:ext>
     <p:ext uri="http://customooxmlschemas.google.com/">
-      <go:slidesCustomData xmlns:go="http://customooxmlschemas.google.com/" xmlns:p15="http://schemas.microsoft.com/office/powerpoint/2012/main" xmlns:p14="http://schemas.microsoft.com/office/powerpoint/2010/main" xmlns:com="http://schemas.openxmlformats.org/drawingml/2006/compatibility" xmlns:pvml="urn:schemas-microsoft-com:office:powerpoint" xmlns:v="urn:schemas-microsoft-com:vml" xmlns:o="urn:schemas-microsoft-com:office:office" xmlns:dgm="http://schemas.openxmlformats.org/drawingml/2006/diagram" xmlns:c="http://schemas.openxmlformats.org/drawingml/2006/chart" xmlns:mv="urn:schemas-microsoft-com:mac:vml" xmlns:mc="http://schemas.openxmlformats.org/markup-compatibility/2006" xmlns="" r:id="rId35" roundtripDataSignature="AMtx7mhSaRiTD9uDhGJ3nUfwohnl+c0Rsw=="/>
+      <go:slidesCustomData xmlns="" xmlns:mc="http://schemas.openxmlformats.org/markup-compatibility/2006" xmlns:mv="urn:schemas-microsoft-com:mac:vml" xmlns:c="http://schemas.openxmlformats.org/drawingml/2006/chart" xmlns:dgm="http://schemas.openxmlformats.org/drawingml/2006/diagram" xmlns:o="urn:schemas-microsoft-com:office:office" xmlns:v="urn:schemas-microsoft-com:vml" xmlns:pvml="urn:schemas-microsoft-com:office:powerpoint" xmlns:com="http://schemas.openxmlformats.org/drawingml/2006/compatibility" xmlns:p14="http://schemas.microsoft.com/office/powerpoint/2010/main" xmlns:p15="http://schemas.microsoft.com/office/powerpoint/2012/main" xmlns:go="http://customooxmlschemas.google.com/" r:id="rId35" roundtripDataSignature="AMtx7mhSaRiTD9uDhGJ3nUfwohnl+c0Rsw=="/>
     </p:ext>
   </p:extLst>
 </p:presentation>
+</file>
+
+<file path=ppt/commentAuthors.xml><?xml version="1.0" encoding="utf-8"?>
+<p:cmAuthorLst xmlns:a="http://schemas.openxmlformats.org/drawingml/2006/main" xmlns:r="http://schemas.openxmlformats.org/officeDocument/2006/relationships" xmlns:p="http://schemas.openxmlformats.org/presentationml/2006/main">
+  <p:cmAuthor id="1" name="mohit bhadauria" initials="mb" lastIdx="1" clrIdx="0">
+    <p:extLst>
+      <p:ext uri="{19B8F6BF-5375-455C-9EA6-DF929625EA0E}">
+        <p15:presenceInfo xmlns:p15="http://schemas.microsoft.com/office/powerpoint/2012/main" userId="202277163da5038d" providerId="Windows Live"/>
+      </p:ext>
+    </p:extLst>
+  </p:cmAuthor>
+</p:cmAuthorLst>
+</file>
+
+<file path=ppt/comments/comment1.xml><?xml version="1.0" encoding="utf-8"?>
+<p:cmLst xmlns:a="http://schemas.openxmlformats.org/drawingml/2006/main" xmlns:r="http://schemas.openxmlformats.org/officeDocument/2006/relationships" xmlns:p="http://schemas.openxmlformats.org/presentationml/2006/main">
+  <p:cm authorId="1" dt="2021-05-09T10:43:32.764" idx="1">
+    <p:pos x="7680" y="10"/>
+    <p:text/>
+    <p:extLst>
+      <p:ext uri="{C676402C-5697-4E1C-873F-D02D1690AC5C}">
+        <p15:threadingInfo xmlns:p15="http://schemas.microsoft.com/office/powerpoint/2012/main" timeZoneBias="300"/>
+      </p:ext>
+    </p:extLst>
+  </p:cm>
+</p:cmLst>
 </file>
 
 <file path=ppt/notesMasters/notesMaster1.xml><?xml version="1.0" encoding="utf-8"?>
@@ -12973,7 +12999,7 @@
         </p:blipFill>
         <p:spPr>
           <a:xfrm>
-            <a:off x="0" y="16331"/>
+            <a:off x="-2" y="8165"/>
             <a:ext cx="12192000" cy="6858000"/>
           </a:xfrm>
           <a:prstGeom prst="rect">
@@ -13227,6 +13253,3241 @@
               </a:rPr>
               <a:t>CS 598/Team 1233</a:t>
             </a:r>
+          </a:p>
+        </p:txBody>
+      </p:sp>
+      <p:sp>
+        <p:nvSpPr>
+          <p:cNvPr id="3" name="TextBox 2">
+            <a:extLst>
+              <a:ext uri="{FF2B5EF4-FFF2-40B4-BE49-F238E27FC236}">
+                <a16:creationId xmlns:a16="http://schemas.microsoft.com/office/drawing/2014/main" id="{F4BC10FD-7A62-4395-A6E1-B97E3630FBAF}"/>
+              </a:ext>
+            </a:extLst>
+          </p:cNvPr>
+          <p:cNvSpPr txBox="1"/>
+          <p:nvPr/>
+        </p:nvSpPr>
+        <p:spPr>
+          <a:xfrm>
+            <a:off x="277706" y="1116220"/>
+            <a:ext cx="11554409" cy="5088573"/>
+          </a:xfrm>
+          <a:prstGeom prst="rect">
+            <a:avLst/>
+          </a:prstGeom>
+          <a:noFill/>
+        </p:spPr>
+        <p:txBody>
+          <a:bodyPr wrap="square" rtlCol="0">
+            <a:spAutoFit/>
+          </a:bodyPr>
+          <a:lstStyle/>
+          <a:p>
+            <a:pPr marL="342900" marR="24130" lvl="0" indent="-342900" algn="just">
+              <a:spcBef>
+                <a:spcPts val="5"/>
+              </a:spcBef>
+              <a:spcAft>
+                <a:spcPts val="0"/>
+              </a:spcAft>
+              <a:buSzPts val="900"/>
+              <a:buFont typeface="Arial" panose="020B0604020202020204" pitchFamily="34" charset="0"/>
+              <a:buChar char="•"/>
+              <a:tabLst>
+                <a:tab pos="419735" algn="l"/>
+              </a:tabLst>
+            </a:pPr>
+            <a:r>
+              <a:rPr lang="en-US" sz="1200" dirty="0">
+                <a:solidFill>
+                  <a:schemeClr val="bg1"/>
+                </a:solidFill>
+                <a:effectLst/>
+                <a:latin typeface="+mn-lt"/>
+                <a:ea typeface="Times New Roman" panose="02020603050405020304" pitchFamily="18" charset="0"/>
+              </a:rPr>
+              <a:t>Roberts, M., Driggs, D., Thorpe, M. </a:t>
+            </a:r>
+            <a:r>
+              <a:rPr lang="en-US" sz="1200" i="1" dirty="0">
+                <a:solidFill>
+                  <a:schemeClr val="bg1"/>
+                </a:solidFill>
+                <a:effectLst/>
+                <a:latin typeface="+mn-lt"/>
+                <a:ea typeface="Times New Roman" panose="02020603050405020304" pitchFamily="18" charset="0"/>
+              </a:rPr>
+              <a:t>et al. </a:t>
+            </a:r>
+            <a:r>
+              <a:rPr lang="en-US" sz="1200" dirty="0">
+                <a:solidFill>
+                  <a:schemeClr val="bg1"/>
+                </a:solidFill>
+                <a:effectLst/>
+                <a:latin typeface="+mn-lt"/>
+                <a:ea typeface="Times New Roman" panose="02020603050405020304" pitchFamily="18" charset="0"/>
+              </a:rPr>
+              <a:t>Common pitfalls</a:t>
+            </a:r>
+            <a:r>
+              <a:rPr lang="en-US" sz="1200" spc="5" dirty="0">
+                <a:solidFill>
+                  <a:schemeClr val="bg1"/>
+                </a:solidFill>
+                <a:effectLst/>
+                <a:latin typeface="+mn-lt"/>
+                <a:ea typeface="Times New Roman" panose="02020603050405020304" pitchFamily="18" charset="0"/>
+              </a:rPr>
+              <a:t> </a:t>
+            </a:r>
+            <a:r>
+              <a:rPr lang="en-US" sz="1200" dirty="0">
+                <a:solidFill>
+                  <a:schemeClr val="bg1"/>
+                </a:solidFill>
+                <a:effectLst/>
+                <a:latin typeface="+mn-lt"/>
+                <a:ea typeface="Times New Roman" panose="02020603050405020304" pitchFamily="18" charset="0"/>
+              </a:rPr>
+              <a:t>and recommendations for using machine learning to detect</a:t>
+            </a:r>
+            <a:r>
+              <a:rPr lang="en-US" sz="1200" spc="5" dirty="0">
+                <a:solidFill>
+                  <a:schemeClr val="bg1"/>
+                </a:solidFill>
+                <a:effectLst/>
+                <a:latin typeface="+mn-lt"/>
+                <a:ea typeface="Times New Roman" panose="02020603050405020304" pitchFamily="18" charset="0"/>
+              </a:rPr>
+              <a:t> </a:t>
+            </a:r>
+            <a:r>
+              <a:rPr lang="en-US" sz="1200" dirty="0">
+                <a:solidFill>
+                  <a:schemeClr val="bg1"/>
+                </a:solidFill>
+                <a:effectLst/>
+                <a:latin typeface="+mn-lt"/>
+                <a:ea typeface="Times New Roman" panose="02020603050405020304" pitchFamily="18" charset="0"/>
+              </a:rPr>
+              <a:t>and prognosticate for COVID-19 using chest radiographs and</a:t>
+            </a:r>
+            <a:r>
+              <a:rPr lang="en-US" sz="1200" spc="-210" dirty="0">
+                <a:solidFill>
+                  <a:schemeClr val="bg1"/>
+                </a:solidFill>
+                <a:effectLst/>
+                <a:latin typeface="+mn-lt"/>
+                <a:ea typeface="Times New Roman" panose="02020603050405020304" pitchFamily="18" charset="0"/>
+              </a:rPr>
+              <a:t> </a:t>
+            </a:r>
+            <a:r>
+              <a:rPr lang="en-US" sz="1200" dirty="0">
+                <a:solidFill>
+                  <a:schemeClr val="bg1"/>
+                </a:solidFill>
+                <a:effectLst/>
+                <a:latin typeface="+mn-lt"/>
+                <a:ea typeface="Times New Roman" panose="02020603050405020304" pitchFamily="18" charset="0"/>
+              </a:rPr>
+              <a:t>CT</a:t>
+            </a:r>
+            <a:r>
+              <a:rPr lang="en-US" sz="1200" spc="5" dirty="0">
+                <a:solidFill>
+                  <a:schemeClr val="bg1"/>
+                </a:solidFill>
+                <a:effectLst/>
+                <a:latin typeface="+mn-lt"/>
+                <a:ea typeface="Times New Roman" panose="02020603050405020304" pitchFamily="18" charset="0"/>
+              </a:rPr>
+              <a:t> </a:t>
+            </a:r>
+            <a:r>
+              <a:rPr lang="en-US" sz="1200" dirty="0">
+                <a:solidFill>
+                  <a:schemeClr val="bg1"/>
+                </a:solidFill>
+                <a:effectLst/>
+                <a:latin typeface="+mn-lt"/>
+                <a:ea typeface="Times New Roman" panose="02020603050405020304" pitchFamily="18" charset="0"/>
+              </a:rPr>
+              <a:t>scans.</a:t>
+            </a:r>
+            <a:r>
+              <a:rPr lang="en-US" sz="1200" spc="5" dirty="0">
+                <a:solidFill>
+                  <a:schemeClr val="bg1"/>
+                </a:solidFill>
+                <a:effectLst/>
+                <a:latin typeface="+mn-lt"/>
+                <a:ea typeface="Times New Roman" panose="02020603050405020304" pitchFamily="18" charset="0"/>
+              </a:rPr>
+              <a:t> </a:t>
+            </a:r>
+            <a:r>
+              <a:rPr lang="en-US" sz="1200" i="1" dirty="0">
+                <a:solidFill>
+                  <a:schemeClr val="bg1"/>
+                </a:solidFill>
+                <a:effectLst/>
+                <a:latin typeface="+mn-lt"/>
+                <a:ea typeface="Times New Roman" panose="02020603050405020304" pitchFamily="18" charset="0"/>
+              </a:rPr>
+              <a:t>Nat</a:t>
+            </a:r>
+            <a:r>
+              <a:rPr lang="en-US" sz="1200" i="1" spc="5" dirty="0">
+                <a:solidFill>
+                  <a:schemeClr val="bg1"/>
+                </a:solidFill>
+                <a:effectLst/>
+                <a:latin typeface="+mn-lt"/>
+                <a:ea typeface="Times New Roman" panose="02020603050405020304" pitchFamily="18" charset="0"/>
+              </a:rPr>
+              <a:t> </a:t>
+            </a:r>
+            <a:r>
+              <a:rPr lang="en-US" sz="1200" i="1" dirty="0">
+                <a:solidFill>
+                  <a:schemeClr val="bg1"/>
+                </a:solidFill>
+                <a:effectLst/>
+                <a:latin typeface="+mn-lt"/>
+                <a:ea typeface="Times New Roman" panose="02020603050405020304" pitchFamily="18" charset="0"/>
+              </a:rPr>
+              <a:t>Mach</a:t>
+            </a:r>
+            <a:r>
+              <a:rPr lang="en-US" sz="1200" i="1" spc="5" dirty="0">
+                <a:solidFill>
+                  <a:schemeClr val="bg1"/>
+                </a:solidFill>
+                <a:effectLst/>
+                <a:latin typeface="+mn-lt"/>
+                <a:ea typeface="Times New Roman" panose="02020603050405020304" pitchFamily="18" charset="0"/>
+              </a:rPr>
+              <a:t> </a:t>
+            </a:r>
+            <a:r>
+              <a:rPr lang="en-US" sz="1200" i="1" dirty="0" err="1">
+                <a:solidFill>
+                  <a:schemeClr val="bg1"/>
+                </a:solidFill>
+                <a:effectLst/>
+                <a:latin typeface="+mn-lt"/>
+                <a:ea typeface="Times New Roman" panose="02020603050405020304" pitchFamily="18" charset="0"/>
+              </a:rPr>
+              <a:t>Intell</a:t>
+            </a:r>
+            <a:r>
+              <a:rPr lang="en-US" sz="1200" i="1" spc="5" dirty="0">
+                <a:solidFill>
+                  <a:schemeClr val="bg1"/>
+                </a:solidFill>
+                <a:effectLst/>
+                <a:latin typeface="+mn-lt"/>
+                <a:ea typeface="Times New Roman" panose="02020603050405020304" pitchFamily="18" charset="0"/>
+              </a:rPr>
+              <a:t> </a:t>
+            </a:r>
+            <a:r>
+              <a:rPr lang="en-US" sz="1200" b="1" dirty="0">
+                <a:solidFill>
+                  <a:schemeClr val="bg1"/>
+                </a:solidFill>
+                <a:effectLst/>
+                <a:latin typeface="+mn-lt"/>
+                <a:ea typeface="Times New Roman" panose="02020603050405020304" pitchFamily="18" charset="0"/>
+              </a:rPr>
+              <a:t>3,</a:t>
+            </a:r>
+            <a:r>
+              <a:rPr lang="en-US" sz="1200" b="1" spc="5" dirty="0">
+                <a:solidFill>
+                  <a:schemeClr val="bg1"/>
+                </a:solidFill>
+                <a:effectLst/>
+                <a:latin typeface="+mn-lt"/>
+                <a:ea typeface="Times New Roman" panose="02020603050405020304" pitchFamily="18" charset="0"/>
+              </a:rPr>
+              <a:t> </a:t>
+            </a:r>
+            <a:r>
+              <a:rPr lang="en-US" sz="1200" dirty="0">
+                <a:solidFill>
+                  <a:schemeClr val="bg1"/>
+                </a:solidFill>
+                <a:effectLst/>
+                <a:latin typeface="+mn-lt"/>
+                <a:ea typeface="Times New Roman" panose="02020603050405020304" pitchFamily="18" charset="0"/>
+              </a:rPr>
+              <a:t>199–217</a:t>
+            </a:r>
+            <a:r>
+              <a:rPr lang="en-US" sz="1200" spc="5" dirty="0">
+                <a:solidFill>
+                  <a:schemeClr val="bg1"/>
+                </a:solidFill>
+                <a:effectLst/>
+                <a:latin typeface="+mn-lt"/>
+                <a:ea typeface="Times New Roman" panose="02020603050405020304" pitchFamily="18" charset="0"/>
+              </a:rPr>
+              <a:t> </a:t>
+            </a:r>
+            <a:r>
+              <a:rPr lang="en-US" sz="1200" dirty="0">
+                <a:solidFill>
+                  <a:schemeClr val="bg1"/>
+                </a:solidFill>
+                <a:effectLst/>
+                <a:latin typeface="+mn-lt"/>
+                <a:ea typeface="Times New Roman" panose="02020603050405020304" pitchFamily="18" charset="0"/>
+              </a:rPr>
+              <a:t>(2021).</a:t>
+            </a:r>
+            <a:r>
+              <a:rPr lang="en-US" sz="1200" spc="5" dirty="0">
+                <a:solidFill>
+                  <a:schemeClr val="bg1"/>
+                </a:solidFill>
+                <a:effectLst/>
+                <a:latin typeface="+mn-lt"/>
+                <a:ea typeface="Times New Roman" panose="02020603050405020304" pitchFamily="18" charset="0"/>
+              </a:rPr>
+              <a:t> </a:t>
+            </a:r>
+            <a:r>
+              <a:rPr lang="en-US" sz="1200" dirty="0">
+                <a:solidFill>
+                  <a:schemeClr val="bg1"/>
+                </a:solidFill>
+                <a:effectLst/>
+                <a:latin typeface="+mn-lt"/>
+                <a:ea typeface="Times New Roman" panose="02020603050405020304" pitchFamily="18" charset="0"/>
+              </a:rPr>
+              <a:t>(link:</a:t>
+            </a:r>
+            <a:r>
+              <a:rPr lang="en-US" sz="1200" spc="5" dirty="0">
+                <a:solidFill>
+                  <a:schemeClr val="bg1"/>
+                </a:solidFill>
+                <a:effectLst/>
+                <a:latin typeface="+mn-lt"/>
+                <a:ea typeface="Times New Roman" panose="02020603050405020304" pitchFamily="18" charset="0"/>
+              </a:rPr>
+              <a:t> </a:t>
+            </a:r>
+            <a:r>
+              <a:rPr lang="en-US" sz="1200" u="sng" dirty="0">
+                <a:solidFill>
+                  <a:schemeClr val="bg1"/>
+                </a:solidFill>
+                <a:effectLst/>
+                <a:latin typeface="+mn-lt"/>
+                <a:ea typeface="Times New Roman" panose="02020603050405020304" pitchFamily="18" charset="0"/>
+                <a:hlinkClick r:id="rId4">
+                  <a:extLst>
+                    <a:ext uri="{A12FA001-AC4F-418D-AE19-62706E023703}">
+                      <ahyp:hlinkClr xmlns:ahyp="http://schemas.microsoft.com/office/drawing/2018/hyperlinkcolor" val="tx"/>
+                    </a:ext>
+                  </a:extLst>
+                </a:hlinkClick>
+              </a:rPr>
+              <a:t>https://doi.org/10.1038/s42256-021-00307-0</a:t>
+            </a:r>
+            <a:r>
+              <a:rPr lang="en-US" sz="1200" dirty="0">
+                <a:solidFill>
+                  <a:schemeClr val="bg1"/>
+                </a:solidFill>
+                <a:effectLst/>
+                <a:latin typeface="+mn-lt"/>
+                <a:ea typeface="Times New Roman" panose="02020603050405020304" pitchFamily="18" charset="0"/>
+              </a:rPr>
+              <a:t>)</a:t>
+            </a:r>
+          </a:p>
+          <a:p>
+            <a:pPr marL="342900" marR="24130" lvl="0" indent="-342900" algn="just">
+              <a:spcBef>
+                <a:spcPts val="5"/>
+              </a:spcBef>
+              <a:spcAft>
+                <a:spcPts val="0"/>
+              </a:spcAft>
+              <a:buSzPts val="900"/>
+              <a:buFont typeface="Arial" panose="020B0604020202020204" pitchFamily="34" charset="0"/>
+              <a:buChar char="•"/>
+              <a:tabLst>
+                <a:tab pos="419735" algn="l"/>
+              </a:tabLst>
+            </a:pPr>
+            <a:endParaRPr lang="en-US" sz="1200" dirty="0">
+              <a:solidFill>
+                <a:schemeClr val="bg1"/>
+              </a:solidFill>
+              <a:effectLst/>
+              <a:latin typeface="+mn-lt"/>
+              <a:ea typeface="Times New Roman" panose="02020603050405020304" pitchFamily="18" charset="0"/>
+            </a:endParaRPr>
+          </a:p>
+          <a:p>
+            <a:pPr marL="342900" marR="26035" lvl="0" indent="-342900" algn="just">
+              <a:spcBef>
+                <a:spcPts val="405"/>
+              </a:spcBef>
+              <a:spcAft>
+                <a:spcPts val="0"/>
+              </a:spcAft>
+              <a:buSzPts val="900"/>
+              <a:buFont typeface="Arial" panose="020B0604020202020204" pitchFamily="34" charset="0"/>
+              <a:buChar char="•"/>
+              <a:tabLst>
+                <a:tab pos="419735" algn="l"/>
+              </a:tabLst>
+            </a:pPr>
+            <a:r>
+              <a:rPr lang="en-US" sz="1200" dirty="0">
+                <a:solidFill>
+                  <a:schemeClr val="bg1"/>
+                </a:solidFill>
+                <a:effectLst/>
+                <a:latin typeface="+mn-lt"/>
+                <a:ea typeface="Times New Roman" panose="02020603050405020304" pitchFamily="18" charset="0"/>
+              </a:rPr>
+              <a:t>Cohen, J. P. COVID-19 Image Data Collection. </a:t>
+            </a:r>
+            <a:r>
+              <a:rPr lang="en-US" sz="1200" dirty="0" err="1">
+                <a:solidFill>
+                  <a:schemeClr val="bg1"/>
+                </a:solidFill>
+                <a:effectLst/>
+                <a:latin typeface="+mn-lt"/>
+                <a:ea typeface="Times New Roman" panose="02020603050405020304" pitchFamily="18" charset="0"/>
+              </a:rPr>
+              <a:t>ArXiv</a:t>
+            </a:r>
+            <a:r>
+              <a:rPr lang="en-US" sz="1200" dirty="0">
+                <a:solidFill>
+                  <a:schemeClr val="bg1"/>
+                </a:solidFill>
+                <a:effectLst/>
+                <a:latin typeface="+mn-lt"/>
+                <a:ea typeface="Times New Roman" panose="02020603050405020304" pitchFamily="18" charset="0"/>
+              </a:rPr>
+              <a:t>. 2020,</a:t>
+            </a:r>
+            <a:r>
+              <a:rPr lang="en-US" sz="1200" spc="-210" dirty="0">
+                <a:solidFill>
+                  <a:schemeClr val="bg1"/>
+                </a:solidFill>
+                <a:effectLst/>
+                <a:latin typeface="+mn-lt"/>
+                <a:ea typeface="Times New Roman" panose="02020603050405020304" pitchFamily="18" charset="0"/>
+              </a:rPr>
+              <a:t> </a:t>
+            </a:r>
+            <a:r>
+              <a:rPr lang="en-US" sz="1200" dirty="0">
+                <a:solidFill>
+                  <a:schemeClr val="bg1"/>
+                </a:solidFill>
+                <a:effectLst/>
+                <a:latin typeface="+mn-lt"/>
+                <a:ea typeface="Times New Roman" panose="02020603050405020304" pitchFamily="18" charset="0"/>
+              </a:rPr>
+              <a:t>arXiv:2003.11597.</a:t>
+            </a:r>
+          </a:p>
+          <a:p>
+            <a:pPr marL="342900" marR="26035" lvl="0" indent="-342900" algn="just">
+              <a:spcBef>
+                <a:spcPts val="405"/>
+              </a:spcBef>
+              <a:spcAft>
+                <a:spcPts val="0"/>
+              </a:spcAft>
+              <a:buSzPts val="900"/>
+              <a:buFont typeface="Arial" panose="020B0604020202020204" pitchFamily="34" charset="0"/>
+              <a:buChar char="•"/>
+              <a:tabLst>
+                <a:tab pos="419735" algn="l"/>
+              </a:tabLst>
+            </a:pPr>
+            <a:endParaRPr lang="en-US" sz="1200" dirty="0">
+              <a:solidFill>
+                <a:schemeClr val="bg1"/>
+              </a:solidFill>
+              <a:effectLst/>
+              <a:latin typeface="+mn-lt"/>
+              <a:ea typeface="Times New Roman" panose="02020603050405020304" pitchFamily="18" charset="0"/>
+            </a:endParaRPr>
+          </a:p>
+          <a:p>
+            <a:pPr marL="342900" marR="26035" lvl="0" indent="-342900" algn="just">
+              <a:spcBef>
+                <a:spcPts val="405"/>
+              </a:spcBef>
+              <a:spcAft>
+                <a:spcPts val="0"/>
+              </a:spcAft>
+              <a:buSzPts val="900"/>
+              <a:buFont typeface="Arial" panose="020B0604020202020204" pitchFamily="34" charset="0"/>
+              <a:buChar char="•"/>
+              <a:tabLst>
+                <a:tab pos="419735" algn="l"/>
+              </a:tabLst>
+            </a:pPr>
+            <a:r>
+              <a:rPr lang="en-US" sz="1200" dirty="0" err="1">
+                <a:solidFill>
+                  <a:schemeClr val="bg1"/>
+                </a:solidFill>
+                <a:effectLst/>
+                <a:latin typeface="+mn-lt"/>
+                <a:ea typeface="Times New Roman" panose="02020603050405020304" pitchFamily="18" charset="0"/>
+              </a:rPr>
+              <a:t>Sekeroglu</a:t>
+            </a:r>
+            <a:r>
+              <a:rPr lang="en-US" sz="1200" dirty="0">
+                <a:solidFill>
+                  <a:schemeClr val="bg1"/>
+                </a:solidFill>
+                <a:effectLst/>
+                <a:latin typeface="+mn-lt"/>
+                <a:ea typeface="Times New Roman" panose="02020603050405020304" pitchFamily="18" charset="0"/>
+              </a:rPr>
+              <a:t> B, </a:t>
+            </a:r>
+            <a:r>
+              <a:rPr lang="en-US" sz="1200" dirty="0" err="1">
+                <a:solidFill>
+                  <a:schemeClr val="bg1"/>
+                </a:solidFill>
+                <a:effectLst/>
+                <a:latin typeface="+mn-lt"/>
+                <a:ea typeface="Times New Roman" panose="02020603050405020304" pitchFamily="18" charset="0"/>
+              </a:rPr>
+              <a:t>Ozsahin</a:t>
+            </a:r>
+            <a:r>
+              <a:rPr lang="en-US" sz="1200" dirty="0">
+                <a:solidFill>
+                  <a:schemeClr val="bg1"/>
+                </a:solidFill>
+                <a:effectLst/>
+                <a:latin typeface="+mn-lt"/>
+                <a:ea typeface="Times New Roman" panose="02020603050405020304" pitchFamily="18" charset="0"/>
+              </a:rPr>
+              <a:t> I. Detection of COVID-19 from Chest X-Ray Images Using Convolutional Neural Networks. SLAS TECHNOLOGY: Translating Life Sciences Innovation. 2020;25(6):553-565. doi:10.1177/2472630320958376 (link: </a:t>
+            </a:r>
+            <a:r>
+              <a:rPr lang="en-US" sz="1200" dirty="0">
+                <a:solidFill>
+                  <a:schemeClr val="bg1"/>
+                </a:solidFill>
+                <a:latin typeface="+mn-lt"/>
+                <a:hlinkClick r:id="rId5">
+                  <a:extLst>
+                    <a:ext uri="{A12FA001-AC4F-418D-AE19-62706E023703}">
+                      <ahyp:hlinkClr xmlns:ahyp="http://schemas.microsoft.com/office/drawing/2018/hyperlinkcolor" val="tx"/>
+                    </a:ext>
+                  </a:extLst>
+                </a:hlinkClick>
+              </a:rPr>
+              <a:t>https://doi.org/10.1177/2472630320958376</a:t>
+            </a:r>
+            <a:r>
+              <a:rPr lang="en-US" sz="1200" dirty="0">
+                <a:solidFill>
+                  <a:schemeClr val="bg1"/>
+                </a:solidFill>
+                <a:latin typeface="+mn-lt"/>
+              </a:rPr>
+              <a:t>)</a:t>
+            </a:r>
+            <a:endParaRPr lang="en-US" sz="1200" dirty="0">
+              <a:solidFill>
+                <a:schemeClr val="bg1"/>
+              </a:solidFill>
+              <a:effectLst/>
+              <a:latin typeface="+mn-lt"/>
+              <a:ea typeface="Times New Roman" panose="02020603050405020304" pitchFamily="18" charset="0"/>
+            </a:endParaRPr>
+          </a:p>
+          <a:p>
+            <a:pPr marL="342900" marR="26035" lvl="0" indent="-342900" algn="just">
+              <a:spcBef>
+                <a:spcPts val="405"/>
+              </a:spcBef>
+              <a:spcAft>
+                <a:spcPts val="0"/>
+              </a:spcAft>
+              <a:buSzPts val="900"/>
+              <a:buFont typeface="Arial" panose="020B0604020202020204" pitchFamily="34" charset="0"/>
+              <a:buChar char="•"/>
+              <a:tabLst>
+                <a:tab pos="419735" algn="l"/>
+              </a:tabLst>
+            </a:pPr>
+            <a:endParaRPr lang="en-US" sz="1200" dirty="0">
+              <a:solidFill>
+                <a:schemeClr val="bg1"/>
+              </a:solidFill>
+              <a:effectLst/>
+              <a:latin typeface="+mn-lt"/>
+              <a:ea typeface="Times New Roman" panose="02020603050405020304" pitchFamily="18" charset="0"/>
+            </a:endParaRPr>
+          </a:p>
+          <a:p>
+            <a:pPr marL="342900" marR="24130" lvl="0" indent="-342900" algn="just">
+              <a:spcBef>
+                <a:spcPts val="0"/>
+              </a:spcBef>
+              <a:spcAft>
+                <a:spcPts val="0"/>
+              </a:spcAft>
+              <a:buSzPts val="900"/>
+              <a:buFont typeface="Arial" panose="020B0604020202020204" pitchFamily="34" charset="0"/>
+              <a:buChar char="•"/>
+              <a:tabLst>
+                <a:tab pos="419735" algn="l"/>
+              </a:tabLst>
+            </a:pPr>
+            <a:r>
+              <a:rPr lang="en-US" sz="1200" dirty="0" err="1">
+                <a:solidFill>
+                  <a:schemeClr val="bg1"/>
+                </a:solidFill>
+                <a:effectLst/>
+                <a:latin typeface="+mn-lt"/>
+                <a:ea typeface="Times New Roman" panose="02020603050405020304" pitchFamily="18" charset="0"/>
+              </a:rPr>
+              <a:t>Apostolopoulos</a:t>
+            </a:r>
+            <a:r>
+              <a:rPr lang="en-US" sz="1200" dirty="0">
+                <a:solidFill>
+                  <a:schemeClr val="bg1"/>
+                </a:solidFill>
+                <a:effectLst/>
+                <a:latin typeface="+mn-lt"/>
+                <a:ea typeface="Times New Roman" panose="02020603050405020304" pitchFamily="18" charset="0"/>
+              </a:rPr>
+              <a:t>, I.</a:t>
+            </a:r>
+            <a:r>
+              <a:rPr lang="en-US" sz="1200" spc="5" dirty="0">
+                <a:solidFill>
+                  <a:schemeClr val="bg1"/>
+                </a:solidFill>
+                <a:effectLst/>
+                <a:latin typeface="+mn-lt"/>
+                <a:ea typeface="Times New Roman" panose="02020603050405020304" pitchFamily="18" charset="0"/>
+              </a:rPr>
+              <a:t> </a:t>
+            </a:r>
+            <a:r>
+              <a:rPr lang="en-US" sz="1200" dirty="0">
+                <a:solidFill>
+                  <a:schemeClr val="bg1"/>
+                </a:solidFill>
+                <a:effectLst/>
+                <a:latin typeface="+mn-lt"/>
+                <a:ea typeface="Times New Roman" panose="02020603050405020304" pitchFamily="18" charset="0"/>
+              </a:rPr>
+              <a:t>D.,</a:t>
+            </a:r>
+            <a:r>
+              <a:rPr lang="en-US" sz="1200" spc="5" dirty="0">
+                <a:solidFill>
+                  <a:schemeClr val="bg1"/>
+                </a:solidFill>
+                <a:effectLst/>
+                <a:latin typeface="+mn-lt"/>
+                <a:ea typeface="Times New Roman" panose="02020603050405020304" pitchFamily="18" charset="0"/>
+              </a:rPr>
+              <a:t> </a:t>
+            </a:r>
+            <a:r>
+              <a:rPr lang="en-US" sz="1200" dirty="0" err="1">
+                <a:solidFill>
+                  <a:schemeClr val="bg1"/>
+                </a:solidFill>
+                <a:effectLst/>
+                <a:latin typeface="+mn-lt"/>
+                <a:ea typeface="Times New Roman" panose="02020603050405020304" pitchFamily="18" charset="0"/>
+              </a:rPr>
+              <a:t>Mpesiana</a:t>
+            </a:r>
+            <a:r>
+              <a:rPr lang="en-US" sz="1200" dirty="0">
+                <a:solidFill>
+                  <a:schemeClr val="bg1"/>
+                </a:solidFill>
+                <a:effectLst/>
+                <a:latin typeface="+mn-lt"/>
+                <a:ea typeface="Times New Roman" panose="02020603050405020304" pitchFamily="18" charset="0"/>
+              </a:rPr>
+              <a:t>,</a:t>
+            </a:r>
+            <a:r>
+              <a:rPr lang="en-US" sz="1200" spc="5" dirty="0">
+                <a:solidFill>
+                  <a:schemeClr val="bg1"/>
+                </a:solidFill>
+                <a:effectLst/>
+                <a:latin typeface="+mn-lt"/>
+                <a:ea typeface="Times New Roman" panose="02020603050405020304" pitchFamily="18" charset="0"/>
+              </a:rPr>
+              <a:t> </a:t>
+            </a:r>
+            <a:r>
+              <a:rPr lang="en-US" sz="1200" dirty="0">
+                <a:solidFill>
+                  <a:schemeClr val="bg1"/>
+                </a:solidFill>
+                <a:effectLst/>
+                <a:latin typeface="+mn-lt"/>
+                <a:ea typeface="Times New Roman" panose="02020603050405020304" pitchFamily="18" charset="0"/>
+              </a:rPr>
+              <a:t>T.</a:t>
+            </a:r>
+            <a:r>
+              <a:rPr lang="en-US" sz="1200" spc="5" dirty="0">
+                <a:solidFill>
+                  <a:schemeClr val="bg1"/>
+                </a:solidFill>
+                <a:effectLst/>
+                <a:latin typeface="+mn-lt"/>
+                <a:ea typeface="Times New Roman" panose="02020603050405020304" pitchFamily="18" charset="0"/>
+              </a:rPr>
+              <a:t> </a:t>
+            </a:r>
+            <a:r>
+              <a:rPr lang="en-US" sz="1200" dirty="0">
+                <a:solidFill>
+                  <a:schemeClr val="bg1"/>
+                </a:solidFill>
+                <a:effectLst/>
+                <a:latin typeface="+mn-lt"/>
+                <a:ea typeface="Times New Roman" panose="02020603050405020304" pitchFamily="18" charset="0"/>
+              </a:rPr>
+              <a:t>Covid-19:</a:t>
+            </a:r>
+            <a:r>
+              <a:rPr lang="en-US" sz="1200" spc="5" dirty="0">
+                <a:solidFill>
+                  <a:schemeClr val="bg1"/>
+                </a:solidFill>
+                <a:effectLst/>
+                <a:latin typeface="+mn-lt"/>
+                <a:ea typeface="Times New Roman" panose="02020603050405020304" pitchFamily="18" charset="0"/>
+              </a:rPr>
+              <a:t> </a:t>
+            </a:r>
+            <a:r>
+              <a:rPr lang="en-US" sz="1200" dirty="0">
+                <a:solidFill>
+                  <a:schemeClr val="bg1"/>
+                </a:solidFill>
+                <a:effectLst/>
+                <a:latin typeface="+mn-lt"/>
+                <a:ea typeface="Times New Roman" panose="02020603050405020304" pitchFamily="18" charset="0"/>
+              </a:rPr>
+              <a:t>Automatic</a:t>
+            </a:r>
+            <a:r>
+              <a:rPr lang="en-US" sz="1200" spc="5" dirty="0">
+                <a:solidFill>
+                  <a:schemeClr val="bg1"/>
+                </a:solidFill>
+                <a:effectLst/>
+                <a:latin typeface="+mn-lt"/>
+                <a:ea typeface="Times New Roman" panose="02020603050405020304" pitchFamily="18" charset="0"/>
+              </a:rPr>
+              <a:t> </a:t>
+            </a:r>
+            <a:r>
+              <a:rPr lang="en-US" sz="1200" dirty="0">
+                <a:solidFill>
+                  <a:schemeClr val="bg1"/>
+                </a:solidFill>
+                <a:effectLst/>
+                <a:latin typeface="+mn-lt"/>
+                <a:ea typeface="Times New Roman" panose="02020603050405020304" pitchFamily="18" charset="0"/>
+              </a:rPr>
+              <a:t>Detection from X-Ray Images Utilizing Transfer Learning</a:t>
+            </a:r>
+            <a:r>
+              <a:rPr lang="en-US" sz="1200" spc="5" dirty="0">
+                <a:solidFill>
+                  <a:schemeClr val="bg1"/>
+                </a:solidFill>
+                <a:effectLst/>
+                <a:latin typeface="+mn-lt"/>
+                <a:ea typeface="Times New Roman" panose="02020603050405020304" pitchFamily="18" charset="0"/>
+              </a:rPr>
+              <a:t> </a:t>
+            </a:r>
+            <a:r>
+              <a:rPr lang="en-US" sz="1200" dirty="0">
+                <a:solidFill>
+                  <a:schemeClr val="bg1"/>
+                </a:solidFill>
+                <a:effectLst/>
+                <a:latin typeface="+mn-lt"/>
+                <a:ea typeface="Times New Roman" panose="02020603050405020304" pitchFamily="18" charset="0"/>
+              </a:rPr>
+              <a:t>with Convolutional Neural Networks. Phys. Eng. Sci. Med.</a:t>
+            </a:r>
+            <a:r>
+              <a:rPr lang="en-US" sz="1200" spc="5" dirty="0">
+                <a:solidFill>
+                  <a:schemeClr val="bg1"/>
+                </a:solidFill>
+                <a:effectLst/>
+                <a:latin typeface="+mn-lt"/>
+                <a:ea typeface="Times New Roman" panose="02020603050405020304" pitchFamily="18" charset="0"/>
+              </a:rPr>
+              <a:t> </a:t>
+            </a:r>
+            <a:r>
+              <a:rPr lang="en-US" sz="1200" dirty="0">
+                <a:solidFill>
+                  <a:schemeClr val="bg1"/>
+                </a:solidFill>
+                <a:effectLst/>
+                <a:latin typeface="+mn-lt"/>
+                <a:ea typeface="Times New Roman" panose="02020603050405020304" pitchFamily="18" charset="0"/>
+              </a:rPr>
+              <a:t>2020,</a:t>
+            </a:r>
+            <a:r>
+              <a:rPr lang="en-US" sz="1200" spc="-15" dirty="0">
+                <a:solidFill>
+                  <a:schemeClr val="bg1"/>
+                </a:solidFill>
+                <a:effectLst/>
+                <a:latin typeface="+mn-lt"/>
+                <a:ea typeface="Times New Roman" panose="02020603050405020304" pitchFamily="18" charset="0"/>
+              </a:rPr>
+              <a:t> </a:t>
+            </a:r>
+            <a:r>
+              <a:rPr lang="en-US" sz="1200" dirty="0">
+                <a:solidFill>
+                  <a:schemeClr val="bg1"/>
+                </a:solidFill>
+                <a:effectLst/>
+                <a:latin typeface="+mn-lt"/>
+                <a:ea typeface="Times New Roman" panose="02020603050405020304" pitchFamily="18" charset="0"/>
+              </a:rPr>
+              <a:t>43,</a:t>
+            </a:r>
+            <a:r>
+              <a:rPr lang="en-US" sz="1200" spc="5" dirty="0">
+                <a:solidFill>
+                  <a:schemeClr val="bg1"/>
+                </a:solidFill>
+                <a:effectLst/>
+                <a:latin typeface="+mn-lt"/>
+                <a:ea typeface="Times New Roman" panose="02020603050405020304" pitchFamily="18" charset="0"/>
+              </a:rPr>
+              <a:t> </a:t>
+            </a:r>
+            <a:r>
+              <a:rPr lang="en-US" sz="1200" dirty="0">
+                <a:solidFill>
+                  <a:schemeClr val="bg1"/>
+                </a:solidFill>
+                <a:effectLst/>
+                <a:latin typeface="+mn-lt"/>
+                <a:ea typeface="Times New Roman" panose="02020603050405020304" pitchFamily="18" charset="0"/>
+              </a:rPr>
+              <a:t>635–640</a:t>
+            </a:r>
+          </a:p>
+          <a:p>
+            <a:pPr marL="342900" marR="24130" lvl="0" indent="-342900" algn="just">
+              <a:spcBef>
+                <a:spcPts val="0"/>
+              </a:spcBef>
+              <a:spcAft>
+                <a:spcPts val="0"/>
+              </a:spcAft>
+              <a:buSzPts val="900"/>
+              <a:buFont typeface="Arial" panose="020B0604020202020204" pitchFamily="34" charset="0"/>
+              <a:buChar char="•"/>
+              <a:tabLst>
+                <a:tab pos="419735" algn="l"/>
+              </a:tabLst>
+            </a:pPr>
+            <a:endParaRPr lang="en-US" sz="1200" dirty="0">
+              <a:solidFill>
+                <a:schemeClr val="bg1"/>
+              </a:solidFill>
+              <a:effectLst/>
+              <a:latin typeface="+mn-lt"/>
+              <a:ea typeface="Times New Roman" panose="02020603050405020304" pitchFamily="18" charset="0"/>
+            </a:endParaRPr>
+          </a:p>
+          <a:p>
+            <a:pPr marL="342900" marR="24765" lvl="0" indent="-342900" algn="just">
+              <a:spcBef>
+                <a:spcPts val="395"/>
+              </a:spcBef>
+              <a:spcAft>
+                <a:spcPts val="0"/>
+              </a:spcAft>
+              <a:buSzPts val="900"/>
+              <a:buFont typeface="Arial" panose="020B0604020202020204" pitchFamily="34" charset="0"/>
+              <a:buChar char="•"/>
+              <a:tabLst>
+                <a:tab pos="419735" algn="l"/>
+              </a:tabLst>
+            </a:pPr>
+            <a:r>
+              <a:rPr lang="en-US" sz="1200" dirty="0">
+                <a:solidFill>
+                  <a:schemeClr val="bg1"/>
+                </a:solidFill>
+                <a:effectLst/>
+                <a:latin typeface="+mn-lt"/>
+                <a:ea typeface="Times New Roman" panose="02020603050405020304" pitchFamily="18" charset="0"/>
+              </a:rPr>
+              <a:t>Z. </a:t>
+            </a:r>
+            <a:r>
+              <a:rPr lang="en-US" sz="1200" dirty="0" err="1">
+                <a:solidFill>
+                  <a:schemeClr val="bg1"/>
+                </a:solidFill>
+                <a:effectLst/>
+                <a:latin typeface="+mn-lt"/>
+                <a:ea typeface="Times New Roman" panose="02020603050405020304" pitchFamily="18" charset="0"/>
+              </a:rPr>
+              <a:t>Zahisham</a:t>
+            </a:r>
+            <a:r>
+              <a:rPr lang="en-US" sz="1200" dirty="0">
+                <a:solidFill>
+                  <a:schemeClr val="bg1"/>
+                </a:solidFill>
+                <a:effectLst/>
+                <a:latin typeface="+mn-lt"/>
+                <a:ea typeface="Times New Roman" panose="02020603050405020304" pitchFamily="18" charset="0"/>
+              </a:rPr>
+              <a:t>, C. P. Lee and K. M. Lim, "Food Recognition</a:t>
+            </a:r>
+            <a:r>
+              <a:rPr lang="en-US" sz="1200" spc="5" dirty="0">
+                <a:solidFill>
+                  <a:schemeClr val="bg1"/>
+                </a:solidFill>
+                <a:effectLst/>
+                <a:latin typeface="+mn-lt"/>
+                <a:ea typeface="Times New Roman" panose="02020603050405020304" pitchFamily="18" charset="0"/>
+              </a:rPr>
+              <a:t> </a:t>
+            </a:r>
+            <a:r>
+              <a:rPr lang="en-US" sz="1200" dirty="0">
+                <a:solidFill>
+                  <a:schemeClr val="bg1"/>
+                </a:solidFill>
+                <a:effectLst/>
+                <a:latin typeface="+mn-lt"/>
+                <a:ea typeface="Times New Roman" panose="02020603050405020304" pitchFamily="18" charset="0"/>
+              </a:rPr>
+              <a:t>with</a:t>
+            </a:r>
+            <a:r>
+              <a:rPr lang="en-US" sz="1200" spc="5" dirty="0">
+                <a:solidFill>
+                  <a:schemeClr val="bg1"/>
+                </a:solidFill>
+                <a:effectLst/>
+                <a:latin typeface="+mn-lt"/>
+                <a:ea typeface="Times New Roman" panose="02020603050405020304" pitchFamily="18" charset="0"/>
+              </a:rPr>
+              <a:t> </a:t>
+            </a:r>
+            <a:r>
+              <a:rPr lang="en-US" sz="1200" dirty="0">
+                <a:solidFill>
+                  <a:schemeClr val="bg1"/>
+                </a:solidFill>
+                <a:effectLst/>
+                <a:latin typeface="+mn-lt"/>
+                <a:ea typeface="Times New Roman" panose="02020603050405020304" pitchFamily="18" charset="0"/>
+              </a:rPr>
+              <a:t>ResNet-50," 2020 IEEE 2nd</a:t>
+            </a:r>
+            <a:r>
+              <a:rPr lang="en-US" sz="1200" spc="225" dirty="0">
+                <a:solidFill>
+                  <a:schemeClr val="bg1"/>
+                </a:solidFill>
+                <a:effectLst/>
+                <a:latin typeface="+mn-lt"/>
+                <a:ea typeface="Times New Roman" panose="02020603050405020304" pitchFamily="18" charset="0"/>
+              </a:rPr>
+              <a:t> </a:t>
+            </a:r>
+            <a:r>
+              <a:rPr lang="en-US" sz="1200" dirty="0">
+                <a:solidFill>
+                  <a:schemeClr val="bg1"/>
+                </a:solidFill>
+                <a:effectLst/>
+                <a:latin typeface="+mn-lt"/>
+                <a:ea typeface="Times New Roman" panose="02020603050405020304" pitchFamily="18" charset="0"/>
+              </a:rPr>
+              <a:t>International Conference</a:t>
+            </a:r>
+            <a:r>
+              <a:rPr lang="en-US" sz="1200" spc="5" dirty="0">
+                <a:solidFill>
+                  <a:schemeClr val="bg1"/>
+                </a:solidFill>
+                <a:effectLst/>
+                <a:latin typeface="+mn-lt"/>
+                <a:ea typeface="Times New Roman" panose="02020603050405020304" pitchFamily="18" charset="0"/>
+              </a:rPr>
+              <a:t> </a:t>
+            </a:r>
+            <a:r>
+              <a:rPr lang="en-US" sz="1200" dirty="0">
+                <a:solidFill>
+                  <a:schemeClr val="bg1"/>
+                </a:solidFill>
+                <a:effectLst/>
+                <a:latin typeface="+mn-lt"/>
+                <a:ea typeface="Times New Roman" panose="02020603050405020304" pitchFamily="18" charset="0"/>
+              </a:rPr>
+              <a:t>on</a:t>
+            </a:r>
+            <a:r>
+              <a:rPr lang="en-US" sz="1200" spc="5" dirty="0">
+                <a:solidFill>
+                  <a:schemeClr val="bg1"/>
+                </a:solidFill>
+                <a:effectLst/>
+                <a:latin typeface="+mn-lt"/>
+                <a:ea typeface="Times New Roman" panose="02020603050405020304" pitchFamily="18" charset="0"/>
+              </a:rPr>
+              <a:t> </a:t>
+            </a:r>
+            <a:r>
+              <a:rPr lang="en-US" sz="1200" dirty="0">
+                <a:solidFill>
+                  <a:schemeClr val="bg1"/>
+                </a:solidFill>
+                <a:effectLst/>
+                <a:latin typeface="+mn-lt"/>
+                <a:ea typeface="Times New Roman" panose="02020603050405020304" pitchFamily="18" charset="0"/>
+              </a:rPr>
+              <a:t>Artificial</a:t>
+            </a:r>
+            <a:r>
+              <a:rPr lang="en-US" sz="1200" spc="5" dirty="0">
+                <a:solidFill>
+                  <a:schemeClr val="bg1"/>
+                </a:solidFill>
+                <a:effectLst/>
+                <a:latin typeface="+mn-lt"/>
+                <a:ea typeface="Times New Roman" panose="02020603050405020304" pitchFamily="18" charset="0"/>
+              </a:rPr>
+              <a:t> </a:t>
+            </a:r>
+            <a:r>
+              <a:rPr lang="en-US" sz="1200" dirty="0">
+                <a:solidFill>
+                  <a:schemeClr val="bg1"/>
+                </a:solidFill>
+                <a:effectLst/>
+                <a:latin typeface="+mn-lt"/>
+                <a:ea typeface="Times New Roman" panose="02020603050405020304" pitchFamily="18" charset="0"/>
+              </a:rPr>
+              <a:t>Intelligence</a:t>
+            </a:r>
+            <a:r>
+              <a:rPr lang="en-US" sz="1200" spc="5" dirty="0">
+                <a:solidFill>
+                  <a:schemeClr val="bg1"/>
+                </a:solidFill>
+                <a:effectLst/>
+                <a:latin typeface="+mn-lt"/>
+                <a:ea typeface="Times New Roman" panose="02020603050405020304" pitchFamily="18" charset="0"/>
+              </a:rPr>
+              <a:t> </a:t>
+            </a:r>
+            <a:r>
+              <a:rPr lang="en-US" sz="1200" dirty="0">
+                <a:solidFill>
+                  <a:schemeClr val="bg1"/>
+                </a:solidFill>
+                <a:effectLst/>
+                <a:latin typeface="+mn-lt"/>
+                <a:ea typeface="Times New Roman" panose="02020603050405020304" pitchFamily="18" charset="0"/>
+              </a:rPr>
+              <a:t>in</a:t>
+            </a:r>
+            <a:r>
+              <a:rPr lang="en-US" sz="1200" spc="5" dirty="0">
+                <a:solidFill>
+                  <a:schemeClr val="bg1"/>
+                </a:solidFill>
+                <a:effectLst/>
+                <a:latin typeface="+mn-lt"/>
+                <a:ea typeface="Times New Roman" panose="02020603050405020304" pitchFamily="18" charset="0"/>
+              </a:rPr>
+              <a:t> </a:t>
+            </a:r>
+            <a:r>
+              <a:rPr lang="en-US" sz="1200" dirty="0">
+                <a:solidFill>
+                  <a:schemeClr val="bg1"/>
+                </a:solidFill>
+                <a:effectLst/>
+                <a:latin typeface="+mn-lt"/>
+                <a:ea typeface="Times New Roman" panose="02020603050405020304" pitchFamily="18" charset="0"/>
+              </a:rPr>
+              <a:t>Engineering</a:t>
+            </a:r>
+            <a:r>
+              <a:rPr lang="en-US" sz="1200" spc="5" dirty="0">
+                <a:solidFill>
+                  <a:schemeClr val="bg1"/>
+                </a:solidFill>
+                <a:effectLst/>
+                <a:latin typeface="+mn-lt"/>
+                <a:ea typeface="Times New Roman" panose="02020603050405020304" pitchFamily="18" charset="0"/>
+              </a:rPr>
+              <a:t> </a:t>
+            </a:r>
+            <a:r>
+              <a:rPr lang="en-US" sz="1200" dirty="0">
+                <a:solidFill>
+                  <a:schemeClr val="bg1"/>
+                </a:solidFill>
+                <a:effectLst/>
+                <a:latin typeface="+mn-lt"/>
+                <a:ea typeface="Times New Roman" panose="02020603050405020304" pitchFamily="18" charset="0"/>
+              </a:rPr>
+              <a:t>and</a:t>
+            </a:r>
+            <a:r>
+              <a:rPr lang="en-US" sz="1200" spc="5" dirty="0">
+                <a:solidFill>
+                  <a:schemeClr val="bg1"/>
+                </a:solidFill>
+                <a:effectLst/>
+                <a:latin typeface="+mn-lt"/>
+                <a:ea typeface="Times New Roman" panose="02020603050405020304" pitchFamily="18" charset="0"/>
+              </a:rPr>
+              <a:t> </a:t>
+            </a:r>
+            <a:r>
+              <a:rPr lang="en-US" sz="1200" dirty="0">
+                <a:solidFill>
+                  <a:schemeClr val="bg1"/>
+                </a:solidFill>
+                <a:effectLst/>
+                <a:latin typeface="+mn-lt"/>
+                <a:ea typeface="Times New Roman" panose="02020603050405020304" pitchFamily="18" charset="0"/>
+              </a:rPr>
+              <a:t>Technology</a:t>
+            </a:r>
+            <a:r>
+              <a:rPr lang="en-US" sz="1200" spc="5" dirty="0">
+                <a:solidFill>
+                  <a:schemeClr val="bg1"/>
+                </a:solidFill>
+                <a:effectLst/>
+                <a:latin typeface="+mn-lt"/>
+                <a:ea typeface="Times New Roman" panose="02020603050405020304" pitchFamily="18" charset="0"/>
+              </a:rPr>
+              <a:t> </a:t>
+            </a:r>
+            <a:r>
+              <a:rPr lang="en-US" sz="1200" dirty="0">
+                <a:solidFill>
+                  <a:schemeClr val="bg1"/>
+                </a:solidFill>
+                <a:effectLst/>
+                <a:latin typeface="+mn-lt"/>
+                <a:ea typeface="Times New Roman" panose="02020603050405020304" pitchFamily="18" charset="0"/>
+              </a:rPr>
+              <a:t>(IICAIET),</a:t>
+            </a:r>
+            <a:r>
+              <a:rPr lang="en-US" sz="1200" spc="5" dirty="0">
+                <a:solidFill>
+                  <a:schemeClr val="bg1"/>
+                </a:solidFill>
+                <a:effectLst/>
+                <a:latin typeface="+mn-lt"/>
+                <a:ea typeface="Times New Roman" panose="02020603050405020304" pitchFamily="18" charset="0"/>
+              </a:rPr>
+              <a:t> </a:t>
+            </a:r>
+            <a:r>
+              <a:rPr lang="en-US" sz="1200" dirty="0">
+                <a:solidFill>
+                  <a:schemeClr val="bg1"/>
+                </a:solidFill>
+                <a:effectLst/>
+                <a:latin typeface="+mn-lt"/>
+                <a:ea typeface="Times New Roman" panose="02020603050405020304" pitchFamily="18" charset="0"/>
+              </a:rPr>
+              <a:t>Kota</a:t>
+            </a:r>
+            <a:r>
+              <a:rPr lang="en-US" sz="1200" spc="5" dirty="0">
+                <a:solidFill>
+                  <a:schemeClr val="bg1"/>
+                </a:solidFill>
+                <a:effectLst/>
+                <a:latin typeface="+mn-lt"/>
+                <a:ea typeface="Times New Roman" panose="02020603050405020304" pitchFamily="18" charset="0"/>
+              </a:rPr>
+              <a:t> </a:t>
+            </a:r>
+            <a:r>
+              <a:rPr lang="en-US" sz="1200" dirty="0">
+                <a:solidFill>
+                  <a:schemeClr val="bg1"/>
+                </a:solidFill>
+                <a:effectLst/>
+                <a:latin typeface="+mn-lt"/>
+                <a:ea typeface="Times New Roman" panose="02020603050405020304" pitchFamily="18" charset="0"/>
+              </a:rPr>
+              <a:t>Kinabalu,</a:t>
+            </a:r>
+            <a:r>
+              <a:rPr lang="en-US" sz="1200" spc="5" dirty="0">
+                <a:solidFill>
+                  <a:schemeClr val="bg1"/>
+                </a:solidFill>
+                <a:effectLst/>
+                <a:latin typeface="+mn-lt"/>
+                <a:ea typeface="Times New Roman" panose="02020603050405020304" pitchFamily="18" charset="0"/>
+              </a:rPr>
+              <a:t> </a:t>
+            </a:r>
+            <a:r>
+              <a:rPr lang="en-US" sz="1200" dirty="0">
+                <a:solidFill>
+                  <a:schemeClr val="bg1"/>
+                </a:solidFill>
+                <a:effectLst/>
+                <a:latin typeface="+mn-lt"/>
+                <a:ea typeface="Times New Roman" panose="02020603050405020304" pitchFamily="18" charset="0"/>
+              </a:rPr>
+              <a:t>Malaysia,</a:t>
+            </a:r>
+            <a:r>
+              <a:rPr lang="en-US" sz="1200" spc="5" dirty="0">
+                <a:solidFill>
+                  <a:schemeClr val="bg1"/>
+                </a:solidFill>
+                <a:effectLst/>
+                <a:latin typeface="+mn-lt"/>
+                <a:ea typeface="Times New Roman" panose="02020603050405020304" pitchFamily="18" charset="0"/>
+              </a:rPr>
+              <a:t> </a:t>
+            </a:r>
+            <a:r>
+              <a:rPr lang="en-US" sz="1200" dirty="0">
+                <a:solidFill>
+                  <a:schemeClr val="bg1"/>
+                </a:solidFill>
+                <a:effectLst/>
+                <a:latin typeface="+mn-lt"/>
+                <a:ea typeface="Times New Roman" panose="02020603050405020304" pitchFamily="18" charset="0"/>
+              </a:rPr>
+              <a:t>2020,</a:t>
+            </a:r>
+            <a:r>
+              <a:rPr lang="en-US" sz="1200" spc="5" dirty="0">
+                <a:solidFill>
+                  <a:schemeClr val="bg1"/>
+                </a:solidFill>
+                <a:effectLst/>
+                <a:latin typeface="+mn-lt"/>
+                <a:ea typeface="Times New Roman" panose="02020603050405020304" pitchFamily="18" charset="0"/>
+              </a:rPr>
+              <a:t> </a:t>
+            </a:r>
+            <a:r>
+              <a:rPr lang="en-US" sz="1200" dirty="0">
+                <a:solidFill>
+                  <a:schemeClr val="bg1"/>
+                </a:solidFill>
+                <a:effectLst/>
+                <a:latin typeface="+mn-lt"/>
+                <a:ea typeface="Times New Roman" panose="02020603050405020304" pitchFamily="18" charset="0"/>
+              </a:rPr>
+              <a:t>pp.</a:t>
+            </a:r>
+            <a:r>
+              <a:rPr lang="en-US" sz="1200" spc="5" dirty="0">
+                <a:solidFill>
+                  <a:schemeClr val="bg1"/>
+                </a:solidFill>
+                <a:effectLst/>
+                <a:latin typeface="+mn-lt"/>
+                <a:ea typeface="Times New Roman" panose="02020603050405020304" pitchFamily="18" charset="0"/>
+              </a:rPr>
+              <a:t> </a:t>
+            </a:r>
+            <a:r>
+              <a:rPr lang="en-US" sz="1200" dirty="0">
+                <a:solidFill>
+                  <a:schemeClr val="bg1"/>
+                </a:solidFill>
+                <a:effectLst/>
+                <a:latin typeface="+mn-lt"/>
+                <a:ea typeface="Times New Roman" panose="02020603050405020304" pitchFamily="18" charset="0"/>
+              </a:rPr>
+              <a:t>1-5,</a:t>
+            </a:r>
+            <a:r>
+              <a:rPr lang="en-US" sz="1200" spc="5" dirty="0">
+                <a:solidFill>
+                  <a:schemeClr val="bg1"/>
+                </a:solidFill>
+                <a:effectLst/>
+                <a:latin typeface="+mn-lt"/>
+                <a:ea typeface="Times New Roman" panose="02020603050405020304" pitchFamily="18" charset="0"/>
+              </a:rPr>
+              <a:t> </a:t>
+            </a:r>
+            <a:r>
+              <a:rPr lang="en-US" sz="1200" dirty="0">
+                <a:solidFill>
+                  <a:schemeClr val="bg1"/>
+                </a:solidFill>
+                <a:effectLst/>
+                <a:latin typeface="+mn-lt"/>
+                <a:ea typeface="Times New Roman" panose="02020603050405020304" pitchFamily="18" charset="0"/>
+              </a:rPr>
+              <a:t>DOI:</a:t>
+            </a:r>
+            <a:r>
+              <a:rPr lang="en-US" sz="1200" spc="5" dirty="0">
+                <a:solidFill>
+                  <a:schemeClr val="bg1"/>
+                </a:solidFill>
+                <a:effectLst/>
+                <a:latin typeface="+mn-lt"/>
+                <a:ea typeface="Times New Roman" panose="02020603050405020304" pitchFamily="18" charset="0"/>
+              </a:rPr>
+              <a:t> </a:t>
+            </a:r>
+            <a:r>
+              <a:rPr lang="en-US" sz="1200" dirty="0">
+                <a:solidFill>
+                  <a:schemeClr val="bg1"/>
+                </a:solidFill>
+                <a:effectLst/>
+                <a:latin typeface="+mn-lt"/>
+                <a:ea typeface="Times New Roman" panose="02020603050405020304" pitchFamily="18" charset="0"/>
+              </a:rPr>
+              <a:t>10.1109/IICAIET49801.2020.9257825.</a:t>
+            </a:r>
+            <a:r>
+              <a:rPr lang="en-US" sz="1200" spc="5" dirty="0">
+                <a:solidFill>
+                  <a:schemeClr val="bg1"/>
+                </a:solidFill>
+                <a:effectLst/>
+                <a:latin typeface="+mn-lt"/>
+                <a:ea typeface="Times New Roman" panose="02020603050405020304" pitchFamily="18" charset="0"/>
+              </a:rPr>
+              <a:t> </a:t>
+            </a:r>
+            <a:r>
+              <a:rPr lang="en-US" sz="1200" dirty="0">
+                <a:solidFill>
+                  <a:schemeClr val="bg1"/>
+                </a:solidFill>
+                <a:effectLst/>
+                <a:latin typeface="+mn-lt"/>
+                <a:ea typeface="Times New Roman" panose="02020603050405020304" pitchFamily="18" charset="0"/>
+              </a:rPr>
+              <a:t>(link:</a:t>
+            </a:r>
+            <a:r>
+              <a:rPr lang="en-US" sz="1200" spc="5" dirty="0">
+                <a:solidFill>
+                  <a:schemeClr val="bg1"/>
+                </a:solidFill>
+                <a:effectLst/>
+                <a:latin typeface="+mn-lt"/>
+                <a:ea typeface="Times New Roman" panose="02020603050405020304" pitchFamily="18" charset="0"/>
+              </a:rPr>
+              <a:t> </a:t>
+            </a:r>
+            <a:r>
+              <a:rPr lang="en-US" sz="1200" u="sng" dirty="0">
+                <a:solidFill>
+                  <a:schemeClr val="bg1"/>
+                </a:solidFill>
+                <a:effectLst/>
+                <a:latin typeface="+mn-lt"/>
+                <a:ea typeface="Times New Roman" panose="02020603050405020304" pitchFamily="18" charset="0"/>
+                <a:hlinkClick r:id="rId6">
+                  <a:extLst>
+                    <a:ext uri="{A12FA001-AC4F-418D-AE19-62706E023703}">
+                      <ahyp:hlinkClr xmlns:ahyp="http://schemas.microsoft.com/office/drawing/2018/hyperlinkcolor" val="tx"/>
+                    </a:ext>
+                  </a:extLst>
+                </a:hlinkClick>
+              </a:rPr>
+              <a:t>https://doi.org/10.1016/j.procs.2018.05.069</a:t>
+            </a:r>
+            <a:r>
+              <a:rPr lang="en-US" sz="1200" dirty="0">
+                <a:solidFill>
+                  <a:schemeClr val="bg1"/>
+                </a:solidFill>
+                <a:effectLst/>
+                <a:latin typeface="+mn-lt"/>
+                <a:ea typeface="Times New Roman" panose="02020603050405020304" pitchFamily="18" charset="0"/>
+              </a:rPr>
+              <a:t>)</a:t>
+            </a:r>
+          </a:p>
+          <a:p>
+            <a:pPr marL="342900" marR="24765" lvl="0" indent="-342900" algn="just">
+              <a:spcBef>
+                <a:spcPts val="395"/>
+              </a:spcBef>
+              <a:spcAft>
+                <a:spcPts val="0"/>
+              </a:spcAft>
+              <a:buSzPts val="900"/>
+              <a:buFont typeface="Arial" panose="020B0604020202020204" pitchFamily="34" charset="0"/>
+              <a:buChar char="•"/>
+              <a:tabLst>
+                <a:tab pos="419735" algn="l"/>
+              </a:tabLst>
+            </a:pPr>
+            <a:endParaRPr lang="en-US" sz="1200" dirty="0">
+              <a:solidFill>
+                <a:schemeClr val="bg1"/>
+              </a:solidFill>
+              <a:effectLst/>
+              <a:latin typeface="+mn-lt"/>
+              <a:ea typeface="Times New Roman" panose="02020603050405020304" pitchFamily="18" charset="0"/>
+            </a:endParaRPr>
+          </a:p>
+          <a:p>
+            <a:pPr marL="342900" marR="24765" lvl="0" indent="-342900" algn="just">
+              <a:spcBef>
+                <a:spcPts val="400"/>
+              </a:spcBef>
+              <a:spcAft>
+                <a:spcPts val="0"/>
+              </a:spcAft>
+              <a:buSzPts val="900"/>
+              <a:buFont typeface="Arial" panose="020B0604020202020204" pitchFamily="34" charset="0"/>
+              <a:buChar char="•"/>
+              <a:tabLst>
+                <a:tab pos="419735" algn="l"/>
+              </a:tabLst>
+            </a:pPr>
+            <a:r>
+              <a:rPr lang="en-US" sz="1200" dirty="0">
+                <a:solidFill>
+                  <a:schemeClr val="bg1"/>
+                </a:solidFill>
+                <a:effectLst/>
+                <a:latin typeface="+mn-lt"/>
+                <a:ea typeface="Times New Roman" panose="02020603050405020304" pitchFamily="18" charset="0"/>
+              </a:rPr>
+              <a:t>Peng,</a:t>
+            </a:r>
+            <a:r>
+              <a:rPr lang="en-US" sz="1200" spc="5" dirty="0">
+                <a:solidFill>
+                  <a:schemeClr val="bg1"/>
+                </a:solidFill>
+                <a:effectLst/>
+                <a:latin typeface="+mn-lt"/>
+                <a:ea typeface="Times New Roman" panose="02020603050405020304" pitchFamily="18" charset="0"/>
+              </a:rPr>
+              <a:t> </a:t>
+            </a:r>
+            <a:r>
+              <a:rPr lang="en-US" sz="1200" dirty="0">
+                <a:solidFill>
+                  <a:schemeClr val="bg1"/>
+                </a:solidFill>
+                <a:effectLst/>
+                <a:latin typeface="+mn-lt"/>
+                <a:ea typeface="Times New Roman" panose="02020603050405020304" pitchFamily="18" charset="0"/>
+              </a:rPr>
+              <a:t>CY.J.,</a:t>
+            </a:r>
+            <a:r>
+              <a:rPr lang="en-US" sz="1200" spc="5" dirty="0">
+                <a:solidFill>
+                  <a:schemeClr val="bg1"/>
+                </a:solidFill>
+                <a:effectLst/>
+                <a:latin typeface="+mn-lt"/>
+                <a:ea typeface="Times New Roman" panose="02020603050405020304" pitchFamily="18" charset="0"/>
+              </a:rPr>
+              <a:t> </a:t>
+            </a:r>
+            <a:r>
+              <a:rPr lang="en-US" sz="1200" dirty="0">
+                <a:solidFill>
+                  <a:schemeClr val="bg1"/>
+                </a:solidFill>
+                <a:effectLst/>
+                <a:latin typeface="+mn-lt"/>
+                <a:ea typeface="Times New Roman" panose="02020603050405020304" pitchFamily="18" charset="0"/>
+              </a:rPr>
+              <a:t>So,</a:t>
+            </a:r>
+            <a:r>
+              <a:rPr lang="en-US" sz="1200" spc="5" dirty="0">
+                <a:solidFill>
+                  <a:schemeClr val="bg1"/>
+                </a:solidFill>
+                <a:effectLst/>
+                <a:latin typeface="+mn-lt"/>
+                <a:ea typeface="Times New Roman" panose="02020603050405020304" pitchFamily="18" charset="0"/>
+              </a:rPr>
+              <a:t> </a:t>
+            </a:r>
+            <a:r>
+              <a:rPr lang="en-US" sz="1200" dirty="0">
+                <a:solidFill>
+                  <a:schemeClr val="bg1"/>
+                </a:solidFill>
+                <a:effectLst/>
+                <a:latin typeface="+mn-lt"/>
+                <a:ea typeface="Times New Roman" panose="02020603050405020304" pitchFamily="18" charset="0"/>
+              </a:rPr>
+              <a:t>TS.H.,</a:t>
+            </a:r>
+            <a:r>
+              <a:rPr lang="en-US" sz="1200" spc="5" dirty="0">
+                <a:solidFill>
+                  <a:schemeClr val="bg1"/>
+                </a:solidFill>
+                <a:effectLst/>
+                <a:latin typeface="+mn-lt"/>
+                <a:ea typeface="Times New Roman" panose="02020603050405020304" pitchFamily="18" charset="0"/>
+              </a:rPr>
+              <a:t> </a:t>
+            </a:r>
+            <a:r>
+              <a:rPr lang="en-US" sz="1200" dirty="0">
+                <a:solidFill>
+                  <a:schemeClr val="bg1"/>
+                </a:solidFill>
+                <a:effectLst/>
+                <a:latin typeface="+mn-lt"/>
+                <a:ea typeface="Times New Roman" panose="02020603050405020304" pitchFamily="18" charset="0"/>
+              </a:rPr>
+              <a:t>Stage,</a:t>
+            </a:r>
+            <a:r>
+              <a:rPr lang="en-US" sz="1200" spc="5" dirty="0">
+                <a:solidFill>
+                  <a:schemeClr val="bg1"/>
+                </a:solidFill>
+                <a:effectLst/>
+                <a:latin typeface="+mn-lt"/>
+                <a:ea typeface="Times New Roman" panose="02020603050405020304" pitchFamily="18" charset="0"/>
+              </a:rPr>
+              <a:t> </a:t>
+            </a:r>
+            <a:r>
+              <a:rPr lang="en-US" sz="1200" dirty="0">
+                <a:solidFill>
+                  <a:schemeClr val="bg1"/>
+                </a:solidFill>
+                <a:effectLst/>
+                <a:latin typeface="+mn-lt"/>
+                <a:ea typeface="Times New Roman" panose="02020603050405020304" pitchFamily="18" charset="0"/>
+              </a:rPr>
+              <a:t>F.K.</a:t>
+            </a:r>
+            <a:r>
+              <a:rPr lang="en-US" sz="1200" spc="5" dirty="0">
+                <a:solidFill>
+                  <a:schemeClr val="bg1"/>
+                </a:solidFill>
+                <a:effectLst/>
+                <a:latin typeface="+mn-lt"/>
+                <a:ea typeface="Times New Roman" panose="02020603050405020304" pitchFamily="18" charset="0"/>
+              </a:rPr>
+              <a:t> </a:t>
+            </a:r>
+            <a:r>
+              <a:rPr lang="en-US" sz="1200" dirty="0">
+                <a:solidFill>
+                  <a:schemeClr val="bg1"/>
+                </a:solidFill>
+                <a:effectLst/>
+                <a:latin typeface="+mn-lt"/>
+                <a:ea typeface="Times New Roman" panose="02020603050405020304" pitchFamily="18" charset="0"/>
+              </a:rPr>
+              <a:t>et</a:t>
+            </a:r>
+            <a:r>
+              <a:rPr lang="en-US" sz="1200" spc="5" dirty="0">
+                <a:solidFill>
+                  <a:schemeClr val="bg1"/>
+                </a:solidFill>
+                <a:effectLst/>
+                <a:latin typeface="+mn-lt"/>
+                <a:ea typeface="Times New Roman" panose="02020603050405020304" pitchFamily="18" charset="0"/>
+              </a:rPr>
+              <a:t> </a:t>
+            </a:r>
+            <a:r>
+              <a:rPr lang="en-US" sz="1200" dirty="0">
+                <a:solidFill>
+                  <a:schemeClr val="bg1"/>
+                </a:solidFill>
+                <a:effectLst/>
+                <a:latin typeface="+mn-lt"/>
+                <a:ea typeface="Times New Roman" panose="02020603050405020304" pitchFamily="18" charset="0"/>
+              </a:rPr>
+              <a:t>al.</a:t>
+            </a:r>
+            <a:r>
+              <a:rPr lang="en-US" sz="1200" spc="5" dirty="0">
+                <a:solidFill>
+                  <a:schemeClr val="bg1"/>
+                </a:solidFill>
+                <a:effectLst/>
+                <a:latin typeface="+mn-lt"/>
+                <a:ea typeface="Times New Roman" panose="02020603050405020304" pitchFamily="18" charset="0"/>
+              </a:rPr>
+              <a:t> </a:t>
+            </a:r>
+            <a:r>
+              <a:rPr lang="en-US" sz="1200" dirty="0">
+                <a:solidFill>
+                  <a:schemeClr val="bg1"/>
+                </a:solidFill>
+                <a:effectLst/>
+                <a:latin typeface="+mn-lt"/>
+                <a:ea typeface="Times New Roman" panose="02020603050405020304" pitchFamily="18" charset="0"/>
+              </a:rPr>
+              <a:t>The</a:t>
+            </a:r>
+            <a:r>
+              <a:rPr lang="en-US" sz="1200" spc="5" dirty="0">
+                <a:solidFill>
+                  <a:schemeClr val="bg1"/>
+                </a:solidFill>
+                <a:effectLst/>
+                <a:latin typeface="+mn-lt"/>
+                <a:ea typeface="Times New Roman" panose="02020603050405020304" pitchFamily="18" charset="0"/>
+              </a:rPr>
+              <a:t> </a:t>
+            </a:r>
+            <a:r>
+              <a:rPr lang="en-US" sz="1200" dirty="0">
+                <a:solidFill>
+                  <a:schemeClr val="bg1"/>
+                </a:solidFill>
+                <a:effectLst/>
+                <a:latin typeface="+mn-lt"/>
+                <a:ea typeface="Times New Roman" panose="02020603050405020304" pitchFamily="18" charset="0"/>
+              </a:rPr>
+              <a:t>Use</a:t>
+            </a:r>
+            <a:r>
+              <a:rPr lang="en-US" sz="1200" spc="5" dirty="0">
+                <a:solidFill>
+                  <a:schemeClr val="bg1"/>
+                </a:solidFill>
+                <a:effectLst/>
+                <a:latin typeface="+mn-lt"/>
+                <a:ea typeface="Times New Roman" panose="02020603050405020304" pitchFamily="18" charset="0"/>
+              </a:rPr>
+              <a:t> </a:t>
+            </a:r>
+            <a:r>
+              <a:rPr lang="en-US" sz="1200" dirty="0">
+                <a:solidFill>
+                  <a:schemeClr val="bg1"/>
+                </a:solidFill>
+                <a:effectLst/>
+                <a:latin typeface="+mn-lt"/>
+                <a:ea typeface="Times New Roman" panose="02020603050405020304" pitchFamily="18" charset="0"/>
+              </a:rPr>
+              <a:t>and</a:t>
+            </a:r>
+            <a:r>
+              <a:rPr lang="en-US" sz="1200" spc="5" dirty="0">
+                <a:solidFill>
+                  <a:schemeClr val="bg1"/>
+                </a:solidFill>
+                <a:effectLst/>
+                <a:latin typeface="+mn-lt"/>
+                <a:ea typeface="Times New Roman" panose="02020603050405020304" pitchFamily="18" charset="0"/>
+              </a:rPr>
+              <a:t> </a:t>
+            </a:r>
+            <a:r>
+              <a:rPr lang="en-US" sz="1200" dirty="0">
+                <a:solidFill>
+                  <a:schemeClr val="bg1"/>
+                </a:solidFill>
+                <a:effectLst/>
+                <a:latin typeface="+mn-lt"/>
+                <a:ea typeface="Times New Roman" panose="02020603050405020304" pitchFamily="18" charset="0"/>
+              </a:rPr>
+              <a:t>Interpretation</a:t>
+            </a:r>
+            <a:r>
+              <a:rPr lang="en-US" sz="1200" spc="5" dirty="0">
+                <a:solidFill>
+                  <a:schemeClr val="bg1"/>
+                </a:solidFill>
+                <a:effectLst/>
+                <a:latin typeface="+mn-lt"/>
+                <a:ea typeface="Times New Roman" panose="02020603050405020304" pitchFamily="18" charset="0"/>
+              </a:rPr>
+              <a:t> </a:t>
+            </a:r>
+            <a:r>
+              <a:rPr lang="en-US" sz="1200" dirty="0">
+                <a:solidFill>
+                  <a:schemeClr val="bg1"/>
+                </a:solidFill>
+                <a:effectLst/>
+                <a:latin typeface="+mn-lt"/>
+                <a:ea typeface="Times New Roman" panose="02020603050405020304" pitchFamily="18" charset="0"/>
+              </a:rPr>
+              <a:t>of</a:t>
+            </a:r>
+            <a:r>
+              <a:rPr lang="en-US" sz="1200" spc="5" dirty="0">
+                <a:solidFill>
+                  <a:schemeClr val="bg1"/>
+                </a:solidFill>
+                <a:effectLst/>
+                <a:latin typeface="+mn-lt"/>
+                <a:ea typeface="Times New Roman" panose="02020603050405020304" pitchFamily="18" charset="0"/>
+              </a:rPr>
+              <a:t> </a:t>
+            </a:r>
+            <a:r>
+              <a:rPr lang="en-US" sz="1200" dirty="0">
+                <a:solidFill>
+                  <a:schemeClr val="bg1"/>
+                </a:solidFill>
+                <a:effectLst/>
+                <a:latin typeface="+mn-lt"/>
+                <a:ea typeface="Times New Roman" panose="02020603050405020304" pitchFamily="18" charset="0"/>
+              </a:rPr>
+              <a:t>Logistic</a:t>
+            </a:r>
+            <a:r>
+              <a:rPr lang="en-US" sz="1200" spc="5" dirty="0">
+                <a:solidFill>
+                  <a:schemeClr val="bg1"/>
+                </a:solidFill>
+                <a:effectLst/>
+                <a:latin typeface="+mn-lt"/>
+                <a:ea typeface="Times New Roman" panose="02020603050405020304" pitchFamily="18" charset="0"/>
+              </a:rPr>
+              <a:t> </a:t>
+            </a:r>
+            <a:r>
+              <a:rPr lang="en-US" sz="1200" dirty="0">
+                <a:solidFill>
+                  <a:schemeClr val="bg1"/>
+                </a:solidFill>
+                <a:effectLst/>
+                <a:latin typeface="+mn-lt"/>
+                <a:ea typeface="Times New Roman" panose="02020603050405020304" pitchFamily="18" charset="0"/>
+              </a:rPr>
+              <a:t>Regression</a:t>
+            </a:r>
+            <a:r>
+              <a:rPr lang="en-US" sz="1200" spc="5" dirty="0">
+                <a:solidFill>
+                  <a:schemeClr val="bg1"/>
+                </a:solidFill>
+                <a:effectLst/>
+                <a:latin typeface="+mn-lt"/>
+                <a:ea typeface="Times New Roman" panose="02020603050405020304" pitchFamily="18" charset="0"/>
+              </a:rPr>
+              <a:t> </a:t>
+            </a:r>
+            <a:r>
+              <a:rPr lang="en-US" sz="1200" dirty="0">
+                <a:solidFill>
+                  <a:schemeClr val="bg1"/>
+                </a:solidFill>
+                <a:effectLst/>
+                <a:latin typeface="+mn-lt"/>
+                <a:ea typeface="Times New Roman" panose="02020603050405020304" pitchFamily="18" charset="0"/>
+              </a:rPr>
+              <a:t>in</a:t>
+            </a:r>
+            <a:r>
+              <a:rPr lang="en-US" sz="1200" spc="5" dirty="0">
+                <a:solidFill>
+                  <a:schemeClr val="bg1"/>
+                </a:solidFill>
+                <a:effectLst/>
+                <a:latin typeface="+mn-lt"/>
+                <a:ea typeface="Times New Roman" panose="02020603050405020304" pitchFamily="18" charset="0"/>
+              </a:rPr>
+              <a:t> </a:t>
+            </a:r>
+            <a:r>
+              <a:rPr lang="en-US" sz="1200" dirty="0">
+                <a:solidFill>
+                  <a:schemeClr val="bg1"/>
+                </a:solidFill>
+                <a:effectLst/>
+                <a:latin typeface="+mn-lt"/>
+                <a:ea typeface="Times New Roman" panose="02020603050405020304" pitchFamily="18" charset="0"/>
+              </a:rPr>
+              <a:t>Higher</a:t>
+            </a:r>
+            <a:r>
+              <a:rPr lang="en-US" sz="1200" spc="5" dirty="0">
+                <a:solidFill>
+                  <a:schemeClr val="bg1"/>
+                </a:solidFill>
+                <a:effectLst/>
+                <a:latin typeface="+mn-lt"/>
+                <a:ea typeface="Times New Roman" panose="02020603050405020304" pitchFamily="18" charset="0"/>
+              </a:rPr>
+              <a:t> </a:t>
+            </a:r>
+            <a:r>
+              <a:rPr lang="en-US" sz="1200" dirty="0">
+                <a:solidFill>
+                  <a:schemeClr val="bg1"/>
+                </a:solidFill>
+                <a:effectLst/>
+                <a:latin typeface="+mn-lt"/>
+                <a:ea typeface="Times New Roman" panose="02020603050405020304" pitchFamily="18" charset="0"/>
+              </a:rPr>
+              <a:t>Education</a:t>
+            </a:r>
+            <a:r>
+              <a:rPr lang="en-US" sz="1200" spc="-210" dirty="0">
+                <a:solidFill>
+                  <a:schemeClr val="bg1"/>
+                </a:solidFill>
+                <a:effectLst/>
+                <a:latin typeface="+mn-lt"/>
+                <a:ea typeface="Times New Roman" panose="02020603050405020304" pitchFamily="18" charset="0"/>
+              </a:rPr>
+              <a:t> </a:t>
+            </a:r>
+            <a:r>
+              <a:rPr lang="en-US" sz="1200" dirty="0">
+                <a:solidFill>
+                  <a:schemeClr val="bg1"/>
+                </a:solidFill>
+                <a:effectLst/>
+                <a:latin typeface="+mn-lt"/>
+                <a:ea typeface="Times New Roman" panose="02020603050405020304" pitchFamily="18" charset="0"/>
+              </a:rPr>
+              <a:t>Journals: 1988–1999. Research in Higher Education 43, 259–</a:t>
+            </a:r>
+            <a:r>
+              <a:rPr lang="en-US" sz="1200" spc="-210" dirty="0">
+                <a:solidFill>
+                  <a:schemeClr val="bg1"/>
+                </a:solidFill>
+                <a:effectLst/>
+                <a:latin typeface="+mn-lt"/>
+                <a:ea typeface="Times New Roman" panose="02020603050405020304" pitchFamily="18" charset="0"/>
+              </a:rPr>
+              <a:t> </a:t>
+            </a:r>
+            <a:r>
+              <a:rPr lang="en-US" sz="1200" dirty="0">
+                <a:solidFill>
+                  <a:schemeClr val="bg1"/>
+                </a:solidFill>
+                <a:effectLst/>
+                <a:latin typeface="+mn-lt"/>
+                <a:ea typeface="Times New Roman" panose="02020603050405020304" pitchFamily="18" charset="0"/>
+              </a:rPr>
+              <a:t>293</a:t>
+            </a:r>
+            <a:r>
+              <a:rPr lang="en-US" sz="1200" spc="-10" dirty="0">
+                <a:solidFill>
+                  <a:schemeClr val="bg1"/>
+                </a:solidFill>
+                <a:effectLst/>
+                <a:latin typeface="+mn-lt"/>
+                <a:ea typeface="Times New Roman" panose="02020603050405020304" pitchFamily="18" charset="0"/>
+              </a:rPr>
+              <a:t> </a:t>
+            </a:r>
+            <a:r>
+              <a:rPr lang="en-US" sz="1200" dirty="0">
+                <a:solidFill>
+                  <a:schemeClr val="bg1"/>
+                </a:solidFill>
+                <a:effectLst/>
+                <a:latin typeface="+mn-lt"/>
+                <a:ea typeface="Times New Roman" panose="02020603050405020304" pitchFamily="18" charset="0"/>
+              </a:rPr>
+              <a:t>(2002).</a:t>
+            </a:r>
+            <a:r>
+              <a:rPr lang="en-US" sz="1200" spc="-10" dirty="0">
+                <a:solidFill>
+                  <a:schemeClr val="bg1"/>
+                </a:solidFill>
+                <a:effectLst/>
+                <a:latin typeface="+mn-lt"/>
+                <a:ea typeface="Times New Roman" panose="02020603050405020304" pitchFamily="18" charset="0"/>
+              </a:rPr>
+              <a:t> </a:t>
+            </a:r>
+            <a:r>
+              <a:rPr lang="en-US" sz="1200" u="sng" dirty="0">
+                <a:solidFill>
+                  <a:schemeClr val="bg1"/>
+                </a:solidFill>
+                <a:effectLst/>
+                <a:latin typeface="+mn-lt"/>
+                <a:ea typeface="Times New Roman" panose="02020603050405020304" pitchFamily="18" charset="0"/>
+                <a:hlinkClick r:id="rId7">
+                  <a:extLst>
+                    <a:ext uri="{A12FA001-AC4F-418D-AE19-62706E023703}">
+                      <ahyp:hlinkClr xmlns:ahyp="http://schemas.microsoft.com/office/drawing/2018/hyperlinkcolor" val="tx"/>
+                    </a:ext>
+                  </a:extLst>
+                </a:hlinkClick>
+              </a:rPr>
+              <a:t>https://doi.org/10.1023/A:1014858517172</a:t>
+            </a:r>
+            <a:endParaRPr lang="en-US" sz="1200" u="sng" dirty="0">
+              <a:solidFill>
+                <a:schemeClr val="bg1"/>
+              </a:solidFill>
+              <a:effectLst/>
+              <a:latin typeface="+mn-lt"/>
+              <a:ea typeface="Times New Roman" panose="02020603050405020304" pitchFamily="18" charset="0"/>
+            </a:endParaRPr>
+          </a:p>
+          <a:p>
+            <a:pPr marL="342900" marR="24765" lvl="0" indent="-342900" algn="just">
+              <a:spcBef>
+                <a:spcPts val="400"/>
+              </a:spcBef>
+              <a:spcAft>
+                <a:spcPts val="0"/>
+              </a:spcAft>
+              <a:buSzPts val="900"/>
+              <a:buFont typeface="Arial" panose="020B0604020202020204" pitchFamily="34" charset="0"/>
+              <a:buChar char="•"/>
+              <a:tabLst>
+                <a:tab pos="419735" algn="l"/>
+              </a:tabLst>
+            </a:pPr>
+            <a:endParaRPr lang="en-US" sz="1200" dirty="0">
+              <a:solidFill>
+                <a:schemeClr val="bg1"/>
+              </a:solidFill>
+              <a:effectLst/>
+              <a:latin typeface="+mn-lt"/>
+              <a:ea typeface="Times New Roman" panose="02020603050405020304" pitchFamily="18" charset="0"/>
+            </a:endParaRPr>
+          </a:p>
+          <a:p>
+            <a:pPr marL="342900" marR="24765" indent="-342900" algn="just">
+              <a:spcBef>
+                <a:spcPts val="400"/>
+              </a:spcBef>
+              <a:buSzPts val="900"/>
+              <a:buFont typeface="Arial" panose="020B0604020202020204" pitchFamily="34" charset="0"/>
+              <a:buChar char="•"/>
+              <a:tabLst>
+                <a:tab pos="419735" algn="l"/>
+              </a:tabLst>
+            </a:pPr>
+            <a:r>
+              <a:rPr lang="en-US" sz="1200" dirty="0">
+                <a:solidFill>
+                  <a:schemeClr val="bg1"/>
+                </a:solidFill>
+                <a:latin typeface="+mn-lt"/>
+              </a:rPr>
+              <a:t>Wang, L., Lin, Z.Q. &amp; Wong, A. COVID-Net: a tailored deep convolutional neural network design for detection of COVID-19 cases from chest X-ray images. Sci Rep 10, 19549 (2020). </a:t>
+            </a:r>
+            <a:r>
+              <a:rPr lang="en-US" sz="1200" dirty="0">
+                <a:solidFill>
+                  <a:schemeClr val="bg1"/>
+                </a:solidFill>
+                <a:latin typeface="+mn-lt"/>
+                <a:hlinkClick r:id="rId8">
+                  <a:extLst>
+                    <a:ext uri="{A12FA001-AC4F-418D-AE19-62706E023703}">
+                      <ahyp:hlinkClr xmlns:ahyp="http://schemas.microsoft.com/office/drawing/2018/hyperlinkcolor" val="tx"/>
+                    </a:ext>
+                  </a:extLst>
+                </a:hlinkClick>
+              </a:rPr>
+              <a:t>https://doi.org/10.1038/s41598-020-76550-z</a:t>
+            </a:r>
+            <a:endParaRPr lang="en-US" sz="1200" dirty="0">
+              <a:solidFill>
+                <a:schemeClr val="bg1"/>
+              </a:solidFill>
+              <a:latin typeface="+mn-lt"/>
+            </a:endParaRPr>
+          </a:p>
+          <a:p>
+            <a:pPr marL="342900" marR="26670" lvl="0" indent="-342900">
+              <a:spcBef>
+                <a:spcPts val="395"/>
+              </a:spcBef>
+              <a:spcAft>
+                <a:spcPts val="0"/>
+              </a:spcAft>
+              <a:buSzPts val="900"/>
+              <a:buFont typeface="Arial" panose="020B0604020202020204" pitchFamily="34" charset="0"/>
+              <a:buChar char="•"/>
+              <a:tabLst>
+                <a:tab pos="419735" algn="l"/>
+              </a:tabLst>
+            </a:pPr>
+            <a:endParaRPr lang="en-US" sz="1200" dirty="0">
+              <a:solidFill>
+                <a:schemeClr val="bg1"/>
+              </a:solidFill>
+              <a:effectLst/>
+              <a:latin typeface="+mn-lt"/>
+              <a:ea typeface="Times New Roman" panose="02020603050405020304" pitchFamily="18" charset="0"/>
+            </a:endParaRPr>
+          </a:p>
+          <a:p>
+            <a:pPr marL="342900" marR="24765" lvl="0" indent="-342900" algn="just">
+              <a:spcBef>
+                <a:spcPts val="405"/>
+              </a:spcBef>
+              <a:spcAft>
+                <a:spcPts val="0"/>
+              </a:spcAft>
+              <a:buSzPts val="900"/>
+              <a:buFont typeface="Arial" panose="020B0604020202020204" pitchFamily="34" charset="0"/>
+              <a:buChar char="•"/>
+              <a:tabLst>
+                <a:tab pos="419735" algn="l"/>
+              </a:tabLst>
+            </a:pPr>
+            <a:r>
+              <a:rPr lang="en-US" sz="1200" dirty="0" err="1">
+                <a:solidFill>
+                  <a:schemeClr val="bg1"/>
+                </a:solidFill>
+                <a:effectLst/>
+                <a:latin typeface="+mn-lt"/>
+                <a:ea typeface="Times New Roman" panose="02020603050405020304" pitchFamily="18" charset="0"/>
+              </a:rPr>
+              <a:t>Yoo</a:t>
+            </a:r>
+            <a:r>
+              <a:rPr lang="en-US" sz="1200" dirty="0">
+                <a:solidFill>
+                  <a:schemeClr val="bg1"/>
+                </a:solidFill>
+                <a:effectLst/>
+                <a:latin typeface="+mn-lt"/>
+                <a:ea typeface="Times New Roman" panose="02020603050405020304" pitchFamily="18" charset="0"/>
+              </a:rPr>
+              <a:t>,</a:t>
+            </a:r>
+            <a:r>
+              <a:rPr lang="en-US" sz="1200" spc="130" dirty="0">
+                <a:solidFill>
+                  <a:schemeClr val="bg1"/>
+                </a:solidFill>
+                <a:effectLst/>
+                <a:latin typeface="+mn-lt"/>
+                <a:ea typeface="Times New Roman" panose="02020603050405020304" pitchFamily="18" charset="0"/>
+              </a:rPr>
+              <a:t> </a:t>
+            </a:r>
+            <a:r>
+              <a:rPr lang="en-US" sz="1200" dirty="0">
+                <a:solidFill>
+                  <a:schemeClr val="bg1"/>
+                </a:solidFill>
+                <a:effectLst/>
+                <a:latin typeface="+mn-lt"/>
+                <a:ea typeface="Times New Roman" panose="02020603050405020304" pitchFamily="18" charset="0"/>
+              </a:rPr>
+              <a:t>S.</a:t>
+            </a:r>
+            <a:r>
+              <a:rPr lang="en-US" sz="1200" spc="140" dirty="0">
+                <a:solidFill>
+                  <a:schemeClr val="bg1"/>
+                </a:solidFill>
+                <a:effectLst/>
+                <a:latin typeface="+mn-lt"/>
+                <a:ea typeface="Times New Roman" panose="02020603050405020304" pitchFamily="18" charset="0"/>
+              </a:rPr>
+              <a:t> </a:t>
+            </a:r>
+            <a:r>
+              <a:rPr lang="en-US" sz="1200" dirty="0">
+                <a:solidFill>
+                  <a:schemeClr val="bg1"/>
+                </a:solidFill>
+                <a:effectLst/>
+                <a:latin typeface="+mn-lt"/>
+                <a:ea typeface="Times New Roman" panose="02020603050405020304" pitchFamily="18" charset="0"/>
+              </a:rPr>
+              <a:t>H.,</a:t>
+            </a:r>
+            <a:r>
+              <a:rPr lang="en-US" sz="1200" spc="140" dirty="0">
+                <a:solidFill>
+                  <a:schemeClr val="bg1"/>
+                </a:solidFill>
+                <a:effectLst/>
+                <a:latin typeface="+mn-lt"/>
+                <a:ea typeface="Times New Roman" panose="02020603050405020304" pitchFamily="18" charset="0"/>
+              </a:rPr>
+              <a:t> </a:t>
+            </a:r>
+            <a:r>
+              <a:rPr lang="en-US" sz="1200" dirty="0" err="1">
+                <a:solidFill>
+                  <a:schemeClr val="bg1"/>
+                </a:solidFill>
+                <a:effectLst/>
+                <a:latin typeface="+mn-lt"/>
+                <a:ea typeface="Times New Roman" panose="02020603050405020304" pitchFamily="18" charset="0"/>
+              </a:rPr>
+              <a:t>Geng</a:t>
+            </a:r>
+            <a:r>
+              <a:rPr lang="en-US" sz="1200" dirty="0">
+                <a:solidFill>
+                  <a:schemeClr val="bg1"/>
+                </a:solidFill>
+                <a:effectLst/>
+                <a:latin typeface="+mn-lt"/>
+                <a:ea typeface="Times New Roman" panose="02020603050405020304" pitchFamily="18" charset="0"/>
+              </a:rPr>
+              <a:t>,</a:t>
+            </a:r>
+            <a:r>
+              <a:rPr lang="en-US" sz="1200" spc="140" dirty="0">
+                <a:solidFill>
+                  <a:schemeClr val="bg1"/>
+                </a:solidFill>
+                <a:effectLst/>
+                <a:latin typeface="+mn-lt"/>
+                <a:ea typeface="Times New Roman" panose="02020603050405020304" pitchFamily="18" charset="0"/>
+              </a:rPr>
+              <a:t> </a:t>
+            </a:r>
+            <a:r>
+              <a:rPr lang="en-US" sz="1200" dirty="0">
+                <a:solidFill>
+                  <a:schemeClr val="bg1"/>
+                </a:solidFill>
+                <a:effectLst/>
+                <a:latin typeface="+mn-lt"/>
+                <a:ea typeface="Times New Roman" panose="02020603050405020304" pitchFamily="18" charset="0"/>
+              </a:rPr>
+              <a:t>H.,</a:t>
+            </a:r>
+            <a:r>
+              <a:rPr lang="en-US" sz="1200" spc="130" dirty="0">
+                <a:solidFill>
+                  <a:schemeClr val="bg1"/>
+                </a:solidFill>
+                <a:effectLst/>
+                <a:latin typeface="+mn-lt"/>
+                <a:ea typeface="Times New Roman" panose="02020603050405020304" pitchFamily="18" charset="0"/>
+              </a:rPr>
+              <a:t> </a:t>
+            </a:r>
+            <a:r>
+              <a:rPr lang="en-US" sz="1200" dirty="0">
+                <a:solidFill>
+                  <a:schemeClr val="bg1"/>
+                </a:solidFill>
+                <a:effectLst/>
+                <a:latin typeface="+mn-lt"/>
+                <a:ea typeface="Times New Roman" panose="02020603050405020304" pitchFamily="18" charset="0"/>
+              </a:rPr>
+              <a:t>Chiu,</a:t>
+            </a:r>
+            <a:r>
+              <a:rPr lang="en-US" sz="1200" spc="130" dirty="0">
+                <a:solidFill>
+                  <a:schemeClr val="bg1"/>
+                </a:solidFill>
+                <a:effectLst/>
+                <a:latin typeface="+mn-lt"/>
+                <a:ea typeface="Times New Roman" panose="02020603050405020304" pitchFamily="18" charset="0"/>
+              </a:rPr>
+              <a:t> </a:t>
+            </a:r>
+            <a:r>
+              <a:rPr lang="en-US" sz="1200" dirty="0">
+                <a:solidFill>
+                  <a:schemeClr val="bg1"/>
+                </a:solidFill>
+                <a:effectLst/>
+                <a:latin typeface="+mn-lt"/>
+                <a:ea typeface="Times New Roman" panose="02020603050405020304" pitchFamily="18" charset="0"/>
+              </a:rPr>
+              <a:t>T.</a:t>
+            </a:r>
+            <a:r>
+              <a:rPr lang="en-US" sz="1200" spc="135" dirty="0">
+                <a:solidFill>
+                  <a:schemeClr val="bg1"/>
+                </a:solidFill>
+                <a:effectLst/>
+                <a:latin typeface="+mn-lt"/>
+                <a:ea typeface="Times New Roman" panose="02020603050405020304" pitchFamily="18" charset="0"/>
+              </a:rPr>
+              <a:t> </a:t>
+            </a:r>
+            <a:r>
+              <a:rPr lang="en-US" sz="1200" dirty="0">
+                <a:solidFill>
+                  <a:schemeClr val="bg1"/>
+                </a:solidFill>
+                <a:effectLst/>
+                <a:latin typeface="+mn-lt"/>
+                <a:ea typeface="Times New Roman" panose="02020603050405020304" pitchFamily="18" charset="0"/>
+              </a:rPr>
+              <a:t>L.,</a:t>
+            </a:r>
+            <a:r>
+              <a:rPr lang="en-US" sz="1200" spc="140" dirty="0">
+                <a:solidFill>
+                  <a:schemeClr val="bg1"/>
+                </a:solidFill>
+                <a:effectLst/>
+                <a:latin typeface="+mn-lt"/>
+                <a:ea typeface="Times New Roman" panose="02020603050405020304" pitchFamily="18" charset="0"/>
+              </a:rPr>
+              <a:t> </a:t>
+            </a:r>
+            <a:r>
+              <a:rPr lang="en-US" sz="1200" dirty="0">
+                <a:solidFill>
+                  <a:schemeClr val="bg1"/>
+                </a:solidFill>
+                <a:effectLst/>
+                <a:latin typeface="+mn-lt"/>
+                <a:ea typeface="Times New Roman" panose="02020603050405020304" pitchFamily="18" charset="0"/>
+              </a:rPr>
+              <a:t>Yu,</a:t>
+            </a:r>
+            <a:r>
+              <a:rPr lang="en-US" sz="1200" spc="140" dirty="0">
+                <a:solidFill>
+                  <a:schemeClr val="bg1"/>
+                </a:solidFill>
+                <a:effectLst/>
+                <a:latin typeface="+mn-lt"/>
+                <a:ea typeface="Times New Roman" panose="02020603050405020304" pitchFamily="18" charset="0"/>
+              </a:rPr>
+              <a:t> </a:t>
+            </a:r>
+            <a:r>
+              <a:rPr lang="en-US" sz="1200" dirty="0">
+                <a:solidFill>
+                  <a:schemeClr val="bg1"/>
+                </a:solidFill>
+                <a:effectLst/>
+                <a:latin typeface="+mn-lt"/>
+                <a:ea typeface="Times New Roman" panose="02020603050405020304" pitchFamily="18" charset="0"/>
+              </a:rPr>
+              <a:t>S.</a:t>
+            </a:r>
+            <a:r>
+              <a:rPr lang="en-US" sz="1200" spc="130" dirty="0">
+                <a:solidFill>
+                  <a:schemeClr val="bg1"/>
+                </a:solidFill>
+                <a:effectLst/>
+                <a:latin typeface="+mn-lt"/>
+                <a:ea typeface="Times New Roman" panose="02020603050405020304" pitchFamily="18" charset="0"/>
+              </a:rPr>
+              <a:t> </a:t>
+            </a:r>
+            <a:r>
+              <a:rPr lang="en-US" sz="1200" dirty="0">
+                <a:solidFill>
+                  <a:schemeClr val="bg1"/>
+                </a:solidFill>
+                <a:effectLst/>
+                <a:latin typeface="+mn-lt"/>
+                <a:ea typeface="Times New Roman" panose="02020603050405020304" pitchFamily="18" charset="0"/>
+              </a:rPr>
+              <a:t>K.,</a:t>
+            </a:r>
+            <a:r>
+              <a:rPr lang="en-US" sz="1200" spc="140" dirty="0">
+                <a:solidFill>
+                  <a:schemeClr val="bg1"/>
+                </a:solidFill>
+                <a:effectLst/>
+                <a:latin typeface="+mn-lt"/>
+                <a:ea typeface="Times New Roman" panose="02020603050405020304" pitchFamily="18" charset="0"/>
+              </a:rPr>
+              <a:t> </a:t>
+            </a:r>
+            <a:r>
+              <a:rPr lang="en-US" sz="1200" dirty="0">
+                <a:solidFill>
+                  <a:schemeClr val="bg1"/>
+                </a:solidFill>
+                <a:effectLst/>
+                <a:latin typeface="+mn-lt"/>
+                <a:ea typeface="Times New Roman" panose="02020603050405020304" pitchFamily="18" charset="0"/>
+              </a:rPr>
+              <a:t>Cho,</a:t>
+            </a:r>
+            <a:r>
+              <a:rPr lang="en-US" sz="1200" spc="140" dirty="0">
+                <a:solidFill>
+                  <a:schemeClr val="bg1"/>
+                </a:solidFill>
+                <a:effectLst/>
+                <a:latin typeface="+mn-lt"/>
+                <a:ea typeface="Times New Roman" panose="02020603050405020304" pitchFamily="18" charset="0"/>
+              </a:rPr>
+              <a:t> </a:t>
+            </a:r>
+            <a:r>
+              <a:rPr lang="en-US" sz="1200" dirty="0">
+                <a:solidFill>
+                  <a:schemeClr val="bg1"/>
+                </a:solidFill>
+                <a:effectLst/>
+                <a:latin typeface="+mn-lt"/>
+                <a:ea typeface="Times New Roman" panose="02020603050405020304" pitchFamily="18" charset="0"/>
+              </a:rPr>
+              <a:t>D.</a:t>
+            </a:r>
+            <a:r>
+              <a:rPr lang="en-US" sz="1200" spc="140" dirty="0">
+                <a:solidFill>
+                  <a:schemeClr val="bg1"/>
+                </a:solidFill>
+                <a:effectLst/>
+                <a:latin typeface="+mn-lt"/>
+                <a:ea typeface="Times New Roman" panose="02020603050405020304" pitchFamily="18" charset="0"/>
+              </a:rPr>
+              <a:t> </a:t>
+            </a:r>
+            <a:r>
+              <a:rPr lang="en-US" sz="1200" dirty="0">
+                <a:solidFill>
+                  <a:schemeClr val="bg1"/>
+                </a:solidFill>
+                <a:effectLst/>
+                <a:latin typeface="+mn-lt"/>
+                <a:ea typeface="Times New Roman" panose="02020603050405020304" pitchFamily="18" charset="0"/>
+              </a:rPr>
+              <a:t>C.,</a:t>
+            </a:r>
+            <a:r>
+              <a:rPr lang="en-US" sz="1200" spc="-210" dirty="0">
+                <a:solidFill>
+                  <a:schemeClr val="bg1"/>
+                </a:solidFill>
+                <a:effectLst/>
+                <a:latin typeface="+mn-lt"/>
+                <a:ea typeface="Times New Roman" panose="02020603050405020304" pitchFamily="18" charset="0"/>
+              </a:rPr>
+              <a:t> </a:t>
+            </a:r>
+            <a:r>
+              <a:rPr lang="en-US" sz="1200" dirty="0" err="1">
+                <a:solidFill>
+                  <a:schemeClr val="bg1"/>
+                </a:solidFill>
+                <a:effectLst/>
+                <a:latin typeface="+mn-lt"/>
+                <a:ea typeface="Times New Roman" panose="02020603050405020304" pitchFamily="18" charset="0"/>
+              </a:rPr>
+              <a:t>Heo</a:t>
+            </a:r>
+            <a:r>
+              <a:rPr lang="en-US" sz="1200" dirty="0">
+                <a:solidFill>
+                  <a:schemeClr val="bg1"/>
+                </a:solidFill>
+                <a:effectLst/>
+                <a:latin typeface="+mn-lt"/>
+                <a:ea typeface="Times New Roman" panose="02020603050405020304" pitchFamily="18" charset="0"/>
+              </a:rPr>
+              <a:t>,</a:t>
+            </a:r>
+            <a:r>
+              <a:rPr lang="en-US" sz="1200" spc="90" dirty="0">
+                <a:solidFill>
+                  <a:schemeClr val="bg1"/>
+                </a:solidFill>
+                <a:effectLst/>
+                <a:latin typeface="+mn-lt"/>
+                <a:ea typeface="Times New Roman" panose="02020603050405020304" pitchFamily="18" charset="0"/>
+              </a:rPr>
+              <a:t> </a:t>
+            </a:r>
+            <a:r>
+              <a:rPr lang="en-US" sz="1200" dirty="0">
+                <a:solidFill>
+                  <a:schemeClr val="bg1"/>
+                </a:solidFill>
+                <a:effectLst/>
+                <a:latin typeface="+mn-lt"/>
+                <a:ea typeface="Times New Roman" panose="02020603050405020304" pitchFamily="18" charset="0"/>
+              </a:rPr>
+              <a:t>J.,</a:t>
+            </a:r>
+            <a:r>
+              <a:rPr lang="en-US" sz="1200" spc="95" dirty="0">
+                <a:solidFill>
+                  <a:schemeClr val="bg1"/>
+                </a:solidFill>
+                <a:effectLst/>
+                <a:latin typeface="+mn-lt"/>
+                <a:ea typeface="Times New Roman" panose="02020603050405020304" pitchFamily="18" charset="0"/>
+              </a:rPr>
+              <a:t> </a:t>
+            </a:r>
+            <a:r>
+              <a:rPr lang="en-US" sz="1200" dirty="0">
+                <a:solidFill>
+                  <a:schemeClr val="bg1"/>
+                </a:solidFill>
+                <a:effectLst/>
+                <a:latin typeface="+mn-lt"/>
+                <a:ea typeface="Times New Roman" panose="02020603050405020304" pitchFamily="18" charset="0"/>
+              </a:rPr>
+              <a:t>Choi,</a:t>
+            </a:r>
+            <a:r>
+              <a:rPr lang="en-US" sz="1200" spc="85" dirty="0">
+                <a:solidFill>
+                  <a:schemeClr val="bg1"/>
+                </a:solidFill>
+                <a:effectLst/>
+                <a:latin typeface="+mn-lt"/>
+                <a:ea typeface="Times New Roman" panose="02020603050405020304" pitchFamily="18" charset="0"/>
+              </a:rPr>
+              <a:t> </a:t>
+            </a:r>
+            <a:r>
+              <a:rPr lang="en-US" sz="1200" dirty="0">
+                <a:solidFill>
+                  <a:schemeClr val="bg1"/>
+                </a:solidFill>
+                <a:effectLst/>
+                <a:latin typeface="+mn-lt"/>
+                <a:ea typeface="Times New Roman" panose="02020603050405020304" pitchFamily="18" charset="0"/>
+              </a:rPr>
+              <a:t>M.</a:t>
+            </a:r>
+            <a:r>
+              <a:rPr lang="en-US" sz="1200" spc="85" dirty="0">
+                <a:solidFill>
+                  <a:schemeClr val="bg1"/>
+                </a:solidFill>
+                <a:effectLst/>
+                <a:latin typeface="+mn-lt"/>
+                <a:ea typeface="Times New Roman" panose="02020603050405020304" pitchFamily="18" charset="0"/>
+              </a:rPr>
+              <a:t> </a:t>
+            </a:r>
+            <a:r>
+              <a:rPr lang="en-US" sz="1200" dirty="0">
+                <a:solidFill>
+                  <a:schemeClr val="bg1"/>
+                </a:solidFill>
+                <a:effectLst/>
+                <a:latin typeface="+mn-lt"/>
+                <a:ea typeface="Times New Roman" panose="02020603050405020304" pitchFamily="18" charset="0"/>
+              </a:rPr>
+              <a:t>S.,</a:t>
+            </a:r>
+            <a:r>
+              <a:rPr lang="en-US" sz="1200" spc="90" dirty="0">
+                <a:solidFill>
+                  <a:schemeClr val="bg1"/>
+                </a:solidFill>
+                <a:effectLst/>
+                <a:latin typeface="+mn-lt"/>
+                <a:ea typeface="Times New Roman" panose="02020603050405020304" pitchFamily="18" charset="0"/>
+              </a:rPr>
+              <a:t> </a:t>
+            </a:r>
+            <a:r>
+              <a:rPr lang="en-US" sz="1200" dirty="0">
+                <a:solidFill>
+                  <a:schemeClr val="bg1"/>
+                </a:solidFill>
+                <a:effectLst/>
+                <a:latin typeface="+mn-lt"/>
+                <a:ea typeface="Times New Roman" panose="02020603050405020304" pitchFamily="18" charset="0"/>
+              </a:rPr>
+              <a:t>Choi,</a:t>
+            </a:r>
+            <a:r>
+              <a:rPr lang="en-US" sz="1200" spc="95" dirty="0">
+                <a:solidFill>
+                  <a:schemeClr val="bg1"/>
+                </a:solidFill>
+                <a:effectLst/>
+                <a:latin typeface="+mn-lt"/>
+                <a:ea typeface="Times New Roman" panose="02020603050405020304" pitchFamily="18" charset="0"/>
+              </a:rPr>
+              <a:t> </a:t>
+            </a:r>
+            <a:r>
+              <a:rPr lang="en-US" sz="1200" dirty="0">
+                <a:solidFill>
+                  <a:schemeClr val="bg1"/>
+                </a:solidFill>
+                <a:effectLst/>
+                <a:latin typeface="+mn-lt"/>
+                <a:ea typeface="Times New Roman" panose="02020603050405020304" pitchFamily="18" charset="0"/>
+              </a:rPr>
+              <a:t>I.</a:t>
+            </a:r>
+            <a:r>
+              <a:rPr lang="en-US" sz="1200" spc="90" dirty="0">
+                <a:solidFill>
+                  <a:schemeClr val="bg1"/>
+                </a:solidFill>
+                <a:effectLst/>
+                <a:latin typeface="+mn-lt"/>
+                <a:ea typeface="Times New Roman" panose="02020603050405020304" pitchFamily="18" charset="0"/>
+              </a:rPr>
+              <a:t> </a:t>
+            </a:r>
+            <a:r>
+              <a:rPr lang="en-US" sz="1200" dirty="0">
+                <a:solidFill>
+                  <a:schemeClr val="bg1"/>
+                </a:solidFill>
+                <a:effectLst/>
+                <a:latin typeface="+mn-lt"/>
+                <a:ea typeface="Times New Roman" panose="02020603050405020304" pitchFamily="18" charset="0"/>
+              </a:rPr>
+              <a:t>H.,</a:t>
+            </a:r>
+            <a:r>
+              <a:rPr lang="en-US" sz="1200" spc="90" dirty="0">
+                <a:solidFill>
+                  <a:schemeClr val="bg1"/>
+                </a:solidFill>
+                <a:effectLst/>
+                <a:latin typeface="+mn-lt"/>
+                <a:ea typeface="Times New Roman" panose="02020603050405020304" pitchFamily="18" charset="0"/>
+              </a:rPr>
+              <a:t> </a:t>
+            </a:r>
+            <a:r>
+              <a:rPr lang="en-US" sz="1200" dirty="0" err="1">
+                <a:solidFill>
+                  <a:schemeClr val="bg1"/>
+                </a:solidFill>
+                <a:effectLst/>
+                <a:latin typeface="+mn-lt"/>
+                <a:ea typeface="Times New Roman" panose="02020603050405020304" pitchFamily="18" charset="0"/>
+              </a:rPr>
+              <a:t>Cung</a:t>
+            </a:r>
+            <a:r>
+              <a:rPr lang="en-US" sz="1200" spc="95" dirty="0">
+                <a:solidFill>
+                  <a:schemeClr val="bg1"/>
+                </a:solidFill>
+                <a:effectLst/>
+                <a:latin typeface="+mn-lt"/>
+                <a:ea typeface="Times New Roman" panose="02020603050405020304" pitchFamily="18" charset="0"/>
+              </a:rPr>
+              <a:t> </a:t>
+            </a:r>
+            <a:r>
+              <a:rPr lang="en-US" sz="1200" dirty="0">
+                <a:solidFill>
+                  <a:schemeClr val="bg1"/>
+                </a:solidFill>
+                <a:effectLst/>
+                <a:latin typeface="+mn-lt"/>
+                <a:ea typeface="Times New Roman" panose="02020603050405020304" pitchFamily="18" charset="0"/>
+              </a:rPr>
+              <a:t>Van,</a:t>
+            </a:r>
+            <a:r>
+              <a:rPr lang="en-US" sz="1200" spc="85" dirty="0">
+                <a:solidFill>
+                  <a:schemeClr val="bg1"/>
+                </a:solidFill>
+                <a:effectLst/>
+                <a:latin typeface="+mn-lt"/>
+                <a:ea typeface="Times New Roman" panose="02020603050405020304" pitchFamily="18" charset="0"/>
+              </a:rPr>
+              <a:t> </a:t>
+            </a:r>
+            <a:r>
+              <a:rPr lang="en-US" sz="1200" dirty="0">
+                <a:solidFill>
+                  <a:schemeClr val="bg1"/>
+                </a:solidFill>
+                <a:effectLst/>
+                <a:latin typeface="+mn-lt"/>
+                <a:ea typeface="Times New Roman" panose="02020603050405020304" pitchFamily="18" charset="0"/>
+              </a:rPr>
+              <a:t>C.,</a:t>
+            </a:r>
+            <a:r>
+              <a:rPr lang="en-US" sz="1200" spc="90" dirty="0">
+                <a:solidFill>
+                  <a:schemeClr val="bg1"/>
+                </a:solidFill>
+                <a:effectLst/>
+                <a:latin typeface="+mn-lt"/>
+                <a:ea typeface="Times New Roman" panose="02020603050405020304" pitchFamily="18" charset="0"/>
+              </a:rPr>
+              <a:t> </a:t>
+            </a:r>
+            <a:r>
+              <a:rPr lang="en-US" sz="1200" dirty="0">
+                <a:solidFill>
+                  <a:schemeClr val="bg1"/>
+                </a:solidFill>
+                <a:effectLst/>
+                <a:latin typeface="+mn-lt"/>
+                <a:ea typeface="Times New Roman" panose="02020603050405020304" pitchFamily="18" charset="0"/>
+              </a:rPr>
+              <a:t>Nhung,</a:t>
+            </a:r>
+            <a:r>
+              <a:rPr lang="en-US" sz="1200" spc="85" dirty="0">
+                <a:solidFill>
+                  <a:schemeClr val="bg1"/>
+                </a:solidFill>
+                <a:effectLst/>
+                <a:latin typeface="+mn-lt"/>
+                <a:ea typeface="Times New Roman" panose="02020603050405020304" pitchFamily="18" charset="0"/>
+              </a:rPr>
+              <a:t> </a:t>
+            </a:r>
+            <a:r>
+              <a:rPr lang="en-US" sz="1200" dirty="0">
+                <a:solidFill>
+                  <a:schemeClr val="bg1"/>
+                </a:solidFill>
+                <a:effectLst/>
+                <a:latin typeface="+mn-lt"/>
+                <a:ea typeface="Times New Roman" panose="02020603050405020304" pitchFamily="18" charset="0"/>
+              </a:rPr>
+              <a:t>N.</a:t>
+            </a:r>
+            <a:r>
+              <a:rPr lang="en-US" sz="1200" spc="-215" dirty="0">
+                <a:solidFill>
+                  <a:schemeClr val="bg1"/>
+                </a:solidFill>
+                <a:effectLst/>
+                <a:latin typeface="+mn-lt"/>
+                <a:ea typeface="Times New Roman" panose="02020603050405020304" pitchFamily="18" charset="0"/>
+              </a:rPr>
+              <a:t> </a:t>
+            </a:r>
+            <a:r>
+              <a:rPr lang="en-US" sz="1200" dirty="0">
+                <a:solidFill>
+                  <a:schemeClr val="bg1"/>
+                </a:solidFill>
+                <a:effectLst/>
+                <a:latin typeface="+mn-lt"/>
+                <a:ea typeface="Times New Roman" panose="02020603050405020304" pitchFamily="18" charset="0"/>
+              </a:rPr>
+              <a:t>V.,</a:t>
+            </a:r>
+            <a:r>
+              <a:rPr lang="en-US" sz="1200" spc="5" dirty="0">
+                <a:solidFill>
+                  <a:schemeClr val="bg1"/>
+                </a:solidFill>
+                <a:effectLst/>
+                <a:latin typeface="+mn-lt"/>
+                <a:ea typeface="Times New Roman" panose="02020603050405020304" pitchFamily="18" charset="0"/>
+              </a:rPr>
+              <a:t> </a:t>
+            </a:r>
+            <a:r>
+              <a:rPr lang="en-US" sz="1200" dirty="0">
+                <a:solidFill>
+                  <a:schemeClr val="bg1"/>
+                </a:solidFill>
+                <a:effectLst/>
+                <a:latin typeface="+mn-lt"/>
+                <a:ea typeface="Times New Roman" panose="02020603050405020304" pitchFamily="18" charset="0"/>
+              </a:rPr>
+              <a:t>Min,</a:t>
+            </a:r>
+            <a:r>
+              <a:rPr lang="en-US" sz="1200" spc="5" dirty="0">
+                <a:solidFill>
+                  <a:schemeClr val="bg1"/>
+                </a:solidFill>
+                <a:effectLst/>
+                <a:latin typeface="+mn-lt"/>
+                <a:ea typeface="Times New Roman" panose="02020603050405020304" pitchFamily="18" charset="0"/>
+              </a:rPr>
+              <a:t> </a:t>
+            </a:r>
+            <a:r>
+              <a:rPr lang="en-US" sz="1200" dirty="0">
+                <a:solidFill>
+                  <a:schemeClr val="bg1"/>
+                </a:solidFill>
+                <a:effectLst/>
+                <a:latin typeface="+mn-lt"/>
+                <a:ea typeface="Times New Roman" panose="02020603050405020304" pitchFamily="18" charset="0"/>
+              </a:rPr>
+              <a:t>B.</a:t>
+            </a:r>
+            <a:r>
+              <a:rPr lang="en-US" sz="1200" spc="5" dirty="0">
+                <a:solidFill>
+                  <a:schemeClr val="bg1"/>
+                </a:solidFill>
+                <a:effectLst/>
+                <a:latin typeface="+mn-lt"/>
+                <a:ea typeface="Times New Roman" panose="02020603050405020304" pitchFamily="18" charset="0"/>
+              </a:rPr>
+              <a:t> </a:t>
+            </a:r>
+            <a:r>
+              <a:rPr lang="en-US" sz="1200" dirty="0">
+                <a:solidFill>
+                  <a:schemeClr val="bg1"/>
+                </a:solidFill>
+                <a:effectLst/>
+                <a:latin typeface="+mn-lt"/>
+                <a:ea typeface="Times New Roman" panose="02020603050405020304" pitchFamily="18" charset="0"/>
+              </a:rPr>
+              <a:t>J.,</a:t>
+            </a:r>
+            <a:r>
+              <a:rPr lang="en-US" sz="1200" spc="5" dirty="0">
+                <a:solidFill>
+                  <a:schemeClr val="bg1"/>
+                </a:solidFill>
+                <a:effectLst/>
+                <a:latin typeface="+mn-lt"/>
+                <a:ea typeface="Times New Roman" panose="02020603050405020304" pitchFamily="18" charset="0"/>
+              </a:rPr>
+              <a:t> </a:t>
+            </a:r>
+            <a:r>
+              <a:rPr lang="en-US" sz="1200" dirty="0">
+                <a:solidFill>
+                  <a:schemeClr val="bg1"/>
+                </a:solidFill>
+                <a:effectLst/>
+                <a:latin typeface="+mn-lt"/>
+                <a:ea typeface="Times New Roman" panose="02020603050405020304" pitchFamily="18" charset="0"/>
+              </a:rPr>
+              <a:t>&amp;</a:t>
+            </a:r>
+            <a:r>
+              <a:rPr lang="en-US" sz="1200" spc="5" dirty="0">
+                <a:solidFill>
+                  <a:schemeClr val="bg1"/>
+                </a:solidFill>
+                <a:effectLst/>
+                <a:latin typeface="+mn-lt"/>
+                <a:ea typeface="Times New Roman" panose="02020603050405020304" pitchFamily="18" charset="0"/>
+              </a:rPr>
+              <a:t> </a:t>
+            </a:r>
+            <a:r>
+              <a:rPr lang="en-US" sz="1200" dirty="0">
+                <a:solidFill>
+                  <a:schemeClr val="bg1"/>
+                </a:solidFill>
+                <a:effectLst/>
+                <a:latin typeface="+mn-lt"/>
+                <a:ea typeface="Times New Roman" panose="02020603050405020304" pitchFamily="18" charset="0"/>
+              </a:rPr>
+              <a:t>Lee,</a:t>
+            </a:r>
+            <a:r>
+              <a:rPr lang="en-US" sz="1200" spc="5" dirty="0">
+                <a:solidFill>
+                  <a:schemeClr val="bg1"/>
+                </a:solidFill>
+                <a:effectLst/>
+                <a:latin typeface="+mn-lt"/>
+                <a:ea typeface="Times New Roman" panose="02020603050405020304" pitchFamily="18" charset="0"/>
+              </a:rPr>
+              <a:t> </a:t>
+            </a:r>
+            <a:r>
+              <a:rPr lang="en-US" sz="1200" dirty="0">
+                <a:solidFill>
+                  <a:schemeClr val="bg1"/>
+                </a:solidFill>
+                <a:effectLst/>
+                <a:latin typeface="+mn-lt"/>
+                <a:ea typeface="Times New Roman" panose="02020603050405020304" pitchFamily="18" charset="0"/>
+              </a:rPr>
+              <a:t>H.</a:t>
+            </a:r>
+            <a:r>
+              <a:rPr lang="en-US" sz="1200" spc="5" dirty="0">
+                <a:solidFill>
+                  <a:schemeClr val="bg1"/>
+                </a:solidFill>
+                <a:effectLst/>
+                <a:latin typeface="+mn-lt"/>
+                <a:ea typeface="Times New Roman" panose="02020603050405020304" pitchFamily="18" charset="0"/>
+              </a:rPr>
+              <a:t> </a:t>
+            </a:r>
+            <a:r>
+              <a:rPr lang="en-US" sz="1200" dirty="0">
+                <a:solidFill>
+                  <a:schemeClr val="bg1"/>
+                </a:solidFill>
+                <a:effectLst/>
+                <a:latin typeface="+mn-lt"/>
+                <a:ea typeface="Times New Roman" panose="02020603050405020304" pitchFamily="18" charset="0"/>
+              </a:rPr>
+              <a:t>(2020).</a:t>
+            </a:r>
+            <a:r>
+              <a:rPr lang="en-US" sz="1200" spc="5" dirty="0">
+                <a:solidFill>
+                  <a:schemeClr val="bg1"/>
+                </a:solidFill>
+                <a:effectLst/>
+                <a:latin typeface="+mn-lt"/>
+                <a:ea typeface="Times New Roman" panose="02020603050405020304" pitchFamily="18" charset="0"/>
+              </a:rPr>
+              <a:t> </a:t>
+            </a:r>
+            <a:r>
+              <a:rPr lang="en-US" sz="1200" dirty="0">
+                <a:solidFill>
+                  <a:schemeClr val="bg1"/>
+                </a:solidFill>
+                <a:effectLst/>
+                <a:latin typeface="+mn-lt"/>
+                <a:ea typeface="Times New Roman" panose="02020603050405020304" pitchFamily="18" charset="0"/>
+              </a:rPr>
+              <a:t>Deep</a:t>
+            </a:r>
+            <a:r>
+              <a:rPr lang="en-US" sz="1200" spc="5" dirty="0">
+                <a:solidFill>
+                  <a:schemeClr val="bg1"/>
+                </a:solidFill>
+                <a:effectLst/>
+                <a:latin typeface="+mn-lt"/>
+                <a:ea typeface="Times New Roman" panose="02020603050405020304" pitchFamily="18" charset="0"/>
+              </a:rPr>
+              <a:t> </a:t>
+            </a:r>
+            <a:r>
+              <a:rPr lang="en-US" sz="1200" dirty="0">
+                <a:solidFill>
+                  <a:schemeClr val="bg1"/>
+                </a:solidFill>
+                <a:effectLst/>
+                <a:latin typeface="+mn-lt"/>
+                <a:ea typeface="Times New Roman" panose="02020603050405020304" pitchFamily="18" charset="0"/>
+              </a:rPr>
+              <a:t>Learning-Based</a:t>
+            </a:r>
+            <a:r>
+              <a:rPr lang="en-US" sz="1200" spc="5" dirty="0">
+                <a:solidFill>
+                  <a:schemeClr val="bg1"/>
+                </a:solidFill>
+                <a:effectLst/>
+                <a:latin typeface="+mn-lt"/>
+                <a:ea typeface="Times New Roman" panose="02020603050405020304" pitchFamily="18" charset="0"/>
+              </a:rPr>
+              <a:t> </a:t>
+            </a:r>
+            <a:r>
+              <a:rPr lang="en-US" sz="1200" dirty="0">
+                <a:solidFill>
+                  <a:schemeClr val="bg1"/>
+                </a:solidFill>
+                <a:effectLst/>
+                <a:latin typeface="+mn-lt"/>
+                <a:ea typeface="Times New Roman" panose="02020603050405020304" pitchFamily="18" charset="0"/>
+              </a:rPr>
+              <a:t>Decision-Tree</a:t>
+            </a:r>
+            <a:r>
+              <a:rPr lang="en-US" sz="1200" spc="5" dirty="0">
+                <a:solidFill>
+                  <a:schemeClr val="bg1"/>
+                </a:solidFill>
+                <a:effectLst/>
+                <a:latin typeface="+mn-lt"/>
+                <a:ea typeface="Times New Roman" panose="02020603050405020304" pitchFamily="18" charset="0"/>
+              </a:rPr>
+              <a:t> </a:t>
+            </a:r>
+            <a:r>
+              <a:rPr lang="en-US" sz="1200" dirty="0">
+                <a:solidFill>
+                  <a:schemeClr val="bg1"/>
+                </a:solidFill>
+                <a:effectLst/>
+                <a:latin typeface="+mn-lt"/>
+                <a:ea typeface="Times New Roman" panose="02020603050405020304" pitchFamily="18" charset="0"/>
+              </a:rPr>
+              <a:t>Classifier</a:t>
+            </a:r>
+            <a:r>
+              <a:rPr lang="en-US" sz="1200" spc="5" dirty="0">
+                <a:solidFill>
+                  <a:schemeClr val="bg1"/>
+                </a:solidFill>
+                <a:effectLst/>
+                <a:latin typeface="+mn-lt"/>
+                <a:ea typeface="Times New Roman" panose="02020603050405020304" pitchFamily="18" charset="0"/>
+              </a:rPr>
+              <a:t> </a:t>
+            </a:r>
+            <a:r>
+              <a:rPr lang="en-US" sz="1200" dirty="0">
+                <a:solidFill>
+                  <a:schemeClr val="bg1"/>
+                </a:solidFill>
+                <a:effectLst/>
+                <a:latin typeface="+mn-lt"/>
+                <a:ea typeface="Times New Roman" panose="02020603050405020304" pitchFamily="18" charset="0"/>
+              </a:rPr>
+              <a:t>for</a:t>
+            </a:r>
+            <a:r>
+              <a:rPr lang="en-US" sz="1200" spc="5" dirty="0">
+                <a:solidFill>
+                  <a:schemeClr val="bg1"/>
+                </a:solidFill>
+                <a:effectLst/>
+                <a:latin typeface="+mn-lt"/>
+                <a:ea typeface="Times New Roman" panose="02020603050405020304" pitchFamily="18" charset="0"/>
+              </a:rPr>
+              <a:t> </a:t>
+            </a:r>
+            <a:r>
+              <a:rPr lang="en-US" sz="1200" dirty="0">
+                <a:solidFill>
+                  <a:schemeClr val="bg1"/>
+                </a:solidFill>
+                <a:effectLst/>
+                <a:latin typeface="+mn-lt"/>
+                <a:ea typeface="Times New Roman" panose="02020603050405020304" pitchFamily="18" charset="0"/>
+              </a:rPr>
+              <a:t>COVID-19</a:t>
+            </a:r>
+            <a:r>
+              <a:rPr lang="en-US" sz="1200" spc="5" dirty="0">
+                <a:solidFill>
+                  <a:schemeClr val="bg1"/>
+                </a:solidFill>
+                <a:effectLst/>
+                <a:latin typeface="+mn-lt"/>
+                <a:ea typeface="Times New Roman" panose="02020603050405020304" pitchFamily="18" charset="0"/>
+              </a:rPr>
+              <a:t> </a:t>
+            </a:r>
+            <a:r>
+              <a:rPr lang="en-US" sz="1200" dirty="0">
+                <a:solidFill>
+                  <a:schemeClr val="bg1"/>
+                </a:solidFill>
+                <a:effectLst/>
+                <a:latin typeface="+mn-lt"/>
+                <a:ea typeface="Times New Roman" panose="02020603050405020304" pitchFamily="18" charset="0"/>
+              </a:rPr>
+              <a:t>Diagnosis</a:t>
+            </a:r>
+            <a:r>
+              <a:rPr lang="en-US" sz="1200" spc="5" dirty="0">
+                <a:solidFill>
+                  <a:schemeClr val="bg1"/>
+                </a:solidFill>
+                <a:effectLst/>
+                <a:latin typeface="+mn-lt"/>
+                <a:ea typeface="Times New Roman" panose="02020603050405020304" pitchFamily="18" charset="0"/>
+              </a:rPr>
+              <a:t> </a:t>
+            </a:r>
+            <a:r>
+              <a:rPr lang="en-US" sz="1200" dirty="0">
+                <a:solidFill>
+                  <a:schemeClr val="bg1"/>
+                </a:solidFill>
+                <a:effectLst/>
+                <a:latin typeface="+mn-lt"/>
+                <a:ea typeface="Times New Roman" panose="02020603050405020304" pitchFamily="18" charset="0"/>
+              </a:rPr>
+              <a:t>From</a:t>
+            </a:r>
+            <a:r>
+              <a:rPr lang="en-US" sz="1200" spc="5" dirty="0">
+                <a:solidFill>
+                  <a:schemeClr val="bg1"/>
+                </a:solidFill>
+                <a:effectLst/>
+                <a:latin typeface="+mn-lt"/>
+                <a:ea typeface="Times New Roman" panose="02020603050405020304" pitchFamily="18" charset="0"/>
+              </a:rPr>
+              <a:t> </a:t>
+            </a:r>
+            <a:r>
+              <a:rPr lang="en-US" sz="1200" dirty="0">
+                <a:solidFill>
+                  <a:schemeClr val="bg1"/>
+                </a:solidFill>
+                <a:effectLst/>
+                <a:latin typeface="+mn-lt"/>
+                <a:ea typeface="Times New Roman" panose="02020603050405020304" pitchFamily="18" charset="0"/>
+              </a:rPr>
+              <a:t>Chest</a:t>
+            </a:r>
+            <a:r>
+              <a:rPr lang="en-US" sz="1200" spc="5" dirty="0">
+                <a:solidFill>
+                  <a:schemeClr val="bg1"/>
+                </a:solidFill>
+                <a:effectLst/>
+                <a:latin typeface="+mn-lt"/>
+                <a:ea typeface="Times New Roman" panose="02020603050405020304" pitchFamily="18" charset="0"/>
+              </a:rPr>
+              <a:t> </a:t>
+            </a:r>
+            <a:r>
+              <a:rPr lang="en-US" sz="1200" dirty="0">
+                <a:solidFill>
+                  <a:schemeClr val="bg1"/>
+                </a:solidFill>
+                <a:effectLst/>
+                <a:latin typeface="+mn-lt"/>
+                <a:ea typeface="Times New Roman" panose="02020603050405020304" pitchFamily="18" charset="0"/>
+              </a:rPr>
+              <a:t>X-ray</a:t>
+            </a:r>
+            <a:r>
+              <a:rPr lang="en-US" sz="1200" spc="5" dirty="0">
+                <a:solidFill>
+                  <a:schemeClr val="bg1"/>
+                </a:solidFill>
+                <a:effectLst/>
+                <a:latin typeface="+mn-lt"/>
+                <a:ea typeface="Times New Roman" panose="02020603050405020304" pitchFamily="18" charset="0"/>
+              </a:rPr>
+              <a:t> </a:t>
+            </a:r>
+            <a:r>
+              <a:rPr lang="en-US" sz="1200" dirty="0">
+                <a:solidFill>
+                  <a:schemeClr val="bg1"/>
+                </a:solidFill>
+                <a:effectLst/>
+                <a:latin typeface="+mn-lt"/>
+                <a:ea typeface="Times New Roman" panose="02020603050405020304" pitchFamily="18" charset="0"/>
+              </a:rPr>
+              <a:t>Imaging.</a:t>
+            </a:r>
+            <a:r>
+              <a:rPr lang="en-US" sz="1200" spc="5" dirty="0">
+                <a:solidFill>
+                  <a:schemeClr val="bg1"/>
+                </a:solidFill>
+                <a:effectLst/>
+                <a:latin typeface="+mn-lt"/>
+                <a:ea typeface="Times New Roman" panose="02020603050405020304" pitchFamily="18" charset="0"/>
+              </a:rPr>
+              <a:t> </a:t>
+            </a:r>
+            <a:r>
+              <a:rPr lang="en-US" sz="1200" dirty="0">
+                <a:solidFill>
+                  <a:schemeClr val="bg1"/>
+                </a:solidFill>
+                <a:effectLst/>
+                <a:latin typeface="+mn-lt"/>
+                <a:ea typeface="Times New Roman" panose="02020603050405020304" pitchFamily="18" charset="0"/>
+              </a:rPr>
+              <a:t>Frontiers</a:t>
+            </a:r>
+            <a:r>
+              <a:rPr lang="en-US" sz="1200" spc="5" dirty="0">
+                <a:solidFill>
+                  <a:schemeClr val="bg1"/>
+                </a:solidFill>
+                <a:effectLst/>
+                <a:latin typeface="+mn-lt"/>
+                <a:ea typeface="Times New Roman" panose="02020603050405020304" pitchFamily="18" charset="0"/>
+              </a:rPr>
+              <a:t> </a:t>
+            </a:r>
+            <a:r>
+              <a:rPr lang="en-US" sz="1200" dirty="0">
+                <a:solidFill>
+                  <a:schemeClr val="bg1"/>
+                </a:solidFill>
+                <a:effectLst/>
+                <a:latin typeface="+mn-lt"/>
+                <a:ea typeface="Times New Roman" panose="02020603050405020304" pitchFamily="18" charset="0"/>
+              </a:rPr>
+              <a:t>in</a:t>
+            </a:r>
+            <a:r>
+              <a:rPr lang="en-US" sz="1200" spc="5" dirty="0">
+                <a:solidFill>
+                  <a:schemeClr val="bg1"/>
+                </a:solidFill>
+                <a:effectLst/>
+                <a:latin typeface="+mn-lt"/>
+                <a:ea typeface="Times New Roman" panose="02020603050405020304" pitchFamily="18" charset="0"/>
+              </a:rPr>
+              <a:t> </a:t>
+            </a:r>
+            <a:r>
+              <a:rPr lang="en-US" sz="1200" dirty="0">
+                <a:solidFill>
+                  <a:schemeClr val="bg1"/>
+                </a:solidFill>
+                <a:effectLst/>
+                <a:latin typeface="+mn-lt"/>
+                <a:ea typeface="Times New Roman" panose="02020603050405020304" pitchFamily="18" charset="0"/>
+              </a:rPr>
+              <a:t>medicine,</a:t>
+            </a:r>
+            <a:r>
+              <a:rPr lang="en-US" sz="1200" spc="5" dirty="0">
+                <a:solidFill>
+                  <a:schemeClr val="bg1"/>
+                </a:solidFill>
+                <a:effectLst/>
+                <a:latin typeface="+mn-lt"/>
+                <a:ea typeface="Times New Roman" panose="02020603050405020304" pitchFamily="18" charset="0"/>
+              </a:rPr>
+              <a:t> </a:t>
+            </a:r>
+            <a:r>
+              <a:rPr lang="en-US" sz="1200" dirty="0">
+                <a:solidFill>
+                  <a:schemeClr val="bg1"/>
+                </a:solidFill>
+                <a:effectLst/>
+                <a:latin typeface="+mn-lt"/>
+                <a:ea typeface="Times New Roman" panose="02020603050405020304" pitchFamily="18" charset="0"/>
+              </a:rPr>
+              <a:t>7,</a:t>
+            </a:r>
+            <a:r>
+              <a:rPr lang="en-US" sz="1200" spc="5" dirty="0">
+                <a:solidFill>
+                  <a:schemeClr val="bg1"/>
+                </a:solidFill>
+                <a:effectLst/>
+                <a:latin typeface="+mn-lt"/>
+                <a:ea typeface="Times New Roman" panose="02020603050405020304" pitchFamily="18" charset="0"/>
+              </a:rPr>
+              <a:t> </a:t>
+            </a:r>
+            <a:r>
+              <a:rPr lang="en-US" sz="1200" dirty="0">
+                <a:solidFill>
+                  <a:schemeClr val="bg1"/>
+                </a:solidFill>
+                <a:effectLst/>
+                <a:latin typeface="+mn-lt"/>
+                <a:ea typeface="Times New Roman" panose="02020603050405020304" pitchFamily="18" charset="0"/>
+              </a:rPr>
+              <a:t>427.</a:t>
+            </a:r>
+            <a:r>
+              <a:rPr lang="en-US" sz="1200" spc="5" dirty="0">
+                <a:solidFill>
+                  <a:schemeClr val="bg1"/>
+                </a:solidFill>
+                <a:effectLst/>
+                <a:latin typeface="+mn-lt"/>
+                <a:ea typeface="Times New Roman" panose="02020603050405020304" pitchFamily="18" charset="0"/>
+              </a:rPr>
+              <a:t> </a:t>
+            </a:r>
+            <a:r>
+              <a:rPr lang="en-US" sz="1200" u="sng" dirty="0">
+                <a:solidFill>
+                  <a:schemeClr val="bg1"/>
+                </a:solidFill>
+                <a:effectLst/>
+                <a:latin typeface="+mn-lt"/>
+                <a:ea typeface="Times New Roman" panose="02020603050405020304" pitchFamily="18" charset="0"/>
+                <a:hlinkClick r:id="rId9">
+                  <a:extLst>
+                    <a:ext uri="{A12FA001-AC4F-418D-AE19-62706E023703}">
+                      <ahyp:hlinkClr xmlns:ahyp="http://schemas.microsoft.com/office/drawing/2018/hyperlinkcolor" val="tx"/>
+                    </a:ext>
+                  </a:extLst>
+                </a:hlinkClick>
+              </a:rPr>
+              <a:t>https://doi.org/10.3389/fmed.2020.00427</a:t>
+            </a:r>
+            <a:endParaRPr lang="en-US" sz="1200" dirty="0">
+              <a:solidFill>
+                <a:schemeClr val="bg1"/>
+              </a:solidFill>
+              <a:effectLst/>
+              <a:latin typeface="+mn-lt"/>
+              <a:ea typeface="Times New Roman" panose="02020603050405020304" pitchFamily="18" charset="0"/>
+            </a:endParaRPr>
           </a:p>
         </p:txBody>
       </p:sp>
@@ -14770,7 +18031,7 @@
                 <a:ea typeface="+mn-lt"/>
                 <a:cs typeface="+mn-lt"/>
               </a:rPr>
-              <a:t>To apply DL algorithm, we learned from our class to possibly detect COVID-19</a:t>
+              <a:t>To apply DL algorithms which we learned from our class to possibly detect COVID-19</a:t>
             </a:r>
             <a:endParaRPr lang="en-US" sz="2000" dirty="0">
               <a:solidFill>
@@ -15652,7 +18913,7 @@
         </p:nvSpPr>
         <p:spPr>
           <a:xfrm>
-            <a:off x="838200" y="2718706"/>
+            <a:off x="777240" y="2048146"/>
             <a:ext cx="10515600" cy="3761991"/>
           </a:xfrm>
           <a:prstGeom prst="rect">
@@ -15923,7 +19184,7 @@
                 <a:ea typeface="+mn-lt"/>
                 <a:cs typeface="+mn-lt"/>
               </a:rPr>
-              <a:t>AWS s3</a:t>
+              <a:t>AWS S3</a:t>
             </a:r>
           </a:p>
           <a:p>
@@ -16040,7 +19301,7 @@
         <p:spPr>
           <a:xfrm>
             <a:off x="838200" y="1321212"/>
-            <a:ext cx="6093724" cy="307777"/>
+            <a:ext cx="6093724" cy="461665"/>
           </a:xfrm>
           <a:prstGeom prst="rect">
             <a:avLst/>
@@ -16054,12 +19315,24 @@
           <a:lstStyle/>
           <a:p>
             <a:r>
-              <a:rPr lang="en-US" sz="1400" b="1" dirty="0">
-                <a:solidFill>
-                  <a:schemeClr val="bg1"/>
-                </a:solidFill>
-              </a:rPr>
-              <a:t>Model Training &amp; development</a:t>
+              <a:rPr lang="en-US" sz="2400" dirty="0">
+                <a:solidFill>
+                  <a:schemeClr val="bg1"/>
+                </a:solidFill>
+                <a:latin typeface="+mj-lt"/>
+              </a:rPr>
+              <a:t>Model Training &amp; </a:t>
+            </a:r>
+            <a:r>
+              <a:rPr lang="en-US" sz="2400" dirty="0">
+                <a:solidFill>
+                  <a:schemeClr val="bg1"/>
+                </a:solidFill>
+                <a:latin typeface="+mj-lt"/>
+                <a:ea typeface="+mn-lt"/>
+                <a:cs typeface="+mn-lt"/>
+              </a:rPr>
+              <a:t>development</a:t>
             </a:r>
           </a:p>
         </p:txBody>
@@ -16826,7 +20099,7 @@
         </p:nvSpPr>
         <p:spPr>
           <a:xfrm>
-            <a:off x="461291" y="1644114"/>
+            <a:off x="376807" y="1211585"/>
             <a:ext cx="4784478" cy="343500"/>
           </a:xfrm>
           <a:prstGeom prst="rect">
@@ -16858,7 +20131,7 @@
           </a:lstStyle>
           <a:p>
             <a:r>
-              <a:rPr lang="en-US" sz="2000" b="1" dirty="0">
+              <a:rPr lang="en-US" sz="2400" b="1" dirty="0">
                 <a:solidFill>
                   <a:schemeClr val="bg1"/>
                 </a:solidFill>
@@ -17007,7 +20280,7 @@
         </p:blipFill>
         <p:spPr>
           <a:xfrm>
-            <a:off x="-1" y="8165"/>
+            <a:off x="2170" y="-294646"/>
             <a:ext cx="12192000" cy="6858000"/>
           </a:xfrm>
           <a:prstGeom prst="rect">
@@ -17233,7 +20506,7 @@
         </p:blipFill>
         <p:spPr>
           <a:xfrm>
-            <a:off x="602072" y="3134354"/>
+            <a:off x="602072" y="2463643"/>
             <a:ext cx="10684764" cy="2603500"/>
           </a:xfrm>
           <a:prstGeom prst="rect">
@@ -17257,8 +20530,8 @@
         </p:nvSpPr>
         <p:spPr>
           <a:xfrm>
-            <a:off x="602072" y="1567380"/>
-            <a:ext cx="3585464" cy="448184"/>
+            <a:off x="554658" y="1276127"/>
+            <a:ext cx="6591209" cy="448184"/>
           </a:xfrm>
           <a:prstGeom prst="rect">
             <a:avLst/>
@@ -17266,7 +20539,7 @@
         </p:spPr>
         <p:txBody>
           <a:bodyPr vert="horz" lIns="91440" tIns="45720" rIns="91440" bIns="45720" rtlCol="0" anchor="ctr">
-            <a:normAutofit fontScale="55000" lnSpcReduction="20000"/>
+            <a:noAutofit/>
           </a:bodyPr>
           <a:lstStyle>
             <a:lvl1pPr algn="l" defTabSz="914400" rtl="0" eaLnBrk="1" latinLnBrk="0" hangingPunct="1">
@@ -17289,7 +20562,7 @@
           </a:lstStyle>
           <a:p>
             <a:r>
-              <a:rPr lang="en-US" sz="2800" b="1" dirty="0">
+              <a:rPr lang="en-US" sz="2400" b="1" dirty="0">
                 <a:solidFill>
                   <a:schemeClr val="bg1"/>
                 </a:solidFill>

--- a/Presentation_Team_1233 _mike.pptx
+++ b/Presentation_Team_1233 _mike.pptx
@@ -5,22 +5,23 @@
     <p:sldMasterId id="2147483648" r:id="rId1"/>
   </p:sldMasterIdLst>
   <p:notesMasterIdLst>
-    <p:notesMasterId r:id="rId15"/>
+    <p:notesMasterId r:id="rId16"/>
   </p:notesMasterIdLst>
   <p:sldIdLst>
     <p:sldId id="314" r:id="rId2"/>
     <p:sldId id="277" r:id="rId3"/>
     <p:sldId id="315" r:id="rId4"/>
     <p:sldId id="316" r:id="rId5"/>
-    <p:sldId id="307" r:id="rId6"/>
+    <p:sldId id="317" r:id="rId6"/>
     <p:sldId id="306" r:id="rId7"/>
-    <p:sldId id="308" r:id="rId8"/>
-    <p:sldId id="309" r:id="rId9"/>
-    <p:sldId id="310" r:id="rId10"/>
-    <p:sldId id="311" r:id="rId11"/>
-    <p:sldId id="312" r:id="rId12"/>
-    <p:sldId id="313" r:id="rId13"/>
-    <p:sldId id="298" r:id="rId14"/>
+    <p:sldId id="307" r:id="rId8"/>
+    <p:sldId id="308" r:id="rId9"/>
+    <p:sldId id="309" r:id="rId10"/>
+    <p:sldId id="310" r:id="rId11"/>
+    <p:sldId id="311" r:id="rId12"/>
+    <p:sldId id="312" r:id="rId13"/>
+    <p:sldId id="313" r:id="rId14"/>
+    <p:sldId id="298" r:id="rId15"/>
   </p:sldIdLst>
   <p:sldSz cx="12192000" cy="6858000"/>
   <p:notesSz cx="6858000" cy="9144000"/>
@@ -12259,6 +12260,824 @@
       </p:grpSpPr>
       <p:pic>
         <p:nvPicPr>
+          <p:cNvPr id="8" name="Picture 7" descr="A picture containing building, street&#10;&#10;Description automatically generated">
+            <a:extLst>
+              <a:ext uri="{FF2B5EF4-FFF2-40B4-BE49-F238E27FC236}">
+                <a16:creationId xmlns:a16="http://schemas.microsoft.com/office/drawing/2014/main" id="{C4D857D6-D6F6-8F48-8C06-282B2DC15410}"/>
+              </a:ext>
+            </a:extLst>
+          </p:cNvPr>
+          <p:cNvPicPr>
+            <a:picLocks noChangeAspect="1"/>
+          </p:cNvPicPr>
+          <p:nvPr/>
+        </p:nvPicPr>
+        <p:blipFill>
+          <a:blip r:embed="rId2">
+            <a:alphaModFix amt="25000"/>
+          </a:blip>
+          <a:stretch>
+            <a:fillRect/>
+          </a:stretch>
+        </p:blipFill>
+        <p:spPr>
+          <a:xfrm>
+            <a:off x="-2" y="16331"/>
+            <a:ext cx="12192000" cy="6858000"/>
+          </a:xfrm>
+          <a:prstGeom prst="rect">
+            <a:avLst/>
+          </a:prstGeom>
+          <a:effectLst>
+            <a:glow rad="25625">
+              <a:schemeClr val="accent1">
+                <a:alpha val="87000"/>
+              </a:schemeClr>
+            </a:glow>
+          </a:effectLst>
+        </p:spPr>
+      </p:pic>
+      <p:pic>
+        <p:nvPicPr>
+          <p:cNvPr id="7" name="Picture 6" descr="A picture containing building, street&#10;&#10;Description automatically generated">
+            <a:extLst>
+              <a:ext uri="{FF2B5EF4-FFF2-40B4-BE49-F238E27FC236}">
+                <a16:creationId xmlns:a16="http://schemas.microsoft.com/office/drawing/2014/main" id="{811E24CA-B4F3-0948-93D2-9E6B53CBA842}"/>
+              </a:ext>
+            </a:extLst>
+          </p:cNvPr>
+          <p:cNvPicPr>
+            <a:picLocks noChangeAspect="1"/>
+          </p:cNvPicPr>
+          <p:nvPr/>
+        </p:nvPicPr>
+        <p:blipFill>
+          <a:blip r:embed="rId2">
+            <a:alphaModFix amt="25000"/>
+          </a:blip>
+          <a:stretch>
+            <a:fillRect/>
+          </a:stretch>
+        </p:blipFill>
+        <p:spPr>
+          <a:xfrm>
+            <a:off x="-1" y="8165"/>
+            <a:ext cx="12192000" cy="6858000"/>
+          </a:xfrm>
+          <a:prstGeom prst="rect">
+            <a:avLst/>
+          </a:prstGeom>
+        </p:spPr>
+      </p:pic>
+      <p:sp>
+        <p:nvSpPr>
+          <p:cNvPr id="18" name="Google Shape;145;p7">
+            <a:extLst>
+              <a:ext uri="{FF2B5EF4-FFF2-40B4-BE49-F238E27FC236}">
+                <a16:creationId xmlns:a16="http://schemas.microsoft.com/office/drawing/2014/main" id="{37E7B2F9-4530-7540-9A7D-25FE9B6FF02F}"/>
+              </a:ext>
+            </a:extLst>
+          </p:cNvPr>
+          <p:cNvSpPr/>
+          <p:nvPr/>
+        </p:nvSpPr>
+        <p:spPr>
+          <a:xfrm rot="10800000" flipH="1">
+            <a:off x="0" y="6437013"/>
+            <a:ext cx="12192000" cy="420987"/>
+          </a:xfrm>
+          <a:prstGeom prst="rect">
+            <a:avLst/>
+          </a:prstGeom>
+          <a:solidFill>
+            <a:srgbClr val="13294B"/>
+          </a:solidFill>
+          <a:ln>
+            <a:noFill/>
+          </a:ln>
+        </p:spPr>
+        <p:txBody>
+          <a:bodyPr spcFirstLastPara="1" wrap="square" lIns="91425" tIns="45700" rIns="91425" bIns="45700" anchor="ctr" anchorCtr="0">
+            <a:noAutofit/>
+          </a:bodyPr>
+          <a:lstStyle/>
+          <a:p>
+            <a:pPr marL="0" marR="0" lvl="0" indent="0" algn="ctr" rtl="0">
+              <a:lnSpc>
+                <a:spcPct val="100000"/>
+              </a:lnSpc>
+              <a:spcBef>
+                <a:spcPts val="0"/>
+              </a:spcBef>
+              <a:spcAft>
+                <a:spcPts val="0"/>
+              </a:spcAft>
+              <a:buClr>
+                <a:schemeClr val="lt1"/>
+              </a:buClr>
+              <a:buSzPts val="1800"/>
+              <a:buFont typeface="Calibri"/>
+              <a:buNone/>
+            </a:pPr>
+            <a:endParaRPr sz="1800" b="0" i="0" u="none" strike="noStrike" cap="none" dirty="0">
+              <a:solidFill>
+                <a:srgbClr val="13294B"/>
+              </a:solidFill>
+              <a:latin typeface="Calibri"/>
+              <a:ea typeface="Calibri"/>
+              <a:cs typeface="Calibri"/>
+              <a:sym typeface="Calibri"/>
+            </a:endParaRPr>
+          </a:p>
+        </p:txBody>
+      </p:sp>
+      <p:sp>
+        <p:nvSpPr>
+          <p:cNvPr id="17" name="Google Shape;145;p7">
+            <a:extLst>
+              <a:ext uri="{FF2B5EF4-FFF2-40B4-BE49-F238E27FC236}">
+                <a16:creationId xmlns:a16="http://schemas.microsoft.com/office/drawing/2014/main" id="{75FA8318-9B15-7F47-850F-EEEFE73BE161}"/>
+              </a:ext>
+            </a:extLst>
+          </p:cNvPr>
+          <p:cNvSpPr/>
+          <p:nvPr/>
+        </p:nvSpPr>
+        <p:spPr>
+          <a:xfrm rot="10800000" flipH="1">
+            <a:off x="0" y="0"/>
+            <a:ext cx="12192000" cy="868220"/>
+          </a:xfrm>
+          <a:prstGeom prst="rect">
+            <a:avLst/>
+          </a:prstGeom>
+          <a:solidFill>
+            <a:srgbClr val="13294B"/>
+          </a:solidFill>
+          <a:ln>
+            <a:noFill/>
+          </a:ln>
+        </p:spPr>
+        <p:txBody>
+          <a:bodyPr spcFirstLastPara="1" wrap="square" lIns="91425" tIns="45700" rIns="91425" bIns="45700" anchor="ctr" anchorCtr="0">
+            <a:noAutofit/>
+          </a:bodyPr>
+          <a:lstStyle/>
+          <a:p>
+            <a:pPr marL="0" marR="0" lvl="0" indent="0" algn="ctr" rtl="0">
+              <a:lnSpc>
+                <a:spcPct val="100000"/>
+              </a:lnSpc>
+              <a:spcBef>
+                <a:spcPts val="0"/>
+              </a:spcBef>
+              <a:spcAft>
+                <a:spcPts val="0"/>
+              </a:spcAft>
+              <a:buClr>
+                <a:schemeClr val="lt1"/>
+              </a:buClr>
+              <a:buSzPts val="1800"/>
+              <a:buFont typeface="Calibri"/>
+              <a:buNone/>
+            </a:pPr>
+            <a:endParaRPr sz="1800" b="0" i="0" u="none" strike="noStrike" cap="none">
+              <a:solidFill>
+                <a:srgbClr val="13294B"/>
+              </a:solidFill>
+              <a:latin typeface="Calibri"/>
+              <a:ea typeface="Calibri"/>
+              <a:cs typeface="Calibri"/>
+              <a:sym typeface="Calibri"/>
+            </a:endParaRPr>
+          </a:p>
+        </p:txBody>
+      </p:sp>
+      <p:pic>
+        <p:nvPicPr>
+          <p:cNvPr id="15" name="Picture 14" descr="A close up of a logo&#10;&#10;Description automatically generated">
+            <a:extLst>
+              <a:ext uri="{FF2B5EF4-FFF2-40B4-BE49-F238E27FC236}">
+                <a16:creationId xmlns:a16="http://schemas.microsoft.com/office/drawing/2014/main" id="{A9194208-BB88-DA45-8C43-B250F5F37BE3}"/>
+              </a:ext>
+            </a:extLst>
+          </p:cNvPr>
+          <p:cNvPicPr>
+            <a:picLocks noChangeAspect="1"/>
+          </p:cNvPicPr>
+          <p:nvPr/>
+        </p:nvPicPr>
+        <p:blipFill>
+          <a:blip r:embed="rId3"/>
+          <a:stretch>
+            <a:fillRect/>
+          </a:stretch>
+        </p:blipFill>
+        <p:spPr>
+          <a:xfrm>
+            <a:off x="11554210" y="228014"/>
+            <a:ext cx="277906" cy="401420"/>
+          </a:xfrm>
+          <a:prstGeom prst="rect">
+            <a:avLst/>
+          </a:prstGeom>
+        </p:spPr>
+      </p:pic>
+      <p:sp>
+        <p:nvSpPr>
+          <p:cNvPr id="16" name="Google Shape;100;p1">
+            <a:extLst>
+              <a:ext uri="{FF2B5EF4-FFF2-40B4-BE49-F238E27FC236}">
+                <a16:creationId xmlns:a16="http://schemas.microsoft.com/office/drawing/2014/main" id="{226FBA8E-8ED2-0F48-B1E6-A03B9736B136}"/>
+              </a:ext>
+            </a:extLst>
+          </p:cNvPr>
+          <p:cNvSpPr txBox="1"/>
+          <p:nvPr/>
+        </p:nvSpPr>
+        <p:spPr>
+          <a:xfrm>
+            <a:off x="376810" y="204051"/>
+            <a:ext cx="10910026" cy="461624"/>
+          </a:xfrm>
+          <a:prstGeom prst="rect">
+            <a:avLst/>
+          </a:prstGeom>
+          <a:noFill/>
+          <a:ln>
+            <a:noFill/>
+          </a:ln>
+        </p:spPr>
+        <p:txBody>
+          <a:bodyPr spcFirstLastPara="1" wrap="square" lIns="91425" tIns="45700" rIns="91425" bIns="45700" anchor="t" anchorCtr="0">
+            <a:spAutoFit/>
+          </a:bodyPr>
+          <a:lstStyle/>
+          <a:p>
+            <a:r>
+              <a:rPr lang="en-US" sz="2400" dirty="0">
+                <a:solidFill>
+                  <a:schemeClr val="bg1"/>
+                </a:solidFill>
+              </a:rPr>
+              <a:t>Results</a:t>
+            </a:r>
+          </a:p>
+        </p:txBody>
+      </p:sp>
+      <p:sp>
+        <p:nvSpPr>
+          <p:cNvPr id="10" name="Google Shape;100;p1">
+            <a:extLst>
+              <a:ext uri="{FF2B5EF4-FFF2-40B4-BE49-F238E27FC236}">
+                <a16:creationId xmlns:a16="http://schemas.microsoft.com/office/drawing/2014/main" id="{186920B5-D75D-4D96-A546-B250E671A799}"/>
+              </a:ext>
+            </a:extLst>
+          </p:cNvPr>
+          <p:cNvSpPr txBox="1"/>
+          <p:nvPr/>
+        </p:nvSpPr>
+        <p:spPr>
+          <a:xfrm>
+            <a:off x="376807" y="6524381"/>
+            <a:ext cx="1718323" cy="230792"/>
+          </a:xfrm>
+          <a:prstGeom prst="rect">
+            <a:avLst/>
+          </a:prstGeom>
+          <a:noFill/>
+          <a:ln>
+            <a:noFill/>
+          </a:ln>
+        </p:spPr>
+        <p:txBody>
+          <a:bodyPr spcFirstLastPara="1" wrap="square" lIns="91425" tIns="45700" rIns="91425" bIns="45700" anchor="t" anchorCtr="0">
+            <a:spAutoFit/>
+          </a:bodyPr>
+          <a:lstStyle/>
+          <a:p>
+            <a:pPr lvl="0"/>
+            <a:r>
+              <a:rPr lang="en-US" sz="900" spc="200" dirty="0">
+                <a:solidFill>
+                  <a:schemeClr val="bg1"/>
+                </a:solidFill>
+                <a:ea typeface="Helvetica Neue Light"/>
+                <a:cs typeface="Helvetica Neue Light"/>
+                <a:sym typeface="Helvetica Neue Light"/>
+              </a:rPr>
+              <a:t>CS 598/Team 1233</a:t>
+            </a:r>
+          </a:p>
+        </p:txBody>
+      </p:sp>
+      <p:graphicFrame>
+        <p:nvGraphicFramePr>
+          <p:cNvPr id="3" name="Table 3">
+            <a:extLst>
+              <a:ext uri="{FF2B5EF4-FFF2-40B4-BE49-F238E27FC236}">
+                <a16:creationId xmlns:a16="http://schemas.microsoft.com/office/drawing/2014/main" id="{429DC3F5-B833-4DC4-BA66-9870FC9ADD44}"/>
+              </a:ext>
+            </a:extLst>
+          </p:cNvPr>
+          <p:cNvGraphicFramePr>
+            <a:graphicFrameLocks noGrp="1"/>
+          </p:cNvGraphicFramePr>
+          <p:nvPr>
+            <p:extLst>
+              <p:ext uri="{D42A27DB-BD31-4B8C-83A1-F6EECF244321}">
+                <p14:modId xmlns:p14="http://schemas.microsoft.com/office/powerpoint/2010/main" val="836285933"/>
+              </p:ext>
+            </p:extLst>
+          </p:nvPr>
+        </p:nvGraphicFramePr>
+        <p:xfrm>
+          <a:off x="1185316" y="2093900"/>
+          <a:ext cx="8859535" cy="2961925"/>
+        </p:xfrm>
+        <a:graphic>
+          <a:graphicData uri="http://schemas.openxmlformats.org/drawingml/2006/table">
+            <a:tbl>
+              <a:tblPr firstRow="1" bandRow="1">
+                <a:tableStyleId>{5C22544A-7EE6-4342-B048-85BDC9FD1C3A}</a:tableStyleId>
+              </a:tblPr>
+              <a:tblGrid>
+                <a:gridCol w="1771907">
+                  <a:extLst>
+                    <a:ext uri="{9D8B030D-6E8A-4147-A177-3AD203B41FA5}">
+                      <a16:colId xmlns:a16="http://schemas.microsoft.com/office/drawing/2014/main" val="1883435169"/>
+                    </a:ext>
+                  </a:extLst>
+                </a:gridCol>
+                <a:gridCol w="1771907">
+                  <a:extLst>
+                    <a:ext uri="{9D8B030D-6E8A-4147-A177-3AD203B41FA5}">
+                      <a16:colId xmlns:a16="http://schemas.microsoft.com/office/drawing/2014/main" val="1092084821"/>
+                    </a:ext>
+                  </a:extLst>
+                </a:gridCol>
+                <a:gridCol w="1771907">
+                  <a:extLst>
+                    <a:ext uri="{9D8B030D-6E8A-4147-A177-3AD203B41FA5}">
+                      <a16:colId xmlns:a16="http://schemas.microsoft.com/office/drawing/2014/main" val="2119754871"/>
+                    </a:ext>
+                  </a:extLst>
+                </a:gridCol>
+                <a:gridCol w="1771907">
+                  <a:extLst>
+                    <a:ext uri="{9D8B030D-6E8A-4147-A177-3AD203B41FA5}">
+                      <a16:colId xmlns:a16="http://schemas.microsoft.com/office/drawing/2014/main" val="3926061321"/>
+                    </a:ext>
+                  </a:extLst>
+                </a:gridCol>
+                <a:gridCol w="1771907">
+                  <a:extLst>
+                    <a:ext uri="{9D8B030D-6E8A-4147-A177-3AD203B41FA5}">
+                      <a16:colId xmlns:a16="http://schemas.microsoft.com/office/drawing/2014/main" val="539934560"/>
+                    </a:ext>
+                  </a:extLst>
+                </a:gridCol>
+              </a:tblGrid>
+              <a:tr h="592385">
+                <a:tc>
+                  <a:txBody>
+                    <a:bodyPr/>
+                    <a:lstStyle/>
+                    <a:p>
+                      <a:r>
+                        <a:rPr lang="en-US" dirty="0"/>
+                        <a:t>Model Names</a:t>
+                      </a:r>
+                    </a:p>
+                  </a:txBody>
+                  <a:tcPr/>
+                </a:tc>
+                <a:tc>
+                  <a:txBody>
+                    <a:bodyPr/>
+                    <a:lstStyle/>
+                    <a:p>
+                      <a:r>
+                        <a:rPr lang="en-US" dirty="0"/>
+                        <a:t>Precision (For COVID Images)</a:t>
+                      </a:r>
+                    </a:p>
+                  </a:txBody>
+                  <a:tcPr/>
+                </a:tc>
+                <a:tc>
+                  <a:txBody>
+                    <a:bodyPr/>
+                    <a:lstStyle/>
+                    <a:p>
+                      <a:r>
+                        <a:rPr lang="en-US" dirty="0"/>
+                        <a:t>Recall (For COVID Images)</a:t>
+                      </a:r>
+                    </a:p>
+                  </a:txBody>
+                  <a:tcPr/>
+                </a:tc>
+                <a:tc>
+                  <a:txBody>
+                    <a:bodyPr/>
+                    <a:lstStyle/>
+                    <a:p>
+                      <a:r>
+                        <a:rPr lang="en-US" dirty="0"/>
+                        <a:t>F1-Score (For COVID Images)</a:t>
+                      </a:r>
+                    </a:p>
+                  </a:txBody>
+                  <a:tcPr/>
+                </a:tc>
+                <a:tc>
+                  <a:txBody>
+                    <a:bodyPr/>
+                    <a:lstStyle/>
+                    <a:p>
+                      <a:r>
+                        <a:rPr lang="en-US" dirty="0"/>
+                        <a:t>Accuracy</a:t>
+                      </a:r>
+                    </a:p>
+                  </a:txBody>
+                  <a:tcPr/>
+                </a:tc>
+                <a:extLst>
+                  <a:ext uri="{0D108BD9-81ED-4DB2-BD59-A6C34878D82A}">
+                    <a16:rowId xmlns:a16="http://schemas.microsoft.com/office/drawing/2014/main" val="546446739"/>
+                  </a:ext>
+                </a:extLst>
+              </a:tr>
+              <a:tr h="592385">
+                <a:tc>
+                  <a:txBody>
+                    <a:bodyPr/>
+                    <a:lstStyle/>
+                    <a:p>
+                      <a:r>
+                        <a:rPr lang="en-US" dirty="0"/>
+                        <a:t>ResNet-50 – Small Dataset</a:t>
+                      </a:r>
+                    </a:p>
+                  </a:txBody>
+                  <a:tcPr/>
+                </a:tc>
+                <a:tc>
+                  <a:txBody>
+                    <a:bodyPr/>
+                    <a:lstStyle/>
+                    <a:p>
+                      <a:r>
+                        <a:rPr lang="en-US" dirty="0"/>
+                        <a:t>.94</a:t>
+                      </a:r>
+                    </a:p>
+                  </a:txBody>
+                  <a:tcPr/>
+                </a:tc>
+                <a:tc>
+                  <a:txBody>
+                    <a:bodyPr/>
+                    <a:lstStyle/>
+                    <a:p>
+                      <a:r>
+                        <a:rPr lang="en-US" dirty="0"/>
+                        <a:t>.93</a:t>
+                      </a:r>
+                    </a:p>
+                  </a:txBody>
+                  <a:tcPr/>
+                </a:tc>
+                <a:tc>
+                  <a:txBody>
+                    <a:bodyPr/>
+                    <a:lstStyle/>
+                    <a:p>
+                      <a:r>
+                        <a:rPr lang="en-US" dirty="0"/>
+                        <a:t>.935</a:t>
+                      </a:r>
+                    </a:p>
+                  </a:txBody>
+                  <a:tcPr/>
+                </a:tc>
+                <a:tc>
+                  <a:txBody>
+                    <a:bodyPr/>
+                    <a:lstStyle/>
+                    <a:p>
+                      <a:r>
+                        <a:rPr lang="en-US" dirty="0"/>
+                        <a:t>.93</a:t>
+                      </a:r>
+                    </a:p>
+                  </a:txBody>
+                  <a:tcPr/>
+                </a:tc>
+                <a:extLst>
+                  <a:ext uri="{0D108BD9-81ED-4DB2-BD59-A6C34878D82A}">
+                    <a16:rowId xmlns:a16="http://schemas.microsoft.com/office/drawing/2014/main" val="1029665711"/>
+                  </a:ext>
+                </a:extLst>
+              </a:tr>
+              <a:tr h="592385">
+                <a:tc>
+                  <a:txBody>
+                    <a:bodyPr/>
+                    <a:lstStyle/>
+                    <a:p>
+                      <a:r>
+                        <a:rPr lang="en-US" dirty="0"/>
+                        <a:t>InceptionV3 - Small Dataset</a:t>
+                      </a:r>
+                    </a:p>
+                  </a:txBody>
+                  <a:tcPr/>
+                </a:tc>
+                <a:tc>
+                  <a:txBody>
+                    <a:bodyPr/>
+                    <a:lstStyle/>
+                    <a:p>
+                      <a:r>
+                        <a:rPr lang="en-US" dirty="0"/>
+                        <a:t>.88</a:t>
+                      </a:r>
+                    </a:p>
+                  </a:txBody>
+                  <a:tcPr/>
+                </a:tc>
+                <a:tc>
+                  <a:txBody>
+                    <a:bodyPr/>
+                    <a:lstStyle/>
+                    <a:p>
+                      <a:r>
+                        <a:rPr lang="en-US" dirty="0"/>
+                        <a:t>.89</a:t>
+                      </a:r>
+                    </a:p>
+                  </a:txBody>
+                  <a:tcPr/>
+                </a:tc>
+                <a:tc>
+                  <a:txBody>
+                    <a:bodyPr/>
+                    <a:lstStyle/>
+                    <a:p>
+                      <a:r>
+                        <a:rPr lang="en-US" dirty="0"/>
+                        <a:t>.884</a:t>
+                      </a:r>
+                    </a:p>
+                  </a:txBody>
+                  <a:tcPr/>
+                </a:tc>
+                <a:tc>
+                  <a:txBody>
+                    <a:bodyPr/>
+                    <a:lstStyle/>
+                    <a:p>
+                      <a:r>
+                        <a:rPr lang="en-US" dirty="0"/>
+                        <a:t>.88</a:t>
+                      </a:r>
+                    </a:p>
+                  </a:txBody>
+                  <a:tcPr/>
+                </a:tc>
+                <a:extLst>
+                  <a:ext uri="{0D108BD9-81ED-4DB2-BD59-A6C34878D82A}">
+                    <a16:rowId xmlns:a16="http://schemas.microsoft.com/office/drawing/2014/main" val="1172349031"/>
+                  </a:ext>
+                </a:extLst>
+              </a:tr>
+              <a:tr h="592385">
+                <a:tc>
+                  <a:txBody>
+                    <a:bodyPr/>
+                    <a:lstStyle/>
+                    <a:p>
+                      <a:r>
+                        <a:rPr lang="en-US" dirty="0"/>
+                        <a:t>ResNet-50 –Large Dataset</a:t>
+                      </a:r>
+                    </a:p>
+                  </a:txBody>
+                  <a:tcPr/>
+                </a:tc>
+                <a:tc>
+                  <a:txBody>
+                    <a:bodyPr/>
+                    <a:lstStyle/>
+                    <a:p>
+                      <a:r>
+                        <a:rPr lang="en-US" dirty="0"/>
+                        <a:t>.97</a:t>
+                      </a:r>
+                    </a:p>
+                  </a:txBody>
+                  <a:tcPr/>
+                </a:tc>
+                <a:tc>
+                  <a:txBody>
+                    <a:bodyPr/>
+                    <a:lstStyle/>
+                    <a:p>
+                      <a:r>
+                        <a:rPr lang="en-US" dirty="0"/>
+                        <a:t>.97</a:t>
+                      </a:r>
+                    </a:p>
+                  </a:txBody>
+                  <a:tcPr/>
+                </a:tc>
+                <a:tc>
+                  <a:txBody>
+                    <a:bodyPr/>
+                    <a:lstStyle/>
+                    <a:p>
+                      <a:r>
+                        <a:rPr lang="en-US" dirty="0"/>
+                        <a:t>.97</a:t>
+                      </a:r>
+                    </a:p>
+                  </a:txBody>
+                  <a:tcPr/>
+                </a:tc>
+                <a:tc>
+                  <a:txBody>
+                    <a:bodyPr/>
+                    <a:lstStyle/>
+                    <a:p>
+                      <a:r>
+                        <a:rPr lang="en-US" dirty="0"/>
+                        <a:t>.97</a:t>
+                      </a:r>
+                    </a:p>
+                  </a:txBody>
+                  <a:tcPr/>
+                </a:tc>
+                <a:extLst>
+                  <a:ext uri="{0D108BD9-81ED-4DB2-BD59-A6C34878D82A}">
+                    <a16:rowId xmlns:a16="http://schemas.microsoft.com/office/drawing/2014/main" val="1996536844"/>
+                  </a:ext>
+                </a:extLst>
+              </a:tr>
+              <a:tr h="592385">
+                <a:tc>
+                  <a:txBody>
+                    <a:bodyPr/>
+                    <a:lstStyle/>
+                    <a:p>
+                      <a:r>
+                        <a:rPr lang="en-US" dirty="0"/>
+                        <a:t>InceptionV3 Large </a:t>
+                      </a:r>
+                      <a:r>
+                        <a:rPr lang="en-US" dirty="0" err="1"/>
+                        <a:t>Datset</a:t>
+                      </a:r>
+                      <a:endParaRPr lang="en-US" dirty="0"/>
+                    </a:p>
+                  </a:txBody>
+                  <a:tcPr/>
+                </a:tc>
+                <a:tc>
+                  <a:txBody>
+                    <a:bodyPr/>
+                    <a:lstStyle/>
+                    <a:p>
+                      <a:r>
+                        <a:rPr lang="en-US" dirty="0"/>
+                        <a:t>.94</a:t>
+                      </a:r>
+                    </a:p>
+                  </a:txBody>
+                  <a:tcPr/>
+                </a:tc>
+                <a:tc>
+                  <a:txBody>
+                    <a:bodyPr/>
+                    <a:lstStyle/>
+                    <a:p>
+                      <a:r>
+                        <a:rPr lang="en-US" dirty="0"/>
+                        <a:t>.93</a:t>
+                      </a:r>
+                    </a:p>
+                  </a:txBody>
+                  <a:tcPr/>
+                </a:tc>
+                <a:tc>
+                  <a:txBody>
+                    <a:bodyPr/>
+                    <a:lstStyle/>
+                    <a:p>
+                      <a:r>
+                        <a:rPr lang="en-US" dirty="0"/>
+                        <a:t>.934</a:t>
+                      </a:r>
+                    </a:p>
+                  </a:txBody>
+                  <a:tcPr/>
+                </a:tc>
+                <a:tc>
+                  <a:txBody>
+                    <a:bodyPr/>
+                    <a:lstStyle/>
+                    <a:p>
+                      <a:r>
+                        <a:rPr lang="en-US" dirty="0"/>
+                        <a:t>.93</a:t>
+                      </a:r>
+                    </a:p>
+                  </a:txBody>
+                  <a:tcPr/>
+                </a:tc>
+                <a:extLst>
+                  <a:ext uri="{0D108BD9-81ED-4DB2-BD59-A6C34878D82A}">
+                    <a16:rowId xmlns:a16="http://schemas.microsoft.com/office/drawing/2014/main" val="454204681"/>
+                  </a:ext>
+                </a:extLst>
+              </a:tr>
+            </a:tbl>
+          </a:graphicData>
+        </a:graphic>
+      </p:graphicFrame>
+      <p:sp>
+        <p:nvSpPr>
+          <p:cNvPr id="4" name="TextBox 3">
+            <a:extLst>
+              <a:ext uri="{FF2B5EF4-FFF2-40B4-BE49-F238E27FC236}">
+                <a16:creationId xmlns:a16="http://schemas.microsoft.com/office/drawing/2014/main" id="{394C736D-F64B-4B4F-977B-3EA84CCF24DF}"/>
+              </a:ext>
+            </a:extLst>
+          </p:cNvPr>
+          <p:cNvSpPr txBox="1"/>
+          <p:nvPr/>
+        </p:nvSpPr>
+        <p:spPr>
+          <a:xfrm>
+            <a:off x="1036303" y="1115824"/>
+            <a:ext cx="5434501" cy="461665"/>
+          </a:xfrm>
+          <a:prstGeom prst="rect">
+            <a:avLst/>
+          </a:prstGeom>
+          <a:noFill/>
+        </p:spPr>
+        <p:txBody>
+          <a:bodyPr wrap="none" rtlCol="0">
+            <a:spAutoFit/>
+          </a:bodyPr>
+          <a:lstStyle/>
+          <a:p>
+            <a:r>
+              <a:rPr lang="en-US" sz="2400" b="1" dirty="0">
+                <a:solidFill>
+                  <a:schemeClr val="bg1"/>
+                </a:solidFill>
+              </a:rPr>
+              <a:t>COVID Classification Result Metrics</a:t>
+            </a:r>
+          </a:p>
+        </p:txBody>
+      </p:sp>
+    </p:spTree>
+    <p:extLst>
+      <p:ext uri="{BB962C8B-B14F-4D97-AF65-F5344CB8AC3E}">
+        <p14:creationId xmlns:p14="http://schemas.microsoft.com/office/powerpoint/2010/main" val="3697077661"/>
+      </p:ext>
+    </p:extLst>
+  </p:cSld>
+  <p:clrMapOvr>
+    <a:masterClrMapping/>
+  </p:clrMapOvr>
+</p:sld>
+</file>
+
+<file path=ppt/slides/slide11.xml><?xml version="1.0" encoding="utf-8"?>
+<p:sld xmlns:a="http://schemas.openxmlformats.org/drawingml/2006/main" xmlns:r="http://schemas.openxmlformats.org/officeDocument/2006/relationships" xmlns:p="http://schemas.openxmlformats.org/presentationml/2006/main">
+  <p:cSld>
+    <p:spTree>
+      <p:nvGrpSpPr>
+        <p:cNvPr id="1" name=""/>
+        <p:cNvGrpSpPr/>
+        <p:nvPr/>
+      </p:nvGrpSpPr>
+      <p:grpSpPr>
+        <a:xfrm>
+          <a:off x="0" y="0"/>
+          <a:ext cx="0" cy="0"/>
+          <a:chOff x="0" y="0"/>
+          <a:chExt cx="0" cy="0"/>
+        </a:xfrm>
+      </p:grpSpPr>
+      <p:pic>
+        <p:nvPicPr>
           <p:cNvPr id="7" name="Picture 6" descr="A picture containing building, street&#10;&#10;Description automatically generated">
             <a:extLst>
               <a:ext uri="{FF2B5EF4-FFF2-40B4-BE49-F238E27FC236}">
@@ -12583,7 +13402,7 @@
 </p:sld>
 </file>
 
-<file path=ppt/slides/slide11.xml><?xml version="1.0" encoding="utf-8"?>
+<file path=ppt/slides/slide12.xml><?xml version="1.0" encoding="utf-8"?>
 <p:sld xmlns:a="http://schemas.openxmlformats.org/drawingml/2006/main" xmlns:r="http://schemas.openxmlformats.org/officeDocument/2006/relationships" xmlns:p="http://schemas.openxmlformats.org/presentationml/2006/main">
   <p:cSld>
     <p:spTree>
@@ -12926,7 +13745,7 @@
 </p:sld>
 </file>
 
-<file path=ppt/slides/slide12.xml><?xml version="1.0" encoding="utf-8"?>
+<file path=ppt/slides/slide13.xml><?xml version="1.0" encoding="utf-8"?>
 <p:sld xmlns:a="http://schemas.openxmlformats.org/drawingml/2006/main" xmlns:r="http://schemas.openxmlformats.org/officeDocument/2006/relationships" xmlns:p="http://schemas.openxmlformats.org/presentationml/2006/main">
   <p:cSld>
     <p:spTree>
@@ -13270,8 +14089,8 @@
         </p:nvSpPr>
         <p:spPr>
           <a:xfrm>
-            <a:off x="277706" y="1116220"/>
-            <a:ext cx="11554409" cy="5088573"/>
+            <a:off x="196426" y="849283"/>
+            <a:ext cx="11554409" cy="5560497"/>
           </a:xfrm>
           <a:prstGeom prst="rect">
             <a:avLst/>
@@ -13292,8 +14111,8 @@
                 <a:spcPts val="0"/>
               </a:spcAft>
               <a:buSzPts val="900"/>
-              <a:buFont typeface="Arial" panose="020B0604020202020204" pitchFamily="34" charset="0"/>
-              <a:buChar char="•"/>
+              <a:buFont typeface="+mj-lt"/>
+              <a:buAutoNum type="arabicPeriod"/>
               <a:tabLst>
                 <a:tab pos="419735" algn="l"/>
               </a:tabLst>
@@ -13623,8 +14442,8 @@
                 <a:spcPts val="0"/>
               </a:spcAft>
               <a:buSzPts val="900"/>
-              <a:buFont typeface="Arial" panose="020B0604020202020204" pitchFamily="34" charset="0"/>
-              <a:buChar char="•"/>
+              <a:buFont typeface="+mj-lt"/>
+              <a:buAutoNum type="arabicPeriod"/>
               <a:tabLst>
                 <a:tab pos="419735" algn="l"/>
               </a:tabLst>
@@ -13647,8 +14466,8 @@
                 <a:spcPts val="0"/>
               </a:spcAft>
               <a:buSzPts val="900"/>
-              <a:buFont typeface="Arial" panose="020B0604020202020204" pitchFamily="34" charset="0"/>
-              <a:buChar char="•"/>
+              <a:buFont typeface="+mj-lt"/>
+              <a:buAutoNum type="arabicPeriod"/>
               <a:tabLst>
                 <a:tab pos="419735" algn="l"/>
               </a:tabLst>
@@ -13718,8 +14537,8 @@
                 <a:spcPts val="0"/>
               </a:spcAft>
               <a:buSzPts val="900"/>
-              <a:buFont typeface="Arial" panose="020B0604020202020204" pitchFamily="34" charset="0"/>
-              <a:buChar char="•"/>
+              <a:buFont typeface="+mj-lt"/>
+              <a:buAutoNum type="arabicPeriod"/>
               <a:tabLst>
                 <a:tab pos="419735" algn="l"/>
               </a:tabLst>
@@ -13734,63 +14553,70 @@
             </a:endParaRPr>
           </a:p>
           <a:p>
-            <a:pPr marL="342900" marR="26035" lvl="0" indent="-342900" algn="just">
+            <a:pPr marL="342900" marR="26035" indent="-342900" algn="just">
               <a:spcBef>
                 <a:spcPts val="405"/>
               </a:spcBef>
-              <a:spcAft>
-                <a:spcPts val="0"/>
-              </a:spcAft>
               <a:buSzPts val="900"/>
-              <a:buFont typeface="Arial" panose="020B0604020202020204" pitchFamily="34" charset="0"/>
-              <a:buChar char="•"/>
+              <a:buFont typeface="+mj-lt"/>
+              <a:buAutoNum type="arabicPeriod"/>
               <a:tabLst>
                 <a:tab pos="419735" algn="l"/>
               </a:tabLst>
             </a:pPr>
             <a:r>
+              <a:rPr lang="en-US" sz="1200" dirty="0">
+                <a:solidFill>
+                  <a:schemeClr val="bg1"/>
+                </a:solidFill>
+                <a:latin typeface="+mn-lt"/>
+              </a:rPr>
+              <a:t>Ozturk T, </a:t>
+            </a:r>
+            <a:r>
               <a:rPr lang="en-US" sz="1200" dirty="0" err="1">
                 <a:solidFill>
                   <a:schemeClr val="bg1"/>
                 </a:solidFill>
-                <a:effectLst/>
-                <a:latin typeface="+mn-lt"/>
-                <a:ea typeface="Times New Roman" panose="02020603050405020304" pitchFamily="18" charset="0"/>
-              </a:rPr>
-              <a:t>Sekeroglu</a:t>
+                <a:latin typeface="+mn-lt"/>
+              </a:rPr>
+              <a:t>Talo</a:t>
             </a:r>
             <a:r>
               <a:rPr lang="en-US" sz="1200" dirty="0">
                 <a:solidFill>
                   <a:schemeClr val="bg1"/>
                 </a:solidFill>
-                <a:effectLst/>
-                <a:latin typeface="+mn-lt"/>
-                <a:ea typeface="Times New Roman" panose="02020603050405020304" pitchFamily="18" charset="0"/>
-              </a:rPr>
-              <a:t> B, </a:t>
+                <a:latin typeface="+mn-lt"/>
+              </a:rPr>
+              <a:t> M, Yildirim EA, </a:t>
             </a:r>
             <a:r>
               <a:rPr lang="en-US" sz="1200" dirty="0" err="1">
                 <a:solidFill>
                   <a:schemeClr val="bg1"/>
                 </a:solidFill>
-                <a:effectLst/>
-                <a:latin typeface="+mn-lt"/>
-                <a:ea typeface="Times New Roman" panose="02020603050405020304" pitchFamily="18" charset="0"/>
-              </a:rPr>
-              <a:t>Ozsahin</a:t>
+                <a:latin typeface="+mn-lt"/>
+              </a:rPr>
+              <a:t>Baloglu</a:t>
             </a:r>
             <a:r>
               <a:rPr lang="en-US" sz="1200" dirty="0">
                 <a:solidFill>
                   <a:schemeClr val="bg1"/>
                 </a:solidFill>
-                <a:effectLst/>
-                <a:latin typeface="+mn-lt"/>
-                <a:ea typeface="Times New Roman" panose="02020603050405020304" pitchFamily="18" charset="0"/>
-              </a:rPr>
-              <a:t> I. Detection of COVID-19 from Chest X-Ray Images Using Convolutional Neural Networks. SLAS TECHNOLOGY: Translating Life Sciences Innovation. 2020;25(6):553-565. doi:10.1177/2472630320958376 (link: </a:t>
+                <a:latin typeface="+mn-lt"/>
+              </a:rPr>
+              <a:t> UB, Yildirim O, Rajendra Acharya U. Automated detection of COVID-19 cases using deep neural networks with X-ray images. </a:t>
+            </a:r>
+            <a:r>
+              <a:rPr lang="en-US" sz="1200" dirty="0" err="1">
+                <a:solidFill>
+                  <a:schemeClr val="bg1"/>
+                </a:solidFill>
+                <a:latin typeface="+mn-lt"/>
+              </a:rPr>
+              <a:t>Comput</a:t>
             </a:r>
             <a:r>
               <a:rPr lang="en-US" sz="1200" dirty="0">
@@ -13798,33 +14624,9 @@
                   <a:schemeClr val="bg1"/>
                 </a:solidFill>
                 <a:latin typeface="+mn-lt"/>
-                <a:hlinkClick r:id="rId5">
-                  <a:extLst>
-                    <a:ext uri="{A12FA001-AC4F-418D-AE19-62706E023703}">
-                      <ahyp:hlinkClr xmlns:ahyp="http://schemas.microsoft.com/office/drawing/2018/hyperlinkcolor" val="tx"/>
-                    </a:ext>
-                  </a:extLst>
-                </a:hlinkClick>
-              </a:rPr>
-              <a:t>https://doi.org/10.1177/2472630320958376</a:t>
-            </a:r>
-            <a:r>
-              <a:rPr lang="en-US" sz="1200" dirty="0">
-                <a:solidFill>
-                  <a:schemeClr val="bg1"/>
-                </a:solidFill>
-                <a:latin typeface="+mn-lt"/>
-              </a:rPr>
-              <a:t>)</a:t>
-            </a:r>
-            <a:endParaRPr lang="en-US" sz="1200" dirty="0">
-              <a:solidFill>
-                <a:schemeClr val="bg1"/>
-              </a:solidFill>
-              <a:effectLst/>
-              <a:latin typeface="+mn-lt"/>
-              <a:ea typeface="Times New Roman" panose="02020603050405020304" pitchFamily="18" charset="0"/>
-            </a:endParaRPr>
+              </a:rPr>
+              <a:t> Biol Med. 2020;121:103792. doi:10.1016/j.compbiomed.2020.103792</a:t>
+            </a:r>
           </a:p>
           <a:p>
             <a:pPr marL="342900" marR="26035" lvl="0" indent="-342900" algn="just">
@@ -13835,8 +14637,8 @@
                 <a:spcPts val="0"/>
               </a:spcAft>
               <a:buSzPts val="900"/>
-              <a:buFont typeface="Arial" panose="020B0604020202020204" pitchFamily="34" charset="0"/>
-              <a:buChar char="•"/>
+              <a:buFont typeface="+mj-lt"/>
+              <a:buAutoNum type="arabicPeriod"/>
               <a:tabLst>
                 <a:tab pos="419735" algn="l"/>
               </a:tabLst>
@@ -13851,16 +14653,16 @@
             </a:endParaRPr>
           </a:p>
           <a:p>
-            <a:pPr marL="342900" marR="24130" lvl="0" indent="-342900" algn="just">
-              <a:spcBef>
-                <a:spcPts val="0"/>
+            <a:pPr marL="342900" marR="26035" lvl="0" indent="-342900" algn="just">
+              <a:spcBef>
+                <a:spcPts val="405"/>
               </a:spcBef>
               <a:spcAft>
                 <a:spcPts val="0"/>
               </a:spcAft>
               <a:buSzPts val="900"/>
-              <a:buFont typeface="Arial" panose="020B0604020202020204" pitchFamily="34" charset="0"/>
-              <a:buChar char="•"/>
+              <a:buFont typeface="+mj-lt"/>
+              <a:buAutoNum type="arabicPeriod"/>
               <a:tabLst>
                 <a:tab pos="419735" algn="l"/>
               </a:tabLst>
@@ -13874,7 +14676,7 @@
                 <a:latin typeface="+mn-lt"/>
                 <a:ea typeface="Times New Roman" panose="02020603050405020304" pitchFamily="18" charset="0"/>
               </a:rPr>
-              <a:t>Apostolopoulos</a:t>
+              <a:t>Sekeroglu</a:t>
             </a:r>
             <a:r>
               <a:rPr lang="en-US" sz="1200" dirty="0">
@@ -13885,18 +14687,18 @@
                 <a:latin typeface="+mn-lt"/>
                 <a:ea typeface="Times New Roman" panose="02020603050405020304" pitchFamily="18" charset="0"/>
               </a:rPr>
-              <a:t>, I.</a:t>
-            </a:r>
-            <a:r>
-              <a:rPr lang="en-US" sz="1200" spc="5" dirty="0">
-                <a:solidFill>
-                  <a:schemeClr val="bg1"/>
-                </a:solidFill>
-                <a:effectLst/>
-                <a:latin typeface="+mn-lt"/>
-                <a:ea typeface="Times New Roman" panose="02020603050405020304" pitchFamily="18" charset="0"/>
-              </a:rPr>
-              <a:t> </a:t>
+              <a:t> B, </a:t>
+            </a:r>
+            <a:r>
+              <a:rPr lang="en-US" sz="1200" dirty="0" err="1">
+                <a:solidFill>
+                  <a:schemeClr val="bg1"/>
+                </a:solidFill>
+                <a:effectLst/>
+                <a:latin typeface="+mn-lt"/>
+                <a:ea typeface="Times New Roman" panose="02020603050405020304" pitchFamily="18" charset="0"/>
+              </a:rPr>
+              <a:t>Ozsahin</a:t>
             </a:r>
             <a:r>
               <a:rPr lang="en-US" sz="1200" dirty="0">
@@ -13907,229 +14709,53 @@
                 <a:latin typeface="+mn-lt"/>
                 <a:ea typeface="Times New Roman" panose="02020603050405020304" pitchFamily="18" charset="0"/>
               </a:rPr>
-              <a:t>D.,</a:t>
-            </a:r>
-            <a:r>
-              <a:rPr lang="en-US" sz="1200" spc="5" dirty="0">
-                <a:solidFill>
-                  <a:schemeClr val="bg1"/>
-                </a:solidFill>
-                <a:effectLst/>
-                <a:latin typeface="+mn-lt"/>
-                <a:ea typeface="Times New Roman" panose="02020603050405020304" pitchFamily="18" charset="0"/>
-              </a:rPr>
-              <a:t> </a:t>
-            </a:r>
-            <a:r>
-              <a:rPr lang="en-US" sz="1200" dirty="0" err="1">
-                <a:solidFill>
-                  <a:schemeClr val="bg1"/>
-                </a:solidFill>
-                <a:effectLst/>
-                <a:latin typeface="+mn-lt"/>
-                <a:ea typeface="Times New Roman" panose="02020603050405020304" pitchFamily="18" charset="0"/>
-              </a:rPr>
-              <a:t>Mpesiana</a:t>
+              <a:t> I. Detection of COVID-19 from Chest X-Ray Images Using Convolutional Neural Networks. SLAS TECHNOLOGY: Translating Life Sciences Innovation. 2020;25(6):553-565. doi:10.1177/2472630320958376 (link: </a:t>
             </a:r>
             <a:r>
               <a:rPr lang="en-US" sz="1200" dirty="0">
                 <a:solidFill>
                   <a:schemeClr val="bg1"/>
                 </a:solidFill>
-                <a:effectLst/>
-                <a:latin typeface="+mn-lt"/>
-                <a:ea typeface="Times New Roman" panose="02020603050405020304" pitchFamily="18" charset="0"/>
-              </a:rPr>
-              <a:t>,</a:t>
-            </a:r>
-            <a:r>
-              <a:rPr lang="en-US" sz="1200" spc="5" dirty="0">
-                <a:solidFill>
-                  <a:schemeClr val="bg1"/>
-                </a:solidFill>
-                <a:effectLst/>
-                <a:latin typeface="+mn-lt"/>
-                <a:ea typeface="Times New Roman" panose="02020603050405020304" pitchFamily="18" charset="0"/>
-              </a:rPr>
-              <a:t> </a:t>
+                <a:latin typeface="+mn-lt"/>
+                <a:hlinkClick r:id="rId5">
+                  <a:extLst>
+                    <a:ext uri="{A12FA001-AC4F-418D-AE19-62706E023703}">
+                      <ahyp:hlinkClr xmlns:ahyp="http://schemas.microsoft.com/office/drawing/2018/hyperlinkcolor" val="tx"/>
+                    </a:ext>
+                  </a:extLst>
+                </a:hlinkClick>
+              </a:rPr>
+              <a:t>https://doi.org/10.1177/2472630320958376</a:t>
             </a:r>
             <a:r>
               <a:rPr lang="en-US" sz="1200" dirty="0">
                 <a:solidFill>
                   <a:schemeClr val="bg1"/>
                 </a:solidFill>
-                <a:effectLst/>
-                <a:latin typeface="+mn-lt"/>
-                <a:ea typeface="Times New Roman" panose="02020603050405020304" pitchFamily="18" charset="0"/>
-              </a:rPr>
-              <a:t>T.</a:t>
-            </a:r>
-            <a:r>
-              <a:rPr lang="en-US" sz="1200" spc="5" dirty="0">
-                <a:solidFill>
-                  <a:schemeClr val="bg1"/>
-                </a:solidFill>
-                <a:effectLst/>
-                <a:latin typeface="+mn-lt"/>
-                <a:ea typeface="Times New Roman" panose="02020603050405020304" pitchFamily="18" charset="0"/>
-              </a:rPr>
-              <a:t> </a:t>
-            </a:r>
-            <a:r>
-              <a:rPr lang="en-US" sz="1200" dirty="0">
-                <a:solidFill>
-                  <a:schemeClr val="bg1"/>
-                </a:solidFill>
-                <a:effectLst/>
-                <a:latin typeface="+mn-lt"/>
-                <a:ea typeface="Times New Roman" panose="02020603050405020304" pitchFamily="18" charset="0"/>
-              </a:rPr>
-              <a:t>Covid-19:</a:t>
-            </a:r>
-            <a:r>
-              <a:rPr lang="en-US" sz="1200" spc="5" dirty="0">
-                <a:solidFill>
-                  <a:schemeClr val="bg1"/>
-                </a:solidFill>
-                <a:effectLst/>
-                <a:latin typeface="+mn-lt"/>
-                <a:ea typeface="Times New Roman" panose="02020603050405020304" pitchFamily="18" charset="0"/>
-              </a:rPr>
-              <a:t> </a:t>
-            </a:r>
-            <a:r>
-              <a:rPr lang="en-US" sz="1200" dirty="0">
-                <a:solidFill>
-                  <a:schemeClr val="bg1"/>
-                </a:solidFill>
-                <a:effectLst/>
-                <a:latin typeface="+mn-lt"/>
-                <a:ea typeface="Times New Roman" panose="02020603050405020304" pitchFamily="18" charset="0"/>
-              </a:rPr>
-              <a:t>Automatic</a:t>
-            </a:r>
-            <a:r>
-              <a:rPr lang="en-US" sz="1200" spc="5" dirty="0">
-                <a:solidFill>
-                  <a:schemeClr val="bg1"/>
-                </a:solidFill>
-                <a:effectLst/>
-                <a:latin typeface="+mn-lt"/>
-                <a:ea typeface="Times New Roman" panose="02020603050405020304" pitchFamily="18" charset="0"/>
-              </a:rPr>
-              <a:t> </a:t>
-            </a:r>
-            <a:r>
-              <a:rPr lang="en-US" sz="1200" dirty="0">
-                <a:solidFill>
-                  <a:schemeClr val="bg1"/>
-                </a:solidFill>
-                <a:effectLst/>
-                <a:latin typeface="+mn-lt"/>
-                <a:ea typeface="Times New Roman" panose="02020603050405020304" pitchFamily="18" charset="0"/>
-              </a:rPr>
-              <a:t>Detection from X-Ray Images Utilizing Transfer Learning</a:t>
-            </a:r>
-            <a:r>
-              <a:rPr lang="en-US" sz="1200" spc="5" dirty="0">
-                <a:solidFill>
-                  <a:schemeClr val="bg1"/>
-                </a:solidFill>
-                <a:effectLst/>
-                <a:latin typeface="+mn-lt"/>
-                <a:ea typeface="Times New Roman" panose="02020603050405020304" pitchFamily="18" charset="0"/>
-              </a:rPr>
-              <a:t> </a:t>
-            </a:r>
-            <a:r>
-              <a:rPr lang="en-US" sz="1200" dirty="0">
-                <a:solidFill>
-                  <a:schemeClr val="bg1"/>
-                </a:solidFill>
-                <a:effectLst/>
-                <a:latin typeface="+mn-lt"/>
-                <a:ea typeface="Times New Roman" panose="02020603050405020304" pitchFamily="18" charset="0"/>
-              </a:rPr>
-              <a:t>with Convolutional Neural Networks. Phys. Eng. Sci. Med.</a:t>
-            </a:r>
-            <a:r>
-              <a:rPr lang="en-US" sz="1200" spc="5" dirty="0">
-                <a:solidFill>
-                  <a:schemeClr val="bg1"/>
-                </a:solidFill>
-                <a:effectLst/>
-                <a:latin typeface="+mn-lt"/>
-                <a:ea typeface="Times New Roman" panose="02020603050405020304" pitchFamily="18" charset="0"/>
-              </a:rPr>
-              <a:t> </a:t>
-            </a:r>
-            <a:r>
-              <a:rPr lang="en-US" sz="1200" dirty="0">
-                <a:solidFill>
-                  <a:schemeClr val="bg1"/>
-                </a:solidFill>
-                <a:effectLst/>
-                <a:latin typeface="+mn-lt"/>
-                <a:ea typeface="Times New Roman" panose="02020603050405020304" pitchFamily="18" charset="0"/>
-              </a:rPr>
-              <a:t>2020,</a:t>
-            </a:r>
-            <a:r>
-              <a:rPr lang="en-US" sz="1200" spc="-15" dirty="0">
-                <a:solidFill>
-                  <a:schemeClr val="bg1"/>
-                </a:solidFill>
-                <a:effectLst/>
-                <a:latin typeface="+mn-lt"/>
-                <a:ea typeface="Times New Roman" panose="02020603050405020304" pitchFamily="18" charset="0"/>
-              </a:rPr>
-              <a:t> </a:t>
-            </a:r>
-            <a:r>
-              <a:rPr lang="en-US" sz="1200" dirty="0">
-                <a:solidFill>
-                  <a:schemeClr val="bg1"/>
-                </a:solidFill>
-                <a:effectLst/>
-                <a:latin typeface="+mn-lt"/>
-                <a:ea typeface="Times New Roman" panose="02020603050405020304" pitchFamily="18" charset="0"/>
-              </a:rPr>
-              <a:t>43,</a:t>
-            </a:r>
-            <a:r>
-              <a:rPr lang="en-US" sz="1200" spc="5" dirty="0">
-                <a:solidFill>
-                  <a:schemeClr val="bg1"/>
-                </a:solidFill>
-                <a:effectLst/>
-                <a:latin typeface="+mn-lt"/>
-                <a:ea typeface="Times New Roman" panose="02020603050405020304" pitchFamily="18" charset="0"/>
-              </a:rPr>
-              <a:t> </a:t>
-            </a:r>
-            <a:r>
-              <a:rPr lang="en-US" sz="1200" dirty="0">
-                <a:solidFill>
-                  <a:schemeClr val="bg1"/>
-                </a:solidFill>
-                <a:effectLst/>
-                <a:latin typeface="+mn-lt"/>
-                <a:ea typeface="Times New Roman" panose="02020603050405020304" pitchFamily="18" charset="0"/>
-              </a:rPr>
-              <a:t>635–640</a:t>
-            </a:r>
-          </a:p>
-          <a:p>
-            <a:pPr marL="342900" marR="24130" lvl="0" indent="-342900" algn="just">
-              <a:spcBef>
-                <a:spcPts val="0"/>
+                <a:latin typeface="+mn-lt"/>
+              </a:rPr>
+              <a:t>)</a:t>
+            </a:r>
+            <a:endParaRPr lang="en-US" sz="1200" dirty="0">
+              <a:solidFill>
+                <a:schemeClr val="bg1"/>
+              </a:solidFill>
+              <a:effectLst/>
+              <a:latin typeface="+mn-lt"/>
+              <a:ea typeface="Times New Roman" panose="02020603050405020304" pitchFamily="18" charset="0"/>
+            </a:endParaRPr>
+          </a:p>
+          <a:p>
+            <a:pPr marL="342900" marR="26035" lvl="0" indent="-342900" algn="just">
+              <a:spcBef>
+                <a:spcPts val="405"/>
               </a:spcBef>
               <a:spcAft>
                 <a:spcPts val="0"/>
               </a:spcAft>
               <a:buSzPts val="900"/>
-              <a:buFont typeface="Arial" panose="020B0604020202020204" pitchFamily="34" charset="0"/>
-              <a:buChar char="•"/>
+              <a:buFont typeface="+mj-lt"/>
+              <a:buAutoNum type="arabicPeriod"/>
               <a:tabLst>
                 <a:tab pos="419735" algn="l"/>
               </a:tabLst>
@@ -14144,21 +14770,32 @@
             </a:endParaRPr>
           </a:p>
           <a:p>
-            <a:pPr marL="342900" marR="24765" lvl="0" indent="-342900" algn="just">
-              <a:spcBef>
-                <a:spcPts val="395"/>
+            <a:pPr marL="342900" marR="24130" lvl="0" indent="-342900" algn="just">
+              <a:spcBef>
+                <a:spcPts val="0"/>
               </a:spcBef>
               <a:spcAft>
                 <a:spcPts val="0"/>
               </a:spcAft>
               <a:buSzPts val="900"/>
-              <a:buFont typeface="Arial" panose="020B0604020202020204" pitchFamily="34" charset="0"/>
-              <a:buChar char="•"/>
+              <a:buFont typeface="+mj-lt"/>
+              <a:buAutoNum type="arabicPeriod"/>
               <a:tabLst>
                 <a:tab pos="419735" algn="l"/>
               </a:tabLst>
             </a:pPr>
             <a:r>
+              <a:rPr lang="en-US" sz="1200" dirty="0" err="1">
+                <a:solidFill>
+                  <a:schemeClr val="bg1"/>
+                </a:solidFill>
+                <a:effectLst/>
+                <a:latin typeface="+mn-lt"/>
+                <a:ea typeface="Times New Roman" panose="02020603050405020304" pitchFamily="18" charset="0"/>
+              </a:rPr>
+              <a:t>Apostolopoulos</a:t>
+            </a:r>
+            <a:r>
               <a:rPr lang="en-US" sz="1200" dirty="0">
                 <a:solidFill>
                   <a:schemeClr val="bg1"/>
@@ -14167,7 +14804,40 @@
                 <a:latin typeface="+mn-lt"/>
                 <a:ea typeface="Times New Roman" panose="02020603050405020304" pitchFamily="18" charset="0"/>
               </a:rPr>
-              <a:t>Z. </a:t>
+              <a:t>, I.</a:t>
+            </a:r>
+            <a:r>
+              <a:rPr lang="en-US" sz="1200" spc="5" dirty="0">
+                <a:solidFill>
+                  <a:schemeClr val="bg1"/>
+                </a:solidFill>
+                <a:effectLst/>
+                <a:latin typeface="+mn-lt"/>
+                <a:ea typeface="Times New Roman" panose="02020603050405020304" pitchFamily="18" charset="0"/>
+              </a:rPr>
+              <a:t> </a:t>
+            </a:r>
+            <a:r>
+              <a:rPr lang="en-US" sz="1200" dirty="0">
+                <a:solidFill>
+                  <a:schemeClr val="bg1"/>
+                </a:solidFill>
+                <a:effectLst/>
+                <a:latin typeface="+mn-lt"/>
+                <a:ea typeface="Times New Roman" panose="02020603050405020304" pitchFamily="18" charset="0"/>
+              </a:rPr>
+              <a:t>D.,</a:t>
+            </a:r>
+            <a:r>
+              <a:rPr lang="en-US" sz="1200" spc="5" dirty="0">
+                <a:solidFill>
+                  <a:schemeClr val="bg1"/>
+                </a:solidFill>
+                <a:effectLst/>
+                <a:latin typeface="+mn-lt"/>
+                <a:ea typeface="Times New Roman" panose="02020603050405020304" pitchFamily="18" charset="0"/>
+              </a:rPr>
+              <a:t> </a:t>
             </a:r>
             <a:r>
               <a:rPr lang="en-US" sz="1200" dirty="0" err="1">
@@ -14178,7 +14848,7 @@
                 <a:latin typeface="+mn-lt"/>
                 <a:ea typeface="Times New Roman" panose="02020603050405020304" pitchFamily="18" charset="0"/>
               </a:rPr>
-              <a:t>Zahisham</a:t>
+              <a:t>Mpesiana</a:t>
             </a:r>
             <a:r>
               <a:rPr lang="en-US" sz="1200" dirty="0">
@@ -14189,7 +14859,7 @@
                 <a:latin typeface="+mn-lt"/>
                 <a:ea typeface="Times New Roman" panose="02020603050405020304" pitchFamily="18" charset="0"/>
               </a:rPr>
-              <a:t>, C. P. Lee and K. M. Lim, "Food Recognition</a:t>
+              <a:t>,</a:t>
             </a:r>
             <a:r>
               <a:rPr lang="en-US" sz="1200" spc="5" dirty="0">
@@ -14211,7 +14881,7 @@
                 <a:latin typeface="+mn-lt"/>
                 <a:ea typeface="Times New Roman" panose="02020603050405020304" pitchFamily="18" charset="0"/>
               </a:rPr>
-              <a:t>with</a:t>
+              <a:t>T.</a:t>
             </a:r>
             <a:r>
               <a:rPr lang="en-US" sz="1200" spc="5" dirty="0">
@@ -14233,10 +14903,10 @@
                 <a:latin typeface="+mn-lt"/>
                 <a:ea typeface="Times New Roman" panose="02020603050405020304" pitchFamily="18" charset="0"/>
               </a:rPr>
-              <a:t>ResNet-50," 2020 IEEE 2nd</a:t>
-            </a:r>
-            <a:r>
-              <a:rPr lang="en-US" sz="1200" spc="225" dirty="0">
+              <a:t>Covid-19:</a:t>
+            </a:r>
+            <a:r>
+              <a:rPr lang="en-US" sz="1200" spc="5" dirty="0">
                 <a:solidFill>
                   <a:schemeClr val="bg1"/>
                 </a:solidFill>
@@ -14255,7 +14925,7 @@
                 <a:latin typeface="+mn-lt"/>
                 <a:ea typeface="Times New Roman" panose="02020603050405020304" pitchFamily="18" charset="0"/>
               </a:rPr>
-              <a:t>International Conference</a:t>
+              <a:t>Automatic</a:t>
             </a:r>
             <a:r>
               <a:rPr lang="en-US" sz="1200" spc="5" dirty="0">
@@ -14277,7 +14947,7 @@
                 <a:latin typeface="+mn-lt"/>
                 <a:ea typeface="Times New Roman" panose="02020603050405020304" pitchFamily="18" charset="0"/>
               </a:rPr>
-              <a:t>on</a:t>
+              <a:t>Detection from X-Ray Images Utilizing Transfer Learning</a:t>
             </a:r>
             <a:r>
               <a:rPr lang="en-US" sz="1200" spc="5" dirty="0">
@@ -14299,7 +14969,7 @@
                 <a:latin typeface="+mn-lt"/>
                 <a:ea typeface="Times New Roman" panose="02020603050405020304" pitchFamily="18" charset="0"/>
               </a:rPr>
-              <a:t>Artificial</a:t>
+              <a:t>with Convolutional Neural Networks. Phys. Eng. Sci. Med.</a:t>
             </a:r>
             <a:r>
               <a:rPr lang="en-US" sz="1200" spc="5" dirty="0">
@@ -14321,7 +14991,29 @@
                 <a:latin typeface="+mn-lt"/>
                 <a:ea typeface="Times New Roman" panose="02020603050405020304" pitchFamily="18" charset="0"/>
               </a:rPr>
-              <a:t>Intelligence</a:t>
+              <a:t>2020,</a:t>
+            </a:r>
+            <a:r>
+              <a:rPr lang="en-US" sz="1200" spc="-15" dirty="0">
+                <a:solidFill>
+                  <a:schemeClr val="bg1"/>
+                </a:solidFill>
+                <a:effectLst/>
+                <a:latin typeface="+mn-lt"/>
+                <a:ea typeface="Times New Roman" panose="02020603050405020304" pitchFamily="18" charset="0"/>
+              </a:rPr>
+              <a:t> </a:t>
+            </a:r>
+            <a:r>
+              <a:rPr lang="en-US" sz="1200" dirty="0">
+                <a:solidFill>
+                  <a:schemeClr val="bg1"/>
+                </a:solidFill>
+                <a:effectLst/>
+                <a:latin typeface="+mn-lt"/>
+                <a:ea typeface="Times New Roman" panose="02020603050405020304" pitchFamily="18" charset="0"/>
+              </a:rPr>
+              <a:t>43,</a:t>
             </a:r>
             <a:r>
               <a:rPr lang="en-US" sz="1200" spc="5" dirty="0">
@@ -14343,346 +15035,20 @@
                 <a:latin typeface="+mn-lt"/>
                 <a:ea typeface="Times New Roman" panose="02020603050405020304" pitchFamily="18" charset="0"/>
               </a:rPr>
-              <a:t>in</a:t>
-            </a:r>
-            <a:r>
-              <a:rPr lang="en-US" sz="1200" spc="5" dirty="0">
-                <a:solidFill>
-                  <a:schemeClr val="bg1"/>
-                </a:solidFill>
-                <a:effectLst/>
-                <a:latin typeface="+mn-lt"/>
-                <a:ea typeface="Times New Roman" panose="02020603050405020304" pitchFamily="18" charset="0"/>
-              </a:rPr>
-              <a:t> </a:t>
-            </a:r>
-            <a:r>
-              <a:rPr lang="en-US" sz="1200" dirty="0">
-                <a:solidFill>
-                  <a:schemeClr val="bg1"/>
-                </a:solidFill>
-                <a:effectLst/>
-                <a:latin typeface="+mn-lt"/>
-                <a:ea typeface="Times New Roman" panose="02020603050405020304" pitchFamily="18" charset="0"/>
-              </a:rPr>
-              <a:t>Engineering</a:t>
-            </a:r>
-            <a:r>
-              <a:rPr lang="en-US" sz="1200" spc="5" dirty="0">
-                <a:solidFill>
-                  <a:schemeClr val="bg1"/>
-                </a:solidFill>
-                <a:effectLst/>
-                <a:latin typeface="+mn-lt"/>
-                <a:ea typeface="Times New Roman" panose="02020603050405020304" pitchFamily="18" charset="0"/>
-              </a:rPr>
-              <a:t> </a:t>
-            </a:r>
-            <a:r>
-              <a:rPr lang="en-US" sz="1200" dirty="0">
-                <a:solidFill>
-                  <a:schemeClr val="bg1"/>
-                </a:solidFill>
-                <a:effectLst/>
-                <a:latin typeface="+mn-lt"/>
-                <a:ea typeface="Times New Roman" panose="02020603050405020304" pitchFamily="18" charset="0"/>
-              </a:rPr>
-              <a:t>and</a:t>
-            </a:r>
-            <a:r>
-              <a:rPr lang="en-US" sz="1200" spc="5" dirty="0">
-                <a:solidFill>
-                  <a:schemeClr val="bg1"/>
-                </a:solidFill>
-                <a:effectLst/>
-                <a:latin typeface="+mn-lt"/>
-                <a:ea typeface="Times New Roman" panose="02020603050405020304" pitchFamily="18" charset="0"/>
-              </a:rPr>
-              <a:t> </a:t>
-            </a:r>
-            <a:r>
-              <a:rPr lang="en-US" sz="1200" dirty="0">
-                <a:solidFill>
-                  <a:schemeClr val="bg1"/>
-                </a:solidFill>
-                <a:effectLst/>
-                <a:latin typeface="+mn-lt"/>
-                <a:ea typeface="Times New Roman" panose="02020603050405020304" pitchFamily="18" charset="0"/>
-              </a:rPr>
-              <a:t>Technology</a:t>
-            </a:r>
-            <a:r>
-              <a:rPr lang="en-US" sz="1200" spc="5" dirty="0">
-                <a:solidFill>
-                  <a:schemeClr val="bg1"/>
-                </a:solidFill>
-                <a:effectLst/>
-                <a:latin typeface="+mn-lt"/>
-                <a:ea typeface="Times New Roman" panose="02020603050405020304" pitchFamily="18" charset="0"/>
-              </a:rPr>
-              <a:t> </a:t>
-            </a:r>
-            <a:r>
-              <a:rPr lang="en-US" sz="1200" dirty="0">
-                <a:solidFill>
-                  <a:schemeClr val="bg1"/>
-                </a:solidFill>
-                <a:effectLst/>
-                <a:latin typeface="+mn-lt"/>
-                <a:ea typeface="Times New Roman" panose="02020603050405020304" pitchFamily="18" charset="0"/>
-              </a:rPr>
-              <a:t>(IICAIET),</a:t>
-            </a:r>
-            <a:r>
-              <a:rPr lang="en-US" sz="1200" spc="5" dirty="0">
-                <a:solidFill>
-                  <a:schemeClr val="bg1"/>
-                </a:solidFill>
-                <a:effectLst/>
-                <a:latin typeface="+mn-lt"/>
-                <a:ea typeface="Times New Roman" panose="02020603050405020304" pitchFamily="18" charset="0"/>
-              </a:rPr>
-              <a:t> </a:t>
-            </a:r>
-            <a:r>
-              <a:rPr lang="en-US" sz="1200" dirty="0">
-                <a:solidFill>
-                  <a:schemeClr val="bg1"/>
-                </a:solidFill>
-                <a:effectLst/>
-                <a:latin typeface="+mn-lt"/>
-                <a:ea typeface="Times New Roman" panose="02020603050405020304" pitchFamily="18" charset="0"/>
-              </a:rPr>
-              <a:t>Kota</a:t>
-            </a:r>
-            <a:r>
-              <a:rPr lang="en-US" sz="1200" spc="5" dirty="0">
-                <a:solidFill>
-                  <a:schemeClr val="bg1"/>
-                </a:solidFill>
-                <a:effectLst/>
-                <a:latin typeface="+mn-lt"/>
-                <a:ea typeface="Times New Roman" panose="02020603050405020304" pitchFamily="18" charset="0"/>
-              </a:rPr>
-              <a:t> </a:t>
-            </a:r>
-            <a:r>
-              <a:rPr lang="en-US" sz="1200" dirty="0">
-                <a:solidFill>
-                  <a:schemeClr val="bg1"/>
-                </a:solidFill>
-                <a:effectLst/>
-                <a:latin typeface="+mn-lt"/>
-                <a:ea typeface="Times New Roman" panose="02020603050405020304" pitchFamily="18" charset="0"/>
-              </a:rPr>
-              <a:t>Kinabalu,</a:t>
-            </a:r>
-            <a:r>
-              <a:rPr lang="en-US" sz="1200" spc="5" dirty="0">
-                <a:solidFill>
-                  <a:schemeClr val="bg1"/>
-                </a:solidFill>
-                <a:effectLst/>
-                <a:latin typeface="+mn-lt"/>
-                <a:ea typeface="Times New Roman" panose="02020603050405020304" pitchFamily="18" charset="0"/>
-              </a:rPr>
-              <a:t> </a:t>
-            </a:r>
-            <a:r>
-              <a:rPr lang="en-US" sz="1200" dirty="0">
-                <a:solidFill>
-                  <a:schemeClr val="bg1"/>
-                </a:solidFill>
-                <a:effectLst/>
-                <a:latin typeface="+mn-lt"/>
-                <a:ea typeface="Times New Roman" panose="02020603050405020304" pitchFamily="18" charset="0"/>
-              </a:rPr>
-              <a:t>Malaysia,</a:t>
-            </a:r>
-            <a:r>
-              <a:rPr lang="en-US" sz="1200" spc="5" dirty="0">
-                <a:solidFill>
-                  <a:schemeClr val="bg1"/>
-                </a:solidFill>
-                <a:effectLst/>
-                <a:latin typeface="+mn-lt"/>
-                <a:ea typeface="Times New Roman" panose="02020603050405020304" pitchFamily="18" charset="0"/>
-              </a:rPr>
-              <a:t> </a:t>
-            </a:r>
-            <a:r>
-              <a:rPr lang="en-US" sz="1200" dirty="0">
-                <a:solidFill>
-                  <a:schemeClr val="bg1"/>
-                </a:solidFill>
-                <a:effectLst/>
-                <a:latin typeface="+mn-lt"/>
-                <a:ea typeface="Times New Roman" panose="02020603050405020304" pitchFamily="18" charset="0"/>
-              </a:rPr>
-              <a:t>2020,</a:t>
-            </a:r>
-            <a:r>
-              <a:rPr lang="en-US" sz="1200" spc="5" dirty="0">
-                <a:solidFill>
-                  <a:schemeClr val="bg1"/>
-                </a:solidFill>
-                <a:effectLst/>
-                <a:latin typeface="+mn-lt"/>
-                <a:ea typeface="Times New Roman" panose="02020603050405020304" pitchFamily="18" charset="0"/>
-              </a:rPr>
-              <a:t> </a:t>
-            </a:r>
-            <a:r>
-              <a:rPr lang="en-US" sz="1200" dirty="0">
-                <a:solidFill>
-                  <a:schemeClr val="bg1"/>
-                </a:solidFill>
-                <a:effectLst/>
-                <a:latin typeface="+mn-lt"/>
-                <a:ea typeface="Times New Roman" panose="02020603050405020304" pitchFamily="18" charset="0"/>
-              </a:rPr>
-              <a:t>pp.</a:t>
-            </a:r>
-            <a:r>
-              <a:rPr lang="en-US" sz="1200" spc="5" dirty="0">
-                <a:solidFill>
-                  <a:schemeClr val="bg1"/>
-                </a:solidFill>
-                <a:effectLst/>
-                <a:latin typeface="+mn-lt"/>
-                <a:ea typeface="Times New Roman" panose="02020603050405020304" pitchFamily="18" charset="0"/>
-              </a:rPr>
-              <a:t> </a:t>
-            </a:r>
-            <a:r>
-              <a:rPr lang="en-US" sz="1200" dirty="0">
-                <a:solidFill>
-                  <a:schemeClr val="bg1"/>
-                </a:solidFill>
-                <a:effectLst/>
-                <a:latin typeface="+mn-lt"/>
-                <a:ea typeface="Times New Roman" panose="02020603050405020304" pitchFamily="18" charset="0"/>
-              </a:rPr>
-              <a:t>1-5,</a:t>
-            </a:r>
-            <a:r>
-              <a:rPr lang="en-US" sz="1200" spc="5" dirty="0">
-                <a:solidFill>
-                  <a:schemeClr val="bg1"/>
-                </a:solidFill>
-                <a:effectLst/>
-                <a:latin typeface="+mn-lt"/>
-                <a:ea typeface="Times New Roman" panose="02020603050405020304" pitchFamily="18" charset="0"/>
-              </a:rPr>
-              <a:t> </a:t>
-            </a:r>
-            <a:r>
-              <a:rPr lang="en-US" sz="1200" dirty="0">
-                <a:solidFill>
-                  <a:schemeClr val="bg1"/>
-                </a:solidFill>
-                <a:effectLst/>
-                <a:latin typeface="+mn-lt"/>
-                <a:ea typeface="Times New Roman" panose="02020603050405020304" pitchFamily="18" charset="0"/>
-              </a:rPr>
-              <a:t>DOI:</a:t>
-            </a:r>
-            <a:r>
-              <a:rPr lang="en-US" sz="1200" spc="5" dirty="0">
-                <a:solidFill>
-                  <a:schemeClr val="bg1"/>
-                </a:solidFill>
-                <a:effectLst/>
-                <a:latin typeface="+mn-lt"/>
-                <a:ea typeface="Times New Roman" panose="02020603050405020304" pitchFamily="18" charset="0"/>
-              </a:rPr>
-              <a:t> </a:t>
-            </a:r>
-            <a:r>
-              <a:rPr lang="en-US" sz="1200" dirty="0">
-                <a:solidFill>
-                  <a:schemeClr val="bg1"/>
-                </a:solidFill>
-                <a:effectLst/>
-                <a:latin typeface="+mn-lt"/>
-                <a:ea typeface="Times New Roman" panose="02020603050405020304" pitchFamily="18" charset="0"/>
-              </a:rPr>
-              <a:t>10.1109/IICAIET49801.2020.9257825.</a:t>
-            </a:r>
-            <a:r>
-              <a:rPr lang="en-US" sz="1200" spc="5" dirty="0">
-                <a:solidFill>
-                  <a:schemeClr val="bg1"/>
-                </a:solidFill>
-                <a:effectLst/>
-                <a:latin typeface="+mn-lt"/>
-                <a:ea typeface="Times New Roman" panose="02020603050405020304" pitchFamily="18" charset="0"/>
-              </a:rPr>
-              <a:t> </a:t>
-            </a:r>
-            <a:r>
-              <a:rPr lang="en-US" sz="1200" dirty="0">
-                <a:solidFill>
-                  <a:schemeClr val="bg1"/>
-                </a:solidFill>
-                <a:effectLst/>
-                <a:latin typeface="+mn-lt"/>
-                <a:ea typeface="Times New Roman" panose="02020603050405020304" pitchFamily="18" charset="0"/>
-              </a:rPr>
-              <a:t>(link:</a:t>
-            </a:r>
-            <a:r>
-              <a:rPr lang="en-US" sz="1200" spc="5" dirty="0">
-                <a:solidFill>
-                  <a:schemeClr val="bg1"/>
-                </a:solidFill>
-                <a:effectLst/>
-                <a:latin typeface="+mn-lt"/>
-                <a:ea typeface="Times New Roman" panose="02020603050405020304" pitchFamily="18" charset="0"/>
-              </a:rPr>
-              <a:t> </a:t>
-            </a:r>
-            <a:r>
-              <a:rPr lang="en-US" sz="1200" u="sng" dirty="0">
-                <a:solidFill>
-                  <a:schemeClr val="bg1"/>
-                </a:solidFill>
-                <a:effectLst/>
-                <a:latin typeface="+mn-lt"/>
-                <a:ea typeface="Times New Roman" panose="02020603050405020304" pitchFamily="18" charset="0"/>
-                <a:hlinkClick r:id="rId6">
-                  <a:extLst>
-                    <a:ext uri="{A12FA001-AC4F-418D-AE19-62706E023703}">
-                      <ahyp:hlinkClr xmlns:ahyp="http://schemas.microsoft.com/office/drawing/2018/hyperlinkcolor" val="tx"/>
-                    </a:ext>
-                  </a:extLst>
-                </a:hlinkClick>
-              </a:rPr>
-              <a:t>https://doi.org/10.1016/j.procs.2018.05.069</a:t>
-            </a:r>
-            <a:r>
-              <a:rPr lang="en-US" sz="1200" dirty="0">
-                <a:solidFill>
-                  <a:schemeClr val="bg1"/>
-                </a:solidFill>
-                <a:effectLst/>
-                <a:latin typeface="+mn-lt"/>
-                <a:ea typeface="Times New Roman" panose="02020603050405020304" pitchFamily="18" charset="0"/>
-              </a:rPr>
-              <a:t>)</a:t>
-            </a:r>
-          </a:p>
-          <a:p>
-            <a:pPr marL="342900" marR="24765" lvl="0" indent="-342900" algn="just">
-              <a:spcBef>
-                <a:spcPts val="395"/>
+              <a:t>635–640</a:t>
+            </a:r>
+          </a:p>
+          <a:p>
+            <a:pPr marL="342900" marR="24130" lvl="0" indent="-342900" algn="just">
+              <a:spcBef>
+                <a:spcPts val="0"/>
               </a:spcBef>
               <a:spcAft>
                 <a:spcPts val="0"/>
               </a:spcAft>
               <a:buSzPts val="900"/>
-              <a:buFont typeface="Arial" panose="020B0604020202020204" pitchFamily="34" charset="0"/>
-              <a:buChar char="•"/>
+              <a:buFont typeface="+mj-lt"/>
+              <a:buAutoNum type="arabicPeriod"/>
               <a:tabLst>
                 <a:tab pos="419735" algn="l"/>
               </a:tabLst>
@@ -14699,14 +15065,14 @@
           <a:p>
             <a:pPr marL="342900" marR="24765" lvl="0" indent="-342900" algn="just">
               <a:spcBef>
-                <a:spcPts val="400"/>
+                <a:spcPts val="395"/>
               </a:spcBef>
               <a:spcAft>
                 <a:spcPts val="0"/>
               </a:spcAft>
               <a:buSzPts val="900"/>
-              <a:buFont typeface="Arial" panose="020B0604020202020204" pitchFamily="34" charset="0"/>
-              <a:buChar char="•"/>
+              <a:buFont typeface="+mj-lt"/>
+              <a:buAutoNum type="arabicPeriod"/>
               <a:tabLst>
                 <a:tab pos="419735" algn="l"/>
               </a:tabLst>
@@ -14720,7 +15086,29 @@
                 <a:latin typeface="+mn-lt"/>
                 <a:ea typeface="Times New Roman" panose="02020603050405020304" pitchFamily="18" charset="0"/>
               </a:rPr>
-              <a:t>Peng,</a:t>
+              <a:t>Z. </a:t>
+            </a:r>
+            <a:r>
+              <a:rPr lang="en-US" sz="1200" dirty="0" err="1">
+                <a:solidFill>
+                  <a:schemeClr val="bg1"/>
+                </a:solidFill>
+                <a:effectLst/>
+                <a:latin typeface="+mn-lt"/>
+                <a:ea typeface="Times New Roman" panose="02020603050405020304" pitchFamily="18" charset="0"/>
+              </a:rPr>
+              <a:t>Zahisham</a:t>
+            </a:r>
+            <a:r>
+              <a:rPr lang="en-US" sz="1200" dirty="0">
+                <a:solidFill>
+                  <a:schemeClr val="bg1"/>
+                </a:solidFill>
+                <a:effectLst/>
+                <a:latin typeface="+mn-lt"/>
+                <a:ea typeface="Times New Roman" panose="02020603050405020304" pitchFamily="18" charset="0"/>
+              </a:rPr>
+              <a:t>, C. P. Lee and K. M. Lim, "Food Recognition</a:t>
             </a:r>
             <a:r>
               <a:rPr lang="en-US" sz="1200" spc="5" dirty="0">
@@ -14742,7 +15130,7 @@
                 <a:latin typeface="+mn-lt"/>
                 <a:ea typeface="Times New Roman" panose="02020603050405020304" pitchFamily="18" charset="0"/>
               </a:rPr>
-              <a:t>CY.J.,</a:t>
+              <a:t>with</a:t>
             </a:r>
             <a:r>
               <a:rPr lang="en-US" sz="1200" spc="5" dirty="0">
@@ -14764,7 +15152,29 @@
                 <a:latin typeface="+mn-lt"/>
                 <a:ea typeface="Times New Roman" panose="02020603050405020304" pitchFamily="18" charset="0"/>
               </a:rPr>
-              <a:t>So,</a:t>
+              <a:t>ResNet-50," 2020 IEEE 2nd</a:t>
+            </a:r>
+            <a:r>
+              <a:rPr lang="en-US" sz="1200" spc="225" dirty="0">
+                <a:solidFill>
+                  <a:schemeClr val="bg1"/>
+                </a:solidFill>
+                <a:effectLst/>
+                <a:latin typeface="+mn-lt"/>
+                <a:ea typeface="Times New Roman" panose="02020603050405020304" pitchFamily="18" charset="0"/>
+              </a:rPr>
+              <a:t> </a:t>
+            </a:r>
+            <a:r>
+              <a:rPr lang="en-US" sz="1200" dirty="0">
+                <a:solidFill>
+                  <a:schemeClr val="bg1"/>
+                </a:solidFill>
+                <a:effectLst/>
+                <a:latin typeface="+mn-lt"/>
+                <a:ea typeface="Times New Roman" panose="02020603050405020304" pitchFamily="18" charset="0"/>
+              </a:rPr>
+              <a:t>International Conference</a:t>
             </a:r>
             <a:r>
               <a:rPr lang="en-US" sz="1200" spc="5" dirty="0">
@@ -14786,7 +15196,7 @@
                 <a:latin typeface="+mn-lt"/>
                 <a:ea typeface="Times New Roman" panose="02020603050405020304" pitchFamily="18" charset="0"/>
               </a:rPr>
-              <a:t>TS.H.,</a:t>
+              <a:t>on</a:t>
             </a:r>
             <a:r>
               <a:rPr lang="en-US" sz="1200" spc="5" dirty="0">
@@ -14808,7 +15218,7 @@
                 <a:latin typeface="+mn-lt"/>
                 <a:ea typeface="Times New Roman" panose="02020603050405020304" pitchFamily="18" charset="0"/>
               </a:rPr>
-              <a:t>Stage,</a:t>
+              <a:t>Artificial</a:t>
             </a:r>
             <a:r>
               <a:rPr lang="en-US" sz="1200" spc="5" dirty="0">
@@ -14830,7 +15240,7 @@
                 <a:latin typeface="+mn-lt"/>
                 <a:ea typeface="Times New Roman" panose="02020603050405020304" pitchFamily="18" charset="0"/>
               </a:rPr>
-              <a:t>F.K.</a:t>
+              <a:t>Intelligence</a:t>
             </a:r>
             <a:r>
               <a:rPr lang="en-US" sz="1200" spc="5" dirty="0">
@@ -14852,7 +15262,7 @@
                 <a:latin typeface="+mn-lt"/>
                 <a:ea typeface="Times New Roman" panose="02020603050405020304" pitchFamily="18" charset="0"/>
               </a:rPr>
-              <a:t>et</a:t>
+              <a:t>in</a:t>
             </a:r>
             <a:r>
               <a:rPr lang="en-US" sz="1200" spc="5" dirty="0">
@@ -14874,7 +15284,7 @@
                 <a:latin typeface="+mn-lt"/>
                 <a:ea typeface="Times New Roman" panose="02020603050405020304" pitchFamily="18" charset="0"/>
               </a:rPr>
-              <a:t>al.</a:t>
+              <a:t>Engineering</a:t>
             </a:r>
             <a:r>
               <a:rPr lang="en-US" sz="1200" spc="5" dirty="0">
@@ -14896,7 +15306,7 @@
                 <a:latin typeface="+mn-lt"/>
                 <a:ea typeface="Times New Roman" panose="02020603050405020304" pitchFamily="18" charset="0"/>
               </a:rPr>
-              <a:t>The</a:t>
+              <a:t>and</a:t>
             </a:r>
             <a:r>
               <a:rPr lang="en-US" sz="1200" spc="5" dirty="0">
@@ -14918,7 +15328,7 @@
                 <a:latin typeface="+mn-lt"/>
                 <a:ea typeface="Times New Roman" panose="02020603050405020304" pitchFamily="18" charset="0"/>
               </a:rPr>
-              <a:t>Use</a:t>
+              <a:t>Technology</a:t>
             </a:r>
             <a:r>
               <a:rPr lang="en-US" sz="1200" spc="5" dirty="0">
@@ -14940,7 +15350,7 @@
                 <a:latin typeface="+mn-lt"/>
                 <a:ea typeface="Times New Roman" panose="02020603050405020304" pitchFamily="18" charset="0"/>
               </a:rPr>
-              <a:t>and</a:t>
+              <a:t>(IICAIET),</a:t>
             </a:r>
             <a:r>
               <a:rPr lang="en-US" sz="1200" spc="5" dirty="0">
@@ -14962,7 +15372,7 @@
                 <a:latin typeface="+mn-lt"/>
                 <a:ea typeface="Times New Roman" panose="02020603050405020304" pitchFamily="18" charset="0"/>
               </a:rPr>
-              <a:t>Interpretation</a:t>
+              <a:t>Kota</a:t>
             </a:r>
             <a:r>
               <a:rPr lang="en-US" sz="1200" spc="5" dirty="0">
@@ -14984,7 +15394,7 @@
                 <a:latin typeface="+mn-lt"/>
                 <a:ea typeface="Times New Roman" panose="02020603050405020304" pitchFamily="18" charset="0"/>
               </a:rPr>
-              <a:t>of</a:t>
+              <a:t>Kinabalu,</a:t>
             </a:r>
             <a:r>
               <a:rPr lang="en-US" sz="1200" spc="5" dirty="0">
@@ -15006,7 +15416,7 @@
                 <a:latin typeface="+mn-lt"/>
                 <a:ea typeface="Times New Roman" panose="02020603050405020304" pitchFamily="18" charset="0"/>
               </a:rPr>
-              <a:t>Logistic</a:t>
+              <a:t>Malaysia,</a:t>
             </a:r>
             <a:r>
               <a:rPr lang="en-US" sz="1200" spc="5" dirty="0">
@@ -15028,7 +15438,7 @@
                 <a:latin typeface="+mn-lt"/>
                 <a:ea typeface="Times New Roman" panose="02020603050405020304" pitchFamily="18" charset="0"/>
               </a:rPr>
-              <a:t>Regression</a:t>
+              <a:t>2020,</a:t>
             </a:r>
             <a:r>
               <a:rPr lang="en-US" sz="1200" spc="5" dirty="0">
@@ -15050,7 +15460,7 @@
                 <a:latin typeface="+mn-lt"/>
                 <a:ea typeface="Times New Roman" panose="02020603050405020304" pitchFamily="18" charset="0"/>
               </a:rPr>
-              <a:t>in</a:t>
+              <a:t>pp.</a:t>
             </a:r>
             <a:r>
               <a:rPr lang="en-US" sz="1200" spc="5" dirty="0">
@@ -15072,7 +15482,7 @@
                 <a:latin typeface="+mn-lt"/>
                 <a:ea typeface="Times New Roman" panose="02020603050405020304" pitchFamily="18" charset="0"/>
               </a:rPr>
-              <a:t>Higher</a:t>
+              <a:t>1-5,</a:t>
             </a:r>
             <a:r>
               <a:rPr lang="en-US" sz="1200" spc="5" dirty="0">
@@ -15094,10 +15504,10 @@
                 <a:latin typeface="+mn-lt"/>
                 <a:ea typeface="Times New Roman" panose="02020603050405020304" pitchFamily="18" charset="0"/>
               </a:rPr>
-              <a:t>Education</a:t>
-            </a:r>
-            <a:r>
-              <a:rPr lang="en-US" sz="1200" spc="-210" dirty="0">
+              <a:t>DOI:</a:t>
+            </a:r>
+            <a:r>
+              <a:rPr lang="en-US" sz="1200" spc="5" dirty="0">
                 <a:solidFill>
                   <a:schemeClr val="bg1"/>
                 </a:solidFill>
@@ -15116,10 +15526,10 @@
                 <a:latin typeface="+mn-lt"/>
                 <a:ea typeface="Times New Roman" panose="02020603050405020304" pitchFamily="18" charset="0"/>
               </a:rPr>
-              <a:t>Journals: 1988–1999. Research in Higher Education 43, 259–</a:t>
-            </a:r>
-            <a:r>
-              <a:rPr lang="en-US" sz="1200" spc="-210" dirty="0">
+              <a:t>10.1109/IICAIET49801.2020.9257825.</a:t>
+            </a:r>
+            <a:r>
+              <a:rPr lang="en-US" sz="1200" spc="5" dirty="0">
                 <a:solidFill>
                   <a:schemeClr val="bg1"/>
                 </a:solidFill>
@@ -15138,10 +15548,10 @@
                 <a:latin typeface="+mn-lt"/>
                 <a:ea typeface="Times New Roman" panose="02020603050405020304" pitchFamily="18" charset="0"/>
               </a:rPr>
-              <a:t>293</a:t>
-            </a:r>
-            <a:r>
-              <a:rPr lang="en-US" sz="1200" spc="-10" dirty="0">
+              <a:t>(link:</a:t>
+            </a:r>
+            <a:r>
+              <a:rPr lang="en-US" sz="1200" spc="5" dirty="0">
                 <a:solidFill>
                   <a:schemeClr val="bg1"/>
                 </a:solidFill>
@@ -15152,28 +15562,6 @@
               <a:t> </a:t>
             </a:r>
             <a:r>
-              <a:rPr lang="en-US" sz="1200" dirty="0">
-                <a:solidFill>
-                  <a:schemeClr val="bg1"/>
-                </a:solidFill>
-                <a:effectLst/>
-                <a:latin typeface="+mn-lt"/>
-                <a:ea typeface="Times New Roman" panose="02020603050405020304" pitchFamily="18" charset="0"/>
-              </a:rPr>
-              <a:t>(2002).</a:t>
-            </a:r>
-            <a:r>
-              <a:rPr lang="en-US" sz="1200" spc="-10" dirty="0">
-                <a:solidFill>
-                  <a:schemeClr val="bg1"/>
-                </a:solidFill>
-                <a:effectLst/>
-                <a:latin typeface="+mn-lt"/>
-                <a:ea typeface="Times New Roman" panose="02020603050405020304" pitchFamily="18" charset="0"/>
-              </a:rPr>
-              <a:t> </a:t>
-            </a:r>
-            <a:r>
               <a:rPr lang="en-US" sz="1200" u="sng" dirty="0">
                 <a:solidFill>
                   <a:schemeClr val="bg1"/>
@@ -15181,7 +15569,7 @@
                 <a:effectLst/>
                 <a:latin typeface="+mn-lt"/>
                 <a:ea typeface="Times New Roman" panose="02020603050405020304" pitchFamily="18" charset="0"/>
-                <a:hlinkClick r:id="rId7">
+                <a:hlinkClick r:id="rId6">
                   <a:extLst>
                     <a:ext uri="{A12FA001-AC4F-418D-AE19-62706E023703}">
                       <ahyp:hlinkClr xmlns:ahyp="http://schemas.microsoft.com/office/drawing/2018/hyperlinkcolor" val="tx"/>
@@ -15189,28 +15577,31 @@
                   </a:extLst>
                 </a:hlinkClick>
               </a:rPr>
-              <a:t>https://doi.org/10.1023/A:1014858517172</a:t>
-            </a:r>
-            <a:endParaRPr lang="en-US" sz="1200" u="sng" dirty="0">
-              <a:solidFill>
-                <a:schemeClr val="bg1"/>
-              </a:solidFill>
-              <a:effectLst/>
-              <a:latin typeface="+mn-lt"/>
-              <a:ea typeface="Times New Roman" panose="02020603050405020304" pitchFamily="18" charset="0"/>
-            </a:endParaRPr>
+              <a:t>https://doi.org/10.1016/j.procs.2018.05.069</a:t>
+            </a:r>
+            <a:r>
+              <a:rPr lang="en-US" sz="1200" dirty="0">
+                <a:solidFill>
+                  <a:schemeClr val="bg1"/>
+                </a:solidFill>
+                <a:effectLst/>
+                <a:latin typeface="+mn-lt"/>
+                <a:ea typeface="Times New Roman" panose="02020603050405020304" pitchFamily="18" charset="0"/>
+              </a:rPr>
+              <a:t>)</a:t>
+            </a:r>
           </a:p>
           <a:p>
             <a:pPr marL="342900" marR="24765" lvl="0" indent="-342900" algn="just">
               <a:spcBef>
-                <a:spcPts val="400"/>
+                <a:spcPts val="395"/>
               </a:spcBef>
               <a:spcAft>
                 <a:spcPts val="0"/>
               </a:spcAft>
               <a:buSzPts val="900"/>
-              <a:buFont typeface="Arial" panose="020B0604020202020204" pitchFamily="34" charset="0"/>
-              <a:buChar char="•"/>
+              <a:buFont typeface="+mj-lt"/>
+              <a:buAutoNum type="arabicPeriod"/>
               <a:tabLst>
                 <a:tab pos="419735" algn="l"/>
               </a:tabLst>
@@ -15225,13 +15616,16 @@
             </a:endParaRPr>
           </a:p>
           <a:p>
-            <a:pPr marL="342900" marR="24765" indent="-342900" algn="just">
+            <a:pPr marL="342900" marR="24765" lvl="0" indent="-342900" algn="just">
               <a:spcBef>
                 <a:spcPts val="400"/>
               </a:spcBef>
+              <a:spcAft>
+                <a:spcPts val="0"/>
+              </a:spcAft>
               <a:buSzPts val="900"/>
-              <a:buFont typeface="Arial" panose="020B0604020202020204" pitchFamily="34" charset="0"/>
-              <a:buChar char="•"/>
+              <a:buFont typeface="+mj-lt"/>
+              <a:buAutoNum type="arabicPeriod"/>
               <a:tabLst>
                 <a:tab pos="419735" algn="l"/>
               </a:tabLst>
@@ -15241,17 +15635,472 @@
                 <a:solidFill>
                   <a:schemeClr val="bg1"/>
                 </a:solidFill>
-                <a:latin typeface="+mn-lt"/>
-              </a:rPr>
-              <a:t>Wang, L., Lin, Z.Q. &amp; Wong, A. COVID-Net: a tailored deep convolutional neural network design for detection of COVID-19 cases from chest X-ray images. Sci Rep 10, 19549 (2020). </a:t>
+                <a:effectLst/>
+                <a:latin typeface="+mn-lt"/>
+                <a:ea typeface="Times New Roman" panose="02020603050405020304" pitchFamily="18" charset="0"/>
+              </a:rPr>
+              <a:t>Peng,</a:t>
+            </a:r>
+            <a:r>
+              <a:rPr lang="en-US" sz="1200" spc="5" dirty="0">
+                <a:solidFill>
+                  <a:schemeClr val="bg1"/>
+                </a:solidFill>
+                <a:effectLst/>
+                <a:latin typeface="+mn-lt"/>
+                <a:ea typeface="Times New Roman" panose="02020603050405020304" pitchFamily="18" charset="0"/>
+              </a:rPr>
+              <a:t> </a:t>
             </a:r>
             <a:r>
               <a:rPr lang="en-US" sz="1200" dirty="0">
                 <a:solidFill>
                   <a:schemeClr val="bg1"/>
                 </a:solidFill>
-                <a:latin typeface="+mn-lt"/>
-                <a:hlinkClick r:id="rId8">
+                <a:effectLst/>
+                <a:latin typeface="+mn-lt"/>
+                <a:ea typeface="Times New Roman" panose="02020603050405020304" pitchFamily="18" charset="0"/>
+              </a:rPr>
+              <a:t>CY.J.,</a:t>
+            </a:r>
+            <a:r>
+              <a:rPr lang="en-US" sz="1200" spc="5" dirty="0">
+                <a:solidFill>
+                  <a:schemeClr val="bg1"/>
+                </a:solidFill>
+                <a:effectLst/>
+                <a:latin typeface="+mn-lt"/>
+                <a:ea typeface="Times New Roman" panose="02020603050405020304" pitchFamily="18" charset="0"/>
+              </a:rPr>
+              <a:t> </a:t>
+            </a:r>
+            <a:r>
+              <a:rPr lang="en-US" sz="1200" dirty="0">
+                <a:solidFill>
+                  <a:schemeClr val="bg1"/>
+                </a:solidFill>
+                <a:effectLst/>
+                <a:latin typeface="+mn-lt"/>
+                <a:ea typeface="Times New Roman" panose="02020603050405020304" pitchFamily="18" charset="0"/>
+              </a:rPr>
+              <a:t>So,</a:t>
+            </a:r>
+            <a:r>
+              <a:rPr lang="en-US" sz="1200" spc="5" dirty="0">
+                <a:solidFill>
+                  <a:schemeClr val="bg1"/>
+                </a:solidFill>
+                <a:effectLst/>
+                <a:latin typeface="+mn-lt"/>
+                <a:ea typeface="Times New Roman" panose="02020603050405020304" pitchFamily="18" charset="0"/>
+              </a:rPr>
+              <a:t> </a:t>
+            </a:r>
+            <a:r>
+              <a:rPr lang="en-US" sz="1200" dirty="0">
+                <a:solidFill>
+                  <a:schemeClr val="bg1"/>
+                </a:solidFill>
+                <a:effectLst/>
+                <a:latin typeface="+mn-lt"/>
+                <a:ea typeface="Times New Roman" panose="02020603050405020304" pitchFamily="18" charset="0"/>
+              </a:rPr>
+              <a:t>TS.H.,</a:t>
+            </a:r>
+            <a:r>
+              <a:rPr lang="en-US" sz="1200" spc="5" dirty="0">
+                <a:solidFill>
+                  <a:schemeClr val="bg1"/>
+                </a:solidFill>
+                <a:effectLst/>
+                <a:latin typeface="+mn-lt"/>
+                <a:ea typeface="Times New Roman" panose="02020603050405020304" pitchFamily="18" charset="0"/>
+              </a:rPr>
+              <a:t> </a:t>
+            </a:r>
+            <a:r>
+              <a:rPr lang="en-US" sz="1200" dirty="0">
+                <a:solidFill>
+                  <a:schemeClr val="bg1"/>
+                </a:solidFill>
+                <a:effectLst/>
+                <a:latin typeface="+mn-lt"/>
+                <a:ea typeface="Times New Roman" panose="02020603050405020304" pitchFamily="18" charset="0"/>
+              </a:rPr>
+              <a:t>Stage,</a:t>
+            </a:r>
+            <a:r>
+              <a:rPr lang="en-US" sz="1200" spc="5" dirty="0">
+                <a:solidFill>
+                  <a:schemeClr val="bg1"/>
+                </a:solidFill>
+                <a:effectLst/>
+                <a:latin typeface="+mn-lt"/>
+                <a:ea typeface="Times New Roman" panose="02020603050405020304" pitchFamily="18" charset="0"/>
+              </a:rPr>
+              <a:t> </a:t>
+            </a:r>
+            <a:r>
+              <a:rPr lang="en-US" sz="1200" dirty="0">
+                <a:solidFill>
+                  <a:schemeClr val="bg1"/>
+                </a:solidFill>
+                <a:effectLst/>
+                <a:latin typeface="+mn-lt"/>
+                <a:ea typeface="Times New Roman" panose="02020603050405020304" pitchFamily="18" charset="0"/>
+              </a:rPr>
+              <a:t>F.K.</a:t>
+            </a:r>
+            <a:r>
+              <a:rPr lang="en-US" sz="1200" spc="5" dirty="0">
+                <a:solidFill>
+                  <a:schemeClr val="bg1"/>
+                </a:solidFill>
+                <a:effectLst/>
+                <a:latin typeface="+mn-lt"/>
+                <a:ea typeface="Times New Roman" panose="02020603050405020304" pitchFamily="18" charset="0"/>
+              </a:rPr>
+              <a:t> </a:t>
+            </a:r>
+            <a:r>
+              <a:rPr lang="en-US" sz="1200" dirty="0">
+                <a:solidFill>
+                  <a:schemeClr val="bg1"/>
+                </a:solidFill>
+                <a:effectLst/>
+                <a:latin typeface="+mn-lt"/>
+                <a:ea typeface="Times New Roman" panose="02020603050405020304" pitchFamily="18" charset="0"/>
+              </a:rPr>
+              <a:t>et</a:t>
+            </a:r>
+            <a:r>
+              <a:rPr lang="en-US" sz="1200" spc="5" dirty="0">
+                <a:solidFill>
+                  <a:schemeClr val="bg1"/>
+                </a:solidFill>
+                <a:effectLst/>
+                <a:latin typeface="+mn-lt"/>
+                <a:ea typeface="Times New Roman" panose="02020603050405020304" pitchFamily="18" charset="0"/>
+              </a:rPr>
+              <a:t> </a:t>
+            </a:r>
+            <a:r>
+              <a:rPr lang="en-US" sz="1200" dirty="0">
+                <a:solidFill>
+                  <a:schemeClr val="bg1"/>
+                </a:solidFill>
+                <a:effectLst/>
+                <a:latin typeface="+mn-lt"/>
+                <a:ea typeface="Times New Roman" panose="02020603050405020304" pitchFamily="18" charset="0"/>
+              </a:rPr>
+              <a:t>al.</a:t>
+            </a:r>
+            <a:r>
+              <a:rPr lang="en-US" sz="1200" spc="5" dirty="0">
+                <a:solidFill>
+                  <a:schemeClr val="bg1"/>
+                </a:solidFill>
+                <a:effectLst/>
+                <a:latin typeface="+mn-lt"/>
+                <a:ea typeface="Times New Roman" panose="02020603050405020304" pitchFamily="18" charset="0"/>
+              </a:rPr>
+              <a:t> </a:t>
+            </a:r>
+            <a:r>
+              <a:rPr lang="en-US" sz="1200" dirty="0">
+                <a:solidFill>
+                  <a:schemeClr val="bg1"/>
+                </a:solidFill>
+                <a:effectLst/>
+                <a:latin typeface="+mn-lt"/>
+                <a:ea typeface="Times New Roman" panose="02020603050405020304" pitchFamily="18" charset="0"/>
+              </a:rPr>
+              <a:t>The</a:t>
+            </a:r>
+            <a:r>
+              <a:rPr lang="en-US" sz="1200" spc="5" dirty="0">
+                <a:solidFill>
+                  <a:schemeClr val="bg1"/>
+                </a:solidFill>
+                <a:effectLst/>
+                <a:latin typeface="+mn-lt"/>
+                <a:ea typeface="Times New Roman" panose="02020603050405020304" pitchFamily="18" charset="0"/>
+              </a:rPr>
+              <a:t> </a:t>
+            </a:r>
+            <a:r>
+              <a:rPr lang="en-US" sz="1200" dirty="0">
+                <a:solidFill>
+                  <a:schemeClr val="bg1"/>
+                </a:solidFill>
+                <a:effectLst/>
+                <a:latin typeface="+mn-lt"/>
+                <a:ea typeface="Times New Roman" panose="02020603050405020304" pitchFamily="18" charset="0"/>
+              </a:rPr>
+              <a:t>Use</a:t>
+            </a:r>
+            <a:r>
+              <a:rPr lang="en-US" sz="1200" spc="5" dirty="0">
+                <a:solidFill>
+                  <a:schemeClr val="bg1"/>
+                </a:solidFill>
+                <a:effectLst/>
+                <a:latin typeface="+mn-lt"/>
+                <a:ea typeface="Times New Roman" panose="02020603050405020304" pitchFamily="18" charset="0"/>
+              </a:rPr>
+              <a:t> </a:t>
+            </a:r>
+            <a:r>
+              <a:rPr lang="en-US" sz="1200" dirty="0">
+                <a:solidFill>
+                  <a:schemeClr val="bg1"/>
+                </a:solidFill>
+                <a:effectLst/>
+                <a:latin typeface="+mn-lt"/>
+                <a:ea typeface="Times New Roman" panose="02020603050405020304" pitchFamily="18" charset="0"/>
+              </a:rPr>
+              <a:t>and</a:t>
+            </a:r>
+            <a:r>
+              <a:rPr lang="en-US" sz="1200" spc="5" dirty="0">
+                <a:solidFill>
+                  <a:schemeClr val="bg1"/>
+                </a:solidFill>
+                <a:effectLst/>
+                <a:latin typeface="+mn-lt"/>
+                <a:ea typeface="Times New Roman" panose="02020603050405020304" pitchFamily="18" charset="0"/>
+              </a:rPr>
+              <a:t> </a:t>
+            </a:r>
+            <a:r>
+              <a:rPr lang="en-US" sz="1200" dirty="0">
+                <a:solidFill>
+                  <a:schemeClr val="bg1"/>
+                </a:solidFill>
+                <a:effectLst/>
+                <a:latin typeface="+mn-lt"/>
+                <a:ea typeface="Times New Roman" panose="02020603050405020304" pitchFamily="18" charset="0"/>
+              </a:rPr>
+              <a:t>Interpretation</a:t>
+            </a:r>
+            <a:r>
+              <a:rPr lang="en-US" sz="1200" spc="5" dirty="0">
+                <a:solidFill>
+                  <a:schemeClr val="bg1"/>
+                </a:solidFill>
+                <a:effectLst/>
+                <a:latin typeface="+mn-lt"/>
+                <a:ea typeface="Times New Roman" panose="02020603050405020304" pitchFamily="18" charset="0"/>
+              </a:rPr>
+              <a:t> </a:t>
+            </a:r>
+            <a:r>
+              <a:rPr lang="en-US" sz="1200" dirty="0">
+                <a:solidFill>
+                  <a:schemeClr val="bg1"/>
+                </a:solidFill>
+                <a:effectLst/>
+                <a:latin typeface="+mn-lt"/>
+                <a:ea typeface="Times New Roman" panose="02020603050405020304" pitchFamily="18" charset="0"/>
+              </a:rPr>
+              <a:t>of</a:t>
+            </a:r>
+            <a:r>
+              <a:rPr lang="en-US" sz="1200" spc="5" dirty="0">
+                <a:solidFill>
+                  <a:schemeClr val="bg1"/>
+                </a:solidFill>
+                <a:effectLst/>
+                <a:latin typeface="+mn-lt"/>
+                <a:ea typeface="Times New Roman" panose="02020603050405020304" pitchFamily="18" charset="0"/>
+              </a:rPr>
+              <a:t> </a:t>
+            </a:r>
+            <a:r>
+              <a:rPr lang="en-US" sz="1200" dirty="0">
+                <a:solidFill>
+                  <a:schemeClr val="bg1"/>
+                </a:solidFill>
+                <a:effectLst/>
+                <a:latin typeface="+mn-lt"/>
+                <a:ea typeface="Times New Roman" panose="02020603050405020304" pitchFamily="18" charset="0"/>
+              </a:rPr>
+              <a:t>Logistic</a:t>
+            </a:r>
+            <a:r>
+              <a:rPr lang="en-US" sz="1200" spc="5" dirty="0">
+                <a:solidFill>
+                  <a:schemeClr val="bg1"/>
+                </a:solidFill>
+                <a:effectLst/>
+                <a:latin typeface="+mn-lt"/>
+                <a:ea typeface="Times New Roman" panose="02020603050405020304" pitchFamily="18" charset="0"/>
+              </a:rPr>
+              <a:t> </a:t>
+            </a:r>
+            <a:r>
+              <a:rPr lang="en-US" sz="1200" dirty="0">
+                <a:solidFill>
+                  <a:schemeClr val="bg1"/>
+                </a:solidFill>
+                <a:effectLst/>
+                <a:latin typeface="+mn-lt"/>
+                <a:ea typeface="Times New Roman" panose="02020603050405020304" pitchFamily="18" charset="0"/>
+              </a:rPr>
+              <a:t>Regression</a:t>
+            </a:r>
+            <a:r>
+              <a:rPr lang="en-US" sz="1200" spc="5" dirty="0">
+                <a:solidFill>
+                  <a:schemeClr val="bg1"/>
+                </a:solidFill>
+                <a:effectLst/>
+                <a:latin typeface="+mn-lt"/>
+                <a:ea typeface="Times New Roman" panose="02020603050405020304" pitchFamily="18" charset="0"/>
+              </a:rPr>
+              <a:t> </a:t>
+            </a:r>
+            <a:r>
+              <a:rPr lang="en-US" sz="1200" dirty="0">
+                <a:solidFill>
+                  <a:schemeClr val="bg1"/>
+                </a:solidFill>
+                <a:effectLst/>
+                <a:latin typeface="+mn-lt"/>
+                <a:ea typeface="Times New Roman" panose="02020603050405020304" pitchFamily="18" charset="0"/>
+              </a:rPr>
+              <a:t>in</a:t>
+            </a:r>
+            <a:r>
+              <a:rPr lang="en-US" sz="1200" spc="5" dirty="0">
+                <a:solidFill>
+                  <a:schemeClr val="bg1"/>
+                </a:solidFill>
+                <a:effectLst/>
+                <a:latin typeface="+mn-lt"/>
+                <a:ea typeface="Times New Roman" panose="02020603050405020304" pitchFamily="18" charset="0"/>
+              </a:rPr>
+              <a:t> </a:t>
+            </a:r>
+            <a:r>
+              <a:rPr lang="en-US" sz="1200" dirty="0">
+                <a:solidFill>
+                  <a:schemeClr val="bg1"/>
+                </a:solidFill>
+                <a:effectLst/>
+                <a:latin typeface="+mn-lt"/>
+                <a:ea typeface="Times New Roman" panose="02020603050405020304" pitchFamily="18" charset="0"/>
+              </a:rPr>
+              <a:t>Higher</a:t>
+            </a:r>
+            <a:r>
+              <a:rPr lang="en-US" sz="1200" spc="5" dirty="0">
+                <a:solidFill>
+                  <a:schemeClr val="bg1"/>
+                </a:solidFill>
+                <a:effectLst/>
+                <a:latin typeface="+mn-lt"/>
+                <a:ea typeface="Times New Roman" panose="02020603050405020304" pitchFamily="18" charset="0"/>
+              </a:rPr>
+              <a:t> </a:t>
+            </a:r>
+            <a:r>
+              <a:rPr lang="en-US" sz="1200" dirty="0">
+                <a:solidFill>
+                  <a:schemeClr val="bg1"/>
+                </a:solidFill>
+                <a:effectLst/>
+                <a:latin typeface="+mn-lt"/>
+                <a:ea typeface="Times New Roman" panose="02020603050405020304" pitchFamily="18" charset="0"/>
+              </a:rPr>
+              <a:t>Education</a:t>
+            </a:r>
+            <a:r>
+              <a:rPr lang="en-US" sz="1200" spc="-210" dirty="0">
+                <a:solidFill>
+                  <a:schemeClr val="bg1"/>
+                </a:solidFill>
+                <a:effectLst/>
+                <a:latin typeface="+mn-lt"/>
+                <a:ea typeface="Times New Roman" panose="02020603050405020304" pitchFamily="18" charset="0"/>
+              </a:rPr>
+              <a:t> </a:t>
+            </a:r>
+            <a:r>
+              <a:rPr lang="en-US" sz="1200" dirty="0">
+                <a:solidFill>
+                  <a:schemeClr val="bg1"/>
+                </a:solidFill>
+                <a:effectLst/>
+                <a:latin typeface="+mn-lt"/>
+                <a:ea typeface="Times New Roman" panose="02020603050405020304" pitchFamily="18" charset="0"/>
+              </a:rPr>
+              <a:t>Journals: 1988–1999. Research in Higher Education 43, 259–</a:t>
+            </a:r>
+            <a:r>
+              <a:rPr lang="en-US" sz="1200" spc="-210" dirty="0">
+                <a:solidFill>
+                  <a:schemeClr val="bg1"/>
+                </a:solidFill>
+                <a:effectLst/>
+                <a:latin typeface="+mn-lt"/>
+                <a:ea typeface="Times New Roman" panose="02020603050405020304" pitchFamily="18" charset="0"/>
+              </a:rPr>
+              <a:t> </a:t>
+            </a:r>
+            <a:r>
+              <a:rPr lang="en-US" sz="1200" dirty="0">
+                <a:solidFill>
+                  <a:schemeClr val="bg1"/>
+                </a:solidFill>
+                <a:effectLst/>
+                <a:latin typeface="+mn-lt"/>
+                <a:ea typeface="Times New Roman" panose="02020603050405020304" pitchFamily="18" charset="0"/>
+              </a:rPr>
+              <a:t>293</a:t>
+            </a:r>
+            <a:r>
+              <a:rPr lang="en-US" sz="1200" spc="-10" dirty="0">
+                <a:solidFill>
+                  <a:schemeClr val="bg1"/>
+                </a:solidFill>
+                <a:effectLst/>
+                <a:latin typeface="+mn-lt"/>
+                <a:ea typeface="Times New Roman" panose="02020603050405020304" pitchFamily="18" charset="0"/>
+              </a:rPr>
+              <a:t> </a:t>
+            </a:r>
+            <a:r>
+              <a:rPr lang="en-US" sz="1200" dirty="0">
+                <a:solidFill>
+                  <a:schemeClr val="bg1"/>
+                </a:solidFill>
+                <a:effectLst/>
+                <a:latin typeface="+mn-lt"/>
+                <a:ea typeface="Times New Roman" panose="02020603050405020304" pitchFamily="18" charset="0"/>
+              </a:rPr>
+              <a:t>(2002).</a:t>
+            </a:r>
+            <a:r>
+              <a:rPr lang="en-US" sz="1200" spc="-10" dirty="0">
+                <a:solidFill>
+                  <a:schemeClr val="bg1"/>
+                </a:solidFill>
+                <a:effectLst/>
+                <a:latin typeface="+mn-lt"/>
+                <a:ea typeface="Times New Roman" panose="02020603050405020304" pitchFamily="18" charset="0"/>
+              </a:rPr>
+              <a:t> </a:t>
+            </a:r>
+            <a:r>
+              <a:rPr lang="en-US" sz="1200" u="sng" dirty="0">
+                <a:solidFill>
+                  <a:schemeClr val="bg1"/>
+                </a:solidFill>
+                <a:effectLst/>
+                <a:latin typeface="+mn-lt"/>
+                <a:ea typeface="Times New Roman" panose="02020603050405020304" pitchFamily="18" charset="0"/>
+                <a:hlinkClick r:id="rId7">
                   <a:extLst>
                     <a:ext uri="{A12FA001-AC4F-418D-AE19-62706E023703}">
                       <ahyp:hlinkClr xmlns:ahyp="http://schemas.microsoft.com/office/drawing/2018/hyperlinkcolor" val="tx"/>
@@ -15259,26 +16108,28 @@
                   </a:extLst>
                 </a:hlinkClick>
               </a:rPr>
-              <a:t>https://doi.org/10.1038/s41598-020-76550-z</a:t>
-            </a:r>
-            <a:endParaRPr lang="en-US" sz="1200" dirty="0">
+              <a:t>https://doi.org/10.1023/A:1014858517172</a:t>
+            </a:r>
+            <a:endParaRPr lang="en-US" sz="1200" u="sng" dirty="0">
               <a:solidFill>
                 <a:schemeClr val="bg1"/>
               </a:solidFill>
+              <a:effectLst/>
               <a:latin typeface="+mn-lt"/>
+              <a:ea typeface="Times New Roman" panose="02020603050405020304" pitchFamily="18" charset="0"/>
             </a:endParaRPr>
           </a:p>
           <a:p>
-            <a:pPr marL="342900" marR="26670" lvl="0" indent="-342900">
-              <a:spcBef>
-                <a:spcPts val="395"/>
+            <a:pPr marL="342900" marR="24765" lvl="0" indent="-342900" algn="just">
+              <a:spcBef>
+                <a:spcPts val="400"/>
               </a:spcBef>
               <a:spcAft>
                 <a:spcPts val="0"/>
               </a:spcAft>
               <a:buSzPts val="900"/>
-              <a:buFont typeface="Arial" panose="020B0604020202020204" pitchFamily="34" charset="0"/>
-              <a:buChar char="•"/>
+              <a:buFont typeface="+mj-lt"/>
+              <a:buAutoNum type="arabicPeriod"/>
               <a:tabLst>
                 <a:tab pos="419735" algn="l"/>
               </a:tabLst>
@@ -15293,6 +16144,74 @@
             </a:endParaRPr>
           </a:p>
           <a:p>
+            <a:pPr marL="342900" marR="24765" indent="-342900" algn="just">
+              <a:spcBef>
+                <a:spcPts val="400"/>
+              </a:spcBef>
+              <a:buSzPts val="900"/>
+              <a:buFont typeface="+mj-lt"/>
+              <a:buAutoNum type="arabicPeriod"/>
+              <a:tabLst>
+                <a:tab pos="419735" algn="l"/>
+              </a:tabLst>
+            </a:pPr>
+            <a:r>
+              <a:rPr lang="en-US" sz="1200" dirty="0">
+                <a:solidFill>
+                  <a:schemeClr val="bg1"/>
+                </a:solidFill>
+                <a:latin typeface="+mn-lt"/>
+              </a:rPr>
+              <a:t>Wang, L., Lin, Z.Q. &amp; Wong, A. COVID-Net: a tailored deep convolutional neural network design for detection of COVID-19 cases from chest X-ray images. Sci Rep 10, 19549 (2020). </a:t>
+            </a:r>
+            <a:r>
+              <a:rPr lang="en-US" sz="1200" dirty="0">
+                <a:solidFill>
+                  <a:schemeClr val="bg1"/>
+                </a:solidFill>
+                <a:latin typeface="+mn-lt"/>
+                <a:hlinkClick r:id="rId8">
+                  <a:extLst>
+                    <a:ext uri="{A12FA001-AC4F-418D-AE19-62706E023703}">
+                      <ahyp:hlinkClr xmlns:ahyp="http://schemas.microsoft.com/office/drawing/2018/hyperlinkcolor" val="tx"/>
+                    </a:ext>
+                  </a:extLst>
+                </a:hlinkClick>
+              </a:rPr>
+              <a:t>https://doi.org/10.1038/s41598-020-76550-z</a:t>
+            </a:r>
+            <a:endParaRPr lang="en-US" sz="1200" dirty="0">
+              <a:solidFill>
+                <a:schemeClr val="bg1"/>
+              </a:solidFill>
+              <a:latin typeface="+mn-lt"/>
+            </a:endParaRPr>
+          </a:p>
+          <a:p>
+            <a:pPr marL="342900" marR="26670" lvl="0" indent="-342900">
+              <a:spcBef>
+                <a:spcPts val="395"/>
+              </a:spcBef>
+              <a:spcAft>
+                <a:spcPts val="0"/>
+              </a:spcAft>
+              <a:buSzPts val="900"/>
+              <a:buFont typeface="+mj-lt"/>
+              <a:buAutoNum type="arabicPeriod"/>
+              <a:tabLst>
+                <a:tab pos="419735" algn="l"/>
+              </a:tabLst>
+            </a:pPr>
+            <a:endParaRPr lang="en-US" sz="1200" dirty="0">
+              <a:solidFill>
+                <a:schemeClr val="bg1"/>
+              </a:solidFill>
+              <a:effectLst/>
+              <a:latin typeface="+mn-lt"/>
+              <a:ea typeface="Times New Roman" panose="02020603050405020304" pitchFamily="18" charset="0"/>
+            </a:endParaRPr>
+          </a:p>
+          <a:p>
             <a:pPr marL="342900" marR="24765" lvl="0" indent="-342900" algn="just">
               <a:spcBef>
                 <a:spcPts val="405"/>
@@ -15301,8 +16220,8 @@
                 <a:spcPts val="0"/>
               </a:spcAft>
               <a:buSzPts val="900"/>
-              <a:buFont typeface="Arial" panose="020B0604020202020204" pitchFamily="34" charset="0"/>
-              <a:buChar char="•"/>
+              <a:buFont typeface="+mj-lt"/>
+              <a:buAutoNum type="arabicPeriod"/>
               <a:tabLst>
                 <a:tab pos="419735" algn="l"/>
               </a:tabLst>
@@ -16504,7 +17423,7 @@
 </p:sld>
 </file>
 
-<file path=ppt/slides/slide13.xml><?xml version="1.0" encoding="utf-8"?>
+<file path=ppt/slides/slide14.xml><?xml version="1.0" encoding="utf-8"?>
 <p:sld xmlns:a="http://schemas.openxmlformats.org/drawingml/2006/main" xmlns:r="http://schemas.openxmlformats.org/officeDocument/2006/relationships" xmlns:p="http://schemas.openxmlformats.org/presentationml/2006/main">
   <p:cSld>
     <p:spTree>
@@ -17846,7 +18765,7 @@
                 <a:latin typeface="Arial"/>
                 <a:cs typeface="Arial"/>
               </a:rPr>
-              <a:t>Background:</a:t>
+              <a:t>Background</a:t>
             </a:r>
           </a:p>
           <a:p>
@@ -17933,25 +18852,8 @@
                 <a:latin typeface="Arial"/>
                 <a:cs typeface="Arial"/>
               </a:rPr>
-              <a:t>Machine learning models: SVM, Logistic Regression, Decision Tree, </a:t>
-            </a:r>
-            <a:r>
-              <a:rPr lang="en-US" sz="2200" dirty="0" err="1">
-                <a:solidFill>
-                  <a:schemeClr val="bg1"/>
-                </a:solidFill>
-                <a:latin typeface="Arial"/>
-                <a:cs typeface="Arial"/>
-              </a:rPr>
-              <a:t>etc</a:t>
-            </a:r>
-            <a:endParaRPr lang="en-US" sz="2200" dirty="0">
-              <a:solidFill>
-                <a:schemeClr val="bg1"/>
-              </a:solidFill>
-              <a:latin typeface="Arial"/>
-              <a:cs typeface="Arial"/>
-            </a:endParaRPr>
+              <a:t>Machine learning models: SVM, Logistic Regression, Decision Tree, etc.</a:t>
+            </a:r>
           </a:p>
           <a:p>
             <a:pPr lvl="1"/>
@@ -18411,20 +19313,36 @@
         </p:spPr>
         <p:txBody>
           <a:bodyPr>
-            <a:normAutofit/>
+            <a:normAutofit fontScale="92500" lnSpcReduction="20000"/>
           </a:bodyPr>
           <a:lstStyle/>
           <a:p>
             <a:r>
-              <a:rPr lang="en-US" sz="2400" b="1" dirty="0">
+              <a:rPr lang="en-US" sz="2600" b="1" dirty="0">
                 <a:solidFill>
                   <a:schemeClr val="bg1"/>
                 </a:solidFill>
                 <a:latin typeface="Arial"/>
                 <a:cs typeface="Arial"/>
               </a:rPr>
-              <a:t>Dataset:</a:t>
-            </a:r>
+              <a:t>Dataset</a:t>
+            </a:r>
+            <a:endParaRPr lang="en-US" sz="2400" b="1" dirty="0">
+              <a:solidFill>
+                <a:schemeClr val="bg1"/>
+              </a:solidFill>
+              <a:latin typeface="Arial"/>
+              <a:cs typeface="Arial"/>
+            </a:endParaRPr>
+          </a:p>
+          <a:p>
+            <a:endParaRPr lang="en-US" sz="2400" b="1" dirty="0">
+              <a:solidFill>
+                <a:schemeClr val="bg1"/>
+              </a:solidFill>
+              <a:latin typeface="Arial"/>
+              <a:cs typeface="Arial"/>
+            </a:endParaRPr>
           </a:p>
           <a:p>
             <a:pPr lvl="1"/>
@@ -18495,8 +19413,38 @@
                 <a:ea typeface="+mn-lt"/>
                 <a:cs typeface="+mn-lt"/>
               </a:rPr>
-              <a:t>Public open dataset of chest x-ray and CT Images of patients positive or suspected of Covid-19</a:t>
-            </a:r>
+              <a:t>Public open dataset of chest x-ray and CT Images of patients positive or suspected of Covid-19. [2]</a:t>
+            </a:r>
+          </a:p>
+          <a:p>
+            <a:pPr lvl="2"/>
+            <a:endParaRPr lang="en-US" sz="2000" dirty="0">
+              <a:solidFill>
+                <a:schemeClr val="bg1"/>
+              </a:solidFill>
+              <a:latin typeface="Arial"/>
+              <a:ea typeface="+mn-lt"/>
+              <a:cs typeface="+mn-lt"/>
+            </a:endParaRPr>
+          </a:p>
+          <a:p>
+            <a:pPr lvl="1"/>
+            <a:r>
+              <a:rPr lang="en-US" sz="2000" dirty="0">
+                <a:solidFill>
+                  <a:schemeClr val="bg1"/>
+                </a:solidFill>
+                <a:latin typeface="Arial"/>
+                <a:ea typeface="+mn-lt"/>
+                <a:cs typeface="+mn-lt"/>
+              </a:rPr>
+              <a:t>Xray Image dataset from Ozturk and Covid-19 Kaggle Dataset [3] </a:t>
+            </a:r>
+          </a:p>
+          <a:p>
+            <a:pPr marL="1028700" lvl="2" indent="0">
+              <a:buNone/>
+            </a:pPr>
             <a:endParaRPr lang="en-US" dirty="0">
               <a:solidFill>
                 <a:schemeClr val="bg1"/>
@@ -18507,15 +19455,135 @@
             </a:endParaRPr>
           </a:p>
           <a:p>
-            <a:pPr marL="114300" indent="0">
-              <a:buNone/>
-            </a:pPr>
-            <a:endParaRPr lang="en-US" sz="2400" b="1" dirty="0">
+            <a:pPr lvl="1"/>
+            <a:r>
+              <a:rPr lang="en-US" sz="2100" dirty="0">
+                <a:solidFill>
+                  <a:schemeClr val="bg1"/>
+                </a:solidFill>
+                <a:latin typeface="Arial"/>
+                <a:ea typeface="+mn-lt"/>
+                <a:cs typeface="+mn-lt"/>
+              </a:rPr>
+              <a:t>Total Images in combined Dataset</a:t>
+            </a:r>
+          </a:p>
+          <a:p>
+            <a:pPr lvl="2"/>
+            <a:r>
+              <a:rPr lang="en-US" sz="2000" dirty="0">
+                <a:solidFill>
+                  <a:schemeClr val="bg1"/>
+                </a:solidFill>
+                <a:latin typeface="Arial"/>
+                <a:ea typeface="+mn-lt"/>
+                <a:cs typeface="+mn-lt"/>
+              </a:rPr>
+              <a:t>4412 – Chest Xray Images which contains –</a:t>
+            </a:r>
+          </a:p>
+          <a:p>
+            <a:pPr lvl="2"/>
+            <a:r>
+              <a:rPr lang="en-US" dirty="0">
+                <a:solidFill>
+                  <a:schemeClr val="bg1"/>
+                </a:solidFill>
+                <a:latin typeface="Arial"/>
+                <a:ea typeface="+mn-lt"/>
+                <a:cs typeface="+mn-lt"/>
+              </a:rPr>
+              <a:t>1851 – Normal </a:t>
+            </a:r>
+            <a:r>
+              <a:rPr lang="en-US" dirty="0" err="1">
+                <a:solidFill>
+                  <a:schemeClr val="bg1"/>
+                </a:solidFill>
+                <a:latin typeface="Arial"/>
+                <a:ea typeface="+mn-lt"/>
+                <a:cs typeface="+mn-lt"/>
+              </a:rPr>
+              <a:t>Xrays</a:t>
+            </a:r>
+            <a:endParaRPr lang="en-US" dirty="0">
               <a:solidFill>
                 <a:schemeClr val="bg1"/>
               </a:solidFill>
               <a:latin typeface="Arial"/>
-              <a:cs typeface="Arial"/>
+              <a:ea typeface="+mn-lt"/>
+              <a:cs typeface="+mn-lt"/>
+            </a:endParaRPr>
+          </a:p>
+          <a:p>
+            <a:pPr lvl="2"/>
+            <a:r>
+              <a:rPr lang="en-US" sz="2000" dirty="0">
+                <a:solidFill>
+                  <a:schemeClr val="bg1"/>
+                </a:solidFill>
+                <a:latin typeface="Arial"/>
+                <a:ea typeface="+mn-lt"/>
+                <a:cs typeface="+mn-lt"/>
+              </a:rPr>
+              <a:t>1863 – </a:t>
+            </a:r>
+            <a:r>
+              <a:rPr lang="en-US" sz="2000" dirty="0" err="1">
+                <a:solidFill>
+                  <a:schemeClr val="bg1"/>
+                </a:solidFill>
+                <a:latin typeface="Arial"/>
+                <a:ea typeface="+mn-lt"/>
+                <a:cs typeface="+mn-lt"/>
+              </a:rPr>
+              <a:t>Pneumania</a:t>
+            </a:r>
+            <a:r>
+              <a:rPr lang="en-US" sz="2000" dirty="0">
+                <a:solidFill>
+                  <a:schemeClr val="bg1"/>
+                </a:solidFill>
+                <a:latin typeface="Arial"/>
+                <a:ea typeface="+mn-lt"/>
+                <a:cs typeface="+mn-lt"/>
+              </a:rPr>
+              <a:t> </a:t>
+            </a:r>
+          </a:p>
+          <a:p>
+            <a:pPr lvl="2"/>
+            <a:r>
+              <a:rPr lang="en-US" dirty="0">
+                <a:solidFill>
+                  <a:schemeClr val="bg1"/>
+                </a:solidFill>
+                <a:latin typeface="Arial"/>
+                <a:ea typeface="+mn-lt"/>
+                <a:cs typeface="+mn-lt"/>
+              </a:rPr>
+              <a:t>698 – COVID-19</a:t>
+            </a:r>
+            <a:endParaRPr lang="en-US" sz="2000" dirty="0">
+              <a:solidFill>
+                <a:schemeClr val="bg1"/>
+              </a:solidFill>
+              <a:latin typeface="Arial"/>
+              <a:ea typeface="+mn-lt"/>
+              <a:cs typeface="+mn-lt"/>
+            </a:endParaRPr>
+          </a:p>
+          <a:p>
+            <a:pPr marL="1028700" lvl="2" indent="0">
+              <a:buNone/>
+            </a:pPr>
+            <a:endParaRPr lang="en-US" sz="2000" dirty="0">
+              <a:solidFill>
+                <a:schemeClr val="bg1"/>
+              </a:solidFill>
+              <a:latin typeface="Arial"/>
+              <a:ea typeface="+mn-lt"/>
+              <a:cs typeface="+mn-lt"/>
             </a:endParaRPr>
           </a:p>
           <a:p>
@@ -18632,10 +19700,10 @@
       </p:grpSpPr>
       <p:pic>
         <p:nvPicPr>
-          <p:cNvPr id="11" name="Picture 10" descr="A picture containing building, street&#10;&#10;Description automatically generated">
+          <p:cNvPr id="10" name="Picture 9" descr="A picture containing building, street&#10;&#10;Description automatically generated">
             <a:extLst>
               <a:ext uri="{FF2B5EF4-FFF2-40B4-BE49-F238E27FC236}">
-                <a16:creationId xmlns:a16="http://schemas.microsoft.com/office/drawing/2014/main" id="{D907FF7A-4780-B34F-8508-762623E24EF6}"/>
+                <a16:creationId xmlns:a16="http://schemas.microsoft.com/office/drawing/2014/main" id="{4ED5C7F6-998F-1147-91D1-4D037458EDB7}"/>
               </a:ext>
             </a:extLst>
           </p:cNvPr>
@@ -18654,7 +19722,7 @@
         </p:blipFill>
         <p:spPr>
           <a:xfrm>
-            <a:off x="-2" y="16331"/>
+            <a:off x="0" y="16331"/>
             <a:ext cx="12192000" cy="6858000"/>
           </a:xfrm>
           <a:prstGeom prst="rect">
@@ -18671,10 +19739,10 @@
       </p:pic>
       <p:pic>
         <p:nvPicPr>
-          <p:cNvPr id="10" name="Picture 9" descr="A picture containing building, street&#10;&#10;Description automatically generated">
+          <p:cNvPr id="8" name="Picture 7" descr="A picture containing building, street&#10;&#10;Description automatically generated">
             <a:extLst>
               <a:ext uri="{FF2B5EF4-FFF2-40B4-BE49-F238E27FC236}">
-                <a16:creationId xmlns:a16="http://schemas.microsoft.com/office/drawing/2014/main" id="{536DA9B3-9D0F-5742-97A2-5CB36A119DC3}"/>
+                <a16:creationId xmlns:a16="http://schemas.microsoft.com/office/drawing/2014/main" id="{A2B497F1-7206-CD4F-8A42-4A09329DE330}"/>
               </a:ext>
             </a:extLst>
           </p:cNvPr>
@@ -18722,7 +19790,7 @@
             <a:avLst/>
           </a:prstGeom>
           <a:solidFill>
-            <a:srgbClr val="13294B"/>
+            <a:srgbClr val="15264B"/>
           </a:solidFill>
           <a:ln>
             <a:noFill/>
@@ -18869,7 +19937,7 @@
         </p:nvSpPr>
         <p:spPr>
           <a:xfrm>
-            <a:off x="155429" y="165158"/>
+            <a:off x="172624" y="147961"/>
             <a:ext cx="10910026" cy="461624"/>
           </a:xfrm>
           <a:prstGeom prst="rect">
@@ -18899,450 +19967,10 @@
       </p:sp>
       <p:sp>
         <p:nvSpPr>
-          <p:cNvPr id="9" name="Content Placeholder 3">
+          <p:cNvPr id="9" name="Google Shape;100;p1">
             <a:extLst>
               <a:ext uri="{FF2B5EF4-FFF2-40B4-BE49-F238E27FC236}">
-                <a16:creationId xmlns:a16="http://schemas.microsoft.com/office/drawing/2014/main" id="{CA4A35E5-93C1-4A05-9BE6-FF454E63436F}"/>
-              </a:ext>
-            </a:extLst>
-          </p:cNvPr>
-          <p:cNvSpPr txBox="1">
-            <a:spLocks/>
-          </p:cNvSpPr>
-          <p:nvPr/>
-        </p:nvSpPr>
-        <p:spPr>
-          <a:xfrm>
-            <a:off x="777240" y="2048146"/>
-            <a:ext cx="10515600" cy="3761991"/>
-          </a:xfrm>
-          <a:prstGeom prst="rect">
-            <a:avLst/>
-          </a:prstGeom>
-        </p:spPr>
-        <p:txBody>
-          <a:bodyPr>
-            <a:normAutofit/>
-          </a:bodyPr>
-          <a:lstStyle>
-            <a:defPPr marR="0" lvl="0" algn="l" rtl="0">
-              <a:lnSpc>
-                <a:spcPct val="100000"/>
-              </a:lnSpc>
-              <a:spcBef>
-                <a:spcPts val="0"/>
-              </a:spcBef>
-              <a:spcAft>
-                <a:spcPts val="0"/>
-              </a:spcAft>
-            </a:defPPr>
-            <a:lvl1pPr marR="0" lvl="0" algn="l" rtl="0">
-              <a:lnSpc>
-                <a:spcPct val="100000"/>
-              </a:lnSpc>
-              <a:spcBef>
-                <a:spcPts val="0"/>
-              </a:spcBef>
-              <a:spcAft>
-                <a:spcPts val="0"/>
-              </a:spcAft>
-              <a:buClr>
-                <a:srgbClr val="000000"/>
-              </a:buClr>
-              <a:buFont typeface="Arial"/>
-              <a:defRPr sz="1400" b="0" i="0" u="none" strike="noStrike" cap="none">
-                <a:solidFill>
-                  <a:srgbClr val="000000"/>
-                </a:solidFill>
-                <a:latin typeface="Arial"/>
-                <a:ea typeface="Arial"/>
-                <a:cs typeface="Arial"/>
-                <a:sym typeface="Arial"/>
-              </a:defRPr>
-            </a:lvl1pPr>
-            <a:lvl2pPr marR="0" lvl="1" algn="l" rtl="0">
-              <a:lnSpc>
-                <a:spcPct val="100000"/>
-              </a:lnSpc>
-              <a:spcBef>
-                <a:spcPts val="0"/>
-              </a:spcBef>
-              <a:spcAft>
-                <a:spcPts val="0"/>
-              </a:spcAft>
-              <a:buClr>
-                <a:srgbClr val="000000"/>
-              </a:buClr>
-              <a:buFont typeface="Arial"/>
-              <a:defRPr sz="1400" b="0" i="0" u="none" strike="noStrike" cap="none">
-                <a:solidFill>
-                  <a:srgbClr val="000000"/>
-                </a:solidFill>
-                <a:latin typeface="Arial"/>
-                <a:ea typeface="Arial"/>
-                <a:cs typeface="Arial"/>
-                <a:sym typeface="Arial"/>
-              </a:defRPr>
-            </a:lvl2pPr>
-            <a:lvl3pPr marR="0" lvl="2" algn="l" rtl="0">
-              <a:lnSpc>
-                <a:spcPct val="100000"/>
-              </a:lnSpc>
-              <a:spcBef>
-                <a:spcPts val="0"/>
-              </a:spcBef>
-              <a:spcAft>
-                <a:spcPts val="0"/>
-              </a:spcAft>
-              <a:buClr>
-                <a:srgbClr val="000000"/>
-              </a:buClr>
-              <a:buFont typeface="Arial"/>
-              <a:defRPr sz="1400" b="0" i="0" u="none" strike="noStrike" cap="none">
-                <a:solidFill>
-                  <a:srgbClr val="000000"/>
-                </a:solidFill>
-                <a:latin typeface="Arial"/>
-                <a:ea typeface="Arial"/>
-                <a:cs typeface="Arial"/>
-                <a:sym typeface="Arial"/>
-              </a:defRPr>
-            </a:lvl3pPr>
-            <a:lvl4pPr marR="0" lvl="3" algn="l" rtl="0">
-              <a:lnSpc>
-                <a:spcPct val="100000"/>
-              </a:lnSpc>
-              <a:spcBef>
-                <a:spcPts val="0"/>
-              </a:spcBef>
-              <a:spcAft>
-                <a:spcPts val="0"/>
-              </a:spcAft>
-              <a:buClr>
-                <a:srgbClr val="000000"/>
-              </a:buClr>
-              <a:buFont typeface="Arial"/>
-              <a:defRPr sz="1400" b="0" i="0" u="none" strike="noStrike" cap="none">
-                <a:solidFill>
-                  <a:srgbClr val="000000"/>
-                </a:solidFill>
-                <a:latin typeface="Arial"/>
-                <a:ea typeface="Arial"/>
-                <a:cs typeface="Arial"/>
-                <a:sym typeface="Arial"/>
-              </a:defRPr>
-            </a:lvl4pPr>
-            <a:lvl5pPr marR="0" lvl="4" algn="l" rtl="0">
-              <a:lnSpc>
-                <a:spcPct val="100000"/>
-              </a:lnSpc>
-              <a:spcBef>
-                <a:spcPts val="0"/>
-              </a:spcBef>
-              <a:spcAft>
-                <a:spcPts val="0"/>
-              </a:spcAft>
-              <a:buClr>
-                <a:srgbClr val="000000"/>
-              </a:buClr>
-              <a:buFont typeface="Arial"/>
-              <a:defRPr sz="1400" b="0" i="0" u="none" strike="noStrike" cap="none">
-                <a:solidFill>
-                  <a:srgbClr val="000000"/>
-                </a:solidFill>
-                <a:latin typeface="Arial"/>
-                <a:ea typeface="Arial"/>
-                <a:cs typeface="Arial"/>
-                <a:sym typeface="Arial"/>
-              </a:defRPr>
-            </a:lvl5pPr>
-            <a:lvl6pPr marR="0" lvl="5" algn="l" rtl="0">
-              <a:lnSpc>
-                <a:spcPct val="100000"/>
-              </a:lnSpc>
-              <a:spcBef>
-                <a:spcPts val="0"/>
-              </a:spcBef>
-              <a:spcAft>
-                <a:spcPts val="0"/>
-              </a:spcAft>
-              <a:buClr>
-                <a:srgbClr val="000000"/>
-              </a:buClr>
-              <a:buFont typeface="Arial"/>
-              <a:defRPr sz="1400" b="0" i="0" u="none" strike="noStrike" cap="none">
-                <a:solidFill>
-                  <a:srgbClr val="000000"/>
-                </a:solidFill>
-                <a:latin typeface="Arial"/>
-                <a:ea typeface="Arial"/>
-                <a:cs typeface="Arial"/>
-                <a:sym typeface="Arial"/>
-              </a:defRPr>
-            </a:lvl6pPr>
-            <a:lvl7pPr marR="0" lvl="6" algn="l" rtl="0">
-              <a:lnSpc>
-                <a:spcPct val="100000"/>
-              </a:lnSpc>
-              <a:spcBef>
-                <a:spcPts val="0"/>
-              </a:spcBef>
-              <a:spcAft>
-                <a:spcPts val="0"/>
-              </a:spcAft>
-              <a:buClr>
-                <a:srgbClr val="000000"/>
-              </a:buClr>
-              <a:buFont typeface="Arial"/>
-              <a:defRPr sz="1400" b="0" i="0" u="none" strike="noStrike" cap="none">
-                <a:solidFill>
-                  <a:srgbClr val="000000"/>
-                </a:solidFill>
-                <a:latin typeface="Arial"/>
-                <a:ea typeface="Arial"/>
-                <a:cs typeface="Arial"/>
-                <a:sym typeface="Arial"/>
-              </a:defRPr>
-            </a:lvl7pPr>
-            <a:lvl8pPr marR="0" lvl="7" algn="l" rtl="0">
-              <a:lnSpc>
-                <a:spcPct val="100000"/>
-              </a:lnSpc>
-              <a:spcBef>
-                <a:spcPts val="0"/>
-              </a:spcBef>
-              <a:spcAft>
-                <a:spcPts val="0"/>
-              </a:spcAft>
-              <a:buClr>
-                <a:srgbClr val="000000"/>
-              </a:buClr>
-              <a:buFont typeface="Arial"/>
-              <a:defRPr sz="1400" b="0" i="0" u="none" strike="noStrike" cap="none">
-                <a:solidFill>
-                  <a:srgbClr val="000000"/>
-                </a:solidFill>
-                <a:latin typeface="Arial"/>
-                <a:ea typeface="Arial"/>
-                <a:cs typeface="Arial"/>
-                <a:sym typeface="Arial"/>
-              </a:defRPr>
-            </a:lvl8pPr>
-            <a:lvl9pPr marR="0" lvl="8" algn="l" rtl="0">
-              <a:lnSpc>
-                <a:spcPct val="100000"/>
-              </a:lnSpc>
-              <a:spcBef>
-                <a:spcPts val="0"/>
-              </a:spcBef>
-              <a:spcAft>
-                <a:spcPts val="0"/>
-              </a:spcAft>
-              <a:buClr>
-                <a:srgbClr val="000000"/>
-              </a:buClr>
-              <a:buFont typeface="Arial"/>
-              <a:defRPr sz="1400" b="0" i="0" u="none" strike="noStrike" cap="none">
-                <a:solidFill>
-                  <a:srgbClr val="000000"/>
-                </a:solidFill>
-                <a:latin typeface="Arial"/>
-                <a:ea typeface="Arial"/>
-                <a:cs typeface="Arial"/>
-                <a:sym typeface="Arial"/>
-              </a:defRPr>
-            </a:lvl9pPr>
-          </a:lstStyle>
-          <a:p>
-            <a:pPr marL="342900" indent="-342900">
-              <a:buFont typeface="Arial" panose="020B0604020202020204" pitchFamily="34" charset="0"/>
-              <a:buChar char="•"/>
-            </a:pPr>
-            <a:r>
-              <a:rPr lang="en-US" sz="2400" dirty="0">
-                <a:solidFill>
-                  <a:schemeClr val="bg1"/>
-                </a:solidFill>
-                <a:latin typeface="+mj-lt"/>
-                <a:ea typeface="+mn-lt"/>
-                <a:cs typeface="+mn-lt"/>
-              </a:rPr>
-              <a:t>AWS SageMaker</a:t>
-            </a:r>
-          </a:p>
-          <a:p>
-            <a:pPr marL="342900" indent="-342900">
-              <a:buFont typeface="Arial" panose="020B0604020202020204" pitchFamily="34" charset="0"/>
-              <a:buChar char="•"/>
-            </a:pPr>
-            <a:r>
-              <a:rPr lang="en-US" sz="2400" dirty="0">
-                <a:solidFill>
-                  <a:schemeClr val="bg1"/>
-                </a:solidFill>
-                <a:latin typeface="+mj-lt"/>
-                <a:ea typeface="+mn-lt"/>
-                <a:cs typeface="+mn-lt"/>
-              </a:rPr>
-              <a:t>AWS S3</a:t>
-            </a:r>
-          </a:p>
-          <a:p>
-            <a:pPr marL="342900" indent="-342900">
-              <a:buFont typeface="Arial" panose="020B0604020202020204" pitchFamily="34" charset="0"/>
-              <a:buChar char="•"/>
-            </a:pPr>
-            <a:r>
-              <a:rPr lang="en-US" sz="2400" dirty="0">
-                <a:solidFill>
-                  <a:schemeClr val="bg1"/>
-                </a:solidFill>
-                <a:latin typeface="+mj-lt"/>
-                <a:ea typeface="+mn-lt"/>
-                <a:cs typeface="+mn-lt"/>
-              </a:rPr>
-              <a:t>Pretrained ResNet50 and InceptionV3 models</a:t>
-            </a:r>
-          </a:p>
-          <a:p>
-            <a:pPr marL="342900" indent="-342900">
-              <a:buFont typeface="Arial" panose="020B0604020202020204" pitchFamily="34" charset="0"/>
-              <a:buChar char="•"/>
-            </a:pPr>
-            <a:r>
-              <a:rPr lang="en-US" sz="2400" dirty="0">
-                <a:solidFill>
-                  <a:schemeClr val="bg1"/>
-                </a:solidFill>
-                <a:latin typeface="+mj-lt"/>
-                <a:ea typeface="+mn-lt"/>
-                <a:cs typeface="+mn-lt"/>
-              </a:rPr>
-              <a:t>SGD with learning rate 0.001</a:t>
-            </a:r>
-          </a:p>
-          <a:p>
-            <a:pPr marL="342900" indent="-342900">
-              <a:buFont typeface="Arial" panose="020B0604020202020204" pitchFamily="34" charset="0"/>
-              <a:buChar char="•"/>
-            </a:pPr>
-            <a:r>
-              <a:rPr lang="en-US" sz="2400" dirty="0">
-                <a:solidFill>
-                  <a:schemeClr val="bg1"/>
-                </a:solidFill>
-                <a:latin typeface="+mj-lt"/>
-                <a:ea typeface="+mn-lt"/>
-                <a:cs typeface="+mn-lt"/>
-              </a:rPr>
-              <a:t>Adam with a learning rate of 0.00003</a:t>
-            </a:r>
-          </a:p>
-          <a:p>
-            <a:pPr marL="342900" indent="-342900">
-              <a:buFont typeface="Arial" panose="020B0604020202020204" pitchFamily="34" charset="0"/>
-              <a:buChar char="•"/>
-            </a:pPr>
-            <a:r>
-              <a:rPr lang="en-US" sz="2400" dirty="0">
-                <a:solidFill>
-                  <a:schemeClr val="bg1"/>
-                </a:solidFill>
-                <a:latin typeface="+mj-lt"/>
-                <a:ea typeface="+mn-lt"/>
-                <a:cs typeface="+mn-lt"/>
-              </a:rPr>
-              <a:t>Cross-entropy loss function</a:t>
-            </a:r>
-          </a:p>
-          <a:p>
-            <a:pPr marL="342900" indent="-342900">
-              <a:buFont typeface="Arial" panose="020B0604020202020204" pitchFamily="34" charset="0"/>
-              <a:buChar char="•"/>
-            </a:pPr>
-            <a:r>
-              <a:rPr lang="en-US" sz="2400" dirty="0">
-                <a:solidFill>
-                  <a:schemeClr val="bg1"/>
-                </a:solidFill>
-                <a:latin typeface="+mj-lt"/>
-                <a:ea typeface="+mn-lt"/>
-                <a:cs typeface="+mn-lt"/>
-              </a:rPr>
-              <a:t>PyTorch</a:t>
-            </a:r>
-          </a:p>
-          <a:p>
-            <a:endParaRPr lang="en-US" dirty="0">
-              <a:latin typeface="+mj-lt"/>
-              <a:ea typeface="+mn-lt"/>
-              <a:cs typeface="+mn-lt"/>
-            </a:endParaRPr>
-          </a:p>
-          <a:p>
-            <a:endParaRPr lang="en-US" dirty="0">
-              <a:latin typeface="+mj-lt"/>
-            </a:endParaRPr>
-          </a:p>
-        </p:txBody>
-      </p:sp>
-      <p:sp>
-        <p:nvSpPr>
-          <p:cNvPr id="14" name="TextBox 13">
-            <a:extLst>
-              <a:ext uri="{FF2B5EF4-FFF2-40B4-BE49-F238E27FC236}">
-                <a16:creationId xmlns:a16="http://schemas.microsoft.com/office/drawing/2014/main" id="{950E4C8F-7C59-4DFB-9739-2296853DC85D}"/>
-              </a:ext>
-            </a:extLst>
-          </p:cNvPr>
-          <p:cNvSpPr txBox="1"/>
-          <p:nvPr/>
-        </p:nvSpPr>
-        <p:spPr>
-          <a:xfrm>
-            <a:off x="838200" y="1321212"/>
-            <a:ext cx="6093724" cy="461665"/>
-          </a:xfrm>
-          <a:prstGeom prst="rect">
-            <a:avLst/>
-          </a:prstGeom>
-          <a:noFill/>
-        </p:spPr>
-        <p:txBody>
-          <a:bodyPr wrap="square">
-            <a:spAutoFit/>
-          </a:bodyPr>
-          <a:lstStyle/>
-          <a:p>
-            <a:r>
-              <a:rPr lang="en-US" sz="2400" dirty="0">
-                <a:solidFill>
-                  <a:schemeClr val="bg1"/>
-                </a:solidFill>
-                <a:latin typeface="+mj-lt"/>
-              </a:rPr>
-              <a:t>Model Training &amp; </a:t>
-            </a:r>
-            <a:r>
-              <a:rPr lang="en-US" sz="2400" dirty="0">
-                <a:solidFill>
-                  <a:schemeClr val="bg1"/>
-                </a:solidFill>
-                <a:latin typeface="+mj-lt"/>
-                <a:ea typeface="+mn-lt"/>
-                <a:cs typeface="+mn-lt"/>
-              </a:rPr>
-              <a:t>development</a:t>
-            </a:r>
-          </a:p>
-        </p:txBody>
-      </p:sp>
-      <p:sp>
-        <p:nvSpPr>
-          <p:cNvPr id="19" name="Google Shape;100;p1">
-            <a:extLst>
-              <a:ext uri="{FF2B5EF4-FFF2-40B4-BE49-F238E27FC236}">
-                <a16:creationId xmlns:a16="http://schemas.microsoft.com/office/drawing/2014/main" id="{1A10E8AE-FC50-4BA1-B11B-903C000509E1}"/>
+                <a16:creationId xmlns:a16="http://schemas.microsoft.com/office/drawing/2014/main" id="{153C7F10-F0B3-4879-8431-878558675B7E}"/>
               </a:ext>
             </a:extLst>
           </p:cNvPr>
@@ -19383,10 +20011,165 @@
           </a:p>
         </p:txBody>
       </p:sp>
+      <p:sp>
+        <p:nvSpPr>
+          <p:cNvPr id="2" name="TextBox 1">
+            <a:extLst>
+              <a:ext uri="{FF2B5EF4-FFF2-40B4-BE49-F238E27FC236}">
+                <a16:creationId xmlns:a16="http://schemas.microsoft.com/office/drawing/2014/main" id="{56623DF3-239E-4190-924C-84285B9CB46C}"/>
+              </a:ext>
+            </a:extLst>
+          </p:cNvPr>
+          <p:cNvSpPr txBox="1"/>
+          <p:nvPr/>
+        </p:nvSpPr>
+        <p:spPr>
+          <a:xfrm>
+            <a:off x="282605" y="1862135"/>
+            <a:ext cx="9545502" cy="1877437"/>
+          </a:xfrm>
+          <a:prstGeom prst="rect">
+            <a:avLst/>
+          </a:prstGeom>
+          <a:noFill/>
+        </p:spPr>
+        <p:txBody>
+          <a:bodyPr wrap="square" rtlCol="0">
+            <a:spAutoFit/>
+          </a:bodyPr>
+          <a:lstStyle/>
+          <a:p>
+            <a:endParaRPr lang="en-US" sz="1600" dirty="0"/>
+          </a:p>
+          <a:p>
+            <a:pPr marL="342900" indent="-342900">
+              <a:buFont typeface="Arial" panose="020B0604020202020204" pitchFamily="34" charset="0"/>
+              <a:buChar char="•"/>
+            </a:pPr>
+            <a:r>
+              <a:rPr lang="en-US" sz="1600" dirty="0">
+                <a:solidFill>
+                  <a:schemeClr val="bg1"/>
+                </a:solidFill>
+                <a:sym typeface="Calibri"/>
+              </a:rPr>
+              <a:t>Image Resizing</a:t>
+            </a:r>
+          </a:p>
+          <a:p>
+            <a:pPr marL="342900" lvl="5" indent="-342900">
+              <a:buFont typeface="+mj-lt"/>
+              <a:buAutoNum type="arabicPeriod"/>
+            </a:pPr>
+            <a:r>
+              <a:rPr lang="en-US" sz="1200" dirty="0">
+                <a:solidFill>
+                  <a:schemeClr val="bg1"/>
+                </a:solidFill>
+                <a:sym typeface="Calibri"/>
+              </a:rPr>
+              <a:t>ResNet50 Model (Resizing Image in 224*224)</a:t>
+            </a:r>
+          </a:p>
+          <a:p>
+            <a:pPr marL="342900" lvl="5" indent="-342900">
+              <a:buFont typeface="+mj-lt"/>
+              <a:buAutoNum type="arabicPeriod"/>
+            </a:pPr>
+            <a:r>
+              <a:rPr lang="en-US" sz="1200" dirty="0">
+                <a:solidFill>
+                  <a:schemeClr val="bg1"/>
+                </a:solidFill>
+                <a:sym typeface="Calibri"/>
+              </a:rPr>
+              <a:t>InceptionV3 Model (Resizing Image in 299*299)</a:t>
+            </a:r>
+          </a:p>
+          <a:p>
+            <a:pPr marL="342900" indent="-342900">
+              <a:buFont typeface="Arial" panose="020B0604020202020204" pitchFamily="34" charset="0"/>
+              <a:buChar char="•"/>
+            </a:pPr>
+            <a:endParaRPr lang="en-US" sz="2000" dirty="0">
+              <a:solidFill>
+                <a:schemeClr val="bg1"/>
+              </a:solidFill>
+              <a:sym typeface="Calibri"/>
+            </a:endParaRPr>
+          </a:p>
+          <a:p>
+            <a:pPr marL="342900" indent="-342900">
+              <a:buFont typeface="Arial" panose="020B0604020202020204" pitchFamily="34" charset="0"/>
+              <a:buChar char="•"/>
+            </a:pPr>
+            <a:r>
+              <a:rPr lang="en-US" sz="1600" dirty="0">
+                <a:solidFill>
+                  <a:schemeClr val="bg1"/>
+                </a:solidFill>
+                <a:sym typeface="Calibri"/>
+              </a:rPr>
+              <a:t>Normalization and Conversion of Images in-to multi-dimensional tensors </a:t>
+            </a:r>
+          </a:p>
+          <a:p>
+            <a:pPr marL="342900" indent="-342900">
+              <a:buFont typeface="Arial" panose="020B0604020202020204" pitchFamily="34" charset="0"/>
+              <a:buChar char="•"/>
+            </a:pPr>
+            <a:endParaRPr lang="en-US" sz="2000" dirty="0">
+              <a:solidFill>
+                <a:schemeClr val="bg1"/>
+              </a:solidFill>
+              <a:sym typeface="Calibri"/>
+            </a:endParaRPr>
+          </a:p>
+        </p:txBody>
+      </p:sp>
+      <p:sp>
+        <p:nvSpPr>
+          <p:cNvPr id="3" name="TextBox 2">
+            <a:extLst>
+              <a:ext uri="{FF2B5EF4-FFF2-40B4-BE49-F238E27FC236}">
+                <a16:creationId xmlns:a16="http://schemas.microsoft.com/office/drawing/2014/main" id="{7D6305A9-9863-47E5-9DFF-398021431229}"/>
+              </a:ext>
+            </a:extLst>
+          </p:cNvPr>
+          <p:cNvSpPr txBox="1"/>
+          <p:nvPr/>
+        </p:nvSpPr>
+        <p:spPr>
+          <a:xfrm>
+            <a:off x="376807" y="1256379"/>
+            <a:ext cx="3179075" cy="461665"/>
+          </a:xfrm>
+          <a:prstGeom prst="rect">
+            <a:avLst/>
+          </a:prstGeom>
+          <a:noFill/>
+        </p:spPr>
+        <p:txBody>
+          <a:bodyPr wrap="none" rtlCol="0">
+            <a:spAutoFit/>
+          </a:bodyPr>
+          <a:lstStyle/>
+          <a:p>
+            <a:r>
+              <a:rPr lang="en-US" sz="2400" b="1" dirty="0">
+                <a:solidFill>
+                  <a:schemeClr val="bg1"/>
+                </a:solidFill>
+              </a:rPr>
+              <a:t>Data Pre-Processing</a:t>
+            </a:r>
+          </a:p>
+        </p:txBody>
+      </p:sp>
     </p:spTree>
     <p:extLst>
       <p:ext uri="{BB962C8B-B14F-4D97-AF65-F5344CB8AC3E}">
-        <p14:creationId xmlns:p14="http://schemas.microsoft.com/office/powerpoint/2010/main" val="1739928928"/>
+        <p14:creationId xmlns:p14="http://schemas.microsoft.com/office/powerpoint/2010/main" val="1999168935"/>
       </p:ext>
     </p:extLst>
   </p:cSld>
@@ -19702,8 +20485,8 @@
         </p:blipFill>
         <p:spPr>
           <a:xfrm>
-            <a:off x="1059114" y="1220572"/>
-            <a:ext cx="9137046" cy="4864089"/>
+            <a:off x="3644178" y="1673347"/>
+            <a:ext cx="8226578" cy="4379403"/>
           </a:xfrm>
           <a:prstGeom prst="rect">
             <a:avLst/>
@@ -19756,6 +20539,272 @@
           </a:p>
         </p:txBody>
       </p:sp>
+      <p:sp>
+        <p:nvSpPr>
+          <p:cNvPr id="2" name="TextBox 1">
+            <a:extLst>
+              <a:ext uri="{FF2B5EF4-FFF2-40B4-BE49-F238E27FC236}">
+                <a16:creationId xmlns:a16="http://schemas.microsoft.com/office/drawing/2014/main" id="{56623DF3-239E-4190-924C-84285B9CB46C}"/>
+              </a:ext>
+            </a:extLst>
+          </p:cNvPr>
+          <p:cNvSpPr txBox="1"/>
+          <p:nvPr/>
+        </p:nvSpPr>
+        <p:spPr>
+          <a:xfrm>
+            <a:off x="282605" y="1862135"/>
+            <a:ext cx="3040330" cy="3108543"/>
+          </a:xfrm>
+          <a:prstGeom prst="rect">
+            <a:avLst/>
+          </a:prstGeom>
+          <a:noFill/>
+        </p:spPr>
+        <p:txBody>
+          <a:bodyPr wrap="square" rtlCol="0">
+            <a:spAutoFit/>
+          </a:bodyPr>
+          <a:lstStyle/>
+          <a:p>
+            <a:endParaRPr lang="en-US" dirty="0"/>
+          </a:p>
+          <a:p>
+            <a:pPr marL="342900" indent="-342900">
+              <a:buFont typeface="Arial" panose="020B0604020202020204" pitchFamily="34" charset="0"/>
+              <a:buChar char="•"/>
+            </a:pPr>
+            <a:r>
+              <a:rPr lang="en-US" dirty="0">
+                <a:solidFill>
+                  <a:schemeClr val="bg1"/>
+                </a:solidFill>
+                <a:sym typeface="Calibri"/>
+              </a:rPr>
+              <a:t>Client Application (Angular.js)</a:t>
+            </a:r>
+          </a:p>
+          <a:p>
+            <a:pPr marL="342900" indent="-342900">
+              <a:buFont typeface="Arial" panose="020B0604020202020204" pitchFamily="34" charset="0"/>
+              <a:buChar char="•"/>
+            </a:pPr>
+            <a:endParaRPr lang="en-US" dirty="0">
+              <a:solidFill>
+                <a:schemeClr val="bg1"/>
+              </a:solidFill>
+              <a:sym typeface="Calibri"/>
+            </a:endParaRPr>
+          </a:p>
+          <a:p>
+            <a:pPr marL="342900" indent="-342900">
+              <a:buFont typeface="Arial" panose="020B0604020202020204" pitchFamily="34" charset="0"/>
+              <a:buChar char="•"/>
+            </a:pPr>
+            <a:r>
+              <a:rPr lang="en-US" dirty="0">
+                <a:solidFill>
+                  <a:schemeClr val="bg1"/>
+                </a:solidFill>
+                <a:sym typeface="Calibri"/>
+              </a:rPr>
+              <a:t>Amazon API Gateway</a:t>
+            </a:r>
+          </a:p>
+          <a:p>
+            <a:pPr marL="342900" indent="-342900">
+              <a:buFont typeface="Arial" panose="020B0604020202020204" pitchFamily="34" charset="0"/>
+              <a:buChar char="•"/>
+            </a:pPr>
+            <a:endParaRPr lang="en-US" dirty="0">
+              <a:solidFill>
+                <a:schemeClr val="bg1"/>
+              </a:solidFill>
+              <a:sym typeface="Calibri"/>
+            </a:endParaRPr>
+          </a:p>
+          <a:p>
+            <a:pPr marL="342900" indent="-342900">
+              <a:buFont typeface="Arial" panose="020B0604020202020204" pitchFamily="34" charset="0"/>
+              <a:buChar char="•"/>
+            </a:pPr>
+            <a:r>
+              <a:rPr lang="en-US" dirty="0">
+                <a:solidFill>
+                  <a:schemeClr val="bg1"/>
+                </a:solidFill>
+                <a:sym typeface="Calibri"/>
+              </a:rPr>
+              <a:t>AWS Lambda</a:t>
+            </a:r>
+          </a:p>
+          <a:p>
+            <a:pPr marL="342900" indent="-342900">
+              <a:buFont typeface="Arial" panose="020B0604020202020204" pitchFamily="34" charset="0"/>
+              <a:buChar char="•"/>
+            </a:pPr>
+            <a:endParaRPr lang="en-US" dirty="0">
+              <a:solidFill>
+                <a:schemeClr val="bg1"/>
+              </a:solidFill>
+              <a:sym typeface="Calibri"/>
+            </a:endParaRPr>
+          </a:p>
+          <a:p>
+            <a:pPr marL="342900" indent="-342900">
+              <a:buFont typeface="Arial" panose="020B0604020202020204" pitchFamily="34" charset="0"/>
+              <a:buChar char="•"/>
+            </a:pPr>
+            <a:r>
+              <a:rPr lang="en-US" dirty="0">
+                <a:solidFill>
+                  <a:schemeClr val="bg1"/>
+                </a:solidFill>
+                <a:sym typeface="Calibri"/>
+              </a:rPr>
+              <a:t>AWS </a:t>
+            </a:r>
+            <a:r>
+              <a:rPr lang="en-US" dirty="0" err="1">
+                <a:solidFill>
+                  <a:schemeClr val="bg1"/>
+                </a:solidFill>
+                <a:sym typeface="Calibri"/>
+              </a:rPr>
+              <a:t>Sagemaker</a:t>
+            </a:r>
+            <a:endParaRPr lang="en-US" dirty="0">
+              <a:solidFill>
+                <a:schemeClr val="bg1"/>
+              </a:solidFill>
+              <a:sym typeface="Calibri"/>
+            </a:endParaRPr>
+          </a:p>
+          <a:p>
+            <a:pPr marL="342900" indent="-342900">
+              <a:buFont typeface="Arial" panose="020B0604020202020204" pitchFamily="34" charset="0"/>
+              <a:buChar char="•"/>
+            </a:pPr>
+            <a:endParaRPr lang="en-US" dirty="0">
+              <a:solidFill>
+                <a:schemeClr val="bg1"/>
+              </a:solidFill>
+              <a:sym typeface="Calibri"/>
+            </a:endParaRPr>
+          </a:p>
+          <a:p>
+            <a:pPr marL="342900" indent="-342900">
+              <a:buFont typeface="Arial" panose="020B0604020202020204" pitchFamily="34" charset="0"/>
+              <a:buChar char="•"/>
+            </a:pPr>
+            <a:r>
+              <a:rPr lang="en-US" dirty="0">
+                <a:solidFill>
+                  <a:schemeClr val="bg1"/>
+                </a:solidFill>
+                <a:sym typeface="Calibri"/>
+              </a:rPr>
+              <a:t>Amazon S3</a:t>
+            </a:r>
+          </a:p>
+          <a:p>
+            <a:pPr marL="342900" indent="-342900">
+              <a:buFont typeface="Arial" panose="020B0604020202020204" pitchFamily="34" charset="0"/>
+              <a:buChar char="•"/>
+            </a:pPr>
+            <a:endParaRPr lang="en-US" dirty="0">
+              <a:solidFill>
+                <a:schemeClr val="bg1"/>
+              </a:solidFill>
+              <a:sym typeface="Calibri"/>
+            </a:endParaRPr>
+          </a:p>
+          <a:p>
+            <a:pPr marL="342900" indent="-342900">
+              <a:buFont typeface="Arial" panose="020B0604020202020204" pitchFamily="34" charset="0"/>
+              <a:buChar char="•"/>
+            </a:pPr>
+            <a:r>
+              <a:rPr lang="en-US" dirty="0">
+                <a:solidFill>
+                  <a:schemeClr val="bg1"/>
+                </a:solidFill>
+                <a:sym typeface="Calibri"/>
+              </a:rPr>
+              <a:t>Trained Models</a:t>
+            </a:r>
+          </a:p>
+          <a:p>
+            <a:pPr marL="342900" indent="-342900">
+              <a:buFont typeface="+mj-lt"/>
+              <a:buAutoNum type="arabicPeriod"/>
+            </a:pPr>
+            <a:r>
+              <a:rPr lang="en-US" sz="1200" dirty="0">
+                <a:solidFill>
+                  <a:schemeClr val="bg1"/>
+                </a:solidFill>
+                <a:sym typeface="Calibri"/>
+              </a:rPr>
+              <a:t>InceptionV3</a:t>
+            </a:r>
+          </a:p>
+          <a:p>
+            <a:pPr marL="342900" indent="-342900">
+              <a:buFont typeface="+mj-lt"/>
+              <a:buAutoNum type="arabicPeriod"/>
+            </a:pPr>
+            <a:r>
+              <a:rPr lang="en-US" sz="1200" dirty="0">
+                <a:solidFill>
+                  <a:schemeClr val="bg1"/>
+                </a:solidFill>
+                <a:sym typeface="Calibri"/>
+              </a:rPr>
+              <a:t>ResNet50</a:t>
+            </a:r>
+          </a:p>
+        </p:txBody>
+      </p:sp>
+      <p:sp>
+        <p:nvSpPr>
+          <p:cNvPr id="3" name="TextBox 2">
+            <a:extLst>
+              <a:ext uri="{FF2B5EF4-FFF2-40B4-BE49-F238E27FC236}">
+                <a16:creationId xmlns:a16="http://schemas.microsoft.com/office/drawing/2014/main" id="{7D6305A9-9863-47E5-9DFF-398021431229}"/>
+              </a:ext>
+            </a:extLst>
+          </p:cNvPr>
+          <p:cNvSpPr txBox="1"/>
+          <p:nvPr/>
+        </p:nvSpPr>
+        <p:spPr>
+          <a:xfrm>
+            <a:off x="562186" y="1166563"/>
+            <a:ext cx="4956806" cy="461665"/>
+          </a:xfrm>
+          <a:prstGeom prst="rect">
+            <a:avLst/>
+          </a:prstGeom>
+          <a:noFill/>
+        </p:spPr>
+        <p:txBody>
+          <a:bodyPr wrap="none" rtlCol="0">
+            <a:spAutoFit/>
+          </a:bodyPr>
+          <a:lstStyle/>
+          <a:p>
+            <a:r>
+              <a:rPr lang="en-US" sz="2400" b="1" dirty="0">
+                <a:solidFill>
+                  <a:schemeClr val="bg1"/>
+                </a:solidFill>
+              </a:rPr>
+              <a:t>High Level Architecture Diagram</a:t>
+            </a:r>
+          </a:p>
+        </p:txBody>
+      </p:sp>
     </p:spTree>
     <p:extLst>
       <p:ext uri="{BB962C8B-B14F-4D97-AF65-F5344CB8AC3E}">
@@ -19770,6 +20819,916 @@
 </file>
 
 <file path=ppt/slides/slide7.xml><?xml version="1.0" encoding="utf-8"?>
+<p:sld xmlns:a="http://schemas.openxmlformats.org/drawingml/2006/main" xmlns:r="http://schemas.openxmlformats.org/officeDocument/2006/relationships" xmlns:p="http://schemas.openxmlformats.org/presentationml/2006/main">
+  <p:cSld>
+    <p:spTree>
+      <p:nvGrpSpPr>
+        <p:cNvPr id="1" name=""/>
+        <p:cNvGrpSpPr/>
+        <p:nvPr/>
+      </p:nvGrpSpPr>
+      <p:grpSpPr>
+        <a:xfrm>
+          <a:off x="0" y="0"/>
+          <a:ext cx="0" cy="0"/>
+          <a:chOff x="0" y="0"/>
+          <a:chExt cx="0" cy="0"/>
+        </a:xfrm>
+      </p:grpSpPr>
+      <p:pic>
+        <p:nvPicPr>
+          <p:cNvPr id="11" name="Picture 10" descr="A picture containing building, street&#10;&#10;Description automatically generated">
+            <a:extLst>
+              <a:ext uri="{FF2B5EF4-FFF2-40B4-BE49-F238E27FC236}">
+                <a16:creationId xmlns:a16="http://schemas.microsoft.com/office/drawing/2014/main" id="{D907FF7A-4780-B34F-8508-762623E24EF6}"/>
+              </a:ext>
+            </a:extLst>
+          </p:cNvPr>
+          <p:cNvPicPr>
+            <a:picLocks noChangeAspect="1"/>
+          </p:cNvPicPr>
+          <p:nvPr/>
+        </p:nvPicPr>
+        <p:blipFill>
+          <a:blip r:embed="rId2">
+            <a:alphaModFix amt="25000"/>
+          </a:blip>
+          <a:stretch>
+            <a:fillRect/>
+          </a:stretch>
+        </p:blipFill>
+        <p:spPr>
+          <a:xfrm>
+            <a:off x="-2" y="16331"/>
+            <a:ext cx="12192000" cy="6858000"/>
+          </a:xfrm>
+          <a:prstGeom prst="rect">
+            <a:avLst/>
+          </a:prstGeom>
+          <a:effectLst>
+            <a:glow rad="25625">
+              <a:schemeClr val="accent1">
+                <a:alpha val="87000"/>
+              </a:schemeClr>
+            </a:glow>
+          </a:effectLst>
+        </p:spPr>
+      </p:pic>
+      <p:pic>
+        <p:nvPicPr>
+          <p:cNvPr id="10" name="Picture 9" descr="A picture containing building, street&#10;&#10;Description automatically generated">
+            <a:extLst>
+              <a:ext uri="{FF2B5EF4-FFF2-40B4-BE49-F238E27FC236}">
+                <a16:creationId xmlns:a16="http://schemas.microsoft.com/office/drawing/2014/main" id="{536DA9B3-9D0F-5742-97A2-5CB36A119DC3}"/>
+              </a:ext>
+            </a:extLst>
+          </p:cNvPr>
+          <p:cNvPicPr>
+            <a:picLocks noChangeAspect="1"/>
+          </p:cNvPicPr>
+          <p:nvPr/>
+        </p:nvPicPr>
+        <p:blipFill>
+          <a:blip r:embed="rId2">
+            <a:alphaModFix amt="25000"/>
+          </a:blip>
+          <a:stretch>
+            <a:fillRect/>
+          </a:stretch>
+        </p:blipFill>
+        <p:spPr>
+          <a:xfrm>
+            <a:off x="-1" y="8165"/>
+            <a:ext cx="12192000" cy="6858000"/>
+          </a:xfrm>
+          <a:prstGeom prst="rect">
+            <a:avLst/>
+          </a:prstGeom>
+        </p:spPr>
+      </p:pic>
+      <p:sp>
+        <p:nvSpPr>
+          <p:cNvPr id="18" name="Google Shape;145;p7">
+            <a:extLst>
+              <a:ext uri="{FF2B5EF4-FFF2-40B4-BE49-F238E27FC236}">
+                <a16:creationId xmlns:a16="http://schemas.microsoft.com/office/drawing/2014/main" id="{37E7B2F9-4530-7540-9A7D-25FE9B6FF02F}"/>
+              </a:ext>
+            </a:extLst>
+          </p:cNvPr>
+          <p:cNvSpPr/>
+          <p:nvPr/>
+        </p:nvSpPr>
+        <p:spPr>
+          <a:xfrm rot="10800000" flipH="1">
+            <a:off x="0" y="6437013"/>
+            <a:ext cx="12192000" cy="420987"/>
+          </a:xfrm>
+          <a:prstGeom prst="rect">
+            <a:avLst/>
+          </a:prstGeom>
+          <a:solidFill>
+            <a:srgbClr val="13294B"/>
+          </a:solidFill>
+          <a:ln>
+            <a:noFill/>
+          </a:ln>
+        </p:spPr>
+        <p:txBody>
+          <a:bodyPr spcFirstLastPara="1" wrap="square" lIns="91425" tIns="45700" rIns="91425" bIns="45700" anchor="ctr" anchorCtr="0">
+            <a:noAutofit/>
+          </a:bodyPr>
+          <a:lstStyle/>
+          <a:p>
+            <a:pPr marL="0" marR="0" lvl="0" indent="0" algn="ctr" rtl="0">
+              <a:lnSpc>
+                <a:spcPct val="100000"/>
+              </a:lnSpc>
+              <a:spcBef>
+                <a:spcPts val="0"/>
+              </a:spcBef>
+              <a:spcAft>
+                <a:spcPts val="0"/>
+              </a:spcAft>
+              <a:buClr>
+                <a:schemeClr val="lt1"/>
+              </a:buClr>
+              <a:buSzPts val="1800"/>
+              <a:buFont typeface="Calibri"/>
+              <a:buNone/>
+            </a:pPr>
+            <a:endParaRPr sz="1800" b="0" i="0" u="none" strike="noStrike" cap="none" dirty="0">
+              <a:solidFill>
+                <a:srgbClr val="13294B"/>
+              </a:solidFill>
+              <a:latin typeface="Calibri"/>
+              <a:ea typeface="Calibri"/>
+              <a:cs typeface="Calibri"/>
+              <a:sym typeface="Calibri"/>
+            </a:endParaRPr>
+          </a:p>
+        </p:txBody>
+      </p:sp>
+      <p:sp>
+        <p:nvSpPr>
+          <p:cNvPr id="17" name="Google Shape;145;p7">
+            <a:extLst>
+              <a:ext uri="{FF2B5EF4-FFF2-40B4-BE49-F238E27FC236}">
+                <a16:creationId xmlns:a16="http://schemas.microsoft.com/office/drawing/2014/main" id="{75FA8318-9B15-7F47-850F-EEEFE73BE161}"/>
+              </a:ext>
+            </a:extLst>
+          </p:cNvPr>
+          <p:cNvSpPr/>
+          <p:nvPr/>
+        </p:nvSpPr>
+        <p:spPr>
+          <a:xfrm rot="10800000" flipH="1">
+            <a:off x="0" y="0"/>
+            <a:ext cx="12192000" cy="868220"/>
+          </a:xfrm>
+          <a:prstGeom prst="rect">
+            <a:avLst/>
+          </a:prstGeom>
+          <a:solidFill>
+            <a:srgbClr val="13294B"/>
+          </a:solidFill>
+          <a:ln>
+            <a:noFill/>
+          </a:ln>
+        </p:spPr>
+        <p:txBody>
+          <a:bodyPr spcFirstLastPara="1" wrap="square" lIns="91425" tIns="45700" rIns="91425" bIns="45700" anchor="ctr" anchorCtr="0">
+            <a:noAutofit/>
+          </a:bodyPr>
+          <a:lstStyle/>
+          <a:p>
+            <a:pPr marL="0" marR="0" lvl="0" indent="0" algn="ctr" rtl="0">
+              <a:lnSpc>
+                <a:spcPct val="100000"/>
+              </a:lnSpc>
+              <a:spcBef>
+                <a:spcPts val="0"/>
+              </a:spcBef>
+              <a:spcAft>
+                <a:spcPts val="0"/>
+              </a:spcAft>
+              <a:buClr>
+                <a:schemeClr val="lt1"/>
+              </a:buClr>
+              <a:buSzPts val="1800"/>
+              <a:buFont typeface="Calibri"/>
+              <a:buNone/>
+            </a:pPr>
+            <a:endParaRPr sz="1800" b="0" i="0" u="none" strike="noStrike" cap="none">
+              <a:solidFill>
+                <a:srgbClr val="13294B"/>
+              </a:solidFill>
+              <a:latin typeface="Calibri"/>
+              <a:ea typeface="Calibri"/>
+              <a:cs typeface="Calibri"/>
+              <a:sym typeface="Calibri"/>
+            </a:endParaRPr>
+          </a:p>
+        </p:txBody>
+      </p:sp>
+      <p:pic>
+        <p:nvPicPr>
+          <p:cNvPr id="15" name="Picture 14" descr="A close up of a logo&#10;&#10;Description automatically generated">
+            <a:extLst>
+              <a:ext uri="{FF2B5EF4-FFF2-40B4-BE49-F238E27FC236}">
+                <a16:creationId xmlns:a16="http://schemas.microsoft.com/office/drawing/2014/main" id="{A9194208-BB88-DA45-8C43-B250F5F37BE3}"/>
+              </a:ext>
+            </a:extLst>
+          </p:cNvPr>
+          <p:cNvPicPr>
+            <a:picLocks noChangeAspect="1"/>
+          </p:cNvPicPr>
+          <p:nvPr/>
+        </p:nvPicPr>
+        <p:blipFill>
+          <a:blip r:embed="rId3"/>
+          <a:stretch>
+            <a:fillRect/>
+          </a:stretch>
+        </p:blipFill>
+        <p:spPr>
+          <a:xfrm>
+            <a:off x="11554210" y="228014"/>
+            <a:ext cx="277906" cy="401420"/>
+          </a:xfrm>
+          <a:prstGeom prst="rect">
+            <a:avLst/>
+          </a:prstGeom>
+        </p:spPr>
+      </p:pic>
+      <p:sp>
+        <p:nvSpPr>
+          <p:cNvPr id="16" name="Google Shape;100;p1">
+            <a:extLst>
+              <a:ext uri="{FF2B5EF4-FFF2-40B4-BE49-F238E27FC236}">
+                <a16:creationId xmlns:a16="http://schemas.microsoft.com/office/drawing/2014/main" id="{226FBA8E-8ED2-0F48-B1E6-A03B9736B136}"/>
+              </a:ext>
+            </a:extLst>
+          </p:cNvPr>
+          <p:cNvSpPr txBox="1"/>
+          <p:nvPr/>
+        </p:nvSpPr>
+        <p:spPr>
+          <a:xfrm>
+            <a:off x="155429" y="165158"/>
+            <a:ext cx="10910026" cy="461624"/>
+          </a:xfrm>
+          <a:prstGeom prst="rect">
+            <a:avLst/>
+          </a:prstGeom>
+          <a:noFill/>
+          <a:ln>
+            <a:noFill/>
+          </a:ln>
+        </p:spPr>
+        <p:txBody>
+          <a:bodyPr spcFirstLastPara="1" wrap="square" lIns="91425" tIns="45700" rIns="91425" bIns="45700" anchor="t" anchorCtr="0">
+            <a:spAutoFit/>
+          </a:bodyPr>
+          <a:lstStyle/>
+          <a:p>
+            <a:r>
+              <a:rPr lang="en-US" sz="2400" dirty="0">
+                <a:solidFill>
+                  <a:schemeClr val="bg1"/>
+                </a:solidFill>
+              </a:rPr>
+              <a:t>Methods and Approaches</a:t>
+            </a:r>
+          </a:p>
+        </p:txBody>
+      </p:sp>
+      <p:sp>
+        <p:nvSpPr>
+          <p:cNvPr id="9" name="Content Placeholder 3">
+            <a:extLst>
+              <a:ext uri="{FF2B5EF4-FFF2-40B4-BE49-F238E27FC236}">
+                <a16:creationId xmlns:a16="http://schemas.microsoft.com/office/drawing/2014/main" id="{CA4A35E5-93C1-4A05-9BE6-FF454E63436F}"/>
+              </a:ext>
+            </a:extLst>
+          </p:cNvPr>
+          <p:cNvSpPr txBox="1">
+            <a:spLocks/>
+          </p:cNvSpPr>
+          <p:nvPr/>
+        </p:nvSpPr>
+        <p:spPr>
+          <a:xfrm>
+            <a:off x="716280" y="1991199"/>
+            <a:ext cx="10515600" cy="3761991"/>
+          </a:xfrm>
+          <a:prstGeom prst="rect">
+            <a:avLst/>
+          </a:prstGeom>
+        </p:spPr>
+        <p:txBody>
+          <a:bodyPr>
+            <a:normAutofit/>
+          </a:bodyPr>
+          <a:lstStyle>
+            <a:defPPr marR="0" lvl="0" algn="l" rtl="0">
+              <a:lnSpc>
+                <a:spcPct val="100000"/>
+              </a:lnSpc>
+              <a:spcBef>
+                <a:spcPts val="0"/>
+              </a:spcBef>
+              <a:spcAft>
+                <a:spcPts val="0"/>
+              </a:spcAft>
+            </a:defPPr>
+            <a:lvl1pPr marR="0" lvl="0" algn="l" rtl="0">
+              <a:lnSpc>
+                <a:spcPct val="100000"/>
+              </a:lnSpc>
+              <a:spcBef>
+                <a:spcPts val="0"/>
+              </a:spcBef>
+              <a:spcAft>
+                <a:spcPts val="0"/>
+              </a:spcAft>
+              <a:buClr>
+                <a:srgbClr val="000000"/>
+              </a:buClr>
+              <a:buFont typeface="Arial"/>
+              <a:defRPr sz="1400" b="0" i="0" u="none" strike="noStrike" cap="none">
+                <a:solidFill>
+                  <a:srgbClr val="000000"/>
+                </a:solidFill>
+                <a:latin typeface="Arial"/>
+                <a:ea typeface="Arial"/>
+                <a:cs typeface="Arial"/>
+                <a:sym typeface="Arial"/>
+              </a:defRPr>
+            </a:lvl1pPr>
+            <a:lvl2pPr marR="0" lvl="1" algn="l" rtl="0">
+              <a:lnSpc>
+                <a:spcPct val="100000"/>
+              </a:lnSpc>
+              <a:spcBef>
+                <a:spcPts val="0"/>
+              </a:spcBef>
+              <a:spcAft>
+                <a:spcPts val="0"/>
+              </a:spcAft>
+              <a:buClr>
+                <a:srgbClr val="000000"/>
+              </a:buClr>
+              <a:buFont typeface="Arial"/>
+              <a:defRPr sz="1400" b="0" i="0" u="none" strike="noStrike" cap="none">
+                <a:solidFill>
+                  <a:srgbClr val="000000"/>
+                </a:solidFill>
+                <a:latin typeface="Arial"/>
+                <a:ea typeface="Arial"/>
+                <a:cs typeface="Arial"/>
+                <a:sym typeface="Arial"/>
+              </a:defRPr>
+            </a:lvl2pPr>
+            <a:lvl3pPr marR="0" lvl="2" algn="l" rtl="0">
+              <a:lnSpc>
+                <a:spcPct val="100000"/>
+              </a:lnSpc>
+              <a:spcBef>
+                <a:spcPts val="0"/>
+              </a:spcBef>
+              <a:spcAft>
+                <a:spcPts val="0"/>
+              </a:spcAft>
+              <a:buClr>
+                <a:srgbClr val="000000"/>
+              </a:buClr>
+              <a:buFont typeface="Arial"/>
+              <a:defRPr sz="1400" b="0" i="0" u="none" strike="noStrike" cap="none">
+                <a:solidFill>
+                  <a:srgbClr val="000000"/>
+                </a:solidFill>
+                <a:latin typeface="Arial"/>
+                <a:ea typeface="Arial"/>
+                <a:cs typeface="Arial"/>
+                <a:sym typeface="Arial"/>
+              </a:defRPr>
+            </a:lvl3pPr>
+            <a:lvl4pPr marR="0" lvl="3" algn="l" rtl="0">
+              <a:lnSpc>
+                <a:spcPct val="100000"/>
+              </a:lnSpc>
+              <a:spcBef>
+                <a:spcPts val="0"/>
+              </a:spcBef>
+              <a:spcAft>
+                <a:spcPts val="0"/>
+              </a:spcAft>
+              <a:buClr>
+                <a:srgbClr val="000000"/>
+              </a:buClr>
+              <a:buFont typeface="Arial"/>
+              <a:defRPr sz="1400" b="0" i="0" u="none" strike="noStrike" cap="none">
+                <a:solidFill>
+                  <a:srgbClr val="000000"/>
+                </a:solidFill>
+                <a:latin typeface="Arial"/>
+                <a:ea typeface="Arial"/>
+                <a:cs typeface="Arial"/>
+                <a:sym typeface="Arial"/>
+              </a:defRPr>
+            </a:lvl4pPr>
+            <a:lvl5pPr marR="0" lvl="4" algn="l" rtl="0">
+              <a:lnSpc>
+                <a:spcPct val="100000"/>
+              </a:lnSpc>
+              <a:spcBef>
+                <a:spcPts val="0"/>
+              </a:spcBef>
+              <a:spcAft>
+                <a:spcPts val="0"/>
+              </a:spcAft>
+              <a:buClr>
+                <a:srgbClr val="000000"/>
+              </a:buClr>
+              <a:buFont typeface="Arial"/>
+              <a:defRPr sz="1400" b="0" i="0" u="none" strike="noStrike" cap="none">
+                <a:solidFill>
+                  <a:srgbClr val="000000"/>
+                </a:solidFill>
+                <a:latin typeface="Arial"/>
+                <a:ea typeface="Arial"/>
+                <a:cs typeface="Arial"/>
+                <a:sym typeface="Arial"/>
+              </a:defRPr>
+            </a:lvl5pPr>
+            <a:lvl6pPr marR="0" lvl="5" algn="l" rtl="0">
+              <a:lnSpc>
+                <a:spcPct val="100000"/>
+              </a:lnSpc>
+              <a:spcBef>
+                <a:spcPts val="0"/>
+              </a:spcBef>
+              <a:spcAft>
+                <a:spcPts val="0"/>
+              </a:spcAft>
+              <a:buClr>
+                <a:srgbClr val="000000"/>
+              </a:buClr>
+              <a:buFont typeface="Arial"/>
+              <a:defRPr sz="1400" b="0" i="0" u="none" strike="noStrike" cap="none">
+                <a:solidFill>
+                  <a:srgbClr val="000000"/>
+                </a:solidFill>
+                <a:latin typeface="Arial"/>
+                <a:ea typeface="Arial"/>
+                <a:cs typeface="Arial"/>
+                <a:sym typeface="Arial"/>
+              </a:defRPr>
+            </a:lvl6pPr>
+            <a:lvl7pPr marR="0" lvl="6" algn="l" rtl="0">
+              <a:lnSpc>
+                <a:spcPct val="100000"/>
+              </a:lnSpc>
+              <a:spcBef>
+                <a:spcPts val="0"/>
+              </a:spcBef>
+              <a:spcAft>
+                <a:spcPts val="0"/>
+              </a:spcAft>
+              <a:buClr>
+                <a:srgbClr val="000000"/>
+              </a:buClr>
+              <a:buFont typeface="Arial"/>
+              <a:defRPr sz="1400" b="0" i="0" u="none" strike="noStrike" cap="none">
+                <a:solidFill>
+                  <a:srgbClr val="000000"/>
+                </a:solidFill>
+                <a:latin typeface="Arial"/>
+                <a:ea typeface="Arial"/>
+                <a:cs typeface="Arial"/>
+                <a:sym typeface="Arial"/>
+              </a:defRPr>
+            </a:lvl7pPr>
+            <a:lvl8pPr marR="0" lvl="7" algn="l" rtl="0">
+              <a:lnSpc>
+                <a:spcPct val="100000"/>
+              </a:lnSpc>
+              <a:spcBef>
+                <a:spcPts val="0"/>
+              </a:spcBef>
+              <a:spcAft>
+                <a:spcPts val="0"/>
+              </a:spcAft>
+              <a:buClr>
+                <a:srgbClr val="000000"/>
+              </a:buClr>
+              <a:buFont typeface="Arial"/>
+              <a:defRPr sz="1400" b="0" i="0" u="none" strike="noStrike" cap="none">
+                <a:solidFill>
+                  <a:srgbClr val="000000"/>
+                </a:solidFill>
+                <a:latin typeface="Arial"/>
+                <a:ea typeface="Arial"/>
+                <a:cs typeface="Arial"/>
+                <a:sym typeface="Arial"/>
+              </a:defRPr>
+            </a:lvl8pPr>
+            <a:lvl9pPr marR="0" lvl="8" algn="l" rtl="0">
+              <a:lnSpc>
+                <a:spcPct val="100000"/>
+              </a:lnSpc>
+              <a:spcBef>
+                <a:spcPts val="0"/>
+              </a:spcBef>
+              <a:spcAft>
+                <a:spcPts val="0"/>
+              </a:spcAft>
+              <a:buClr>
+                <a:srgbClr val="000000"/>
+              </a:buClr>
+              <a:buFont typeface="Arial"/>
+              <a:defRPr sz="1400" b="0" i="0" u="none" strike="noStrike" cap="none">
+                <a:solidFill>
+                  <a:srgbClr val="000000"/>
+                </a:solidFill>
+                <a:latin typeface="Arial"/>
+                <a:ea typeface="Arial"/>
+                <a:cs typeface="Arial"/>
+                <a:sym typeface="Arial"/>
+              </a:defRPr>
+            </a:lvl9pPr>
+          </a:lstStyle>
+          <a:p>
+            <a:pPr marL="342900" indent="-342900">
+              <a:buFont typeface="Arial" panose="020B0604020202020204" pitchFamily="34" charset="0"/>
+              <a:buChar char="•"/>
+            </a:pPr>
+            <a:r>
+              <a:rPr lang="en-US" sz="1400" b="1" dirty="0">
+                <a:solidFill>
+                  <a:schemeClr val="bg1"/>
+                </a:solidFill>
+                <a:sym typeface="Calibri"/>
+              </a:rPr>
+              <a:t>Client Application (Angular.js) </a:t>
+            </a:r>
+            <a:r>
+              <a:rPr lang="en-US" sz="1400" dirty="0">
+                <a:solidFill>
+                  <a:schemeClr val="bg1"/>
+                </a:solidFill>
+                <a:sym typeface="Calibri"/>
+              </a:rPr>
+              <a:t>– Client application helps external user to upload any Chest Xray.</a:t>
+            </a:r>
+          </a:p>
+          <a:p>
+            <a:pPr marL="342900" indent="-342900">
+              <a:buFont typeface="Arial" panose="020B0604020202020204" pitchFamily="34" charset="0"/>
+              <a:buChar char="•"/>
+            </a:pPr>
+            <a:endParaRPr lang="en-US" sz="1400" dirty="0">
+              <a:solidFill>
+                <a:schemeClr val="bg1"/>
+              </a:solidFill>
+              <a:sym typeface="Calibri"/>
+            </a:endParaRPr>
+          </a:p>
+          <a:p>
+            <a:pPr marL="342900" indent="-342900">
+              <a:buFont typeface="Arial" panose="020B0604020202020204" pitchFamily="34" charset="0"/>
+              <a:buChar char="•"/>
+            </a:pPr>
+            <a:r>
+              <a:rPr lang="en-US" sz="1400" b="1" dirty="0">
+                <a:solidFill>
+                  <a:schemeClr val="bg1"/>
+                </a:solidFill>
+                <a:sym typeface="Calibri"/>
+              </a:rPr>
+              <a:t>Amazon API Gateway -  </a:t>
+            </a:r>
+            <a:r>
+              <a:rPr lang="en-US" sz="1400" dirty="0">
+                <a:solidFill>
+                  <a:schemeClr val="bg1"/>
+                </a:solidFill>
+                <a:sym typeface="Calibri"/>
+              </a:rPr>
+              <a:t>Exposes REST API to be consumed by any third-party client application.</a:t>
+            </a:r>
+          </a:p>
+          <a:p>
+            <a:pPr marL="342900" indent="-342900">
+              <a:buFont typeface="Arial" panose="020B0604020202020204" pitchFamily="34" charset="0"/>
+              <a:buChar char="•"/>
+            </a:pPr>
+            <a:endParaRPr lang="en-US" sz="1400" dirty="0">
+              <a:solidFill>
+                <a:schemeClr val="bg1"/>
+              </a:solidFill>
+              <a:sym typeface="Calibri"/>
+            </a:endParaRPr>
+          </a:p>
+          <a:p>
+            <a:pPr marL="342900" indent="-342900">
+              <a:buFont typeface="Arial" panose="020B0604020202020204" pitchFamily="34" charset="0"/>
+              <a:buChar char="•"/>
+            </a:pPr>
+            <a:r>
+              <a:rPr lang="en-US" sz="1400" b="1" dirty="0">
+                <a:solidFill>
+                  <a:schemeClr val="bg1"/>
+                </a:solidFill>
+                <a:sym typeface="Calibri"/>
+              </a:rPr>
+              <a:t>AWS Lambda – </a:t>
+            </a:r>
+            <a:r>
+              <a:rPr lang="en-US" sz="1400" dirty="0">
+                <a:solidFill>
+                  <a:schemeClr val="bg1"/>
+                </a:solidFill>
+                <a:sym typeface="Calibri"/>
+              </a:rPr>
+              <a:t>Together with API Gateway, helps to expose model’s end point to external system.</a:t>
+            </a:r>
+          </a:p>
+          <a:p>
+            <a:pPr marL="342900" indent="-342900">
+              <a:buFont typeface="Arial" panose="020B0604020202020204" pitchFamily="34" charset="0"/>
+              <a:buChar char="•"/>
+            </a:pPr>
+            <a:endParaRPr lang="en-US" sz="1400" dirty="0">
+              <a:solidFill>
+                <a:schemeClr val="bg1"/>
+              </a:solidFill>
+              <a:sym typeface="Calibri"/>
+            </a:endParaRPr>
+          </a:p>
+          <a:p>
+            <a:pPr marL="342900" indent="-342900">
+              <a:buFont typeface="Arial" panose="020B0604020202020204" pitchFamily="34" charset="0"/>
+              <a:buChar char="•"/>
+            </a:pPr>
+            <a:r>
+              <a:rPr lang="en-US" sz="1400" b="1" dirty="0">
+                <a:solidFill>
+                  <a:schemeClr val="bg1"/>
+                </a:solidFill>
+                <a:sym typeface="Calibri"/>
+              </a:rPr>
+              <a:t>Amazon S3 – </a:t>
+            </a:r>
+            <a:r>
+              <a:rPr lang="en-US" sz="1400" dirty="0">
+                <a:solidFill>
+                  <a:schemeClr val="bg1"/>
+                </a:solidFill>
+                <a:sym typeface="Calibri"/>
+              </a:rPr>
+              <a:t>S3 is used to store the dataset (images) needed for training, along with the trained models ready for deployment.</a:t>
+            </a:r>
+          </a:p>
+          <a:p>
+            <a:pPr marL="342900" indent="-342900">
+              <a:buFont typeface="Arial" panose="020B0604020202020204" pitchFamily="34" charset="0"/>
+              <a:buChar char="•"/>
+            </a:pPr>
+            <a:endParaRPr lang="en-US" sz="1400" dirty="0">
+              <a:solidFill>
+                <a:schemeClr val="bg1"/>
+              </a:solidFill>
+              <a:sym typeface="Calibri"/>
+            </a:endParaRPr>
+          </a:p>
+          <a:p>
+            <a:pPr marL="342900" indent="-342900">
+              <a:buFont typeface="Arial" panose="020B0604020202020204" pitchFamily="34" charset="0"/>
+              <a:buChar char="•"/>
+            </a:pPr>
+            <a:r>
+              <a:rPr lang="en-US" sz="1400" b="1" dirty="0">
+                <a:solidFill>
+                  <a:schemeClr val="bg1"/>
+                </a:solidFill>
+                <a:sym typeface="Calibri"/>
+              </a:rPr>
+              <a:t>Amazon </a:t>
+            </a:r>
+            <a:r>
+              <a:rPr lang="en-US" sz="1400" b="1" dirty="0" err="1">
+                <a:solidFill>
+                  <a:schemeClr val="bg1"/>
+                </a:solidFill>
+                <a:sym typeface="Calibri"/>
+              </a:rPr>
+              <a:t>Sagemaker</a:t>
+            </a:r>
+            <a:r>
+              <a:rPr lang="en-US" sz="1400" b="1" dirty="0">
+                <a:solidFill>
+                  <a:schemeClr val="bg1"/>
+                </a:solidFill>
+                <a:sym typeface="Calibri"/>
+              </a:rPr>
+              <a:t> – </a:t>
+            </a:r>
+            <a:r>
+              <a:rPr lang="en-US" sz="1400" dirty="0">
+                <a:solidFill>
+                  <a:schemeClr val="bg1"/>
+                </a:solidFill>
+                <a:sym typeface="Calibri"/>
+              </a:rPr>
+              <a:t>Amazon </a:t>
+            </a:r>
+            <a:r>
+              <a:rPr lang="en-US" dirty="0" err="1">
+                <a:solidFill>
+                  <a:schemeClr val="bg1"/>
+                </a:solidFill>
+                <a:sym typeface="Calibri"/>
+              </a:rPr>
+              <a:t>S</a:t>
+            </a:r>
+            <a:r>
+              <a:rPr lang="en-US" sz="1400" dirty="0" err="1">
+                <a:solidFill>
+                  <a:schemeClr val="bg1"/>
+                </a:solidFill>
+                <a:sym typeface="Calibri"/>
+              </a:rPr>
+              <a:t>agemaker</a:t>
+            </a:r>
+            <a:r>
+              <a:rPr lang="en-US" sz="1400" dirty="0">
+                <a:solidFill>
+                  <a:schemeClr val="bg1"/>
+                </a:solidFill>
+                <a:sym typeface="Calibri"/>
+              </a:rPr>
+              <a:t> is used to prepare, build, train and deploy machine learning models.</a:t>
+            </a:r>
+          </a:p>
+          <a:p>
+            <a:pPr marL="342900" indent="-342900">
+              <a:buFont typeface="Arial" panose="020B0604020202020204" pitchFamily="34" charset="0"/>
+              <a:buChar char="•"/>
+            </a:pPr>
+            <a:endParaRPr lang="en-US" sz="1400" b="1" dirty="0">
+              <a:solidFill>
+                <a:schemeClr val="bg1"/>
+              </a:solidFill>
+              <a:sym typeface="Calibri"/>
+            </a:endParaRPr>
+          </a:p>
+          <a:p>
+            <a:pPr marL="342900" indent="-342900">
+              <a:buFont typeface="Arial" panose="020B0604020202020204" pitchFamily="34" charset="0"/>
+              <a:buChar char="•"/>
+            </a:pPr>
+            <a:r>
+              <a:rPr lang="en-US" sz="1400" b="1" dirty="0">
+                <a:solidFill>
+                  <a:schemeClr val="bg1"/>
+                </a:solidFill>
+                <a:sym typeface="Calibri"/>
+              </a:rPr>
+              <a:t>Trained Models – </a:t>
+            </a:r>
+            <a:r>
+              <a:rPr lang="en-US" sz="1400" dirty="0">
+                <a:solidFill>
+                  <a:schemeClr val="bg1"/>
+                </a:solidFill>
+                <a:sym typeface="Calibri"/>
+              </a:rPr>
+              <a:t>Inception V3 and ResNet50</a:t>
+            </a:r>
+          </a:p>
+          <a:p>
+            <a:endParaRPr lang="en-US" dirty="0">
+              <a:latin typeface="+mj-lt"/>
+              <a:ea typeface="+mn-lt"/>
+              <a:cs typeface="+mn-lt"/>
+            </a:endParaRPr>
+          </a:p>
+          <a:p>
+            <a:endParaRPr lang="en-US" dirty="0">
+              <a:latin typeface="+mj-lt"/>
+            </a:endParaRPr>
+          </a:p>
+        </p:txBody>
+      </p:sp>
+      <p:sp>
+        <p:nvSpPr>
+          <p:cNvPr id="14" name="TextBox 13">
+            <a:extLst>
+              <a:ext uri="{FF2B5EF4-FFF2-40B4-BE49-F238E27FC236}">
+                <a16:creationId xmlns:a16="http://schemas.microsoft.com/office/drawing/2014/main" id="{950E4C8F-7C59-4DFB-9739-2296853DC85D}"/>
+              </a:ext>
+            </a:extLst>
+          </p:cNvPr>
+          <p:cNvSpPr txBox="1"/>
+          <p:nvPr/>
+        </p:nvSpPr>
+        <p:spPr>
+          <a:xfrm>
+            <a:off x="777239" y="1090379"/>
+            <a:ext cx="7831667" cy="461665"/>
+          </a:xfrm>
+          <a:prstGeom prst="rect">
+            <a:avLst/>
+          </a:prstGeom>
+          <a:noFill/>
+        </p:spPr>
+        <p:txBody>
+          <a:bodyPr wrap="square">
+            <a:spAutoFit/>
+          </a:bodyPr>
+          <a:lstStyle/>
+          <a:p>
+            <a:r>
+              <a:rPr lang="en-US" sz="2400" b="1" dirty="0">
+                <a:solidFill>
+                  <a:schemeClr val="bg1"/>
+                </a:solidFill>
+                <a:latin typeface="+mj-lt"/>
+              </a:rPr>
+              <a:t>Model Development Cycle and its Components</a:t>
+            </a:r>
+            <a:endParaRPr lang="en-US" sz="2400" b="1" dirty="0">
+              <a:solidFill>
+                <a:schemeClr val="bg1"/>
+              </a:solidFill>
+              <a:latin typeface="+mj-lt"/>
+              <a:ea typeface="+mn-lt"/>
+              <a:cs typeface="+mn-lt"/>
+            </a:endParaRPr>
+          </a:p>
+        </p:txBody>
+      </p:sp>
+      <p:sp>
+        <p:nvSpPr>
+          <p:cNvPr id="19" name="Google Shape;100;p1">
+            <a:extLst>
+              <a:ext uri="{FF2B5EF4-FFF2-40B4-BE49-F238E27FC236}">
+                <a16:creationId xmlns:a16="http://schemas.microsoft.com/office/drawing/2014/main" id="{1A10E8AE-FC50-4BA1-B11B-903C000509E1}"/>
+              </a:ext>
+            </a:extLst>
+          </p:cNvPr>
+          <p:cNvSpPr txBox="1"/>
+          <p:nvPr/>
+        </p:nvSpPr>
+        <p:spPr>
+          <a:xfrm>
+            <a:off x="376807" y="6524381"/>
+            <a:ext cx="1718323" cy="230792"/>
+          </a:xfrm>
+          <a:prstGeom prst="rect">
+            <a:avLst/>
+          </a:prstGeom>
+          <a:noFill/>
+          <a:ln>
+            <a:noFill/>
+          </a:ln>
+        </p:spPr>
+        <p:txBody>
+          <a:bodyPr spcFirstLastPara="1" wrap="square" lIns="91425" tIns="45700" rIns="91425" bIns="45700" anchor="t" anchorCtr="0">
+            <a:spAutoFit/>
+          </a:bodyPr>
+          <a:lstStyle/>
+          <a:p>
+            <a:pPr lvl="0"/>
+            <a:r>
+              <a:rPr lang="en-US" sz="900" spc="200" dirty="0">
+                <a:solidFill>
+                  <a:schemeClr val="bg1"/>
+                </a:solidFill>
+                <a:ea typeface="Helvetica Neue Light"/>
+                <a:cs typeface="Helvetica Neue Light"/>
+                <a:sym typeface="Helvetica Neue Light"/>
+              </a:rPr>
+              <a:t>CS 598/Team 1233</a:t>
+            </a:r>
+          </a:p>
+        </p:txBody>
+      </p:sp>
+    </p:spTree>
+    <p:extLst>
+      <p:ext uri="{BB962C8B-B14F-4D97-AF65-F5344CB8AC3E}">
+        <p14:creationId xmlns:p14="http://schemas.microsoft.com/office/powerpoint/2010/main" val="1739928928"/>
+      </p:ext>
+    </p:extLst>
+  </p:cSld>
+  <p:clrMapOvr>
+    <a:masterClrMapping/>
+  </p:clrMapOvr>
+</p:sld>
+</file>
+
+<file path=ppt/slides/slide8.xml><?xml version="1.0" encoding="utf-8"?>
 <p:sld xmlns:a="http://schemas.openxmlformats.org/drawingml/2006/main" xmlns:r="http://schemas.openxmlformats.org/officeDocument/2006/relationships" xmlns:p="http://schemas.openxmlformats.org/presentationml/2006/main">
   <p:cSld>
     <p:spTree>
@@ -20075,8 +22034,8 @@
         </p:blipFill>
         <p:spPr>
           <a:xfrm>
-            <a:off x="574023" y="2556892"/>
-            <a:ext cx="10515600" cy="2901682"/>
+            <a:off x="3589029" y="4160304"/>
+            <a:ext cx="7601356" cy="2097523"/>
           </a:xfrm>
           <a:prstGeom prst="rect">
             <a:avLst/>
@@ -20099,8 +22058,8 @@
         </p:nvSpPr>
         <p:spPr>
           <a:xfrm>
-            <a:off x="376807" y="1211585"/>
-            <a:ext cx="4784478" cy="343500"/>
+            <a:off x="458087" y="1239134"/>
+            <a:ext cx="7012900" cy="2921719"/>
           </a:xfrm>
           <a:prstGeom prst="rect">
             <a:avLst/>
@@ -20138,6 +22097,105 @@
               </a:rPr>
               <a:t>ResNet50 Model Architecture</a:t>
             </a:r>
+          </a:p>
+          <a:p>
+            <a:endParaRPr lang="en-US" sz="2400" b="1" dirty="0">
+              <a:solidFill>
+                <a:schemeClr val="bg1"/>
+              </a:solidFill>
+            </a:endParaRPr>
+          </a:p>
+          <a:p>
+            <a:pPr marL="342900" indent="-342900">
+              <a:buFont typeface="Arial" panose="020B0604020202020204" pitchFamily="34" charset="0"/>
+              <a:buChar char="•"/>
+            </a:pPr>
+            <a:r>
+              <a:rPr lang="en-US" sz="1400" dirty="0">
+                <a:solidFill>
+                  <a:schemeClr val="bg1"/>
+                </a:solidFill>
+              </a:rPr>
+              <a:t>50 Layer deep classic neural network</a:t>
+            </a:r>
+          </a:p>
+          <a:p>
+            <a:pPr marL="342900" indent="-342900">
+              <a:buFont typeface="Arial" panose="020B0604020202020204" pitchFamily="34" charset="0"/>
+              <a:buChar char="•"/>
+            </a:pPr>
+            <a:endParaRPr lang="en-US" sz="1400" dirty="0">
+              <a:solidFill>
+                <a:schemeClr val="bg1"/>
+              </a:solidFill>
+            </a:endParaRPr>
+          </a:p>
+          <a:p>
+            <a:pPr marL="342900" indent="-342900">
+              <a:buFont typeface="Arial" panose="020B0604020202020204" pitchFamily="34" charset="0"/>
+              <a:buChar char="•"/>
+            </a:pPr>
+            <a:r>
+              <a:rPr lang="en-US" sz="1400" dirty="0">
+                <a:solidFill>
+                  <a:schemeClr val="bg1"/>
+                </a:solidFill>
+              </a:rPr>
+              <a:t>Resnet50 Model is effective in solving the issue of diminishing gradient.</a:t>
+            </a:r>
+          </a:p>
+          <a:p>
+            <a:pPr marL="342900" indent="-342900">
+              <a:buFont typeface="Arial" panose="020B0604020202020204" pitchFamily="34" charset="0"/>
+              <a:buChar char="•"/>
+            </a:pPr>
+            <a:endParaRPr lang="en-US" sz="1400" b="1" dirty="0">
+              <a:solidFill>
+                <a:schemeClr val="bg1"/>
+              </a:solidFill>
+            </a:endParaRPr>
+          </a:p>
+          <a:p>
+            <a:pPr marL="342900" indent="-342900">
+              <a:buFont typeface="Arial" panose="020B0604020202020204" pitchFamily="34" charset="0"/>
+              <a:buChar char="•"/>
+            </a:pPr>
+            <a:r>
+              <a:rPr lang="en-US" sz="1400" dirty="0">
+                <a:solidFill>
+                  <a:schemeClr val="bg1"/>
+                </a:solidFill>
+              </a:rPr>
+              <a:t>Uses Skip Connection to pass the residuals to next layer and hence enhances the detection of smaller objects. </a:t>
+            </a:r>
+          </a:p>
+          <a:p>
+            <a:endParaRPr lang="en-US" sz="2400" b="1" dirty="0">
+              <a:solidFill>
+                <a:schemeClr val="bg1"/>
+              </a:solidFill>
+            </a:endParaRPr>
+          </a:p>
+          <a:p>
+            <a:endParaRPr lang="en-US" sz="2400" b="1" dirty="0">
+              <a:solidFill>
+                <a:schemeClr val="bg1"/>
+              </a:solidFill>
+            </a:endParaRPr>
+          </a:p>
+          <a:p>
+            <a:endParaRPr lang="en-US" sz="2400" b="1" dirty="0">
+              <a:solidFill>
+                <a:schemeClr val="bg1"/>
+              </a:solidFill>
+            </a:endParaRPr>
+          </a:p>
+          <a:p>
+            <a:endParaRPr lang="en-US" sz="2400" b="1" dirty="0">
+              <a:solidFill>
+                <a:schemeClr val="bg1"/>
+              </a:solidFill>
+            </a:endParaRPr>
           </a:p>
         </p:txBody>
       </p:sp>
@@ -20200,7 +22258,7 @@
 </p:sld>
 </file>
 
-<file path=ppt/slides/slide8.xml><?xml version="1.0" encoding="utf-8"?>
+<file path=ppt/slides/slide9.xml><?xml version="1.0" encoding="utf-8"?>
 <p:sld xmlns:a="http://schemas.openxmlformats.org/drawingml/2006/main" xmlns:r="http://schemas.openxmlformats.org/officeDocument/2006/relationships" xmlns:p="http://schemas.openxmlformats.org/presentationml/2006/main">
   <p:cSld>
     <p:spTree>
@@ -20506,72 +22564,14 @@
         </p:blipFill>
         <p:spPr>
           <a:xfrm>
-            <a:off x="602072" y="2463643"/>
-            <a:ext cx="10684764" cy="2603500"/>
+            <a:off x="4429760" y="4574366"/>
+            <a:ext cx="6857076" cy="1670828"/>
           </a:xfrm>
           <a:prstGeom prst="rect">
             <a:avLst/>
           </a:prstGeom>
         </p:spPr>
       </p:pic>
-      <p:sp>
-        <p:nvSpPr>
-          <p:cNvPr id="19" name="Title 1">
-            <a:extLst>
-              <a:ext uri="{FF2B5EF4-FFF2-40B4-BE49-F238E27FC236}">
-                <a16:creationId xmlns:a16="http://schemas.microsoft.com/office/drawing/2014/main" id="{87E849D0-B2BE-479D-81BE-AF4093DD15C8}"/>
-              </a:ext>
-            </a:extLst>
-          </p:cNvPr>
-          <p:cNvSpPr txBox="1">
-            <a:spLocks/>
-          </p:cNvSpPr>
-          <p:nvPr/>
-        </p:nvSpPr>
-        <p:spPr>
-          <a:xfrm>
-            <a:off x="554658" y="1276127"/>
-            <a:ext cx="6591209" cy="448184"/>
-          </a:xfrm>
-          <a:prstGeom prst="rect">
-            <a:avLst/>
-          </a:prstGeom>
-        </p:spPr>
-        <p:txBody>
-          <a:bodyPr vert="horz" lIns="91440" tIns="45720" rIns="91440" bIns="45720" rtlCol="0" anchor="ctr">
-            <a:noAutofit/>
-          </a:bodyPr>
-          <a:lstStyle>
-            <a:lvl1pPr algn="l" defTabSz="914400" rtl="0" eaLnBrk="1" latinLnBrk="0" hangingPunct="1">
-              <a:lnSpc>
-                <a:spcPct val="90000"/>
-              </a:lnSpc>
-              <a:spcBef>
-                <a:spcPct val="0"/>
-              </a:spcBef>
-              <a:buNone/>
-              <a:defRPr sz="4400" kern="1200">
-                <a:solidFill>
-                  <a:schemeClr val="tx1"/>
-                </a:solidFill>
-                <a:latin typeface="+mj-lt"/>
-                <a:ea typeface="+mj-ea"/>
-                <a:cs typeface="+mj-cs"/>
-              </a:defRPr>
-            </a:lvl1pPr>
-          </a:lstStyle>
-          <a:p>
-            <a:r>
-              <a:rPr lang="en-US" sz="2400" b="1" dirty="0">
-                <a:solidFill>
-                  <a:schemeClr val="bg1"/>
-                </a:solidFill>
-              </a:rPr>
-              <a:t>Inception V3 Model Architecture</a:t>
-            </a:r>
-          </a:p>
-        </p:txBody>
-      </p:sp>
       <p:sp>
         <p:nvSpPr>
           <p:cNvPr id="20" name="Google Shape;100;p1">
@@ -20618,267 +22618,12 @@
           </a:p>
         </p:txBody>
       </p:sp>
-    </p:spTree>
-    <p:extLst>
-      <p:ext uri="{BB962C8B-B14F-4D97-AF65-F5344CB8AC3E}">
-        <p14:creationId xmlns:p14="http://schemas.microsoft.com/office/powerpoint/2010/main" val="851688176"/>
-      </p:ext>
-    </p:extLst>
-  </p:cSld>
-  <p:clrMapOvr>
-    <a:masterClrMapping/>
-  </p:clrMapOvr>
-</p:sld>
-</file>
-
-<file path=ppt/slides/slide9.xml><?xml version="1.0" encoding="utf-8"?>
-<p:sld xmlns:a="http://schemas.openxmlformats.org/drawingml/2006/main" xmlns:r="http://schemas.openxmlformats.org/officeDocument/2006/relationships" xmlns:p="http://schemas.openxmlformats.org/presentationml/2006/main">
-  <p:cSld>
-    <p:spTree>
-      <p:nvGrpSpPr>
-        <p:cNvPr id="1" name=""/>
-        <p:cNvGrpSpPr/>
-        <p:nvPr/>
-      </p:nvGrpSpPr>
-      <p:grpSpPr>
-        <a:xfrm>
-          <a:off x="0" y="0"/>
-          <a:ext cx="0" cy="0"/>
-          <a:chOff x="0" y="0"/>
-          <a:chExt cx="0" cy="0"/>
-        </a:xfrm>
-      </p:grpSpPr>
-      <p:pic>
-        <p:nvPicPr>
-          <p:cNvPr id="8" name="Picture 7" descr="A picture containing building, street&#10;&#10;Description automatically generated">
+      <p:sp>
+        <p:nvSpPr>
+          <p:cNvPr id="12" name="TextBox 11">
             <a:extLst>
               <a:ext uri="{FF2B5EF4-FFF2-40B4-BE49-F238E27FC236}">
-                <a16:creationId xmlns:a16="http://schemas.microsoft.com/office/drawing/2014/main" id="{C4D857D6-D6F6-8F48-8C06-282B2DC15410}"/>
-              </a:ext>
-            </a:extLst>
-          </p:cNvPr>
-          <p:cNvPicPr>
-            <a:picLocks noChangeAspect="1"/>
-          </p:cNvPicPr>
-          <p:nvPr/>
-        </p:nvPicPr>
-        <p:blipFill>
-          <a:blip r:embed="rId2">
-            <a:alphaModFix amt="25000"/>
-          </a:blip>
-          <a:stretch>
-            <a:fillRect/>
-          </a:stretch>
-        </p:blipFill>
-        <p:spPr>
-          <a:xfrm>
-            <a:off x="-2" y="16331"/>
-            <a:ext cx="12192000" cy="6858000"/>
-          </a:xfrm>
-          <a:prstGeom prst="rect">
-            <a:avLst/>
-          </a:prstGeom>
-          <a:effectLst>
-            <a:glow rad="25625">
-              <a:schemeClr val="accent1">
-                <a:alpha val="87000"/>
-              </a:schemeClr>
-            </a:glow>
-          </a:effectLst>
-        </p:spPr>
-      </p:pic>
-      <p:pic>
-        <p:nvPicPr>
-          <p:cNvPr id="7" name="Picture 6" descr="A picture containing building, street&#10;&#10;Description automatically generated">
-            <a:extLst>
-              <a:ext uri="{FF2B5EF4-FFF2-40B4-BE49-F238E27FC236}">
-                <a16:creationId xmlns:a16="http://schemas.microsoft.com/office/drawing/2014/main" id="{811E24CA-B4F3-0948-93D2-9E6B53CBA842}"/>
-              </a:ext>
-            </a:extLst>
-          </p:cNvPr>
-          <p:cNvPicPr>
-            <a:picLocks noChangeAspect="1"/>
-          </p:cNvPicPr>
-          <p:nvPr/>
-        </p:nvPicPr>
-        <p:blipFill>
-          <a:blip r:embed="rId2">
-            <a:alphaModFix amt="25000"/>
-          </a:blip>
-          <a:stretch>
-            <a:fillRect/>
-          </a:stretch>
-        </p:blipFill>
-        <p:spPr>
-          <a:xfrm>
-            <a:off x="-1" y="8165"/>
-            <a:ext cx="12192000" cy="6858000"/>
-          </a:xfrm>
-          <a:prstGeom prst="rect">
-            <a:avLst/>
-          </a:prstGeom>
-        </p:spPr>
-      </p:pic>
-      <p:sp>
-        <p:nvSpPr>
-          <p:cNvPr id="18" name="Google Shape;145;p7">
-            <a:extLst>
-              <a:ext uri="{FF2B5EF4-FFF2-40B4-BE49-F238E27FC236}">
-                <a16:creationId xmlns:a16="http://schemas.microsoft.com/office/drawing/2014/main" id="{37E7B2F9-4530-7540-9A7D-25FE9B6FF02F}"/>
-              </a:ext>
-            </a:extLst>
-          </p:cNvPr>
-          <p:cNvSpPr/>
-          <p:nvPr/>
-        </p:nvSpPr>
-        <p:spPr>
-          <a:xfrm rot="10800000" flipH="1">
-            <a:off x="0" y="6437013"/>
-            <a:ext cx="12192000" cy="420987"/>
-          </a:xfrm>
-          <a:prstGeom prst="rect">
-            <a:avLst/>
-          </a:prstGeom>
-          <a:solidFill>
-            <a:srgbClr val="13294B"/>
-          </a:solidFill>
-          <a:ln>
-            <a:noFill/>
-          </a:ln>
-        </p:spPr>
-        <p:txBody>
-          <a:bodyPr spcFirstLastPara="1" wrap="square" lIns="91425" tIns="45700" rIns="91425" bIns="45700" anchor="ctr" anchorCtr="0">
-            <a:noAutofit/>
-          </a:bodyPr>
-          <a:lstStyle/>
-          <a:p>
-            <a:pPr marL="0" marR="0" lvl="0" indent="0" algn="ctr" rtl="0">
-              <a:lnSpc>
-                <a:spcPct val="100000"/>
-              </a:lnSpc>
-              <a:spcBef>
-                <a:spcPts val="0"/>
-              </a:spcBef>
-              <a:spcAft>
-                <a:spcPts val="0"/>
-              </a:spcAft>
-              <a:buClr>
-                <a:schemeClr val="lt1"/>
-              </a:buClr>
-              <a:buSzPts val="1800"/>
-              <a:buFont typeface="Calibri"/>
-              <a:buNone/>
-            </a:pPr>
-            <a:endParaRPr sz="1800" b="0" i="0" u="none" strike="noStrike" cap="none" dirty="0">
-              <a:solidFill>
-                <a:srgbClr val="13294B"/>
-              </a:solidFill>
-              <a:latin typeface="Calibri"/>
-              <a:ea typeface="Calibri"/>
-              <a:cs typeface="Calibri"/>
-              <a:sym typeface="Calibri"/>
-            </a:endParaRPr>
-          </a:p>
-        </p:txBody>
-      </p:sp>
-      <p:sp>
-        <p:nvSpPr>
-          <p:cNvPr id="17" name="Google Shape;145;p7">
-            <a:extLst>
-              <a:ext uri="{FF2B5EF4-FFF2-40B4-BE49-F238E27FC236}">
-                <a16:creationId xmlns:a16="http://schemas.microsoft.com/office/drawing/2014/main" id="{75FA8318-9B15-7F47-850F-EEEFE73BE161}"/>
-              </a:ext>
-            </a:extLst>
-          </p:cNvPr>
-          <p:cNvSpPr/>
-          <p:nvPr/>
-        </p:nvSpPr>
-        <p:spPr>
-          <a:xfrm rot="10800000" flipH="1">
-            <a:off x="0" y="0"/>
-            <a:ext cx="12192000" cy="868220"/>
-          </a:xfrm>
-          <a:prstGeom prst="rect">
-            <a:avLst/>
-          </a:prstGeom>
-          <a:solidFill>
-            <a:srgbClr val="13294B"/>
-          </a:solidFill>
-          <a:ln>
-            <a:noFill/>
-          </a:ln>
-        </p:spPr>
-        <p:txBody>
-          <a:bodyPr spcFirstLastPara="1" wrap="square" lIns="91425" tIns="45700" rIns="91425" bIns="45700" anchor="ctr" anchorCtr="0">
-            <a:noAutofit/>
-          </a:bodyPr>
-          <a:lstStyle/>
-          <a:p>
-            <a:pPr marL="0" marR="0" lvl="0" indent="0" algn="ctr" rtl="0">
-              <a:lnSpc>
-                <a:spcPct val="100000"/>
-              </a:lnSpc>
-              <a:spcBef>
-                <a:spcPts val="0"/>
-              </a:spcBef>
-              <a:spcAft>
-                <a:spcPts val="0"/>
-              </a:spcAft>
-              <a:buClr>
-                <a:schemeClr val="lt1"/>
-              </a:buClr>
-              <a:buSzPts val="1800"/>
-              <a:buFont typeface="Calibri"/>
-              <a:buNone/>
-            </a:pPr>
-            <a:endParaRPr sz="1800" b="0" i="0" u="none" strike="noStrike" cap="none">
-              <a:solidFill>
-                <a:srgbClr val="13294B"/>
-              </a:solidFill>
-              <a:latin typeface="Calibri"/>
-              <a:ea typeface="Calibri"/>
-              <a:cs typeface="Calibri"/>
-              <a:sym typeface="Calibri"/>
-            </a:endParaRPr>
-          </a:p>
-        </p:txBody>
-      </p:sp>
-      <p:pic>
-        <p:nvPicPr>
-          <p:cNvPr id="15" name="Picture 14" descr="A close up of a logo&#10;&#10;Description automatically generated">
-            <a:extLst>
-              <a:ext uri="{FF2B5EF4-FFF2-40B4-BE49-F238E27FC236}">
-                <a16:creationId xmlns:a16="http://schemas.microsoft.com/office/drawing/2014/main" id="{A9194208-BB88-DA45-8C43-B250F5F37BE3}"/>
-              </a:ext>
-            </a:extLst>
-          </p:cNvPr>
-          <p:cNvPicPr>
-            <a:picLocks noChangeAspect="1"/>
-          </p:cNvPicPr>
-          <p:nvPr/>
-        </p:nvPicPr>
-        <p:blipFill>
-          <a:blip r:embed="rId3"/>
-          <a:stretch>
-            <a:fillRect/>
-          </a:stretch>
-        </p:blipFill>
-        <p:spPr>
-          <a:xfrm>
-            <a:off x="11554210" y="228014"/>
-            <a:ext cx="277906" cy="401420"/>
-          </a:xfrm>
-          <a:prstGeom prst="rect">
-            <a:avLst/>
-          </a:prstGeom>
-        </p:spPr>
-      </p:pic>
-      <p:sp>
-        <p:nvSpPr>
-          <p:cNvPr id="16" name="Google Shape;100;p1">
-            <a:extLst>
-              <a:ext uri="{FF2B5EF4-FFF2-40B4-BE49-F238E27FC236}">
-                <a16:creationId xmlns:a16="http://schemas.microsoft.com/office/drawing/2014/main" id="{226FBA8E-8ED2-0F48-B1E6-A03B9736B136}"/>
+                <a16:creationId xmlns:a16="http://schemas.microsoft.com/office/drawing/2014/main" id="{4FBCD0E8-B540-4059-9F18-D0C52EDB0324}"/>
               </a:ext>
             </a:extLst>
           </p:cNvPr>
@@ -20887,76 +22632,175 @@
         </p:nvSpPr>
         <p:spPr>
           <a:xfrm>
-            <a:off x="376810" y="204051"/>
-            <a:ext cx="10910026" cy="461624"/>
+            <a:off x="447041" y="1074515"/>
+            <a:ext cx="8019626" cy="3323987"/>
           </a:xfrm>
           <a:prstGeom prst="rect">
             <a:avLst/>
           </a:prstGeom>
           <a:noFill/>
-          <a:ln>
-            <a:noFill/>
-          </a:ln>
         </p:spPr>
         <p:txBody>
-          <a:bodyPr spcFirstLastPara="1" wrap="square" lIns="91425" tIns="45700" rIns="91425" bIns="45700" anchor="t" anchorCtr="0">
+          <a:bodyPr wrap="square">
             <a:spAutoFit/>
           </a:bodyPr>
           <a:lstStyle/>
           <a:p>
             <a:r>
-              <a:rPr lang="en-US" sz="2400" dirty="0">
-                <a:solidFill>
-                  <a:schemeClr val="bg1"/>
-                </a:solidFill>
-              </a:rPr>
-              <a:t>Results</a:t>
-            </a:r>
-          </a:p>
-        </p:txBody>
-      </p:sp>
-      <p:sp>
-        <p:nvSpPr>
-          <p:cNvPr id="10" name="Google Shape;100;p1">
-            <a:extLst>
-              <a:ext uri="{FF2B5EF4-FFF2-40B4-BE49-F238E27FC236}">
-                <a16:creationId xmlns:a16="http://schemas.microsoft.com/office/drawing/2014/main" id="{186920B5-D75D-4D96-A546-B250E671A799}"/>
-              </a:ext>
-            </a:extLst>
-          </p:cNvPr>
-          <p:cNvSpPr txBox="1"/>
-          <p:nvPr/>
-        </p:nvSpPr>
-        <p:spPr>
-          <a:xfrm>
-            <a:off x="376807" y="6524381"/>
-            <a:ext cx="1718323" cy="230792"/>
-          </a:xfrm>
-          <a:prstGeom prst="rect">
-            <a:avLst/>
-          </a:prstGeom>
-          <a:noFill/>
-          <a:ln>
-            <a:noFill/>
-          </a:ln>
-        </p:spPr>
-        <p:txBody>
-          <a:bodyPr spcFirstLastPara="1" wrap="square" lIns="91425" tIns="45700" rIns="91425" bIns="45700" anchor="t" anchorCtr="0">
-            <a:spAutoFit/>
-          </a:bodyPr>
-          <a:lstStyle/>
-          <a:p>
-            <a:pPr lvl="0"/>
-            <a:r>
-              <a:rPr lang="en-US" sz="900" spc="200" dirty="0">
-                <a:solidFill>
-                  <a:schemeClr val="bg1"/>
-                </a:solidFill>
-                <a:ea typeface="Helvetica Neue Light"/>
-                <a:cs typeface="Helvetica Neue Light"/>
-                <a:sym typeface="Helvetica Neue Light"/>
-              </a:rPr>
-              <a:t>CS 598/Team 1233</a:t>
+              <a:rPr lang="en-US" sz="2800" b="1" dirty="0">
+                <a:solidFill>
+                  <a:schemeClr val="bg1"/>
+                </a:solidFill>
+              </a:rPr>
+              <a:t>InceptionV3 Model Architecture</a:t>
+            </a:r>
+          </a:p>
+          <a:p>
+            <a:endParaRPr lang="en-US" sz="2800" b="1" dirty="0">
+              <a:solidFill>
+                <a:schemeClr val="bg1"/>
+              </a:solidFill>
+            </a:endParaRPr>
+          </a:p>
+          <a:p>
+            <a:pPr marL="342900" indent="-342900">
+              <a:buFont typeface="Arial" panose="020B0604020202020204" pitchFamily="34" charset="0"/>
+              <a:buChar char="•"/>
+            </a:pPr>
+            <a:r>
+              <a:rPr lang="en-US" sz="1400" dirty="0">
+                <a:solidFill>
+                  <a:schemeClr val="bg1"/>
+                </a:solidFill>
+              </a:rPr>
+              <a:t>Convolutional Neural Network which helps in analysis, classification and detection of finer objects of images.</a:t>
+            </a:r>
+          </a:p>
+          <a:p>
+            <a:pPr marL="342900" indent="-342900">
+              <a:buFont typeface="Arial" panose="020B0604020202020204" pitchFamily="34" charset="0"/>
+              <a:buChar char="•"/>
+            </a:pPr>
+            <a:endParaRPr lang="en-US" sz="1400" dirty="0">
+              <a:solidFill>
+                <a:schemeClr val="bg1"/>
+              </a:solidFill>
+            </a:endParaRPr>
+          </a:p>
+          <a:p>
+            <a:pPr marL="342900" indent="-342900">
+              <a:buFont typeface="Arial" panose="020B0604020202020204" pitchFamily="34" charset="0"/>
+              <a:buChar char="•"/>
+            </a:pPr>
+            <a:r>
+              <a:rPr lang="en-US" sz="1400" dirty="0">
+                <a:solidFill>
+                  <a:schemeClr val="bg1"/>
+                </a:solidFill>
+              </a:rPr>
+              <a:t>Developed by </a:t>
+            </a:r>
+            <a:r>
+              <a:rPr lang="en-US" sz="1400" dirty="0" err="1">
+                <a:solidFill>
+                  <a:schemeClr val="bg1"/>
+                </a:solidFill>
+              </a:rPr>
+              <a:t>GoogleNet</a:t>
+            </a:r>
+            <a:r>
+              <a:rPr lang="en-US" sz="1400" dirty="0">
+                <a:solidFill>
+                  <a:schemeClr val="bg1"/>
+                </a:solidFill>
+              </a:rPr>
+              <a:t> community in Google.</a:t>
+            </a:r>
+          </a:p>
+          <a:p>
+            <a:pPr marL="342900" indent="-342900">
+              <a:buFont typeface="Arial" panose="020B0604020202020204" pitchFamily="34" charset="0"/>
+              <a:buChar char="•"/>
+            </a:pPr>
+            <a:endParaRPr lang="en-US" sz="1400" b="1" dirty="0">
+              <a:solidFill>
+                <a:schemeClr val="bg1"/>
+              </a:solidFill>
+            </a:endParaRPr>
+          </a:p>
+          <a:p>
+            <a:pPr marL="342900" indent="-342900">
+              <a:buFont typeface="Arial" panose="020B0604020202020204" pitchFamily="34" charset="0"/>
+              <a:buChar char="•"/>
+            </a:pPr>
+            <a:r>
+              <a:rPr lang="en-US" sz="1400" dirty="0">
+                <a:solidFill>
+                  <a:schemeClr val="bg1"/>
+                </a:solidFill>
+              </a:rPr>
+              <a:t>Computationally efficient (both in terms of number of parameters generated by the network and computer hardware resources such as memory and CPU utilization).</a:t>
+            </a:r>
+          </a:p>
+          <a:p>
+            <a:pPr marL="342900" indent="-342900">
+              <a:buFont typeface="Arial" panose="020B0604020202020204" pitchFamily="34" charset="0"/>
+              <a:buChar char="•"/>
+            </a:pPr>
+            <a:endParaRPr lang="en-US" dirty="0">
+              <a:solidFill>
+                <a:schemeClr val="bg1"/>
+              </a:solidFill>
+            </a:endParaRPr>
+          </a:p>
+          <a:p>
+            <a:pPr marL="342900" indent="-342900">
+              <a:buFont typeface="Arial" panose="020B0604020202020204" pitchFamily="34" charset="0"/>
+              <a:buChar char="•"/>
+            </a:pPr>
+            <a:r>
+              <a:rPr lang="en-US" sz="1400" dirty="0">
+                <a:solidFill>
+                  <a:schemeClr val="bg1"/>
+                </a:solidFill>
+              </a:rPr>
+              <a:t>Uses Factorized Convolutions (helps in reducing computational efficiency), </a:t>
+            </a:r>
+          </a:p>
+          <a:p>
+            <a:pPr marL="342900" indent="-342900">
+              <a:buFont typeface="Arial" panose="020B0604020202020204" pitchFamily="34" charset="0"/>
+              <a:buChar char="•"/>
+            </a:pPr>
+            <a:r>
+              <a:rPr lang="en-US" dirty="0">
+                <a:solidFill>
+                  <a:schemeClr val="bg1"/>
+                </a:solidFill>
+              </a:rPr>
+              <a:t>Uses </a:t>
+            </a:r>
+            <a:r>
+              <a:rPr lang="en-US" sz="1400" dirty="0">
+                <a:solidFill>
+                  <a:schemeClr val="bg1"/>
+                </a:solidFill>
+              </a:rPr>
+              <a:t>Smaller Convolutions (replaces bigger convolutions to smaller convolutions),</a:t>
+            </a:r>
+          </a:p>
+          <a:p>
+            <a:pPr marL="342900" indent="-342900">
+              <a:buFont typeface="Arial" panose="020B0604020202020204" pitchFamily="34" charset="0"/>
+              <a:buChar char="•"/>
+            </a:pPr>
+            <a:r>
+              <a:rPr lang="en-US" sz="1400" dirty="0">
+                <a:solidFill>
+                  <a:schemeClr val="bg1"/>
+                </a:solidFill>
+              </a:rPr>
+              <a:t>Dimension Reduction and parallel computations.</a:t>
             </a:r>
           </a:p>
         </p:txBody>
@@ -20964,7 +22808,7 @@
     </p:spTree>
     <p:extLst>
       <p:ext uri="{BB962C8B-B14F-4D97-AF65-F5344CB8AC3E}">
-        <p14:creationId xmlns:p14="http://schemas.microsoft.com/office/powerpoint/2010/main" val="3697077661"/>
+        <p14:creationId xmlns:p14="http://schemas.microsoft.com/office/powerpoint/2010/main" val="851688176"/>
       </p:ext>
     </p:extLst>
   </p:cSld>

--- a/Presentation_Team_1233 _mike.pptx
+++ b/Presentation_Team_1233 _mike.pptx
@@ -259,7 +259,7 @@
       <p15:sldGuideLst xmlns:p15="http://schemas.microsoft.com/office/powerpoint/2012/main"/>
     </p:ext>
     <p:ext uri="http://customooxmlschemas.google.com/">
-      <go:slidesCustomData xmlns="" xmlns:mc="http://schemas.openxmlformats.org/markup-compatibility/2006" xmlns:mv="urn:schemas-microsoft-com:mac:vml" xmlns:c="http://schemas.openxmlformats.org/drawingml/2006/chart" xmlns:dgm="http://schemas.openxmlformats.org/drawingml/2006/diagram" xmlns:o="urn:schemas-microsoft-com:office:office" xmlns:v="urn:schemas-microsoft-com:vml" xmlns:pvml="urn:schemas-microsoft-com:office:powerpoint" xmlns:com="http://schemas.openxmlformats.org/drawingml/2006/compatibility" xmlns:p14="http://schemas.microsoft.com/office/powerpoint/2010/main" xmlns:p15="http://schemas.microsoft.com/office/powerpoint/2012/main" xmlns:go="http://customooxmlschemas.google.com/" r:id="rId35" roundtripDataSignature="AMtx7mhSaRiTD9uDhGJ3nUfwohnl+c0Rsw=="/>
+      <go:slidesCustomData xmlns:go="http://customooxmlschemas.google.com/" xmlns:p15="http://schemas.microsoft.com/office/powerpoint/2012/main" xmlns:p14="http://schemas.microsoft.com/office/powerpoint/2010/main" xmlns:com="http://schemas.openxmlformats.org/drawingml/2006/compatibility" xmlns:pvml="urn:schemas-microsoft-com:office:powerpoint" xmlns:v="urn:schemas-microsoft-com:vml" xmlns:o="urn:schemas-microsoft-com:office:office" xmlns:dgm="http://schemas.openxmlformats.org/drawingml/2006/diagram" xmlns:c="http://schemas.openxmlformats.org/drawingml/2006/chart" xmlns:mv="urn:schemas-microsoft-com:mac:vml" xmlns:mc="http://schemas.openxmlformats.org/markup-compatibility/2006" xmlns="" r:id="rId35" roundtripDataSignature="AMtx7mhSaRiTD9uDhGJ3nUfwohnl+c0Rsw=="/>
     </p:ext>
   </p:extLst>
 </p:presentation>
@@ -18767,6 +18767,14 @@
               </a:rPr>
               <a:t>Background</a:t>
             </a:r>
+            <a:endParaRPr lang="en-US" sz="2000" dirty="0">
+              <a:solidFill>
+                <a:schemeClr val="bg1"/>
+              </a:solidFill>
+              <a:latin typeface="Arial"/>
+              <a:ea typeface="+mn-lt"/>
+              <a:cs typeface="+mn-lt"/>
+            </a:endParaRPr>
           </a:p>
           <a:p>
             <a:pPr lvl="1"/>
@@ -18779,7 +18787,7 @@
                 <a:ea typeface="+mn-lt"/>
                 <a:cs typeface="+mn-lt"/>
               </a:rPr>
-              <a:t>Chest X-ray is a fast and effective diagnostic method for COVID-19 detection</a:t>
+              <a:t>Motivated by earlier works from fellow students, professors and medical professionals </a:t>
             </a:r>
           </a:p>
           <a:p>
@@ -18792,71 +18800,18 @@
                 <a:latin typeface="Arial"/>
                 <a:cs typeface="Arial"/>
               </a:rPr>
-              <a:t>Many deep learning models have been developed to detect Covid-19</a:t>
-            </a:r>
-          </a:p>
-          <a:p>
-            <a:pPr lvl="2"/>
-            <a:r>
-              <a:rPr lang="en-US" sz="2000" dirty="0">
-                <a:solidFill>
-                  <a:schemeClr val="bg1"/>
-                </a:solidFill>
-                <a:latin typeface="Arial"/>
-                <a:ea typeface="+mn-lt"/>
-                <a:cs typeface="+mn-lt"/>
-              </a:rPr>
-              <a:t>Convolutional Neural Network </a:t>
-            </a:r>
-            <a:r>
-              <a:rPr lang="en-US" dirty="0">
-                <a:solidFill>
-                  <a:schemeClr val="bg1"/>
-                </a:solidFill>
-                <a:latin typeface="Arial"/>
-                <a:ea typeface="+mn-lt"/>
-                <a:cs typeface="+mn-lt"/>
-              </a:rPr>
-              <a:t>(CNNInceptionV3)</a:t>
-            </a:r>
-          </a:p>
-          <a:p>
-            <a:pPr lvl="2"/>
-            <a:r>
-              <a:rPr lang="en-US" sz="2200" dirty="0" err="1">
-                <a:solidFill>
-                  <a:schemeClr val="bg1"/>
-                </a:solidFill>
-                <a:latin typeface="Arial"/>
-                <a:ea typeface="+mn-lt"/>
-                <a:cs typeface="+mn-lt"/>
-              </a:rPr>
-              <a:t>ResNet</a:t>
-            </a:r>
-            <a:r>
-              <a:rPr lang="en-US" sz="2200" dirty="0">
-                <a:solidFill>
-                  <a:schemeClr val="bg1"/>
-                </a:solidFill>
-                <a:latin typeface="Arial"/>
-                <a:ea typeface="+mn-lt"/>
-                <a:cs typeface="+mn-lt"/>
-              </a:rPr>
-              <a:t> 50, ResNet152, </a:t>
-            </a:r>
-            <a:r>
-              <a:rPr lang="en-US" sz="2200" dirty="0">
+              <a:t>Applied Convolutional Neural Network using </a:t>
+            </a:r>
+            <a:r>
+              <a:rPr lang="en-US" sz="2000" dirty="0" err="1">
                 <a:solidFill>
                   <a:schemeClr val="bg1"/>
                 </a:solidFill>
                 <a:latin typeface="Arial"/>
                 <a:cs typeface="Arial"/>
               </a:rPr>
-              <a:t>Machine learning models: SVM, Logistic Regression, Decision Tree, etc.</a:t>
-            </a:r>
-          </a:p>
-          <a:p>
-            <a:pPr lvl="1"/>
+              <a:t>Pytorch</a:t>
+            </a:r>
             <a:r>
               <a:rPr lang="en-US" sz="2000" dirty="0">
                 <a:solidFill>
@@ -18865,7 +18820,7 @@
                 <a:latin typeface="Arial"/>
                 <a:cs typeface="Arial"/>
               </a:rPr>
-              <a:t>Deep Learning (DL) framework: PyTorch</a:t>
+              <a:t> framework</a:t>
             </a:r>
           </a:p>
           <a:p>
@@ -18902,6 +18857,9 @@
             </a:r>
           </a:p>
           <a:p>
+            <a:pPr marL="114300" indent="0">
+              <a:buNone/>
+            </a:pPr>
             <a:endParaRPr lang="en-US" sz="2400" b="1" dirty="0">
               <a:solidFill>
                 <a:schemeClr val="bg1"/>
@@ -18935,6 +18893,24 @@
               </a:rPr>
               <a:t>To apply DL algorithms which we learned from our class to possibly detect COVID-19</a:t>
             </a:r>
+          </a:p>
+          <a:p>
+            <a:pPr lvl="1" algn="just"/>
+            <a:r>
+              <a:rPr lang="en-US" sz="2000" dirty="0">
+                <a:solidFill>
+                  <a:schemeClr val="bg1"/>
+                </a:solidFill>
+                <a:latin typeface="Arial"/>
+                <a:cs typeface="Arial"/>
+              </a:rPr>
+              <a:t>Our aspiration is to learn and expand the knowledge of Deep learning</a:t>
+            </a:r>
+          </a:p>
+          <a:p>
+            <a:pPr marL="571500" lvl="1" indent="0" algn="just">
+              <a:buNone/>
+            </a:pPr>
             <a:endParaRPr lang="en-US" sz="2000" dirty="0">
               <a:solidFill>
                 <a:schemeClr val="bg1"/>
@@ -20554,7 +20530,7 @@
         <p:spPr>
           <a:xfrm>
             <a:off x="282605" y="1862135"/>
-            <a:ext cx="3040330" cy="3108543"/>
+            <a:ext cx="3040330" cy="3754874"/>
           </a:xfrm>
           <a:prstGeom prst="rect">
             <a:avLst/>
@@ -20575,7 +20551,7 @@
               <a:buChar char="•"/>
             </a:pPr>
             <a:r>
-              <a:rPr lang="en-US" dirty="0">
+              <a:rPr lang="en-US" sz="1600" dirty="0">
                 <a:solidFill>
                   <a:schemeClr val="bg1"/>
                 </a:solidFill>
@@ -20589,7 +20565,7 @@
               <a:buFont typeface="Arial" panose="020B0604020202020204" pitchFamily="34" charset="0"/>
               <a:buChar char="•"/>
             </a:pPr>
-            <a:endParaRPr lang="en-US" dirty="0">
+            <a:endParaRPr lang="en-US" sz="1600" dirty="0">
               <a:solidFill>
                 <a:schemeClr val="bg1"/>
               </a:solidFill>
@@ -20602,7 +20578,7 @@
               <a:buChar char="•"/>
             </a:pPr>
             <a:r>
-              <a:rPr lang="en-US" dirty="0">
+              <a:rPr lang="en-US" sz="1600" dirty="0">
                 <a:solidFill>
                   <a:schemeClr val="bg1"/>
                 </a:solidFill>
@@ -20616,7 +20592,7 @@
               <a:buFont typeface="Arial" panose="020B0604020202020204" pitchFamily="34" charset="0"/>
               <a:buChar char="•"/>
             </a:pPr>
-            <a:endParaRPr lang="en-US" dirty="0">
+            <a:endParaRPr lang="en-US" sz="1600" dirty="0">
               <a:solidFill>
                 <a:schemeClr val="bg1"/>
               </a:solidFill>
@@ -20629,7 +20605,7 @@
               <a:buChar char="•"/>
             </a:pPr>
             <a:r>
-              <a:rPr lang="en-US" dirty="0">
+              <a:rPr lang="en-US" sz="1600" dirty="0">
                 <a:solidFill>
                   <a:schemeClr val="bg1"/>
                 </a:solidFill>
@@ -20643,7 +20619,7 @@
               <a:buFont typeface="Arial" panose="020B0604020202020204" pitchFamily="34" charset="0"/>
               <a:buChar char="•"/>
             </a:pPr>
-            <a:endParaRPr lang="en-US" dirty="0">
+            <a:endParaRPr lang="en-US" sz="1600" dirty="0">
               <a:solidFill>
                 <a:schemeClr val="bg1"/>
               </a:solidFill>
@@ -20656,7 +20632,7 @@
               <a:buChar char="•"/>
             </a:pPr>
             <a:r>
-              <a:rPr lang="en-US" dirty="0">
+              <a:rPr lang="en-US" sz="1600" dirty="0">
                 <a:solidFill>
                   <a:schemeClr val="bg1"/>
                 </a:solidFill>
@@ -20665,7 +20641,7 @@
               <a:t>AWS </a:t>
             </a:r>
             <a:r>
-              <a:rPr lang="en-US" dirty="0" err="1">
+              <a:rPr lang="en-US" sz="1600" dirty="0" err="1">
                 <a:solidFill>
                   <a:schemeClr val="bg1"/>
                 </a:solidFill>
@@ -20673,7 +20649,7 @@
               </a:rPr>
               <a:t>Sagemaker</a:t>
             </a:r>
-            <a:endParaRPr lang="en-US" dirty="0">
+            <a:endParaRPr lang="en-US" sz="1600" dirty="0">
               <a:solidFill>
                 <a:schemeClr val="bg1"/>
               </a:solidFill>
@@ -20685,7 +20661,7 @@
               <a:buFont typeface="Arial" panose="020B0604020202020204" pitchFamily="34" charset="0"/>
               <a:buChar char="•"/>
             </a:pPr>
-            <a:endParaRPr lang="en-US" dirty="0">
+            <a:endParaRPr lang="en-US" sz="1600" dirty="0">
               <a:solidFill>
                 <a:schemeClr val="bg1"/>
               </a:solidFill>
@@ -20698,7 +20674,7 @@
               <a:buChar char="•"/>
             </a:pPr>
             <a:r>
-              <a:rPr lang="en-US" dirty="0">
+              <a:rPr lang="en-US" sz="1600" dirty="0">
                 <a:solidFill>
                   <a:schemeClr val="bg1"/>
                 </a:solidFill>
@@ -20712,7 +20688,7 @@
               <a:buFont typeface="Arial" panose="020B0604020202020204" pitchFamily="34" charset="0"/>
               <a:buChar char="•"/>
             </a:pPr>
-            <a:endParaRPr lang="en-US" dirty="0">
+            <a:endParaRPr lang="en-US" sz="1600" dirty="0">
               <a:solidFill>
                 <a:schemeClr val="bg1"/>
               </a:solidFill>
@@ -20725,7 +20701,7 @@
               <a:buChar char="•"/>
             </a:pPr>
             <a:r>
-              <a:rPr lang="en-US" dirty="0">
+              <a:rPr lang="en-US" sz="1600" dirty="0">
                 <a:solidFill>
                   <a:schemeClr val="bg1"/>
                 </a:solidFill>
@@ -20740,7 +20716,7 @@
               <a:buAutoNum type="arabicPeriod"/>
             </a:pPr>
             <a:r>
-              <a:rPr lang="en-US" sz="1200" dirty="0">
+              <a:rPr lang="en-US" sz="1600" dirty="0">
                 <a:solidFill>
                   <a:schemeClr val="bg1"/>
                 </a:solidFill>
@@ -20755,7 +20731,7 @@
               <a:buAutoNum type="arabicPeriod"/>
             </a:pPr>
             <a:r>
-              <a:rPr lang="en-US" sz="1200" dirty="0">
+              <a:rPr lang="en-US" sz="1600" dirty="0">
                 <a:solidFill>
                   <a:schemeClr val="bg1"/>
                 </a:solidFill>
@@ -21127,7 +21103,7 @@
         </p:spPr>
         <p:txBody>
           <a:bodyPr>
-            <a:normAutofit/>
+            <a:normAutofit fontScale="85000" lnSpcReduction="10000"/>
           </a:bodyPr>
           <a:lstStyle>
             <a:defPPr marR="0" lvl="0" algn="l" rtl="0">
@@ -21364,7 +21340,7 @@
               <a:buChar char="•"/>
             </a:pPr>
             <a:r>
-              <a:rPr lang="en-US" sz="1400" b="1" dirty="0">
+              <a:rPr lang="en-US" sz="2000" b="1" dirty="0">
                 <a:solidFill>
                   <a:schemeClr val="bg1"/>
                 </a:solidFill>
@@ -21373,7 +21349,7 @@
               <a:t>Client Application (Angular.js) </a:t>
             </a:r>
             <a:r>
-              <a:rPr lang="en-US" sz="1400" dirty="0">
+              <a:rPr lang="en-US" sz="2000" dirty="0">
                 <a:solidFill>
                   <a:schemeClr val="bg1"/>
                 </a:solidFill>
@@ -21387,7 +21363,7 @@
               <a:buFont typeface="Arial" panose="020B0604020202020204" pitchFamily="34" charset="0"/>
               <a:buChar char="•"/>
             </a:pPr>
-            <a:endParaRPr lang="en-US" sz="1400" dirty="0">
+            <a:endParaRPr lang="en-US" sz="2000" dirty="0">
               <a:solidFill>
                 <a:schemeClr val="bg1"/>
               </a:solidFill>
@@ -21400,7 +21376,7 @@
               <a:buChar char="•"/>
             </a:pPr>
             <a:r>
-              <a:rPr lang="en-US" sz="1400" b="1" dirty="0">
+              <a:rPr lang="en-US" sz="2000" b="1" dirty="0">
                 <a:solidFill>
                   <a:schemeClr val="bg1"/>
                 </a:solidFill>
@@ -21409,7 +21385,7 @@
               <a:t>Amazon API Gateway -  </a:t>
             </a:r>
             <a:r>
-              <a:rPr lang="en-US" sz="1400" dirty="0">
+              <a:rPr lang="en-US" sz="2000" dirty="0">
                 <a:solidFill>
                   <a:schemeClr val="bg1"/>
                 </a:solidFill>
@@ -21423,7 +21399,7 @@
               <a:buFont typeface="Arial" panose="020B0604020202020204" pitchFamily="34" charset="0"/>
               <a:buChar char="•"/>
             </a:pPr>
-            <a:endParaRPr lang="en-US" sz="1400" dirty="0">
+            <a:endParaRPr lang="en-US" sz="2000" dirty="0">
               <a:solidFill>
                 <a:schemeClr val="bg1"/>
               </a:solidFill>
@@ -21436,7 +21412,7 @@
               <a:buChar char="•"/>
             </a:pPr>
             <a:r>
-              <a:rPr lang="en-US" sz="1400" b="1" dirty="0">
+              <a:rPr lang="en-US" sz="2000" b="1" dirty="0">
                 <a:solidFill>
                   <a:schemeClr val="bg1"/>
                 </a:solidFill>
@@ -21445,7 +21421,7 @@
               <a:t>AWS Lambda – </a:t>
             </a:r>
             <a:r>
-              <a:rPr lang="en-US" sz="1400" dirty="0">
+              <a:rPr lang="en-US" sz="2000" dirty="0">
                 <a:solidFill>
                   <a:schemeClr val="bg1"/>
                 </a:solidFill>
@@ -21459,7 +21435,7 @@
               <a:buFont typeface="Arial" panose="020B0604020202020204" pitchFamily="34" charset="0"/>
               <a:buChar char="•"/>
             </a:pPr>
-            <a:endParaRPr lang="en-US" sz="1400" dirty="0">
+            <a:endParaRPr lang="en-US" sz="2000" dirty="0">
               <a:solidFill>
                 <a:schemeClr val="bg1"/>
               </a:solidFill>
@@ -21472,7 +21448,7 @@
               <a:buChar char="•"/>
             </a:pPr>
             <a:r>
-              <a:rPr lang="en-US" sz="1400" b="1" dirty="0">
+              <a:rPr lang="en-US" sz="2000" b="1" dirty="0">
                 <a:solidFill>
                   <a:schemeClr val="bg1"/>
                 </a:solidFill>
@@ -21481,7 +21457,7 @@
               <a:t>Amazon S3 – </a:t>
             </a:r>
             <a:r>
-              <a:rPr lang="en-US" sz="1400" dirty="0">
+              <a:rPr lang="en-US" sz="2000" dirty="0">
                 <a:solidFill>
                   <a:schemeClr val="bg1"/>
                 </a:solidFill>
@@ -21495,7 +21471,7 @@
               <a:buFont typeface="Arial" panose="020B0604020202020204" pitchFamily="34" charset="0"/>
               <a:buChar char="•"/>
             </a:pPr>
-            <a:endParaRPr lang="en-US" sz="1400" dirty="0">
+            <a:endParaRPr lang="en-US" sz="2000" dirty="0">
               <a:solidFill>
                 <a:schemeClr val="bg1"/>
               </a:solidFill>
@@ -21508,7 +21484,7 @@
               <a:buChar char="•"/>
             </a:pPr>
             <a:r>
-              <a:rPr lang="en-US" sz="1400" b="1" dirty="0">
+              <a:rPr lang="en-US" sz="2000" b="1" dirty="0">
                 <a:solidFill>
                   <a:schemeClr val="bg1"/>
                 </a:solidFill>
@@ -21517,7 +21493,7 @@
               <a:t>Amazon </a:t>
             </a:r>
             <a:r>
-              <a:rPr lang="en-US" sz="1400" b="1" dirty="0" err="1">
+              <a:rPr lang="en-US" sz="2000" b="1" dirty="0" err="1">
                 <a:solidFill>
                   <a:schemeClr val="bg1"/>
                 </a:solidFill>
@@ -21526,7 +21502,7 @@
               <a:t>Sagemaker</a:t>
             </a:r>
             <a:r>
-              <a:rPr lang="en-US" sz="1400" b="1" dirty="0">
+              <a:rPr lang="en-US" sz="2000" b="1" dirty="0">
                 <a:solidFill>
                   <a:schemeClr val="bg1"/>
                 </a:solidFill>
@@ -21535,7 +21511,7 @@
               <a:t> – </a:t>
             </a:r>
             <a:r>
-              <a:rPr lang="en-US" sz="1400" dirty="0">
+              <a:rPr lang="en-US" sz="2000" dirty="0">
                 <a:solidFill>
                   <a:schemeClr val="bg1"/>
                 </a:solidFill>
@@ -21544,25 +21520,16 @@
               <a:t>Amazon </a:t>
             </a:r>
             <a:r>
-              <a:rPr lang="en-US" dirty="0" err="1">
+              <a:rPr lang="en-US" sz="2000" dirty="0" err="1">
                 <a:solidFill>
                   <a:schemeClr val="bg1"/>
                 </a:solidFill>
                 <a:sym typeface="Calibri"/>
               </a:rPr>
-              <a:t>S</a:t>
-            </a:r>
-            <a:r>
-              <a:rPr lang="en-US" sz="1400" dirty="0" err="1">
-                <a:solidFill>
-                  <a:schemeClr val="bg1"/>
-                </a:solidFill>
-                <a:sym typeface="Calibri"/>
-              </a:rPr>
-              <a:t>agemaker</a:t>
-            </a:r>
-            <a:r>
-              <a:rPr lang="en-US" sz="1400" dirty="0">
+              <a:t>Sagemaker</a:t>
+            </a:r>
+            <a:r>
+              <a:rPr lang="en-US" sz="2000" dirty="0">
                 <a:solidFill>
                   <a:schemeClr val="bg1"/>
                 </a:solidFill>
@@ -21576,7 +21543,7 @@
               <a:buFont typeface="Arial" panose="020B0604020202020204" pitchFamily="34" charset="0"/>
               <a:buChar char="•"/>
             </a:pPr>
-            <a:endParaRPr lang="en-US" sz="1400" b="1" dirty="0">
+            <a:endParaRPr lang="en-US" sz="2000" b="1" dirty="0">
               <a:solidFill>
                 <a:schemeClr val="bg1"/>
               </a:solidFill>
@@ -21589,7 +21556,7 @@
               <a:buChar char="•"/>
             </a:pPr>
             <a:r>
-              <a:rPr lang="en-US" sz="1400" b="1" dirty="0">
+              <a:rPr lang="en-US" sz="2000" b="1" dirty="0">
                 <a:solidFill>
                   <a:schemeClr val="bg1"/>
                 </a:solidFill>
@@ -21598,7 +21565,7 @@
               <a:t>Trained Models – </a:t>
             </a:r>
             <a:r>
-              <a:rPr lang="en-US" sz="1400" dirty="0">
+              <a:rPr lang="en-US" sz="2000" dirty="0">
                 <a:solidFill>
                   <a:schemeClr val="bg1"/>
                 </a:solidFill>
@@ -22058,7 +22025,7 @@
         </p:nvSpPr>
         <p:spPr>
           <a:xfrm>
-            <a:off x="458087" y="1239134"/>
+            <a:off x="468597" y="1407299"/>
             <a:ext cx="7012900" cy="2921719"/>
           </a:xfrm>
           <a:prstGeom prst="rect">
@@ -22111,7 +22078,7 @@
               <a:buChar char="•"/>
             </a:pPr>
             <a:r>
-              <a:rPr lang="en-US" sz="1400" dirty="0">
+              <a:rPr lang="en-US" sz="2000" dirty="0">
                 <a:solidFill>
                   <a:schemeClr val="bg1"/>
                 </a:solidFill>
@@ -22124,7 +22091,7 @@
               <a:buFont typeface="Arial" panose="020B0604020202020204" pitchFamily="34" charset="0"/>
               <a:buChar char="•"/>
             </a:pPr>
-            <a:endParaRPr lang="en-US" sz="1400" dirty="0">
+            <a:endParaRPr lang="en-US" sz="2000" dirty="0">
               <a:solidFill>
                 <a:schemeClr val="bg1"/>
               </a:solidFill>
@@ -22136,7 +22103,7 @@
               <a:buChar char="•"/>
             </a:pPr>
             <a:r>
-              <a:rPr lang="en-US" sz="1400" dirty="0">
+              <a:rPr lang="en-US" sz="2000" dirty="0">
                 <a:solidFill>
                   <a:schemeClr val="bg1"/>
                 </a:solidFill>
@@ -22149,7 +22116,7 @@
               <a:buFont typeface="Arial" panose="020B0604020202020204" pitchFamily="34" charset="0"/>
               <a:buChar char="•"/>
             </a:pPr>
-            <a:endParaRPr lang="en-US" sz="1400" b="1" dirty="0">
+            <a:endParaRPr lang="en-US" sz="2000" b="1" dirty="0">
               <a:solidFill>
                 <a:schemeClr val="bg1"/>
               </a:solidFill>
@@ -22161,7 +22128,7 @@
               <a:buChar char="•"/>
             </a:pPr>
             <a:r>
-              <a:rPr lang="en-US" sz="1400" dirty="0">
+              <a:rPr lang="en-US" sz="2000" dirty="0">
                 <a:solidFill>
                   <a:schemeClr val="bg1"/>
                 </a:solidFill>
@@ -22564,7 +22531,7 @@
         </p:blipFill>
         <p:spPr>
           <a:xfrm>
-            <a:off x="4429760" y="4574366"/>
+            <a:off x="2548409" y="4327797"/>
             <a:ext cx="6857076" cy="1670828"/>
           </a:xfrm>
           <a:prstGeom prst="rect">
@@ -22632,8 +22599,8 @@
         </p:nvSpPr>
         <p:spPr>
           <a:xfrm>
-            <a:off x="447041" y="1074515"/>
-            <a:ext cx="8019626" cy="3323987"/>
+            <a:off x="447040" y="1074515"/>
+            <a:ext cx="11385075" cy="3046988"/>
           </a:xfrm>
           <a:prstGeom prst="rect">
             <a:avLst/>
@@ -22647,7 +22614,7 @@
           <a:lstStyle/>
           <a:p>
             <a:r>
-              <a:rPr lang="en-US" sz="2800" b="1" dirty="0">
+              <a:rPr lang="en-US" sz="1600" b="1" dirty="0">
                 <a:solidFill>
                   <a:schemeClr val="bg1"/>
                 </a:solidFill>
@@ -22656,7 +22623,7 @@
             </a:r>
           </a:p>
           <a:p>
-            <a:endParaRPr lang="en-US" sz="2800" b="1" dirty="0">
+            <a:endParaRPr lang="en-US" sz="1600" b="1" dirty="0">
               <a:solidFill>
                 <a:schemeClr val="bg1"/>
               </a:solidFill>
@@ -22668,7 +22635,7 @@
               <a:buChar char="•"/>
             </a:pPr>
             <a:r>
-              <a:rPr lang="en-US" sz="1400" dirty="0">
+              <a:rPr lang="en-US" sz="1600" dirty="0">
                 <a:solidFill>
                   <a:schemeClr val="bg1"/>
                 </a:solidFill>
@@ -22681,7 +22648,7 @@
               <a:buFont typeface="Arial" panose="020B0604020202020204" pitchFamily="34" charset="0"/>
               <a:buChar char="•"/>
             </a:pPr>
-            <a:endParaRPr lang="en-US" sz="1400" dirty="0">
+            <a:endParaRPr lang="en-US" sz="1600" dirty="0">
               <a:solidFill>
                 <a:schemeClr val="bg1"/>
               </a:solidFill>
@@ -22693,7 +22660,7 @@
               <a:buChar char="•"/>
             </a:pPr>
             <a:r>
-              <a:rPr lang="en-US" sz="1400" dirty="0">
+              <a:rPr lang="en-US" sz="1600" dirty="0">
                 <a:solidFill>
                   <a:schemeClr val="bg1"/>
                 </a:solidFill>
@@ -22701,7 +22668,7 @@
               <a:t>Developed by </a:t>
             </a:r>
             <a:r>
-              <a:rPr lang="en-US" sz="1400" dirty="0" err="1">
+              <a:rPr lang="en-US" sz="1600" dirty="0" err="1">
                 <a:solidFill>
                   <a:schemeClr val="bg1"/>
                 </a:solidFill>
@@ -22709,7 +22676,7 @@
               <a:t>GoogleNet</a:t>
             </a:r>
             <a:r>
-              <a:rPr lang="en-US" sz="1400" dirty="0">
+              <a:rPr lang="en-US" sz="1600" dirty="0">
                 <a:solidFill>
                   <a:schemeClr val="bg1"/>
                 </a:solidFill>
@@ -22722,7 +22689,7 @@
               <a:buFont typeface="Arial" panose="020B0604020202020204" pitchFamily="34" charset="0"/>
               <a:buChar char="•"/>
             </a:pPr>
-            <a:endParaRPr lang="en-US" sz="1400" b="1" dirty="0">
+            <a:endParaRPr lang="en-US" sz="1600" b="1" dirty="0">
               <a:solidFill>
                 <a:schemeClr val="bg1"/>
               </a:solidFill>
@@ -22734,7 +22701,7 @@
               <a:buChar char="•"/>
             </a:pPr>
             <a:r>
-              <a:rPr lang="en-US" sz="1400" dirty="0">
+              <a:rPr lang="en-US" sz="1600" dirty="0">
                 <a:solidFill>
                   <a:schemeClr val="bg1"/>
                 </a:solidFill>
@@ -22747,7 +22714,7 @@
               <a:buFont typeface="Arial" panose="020B0604020202020204" pitchFamily="34" charset="0"/>
               <a:buChar char="•"/>
             </a:pPr>
-            <a:endParaRPr lang="en-US" dirty="0">
+            <a:endParaRPr lang="en-US" sz="1600" dirty="0">
               <a:solidFill>
                 <a:schemeClr val="bg1"/>
               </a:solidFill>
@@ -22759,7 +22726,7 @@
               <a:buChar char="•"/>
             </a:pPr>
             <a:r>
-              <a:rPr lang="en-US" sz="1400" dirty="0">
+              <a:rPr lang="en-US" sz="1600" dirty="0">
                 <a:solidFill>
                   <a:schemeClr val="bg1"/>
                 </a:solidFill>
@@ -22773,20 +22740,12 @@
               <a:buChar char="•"/>
             </a:pPr>
             <a:r>
-              <a:rPr lang="en-US" dirty="0">
-                <a:solidFill>
-                  <a:schemeClr val="bg1"/>
-                </a:solidFill>
-              </a:rPr>
-              <a:t>Uses </a:t>
-            </a:r>
-            <a:r>
-              <a:rPr lang="en-US" sz="1400" dirty="0">
-                <a:solidFill>
-                  <a:schemeClr val="bg1"/>
-                </a:solidFill>
-              </a:rPr>
-              <a:t>Smaller Convolutions (replaces bigger convolutions to smaller convolutions),</a:t>
+              <a:rPr lang="en-US" sz="1600" dirty="0">
+                <a:solidFill>
+                  <a:schemeClr val="bg1"/>
+                </a:solidFill>
+              </a:rPr>
+              <a:t>Uses Smaller Convolutions (replaces bigger convolutions to smaller convolutions),</a:t>
             </a:r>
           </a:p>
           <a:p>
@@ -22795,7 +22754,7 @@
               <a:buChar char="•"/>
             </a:pPr>
             <a:r>
-              <a:rPr lang="en-US" sz="1400" dirty="0">
+              <a:rPr lang="en-US" sz="1600" dirty="0">
                 <a:solidFill>
                   <a:schemeClr val="bg1"/>
                 </a:solidFill>

--- a/Presentation_Team_1233 _mike.pptx
+++ b/Presentation_Team_1233 _mike.pptx
@@ -5,7 +5,7 @@
     <p:sldMasterId id="2147483648" r:id="rId1"/>
   </p:sldMasterIdLst>
   <p:notesMasterIdLst>
-    <p:notesMasterId r:id="rId16"/>
+    <p:notesMasterId r:id="rId17"/>
   </p:notesMasterIdLst>
   <p:sldIdLst>
     <p:sldId id="314" r:id="rId2"/>
@@ -18,10 +18,11 @@
     <p:sldId id="308" r:id="rId9"/>
     <p:sldId id="309" r:id="rId10"/>
     <p:sldId id="310" r:id="rId11"/>
-    <p:sldId id="311" r:id="rId12"/>
-    <p:sldId id="312" r:id="rId13"/>
-    <p:sldId id="313" r:id="rId14"/>
-    <p:sldId id="298" r:id="rId15"/>
+    <p:sldId id="318" r:id="rId12"/>
+    <p:sldId id="311" r:id="rId13"/>
+    <p:sldId id="312" r:id="rId14"/>
+    <p:sldId id="313" r:id="rId15"/>
+    <p:sldId id="298" r:id="rId16"/>
   </p:sldIdLst>
   <p:sldSz cx="12192000" cy="6858000"/>
   <p:notesSz cx="6858000" cy="9144000"/>
@@ -12586,13 +12587,13 @@
           <p:nvPr>
             <p:extLst>
               <p:ext uri="{D42A27DB-BD31-4B8C-83A1-F6EECF244321}">
-                <p14:modId xmlns:p14="http://schemas.microsoft.com/office/powerpoint/2010/main" val="836285933"/>
+                <p14:modId xmlns:p14="http://schemas.microsoft.com/office/powerpoint/2010/main" val="2665505495"/>
               </p:ext>
             </p:extLst>
           </p:nvPr>
         </p:nvGraphicFramePr>
         <p:xfrm>
-          <a:off x="1185316" y="2093900"/>
+          <a:off x="1235968" y="1950442"/>
           <a:ext cx="8859535" cy="2961925"/>
         </p:xfrm>
         <a:graphic>
@@ -13046,6 +13047,49 @@
           </a:p>
         </p:txBody>
       </p:sp>
+      <p:sp>
+        <p:nvSpPr>
+          <p:cNvPr id="5" name="TextBox 4">
+            <a:extLst>
+              <a:ext uri="{FF2B5EF4-FFF2-40B4-BE49-F238E27FC236}">
+                <a16:creationId xmlns:a16="http://schemas.microsoft.com/office/drawing/2014/main" id="{4515678C-E5DC-477E-A66A-0454DD763633}"/>
+              </a:ext>
+            </a:extLst>
+          </p:cNvPr>
+          <p:cNvSpPr txBox="1"/>
+          <p:nvPr/>
+        </p:nvSpPr>
+        <p:spPr>
+          <a:xfrm>
+            <a:off x="2629487" y="5117663"/>
+            <a:ext cx="6072496" cy="307777"/>
+          </a:xfrm>
+          <a:prstGeom prst="rect">
+            <a:avLst/>
+          </a:prstGeom>
+          <a:noFill/>
+        </p:spPr>
+        <p:txBody>
+          <a:bodyPr wrap="none" rtlCol="0">
+            <a:spAutoFit/>
+          </a:bodyPr>
+          <a:lstStyle/>
+          <a:p>
+            <a:r>
+              <a:rPr lang="en-US" dirty="0">
+                <a:solidFill>
+                  <a:schemeClr val="bg1"/>
+                </a:solidFill>
+              </a:rPr>
+              <a:t>For the same dataset, ResNetV3 model outperformed InceptionV3 model.</a:t>
+            </a:r>
+            <a:r>
+              <a:rPr lang="en-US" dirty="0"/>
+              <a:t> </a:t>
+            </a:r>
+          </a:p>
+        </p:txBody>
+      </p:sp>
     </p:spTree>
     <p:extLst>
       <p:ext uri="{BB962C8B-B14F-4D97-AF65-F5344CB8AC3E}">
@@ -13060,6 +13104,526 @@
 </file>
 
 <file path=ppt/slides/slide11.xml><?xml version="1.0" encoding="utf-8"?>
+<p:sld xmlns:a="http://schemas.openxmlformats.org/drawingml/2006/main" xmlns:r="http://schemas.openxmlformats.org/officeDocument/2006/relationships" xmlns:p="http://schemas.openxmlformats.org/presentationml/2006/main">
+  <p:cSld>
+    <p:spTree>
+      <p:nvGrpSpPr>
+        <p:cNvPr id="1" name=""/>
+        <p:cNvGrpSpPr/>
+        <p:nvPr/>
+      </p:nvGrpSpPr>
+      <p:grpSpPr>
+        <a:xfrm>
+          <a:off x="0" y="0"/>
+          <a:ext cx="0" cy="0"/>
+          <a:chOff x="0" y="0"/>
+          <a:chExt cx="0" cy="0"/>
+        </a:xfrm>
+      </p:grpSpPr>
+      <p:pic>
+        <p:nvPicPr>
+          <p:cNvPr id="8" name="Picture 7" descr="A picture containing building, street&#10;&#10;Description automatically generated">
+            <a:extLst>
+              <a:ext uri="{FF2B5EF4-FFF2-40B4-BE49-F238E27FC236}">
+                <a16:creationId xmlns:a16="http://schemas.microsoft.com/office/drawing/2014/main" id="{C4D857D6-D6F6-8F48-8C06-282B2DC15410}"/>
+              </a:ext>
+            </a:extLst>
+          </p:cNvPr>
+          <p:cNvPicPr>
+            <a:picLocks noChangeAspect="1"/>
+          </p:cNvPicPr>
+          <p:nvPr/>
+        </p:nvPicPr>
+        <p:blipFill>
+          <a:blip r:embed="rId2">
+            <a:alphaModFix amt="25000"/>
+          </a:blip>
+          <a:stretch>
+            <a:fillRect/>
+          </a:stretch>
+        </p:blipFill>
+        <p:spPr>
+          <a:xfrm>
+            <a:off x="-2" y="16331"/>
+            <a:ext cx="12192000" cy="6858000"/>
+          </a:xfrm>
+          <a:prstGeom prst="rect">
+            <a:avLst/>
+          </a:prstGeom>
+          <a:effectLst>
+            <a:glow rad="25625">
+              <a:schemeClr val="accent1">
+                <a:alpha val="87000"/>
+              </a:schemeClr>
+            </a:glow>
+          </a:effectLst>
+        </p:spPr>
+      </p:pic>
+      <p:pic>
+        <p:nvPicPr>
+          <p:cNvPr id="7" name="Picture 6" descr="A picture containing building, street&#10;&#10;Description automatically generated">
+            <a:extLst>
+              <a:ext uri="{FF2B5EF4-FFF2-40B4-BE49-F238E27FC236}">
+                <a16:creationId xmlns:a16="http://schemas.microsoft.com/office/drawing/2014/main" id="{811E24CA-B4F3-0948-93D2-9E6B53CBA842}"/>
+              </a:ext>
+            </a:extLst>
+          </p:cNvPr>
+          <p:cNvPicPr>
+            <a:picLocks noChangeAspect="1"/>
+          </p:cNvPicPr>
+          <p:nvPr/>
+        </p:nvPicPr>
+        <p:blipFill>
+          <a:blip r:embed="rId2">
+            <a:alphaModFix amt="25000"/>
+          </a:blip>
+          <a:stretch>
+            <a:fillRect/>
+          </a:stretch>
+        </p:blipFill>
+        <p:spPr>
+          <a:xfrm>
+            <a:off x="-1" y="8165"/>
+            <a:ext cx="12192000" cy="6858000"/>
+          </a:xfrm>
+          <a:prstGeom prst="rect">
+            <a:avLst/>
+          </a:prstGeom>
+        </p:spPr>
+      </p:pic>
+      <p:sp>
+        <p:nvSpPr>
+          <p:cNvPr id="18" name="Google Shape;145;p7">
+            <a:extLst>
+              <a:ext uri="{FF2B5EF4-FFF2-40B4-BE49-F238E27FC236}">
+                <a16:creationId xmlns:a16="http://schemas.microsoft.com/office/drawing/2014/main" id="{37E7B2F9-4530-7540-9A7D-25FE9B6FF02F}"/>
+              </a:ext>
+            </a:extLst>
+          </p:cNvPr>
+          <p:cNvSpPr/>
+          <p:nvPr/>
+        </p:nvSpPr>
+        <p:spPr>
+          <a:xfrm rot="10800000" flipH="1">
+            <a:off x="0" y="6437013"/>
+            <a:ext cx="12192000" cy="420987"/>
+          </a:xfrm>
+          <a:prstGeom prst="rect">
+            <a:avLst/>
+          </a:prstGeom>
+          <a:solidFill>
+            <a:srgbClr val="13294B"/>
+          </a:solidFill>
+          <a:ln>
+            <a:noFill/>
+          </a:ln>
+        </p:spPr>
+        <p:txBody>
+          <a:bodyPr spcFirstLastPara="1" wrap="square" lIns="91425" tIns="45700" rIns="91425" bIns="45700" anchor="ctr" anchorCtr="0">
+            <a:noAutofit/>
+          </a:bodyPr>
+          <a:lstStyle/>
+          <a:p>
+            <a:pPr marL="0" marR="0" lvl="0" indent="0" algn="ctr" rtl="0">
+              <a:lnSpc>
+                <a:spcPct val="100000"/>
+              </a:lnSpc>
+              <a:spcBef>
+                <a:spcPts val="0"/>
+              </a:spcBef>
+              <a:spcAft>
+                <a:spcPts val="0"/>
+              </a:spcAft>
+              <a:buClr>
+                <a:schemeClr val="lt1"/>
+              </a:buClr>
+              <a:buSzPts val="1800"/>
+              <a:buFont typeface="Calibri"/>
+              <a:buNone/>
+            </a:pPr>
+            <a:endParaRPr sz="1800" b="0" i="0" u="none" strike="noStrike" cap="none" dirty="0">
+              <a:solidFill>
+                <a:srgbClr val="13294B"/>
+              </a:solidFill>
+              <a:latin typeface="Calibri"/>
+              <a:ea typeface="Calibri"/>
+              <a:cs typeface="Calibri"/>
+              <a:sym typeface="Calibri"/>
+            </a:endParaRPr>
+          </a:p>
+        </p:txBody>
+      </p:sp>
+      <p:sp>
+        <p:nvSpPr>
+          <p:cNvPr id="17" name="Google Shape;145;p7">
+            <a:extLst>
+              <a:ext uri="{FF2B5EF4-FFF2-40B4-BE49-F238E27FC236}">
+                <a16:creationId xmlns:a16="http://schemas.microsoft.com/office/drawing/2014/main" id="{75FA8318-9B15-7F47-850F-EEEFE73BE161}"/>
+              </a:ext>
+            </a:extLst>
+          </p:cNvPr>
+          <p:cNvSpPr/>
+          <p:nvPr/>
+        </p:nvSpPr>
+        <p:spPr>
+          <a:xfrm rot="10800000" flipH="1">
+            <a:off x="0" y="0"/>
+            <a:ext cx="12192000" cy="868220"/>
+          </a:xfrm>
+          <a:prstGeom prst="rect">
+            <a:avLst/>
+          </a:prstGeom>
+          <a:solidFill>
+            <a:srgbClr val="13294B"/>
+          </a:solidFill>
+          <a:ln>
+            <a:noFill/>
+          </a:ln>
+        </p:spPr>
+        <p:txBody>
+          <a:bodyPr spcFirstLastPara="1" wrap="square" lIns="91425" tIns="45700" rIns="91425" bIns="45700" anchor="ctr" anchorCtr="0">
+            <a:noAutofit/>
+          </a:bodyPr>
+          <a:lstStyle/>
+          <a:p>
+            <a:pPr marL="0" marR="0" lvl="0" indent="0" algn="ctr" rtl="0">
+              <a:lnSpc>
+                <a:spcPct val="100000"/>
+              </a:lnSpc>
+              <a:spcBef>
+                <a:spcPts val="0"/>
+              </a:spcBef>
+              <a:spcAft>
+                <a:spcPts val="0"/>
+              </a:spcAft>
+              <a:buClr>
+                <a:schemeClr val="lt1"/>
+              </a:buClr>
+              <a:buSzPts val="1800"/>
+              <a:buFont typeface="Calibri"/>
+              <a:buNone/>
+            </a:pPr>
+            <a:endParaRPr sz="1800" b="0" i="0" u="none" strike="noStrike" cap="none">
+              <a:solidFill>
+                <a:srgbClr val="13294B"/>
+              </a:solidFill>
+              <a:latin typeface="Calibri"/>
+              <a:ea typeface="Calibri"/>
+              <a:cs typeface="Calibri"/>
+              <a:sym typeface="Calibri"/>
+            </a:endParaRPr>
+          </a:p>
+        </p:txBody>
+      </p:sp>
+      <p:pic>
+        <p:nvPicPr>
+          <p:cNvPr id="15" name="Picture 14" descr="A close up of a logo&#10;&#10;Description automatically generated">
+            <a:extLst>
+              <a:ext uri="{FF2B5EF4-FFF2-40B4-BE49-F238E27FC236}">
+                <a16:creationId xmlns:a16="http://schemas.microsoft.com/office/drawing/2014/main" id="{A9194208-BB88-DA45-8C43-B250F5F37BE3}"/>
+              </a:ext>
+            </a:extLst>
+          </p:cNvPr>
+          <p:cNvPicPr>
+            <a:picLocks noChangeAspect="1"/>
+          </p:cNvPicPr>
+          <p:nvPr/>
+        </p:nvPicPr>
+        <p:blipFill>
+          <a:blip r:embed="rId3"/>
+          <a:stretch>
+            <a:fillRect/>
+          </a:stretch>
+        </p:blipFill>
+        <p:spPr>
+          <a:xfrm>
+            <a:off x="11554210" y="228014"/>
+            <a:ext cx="277906" cy="401420"/>
+          </a:xfrm>
+          <a:prstGeom prst="rect">
+            <a:avLst/>
+          </a:prstGeom>
+        </p:spPr>
+      </p:pic>
+      <p:sp>
+        <p:nvSpPr>
+          <p:cNvPr id="16" name="Google Shape;100;p1">
+            <a:extLst>
+              <a:ext uri="{FF2B5EF4-FFF2-40B4-BE49-F238E27FC236}">
+                <a16:creationId xmlns:a16="http://schemas.microsoft.com/office/drawing/2014/main" id="{226FBA8E-8ED2-0F48-B1E6-A03B9736B136}"/>
+              </a:ext>
+            </a:extLst>
+          </p:cNvPr>
+          <p:cNvSpPr txBox="1"/>
+          <p:nvPr/>
+        </p:nvSpPr>
+        <p:spPr>
+          <a:xfrm>
+            <a:off x="376810" y="204051"/>
+            <a:ext cx="10910026" cy="461624"/>
+          </a:xfrm>
+          <a:prstGeom prst="rect">
+            <a:avLst/>
+          </a:prstGeom>
+          <a:noFill/>
+          <a:ln>
+            <a:noFill/>
+          </a:ln>
+        </p:spPr>
+        <p:txBody>
+          <a:bodyPr spcFirstLastPara="1" wrap="square" lIns="91425" tIns="45700" rIns="91425" bIns="45700" anchor="t" anchorCtr="0">
+            <a:spAutoFit/>
+          </a:bodyPr>
+          <a:lstStyle/>
+          <a:p>
+            <a:r>
+              <a:rPr lang="en-US" sz="2400" dirty="0">
+                <a:solidFill>
+                  <a:schemeClr val="bg1"/>
+                </a:solidFill>
+              </a:rPr>
+              <a:t>Optimization</a:t>
+            </a:r>
+          </a:p>
+        </p:txBody>
+      </p:sp>
+      <p:sp>
+        <p:nvSpPr>
+          <p:cNvPr id="10" name="Google Shape;100;p1">
+            <a:extLst>
+              <a:ext uri="{FF2B5EF4-FFF2-40B4-BE49-F238E27FC236}">
+                <a16:creationId xmlns:a16="http://schemas.microsoft.com/office/drawing/2014/main" id="{186920B5-D75D-4D96-A546-B250E671A799}"/>
+              </a:ext>
+            </a:extLst>
+          </p:cNvPr>
+          <p:cNvSpPr txBox="1"/>
+          <p:nvPr/>
+        </p:nvSpPr>
+        <p:spPr>
+          <a:xfrm>
+            <a:off x="376807" y="6524381"/>
+            <a:ext cx="1718323" cy="230792"/>
+          </a:xfrm>
+          <a:prstGeom prst="rect">
+            <a:avLst/>
+          </a:prstGeom>
+          <a:noFill/>
+          <a:ln>
+            <a:noFill/>
+          </a:ln>
+        </p:spPr>
+        <p:txBody>
+          <a:bodyPr spcFirstLastPara="1" wrap="square" lIns="91425" tIns="45700" rIns="91425" bIns="45700" anchor="t" anchorCtr="0">
+            <a:spAutoFit/>
+          </a:bodyPr>
+          <a:lstStyle/>
+          <a:p>
+            <a:pPr lvl="0"/>
+            <a:r>
+              <a:rPr lang="en-US" sz="900" spc="200" dirty="0">
+                <a:solidFill>
+                  <a:schemeClr val="bg1"/>
+                </a:solidFill>
+                <a:ea typeface="Helvetica Neue Light"/>
+                <a:cs typeface="Helvetica Neue Light"/>
+                <a:sym typeface="Helvetica Neue Light"/>
+              </a:rPr>
+              <a:t>CS 598/Team 1233</a:t>
+            </a:r>
+          </a:p>
+        </p:txBody>
+      </p:sp>
+      <p:sp>
+        <p:nvSpPr>
+          <p:cNvPr id="4" name="TextBox 3">
+            <a:extLst>
+              <a:ext uri="{FF2B5EF4-FFF2-40B4-BE49-F238E27FC236}">
+                <a16:creationId xmlns:a16="http://schemas.microsoft.com/office/drawing/2014/main" id="{394C736D-F64B-4B4F-977B-3EA84CCF24DF}"/>
+              </a:ext>
+            </a:extLst>
+          </p:cNvPr>
+          <p:cNvSpPr txBox="1"/>
+          <p:nvPr/>
+        </p:nvSpPr>
+        <p:spPr>
+          <a:xfrm>
+            <a:off x="1036303" y="1115824"/>
+            <a:ext cx="4459875" cy="461665"/>
+          </a:xfrm>
+          <a:prstGeom prst="rect">
+            <a:avLst/>
+          </a:prstGeom>
+          <a:noFill/>
+        </p:spPr>
+        <p:txBody>
+          <a:bodyPr wrap="none" rtlCol="0">
+            <a:spAutoFit/>
+          </a:bodyPr>
+          <a:lstStyle/>
+          <a:p>
+            <a:r>
+              <a:rPr lang="en-US" sz="2400" b="1" dirty="0">
+                <a:solidFill>
+                  <a:schemeClr val="bg1"/>
+                </a:solidFill>
+              </a:rPr>
+              <a:t>SGD Vs ADAM Learning Rate</a:t>
+            </a:r>
+          </a:p>
+        </p:txBody>
+      </p:sp>
+      <p:sp>
+        <p:nvSpPr>
+          <p:cNvPr id="2" name="TextBox 1">
+            <a:extLst>
+              <a:ext uri="{FF2B5EF4-FFF2-40B4-BE49-F238E27FC236}">
+                <a16:creationId xmlns:a16="http://schemas.microsoft.com/office/drawing/2014/main" id="{99FA4716-FAC8-4056-9FDC-0DE08E2B3E6B}"/>
+              </a:ext>
+            </a:extLst>
+          </p:cNvPr>
+          <p:cNvSpPr txBox="1"/>
+          <p:nvPr/>
+        </p:nvSpPr>
+        <p:spPr>
+          <a:xfrm>
+            <a:off x="1083733" y="1957493"/>
+            <a:ext cx="8848897" cy="2092881"/>
+          </a:xfrm>
+          <a:prstGeom prst="rect">
+            <a:avLst/>
+          </a:prstGeom>
+          <a:noFill/>
+        </p:spPr>
+        <p:txBody>
+          <a:bodyPr wrap="none" rtlCol="0">
+            <a:spAutoFit/>
+          </a:bodyPr>
+          <a:lstStyle/>
+          <a:p>
+            <a:r>
+              <a:rPr lang="en-US" dirty="0">
+                <a:solidFill>
+                  <a:schemeClr val="bg1"/>
+                </a:solidFill>
+              </a:rPr>
+              <a:t>Gradient Descent methods are used to optimize the results.</a:t>
+            </a:r>
+          </a:p>
+          <a:p>
+            <a:endParaRPr lang="en-US" dirty="0">
+              <a:solidFill>
+                <a:schemeClr val="bg1"/>
+              </a:solidFill>
+            </a:endParaRPr>
+          </a:p>
+          <a:p>
+            <a:r>
+              <a:rPr lang="en-US" sz="1600" b="1" dirty="0">
+                <a:solidFill>
+                  <a:schemeClr val="bg1"/>
+                </a:solidFill>
+              </a:rPr>
+              <a:t>SGD</a:t>
+            </a:r>
+          </a:p>
+          <a:p>
+            <a:pPr marL="285750" indent="-285750">
+              <a:buFont typeface="Arial" panose="020B0604020202020204" pitchFamily="34" charset="0"/>
+              <a:buChar char="•"/>
+            </a:pPr>
+            <a:r>
+              <a:rPr lang="en-US" dirty="0">
+                <a:solidFill>
+                  <a:schemeClr val="bg1"/>
+                </a:solidFill>
+              </a:rPr>
+              <a:t>Instead of performing computation in whole dataset SGD is used in smaller dataset with learning rate .001</a:t>
+            </a:r>
+          </a:p>
+          <a:p>
+            <a:endParaRPr lang="en-US" dirty="0">
+              <a:solidFill>
+                <a:schemeClr val="bg1"/>
+              </a:solidFill>
+            </a:endParaRPr>
+          </a:p>
+          <a:p>
+            <a:r>
+              <a:rPr lang="en-US" sz="1600" b="1" dirty="0">
+                <a:solidFill>
+                  <a:schemeClr val="bg1"/>
+                </a:solidFill>
+              </a:rPr>
+              <a:t>ADAM (Adaptive Moment Estimation)</a:t>
+            </a:r>
+          </a:p>
+          <a:p>
+            <a:pPr marL="285750" indent="-285750">
+              <a:buFont typeface="Arial" panose="020B0604020202020204" pitchFamily="34" charset="0"/>
+              <a:buChar char="•"/>
+            </a:pPr>
+            <a:r>
+              <a:rPr lang="en-US" dirty="0">
+                <a:solidFill>
+                  <a:schemeClr val="bg1"/>
+                </a:solidFill>
+              </a:rPr>
+              <a:t>ADAM algorithm try to use both </a:t>
+            </a:r>
+            <a:r>
+              <a:rPr lang="en-US" dirty="0" err="1">
+                <a:solidFill>
+                  <a:schemeClr val="bg1"/>
+                </a:solidFill>
+              </a:rPr>
+              <a:t>RMSProp</a:t>
+            </a:r>
+            <a:r>
+              <a:rPr lang="en-US" dirty="0">
+                <a:solidFill>
+                  <a:schemeClr val="bg1"/>
+                </a:solidFill>
+              </a:rPr>
+              <a:t> and Momentum gradient descent optimization algorithms.</a:t>
+            </a:r>
+          </a:p>
+          <a:p>
+            <a:pPr marL="285750" indent="-285750">
+              <a:buFont typeface="Arial" panose="020B0604020202020204" pitchFamily="34" charset="0"/>
+              <a:buChar char="•"/>
+            </a:pPr>
+            <a:r>
+              <a:rPr lang="en-US" dirty="0">
+                <a:solidFill>
+                  <a:schemeClr val="bg1"/>
+                </a:solidFill>
+              </a:rPr>
+              <a:t>ADAM with 3e-5 learning rate gave better performance than SGD.</a:t>
+            </a:r>
+          </a:p>
+          <a:p>
+            <a:pPr marL="285750" indent="-285750">
+              <a:buFont typeface="Arial" panose="020B0604020202020204" pitchFamily="34" charset="0"/>
+              <a:buChar char="•"/>
+            </a:pPr>
+            <a:endParaRPr lang="en-US" dirty="0"/>
+          </a:p>
+        </p:txBody>
+      </p:sp>
+    </p:spTree>
+    <p:extLst>
+      <p:ext uri="{BB962C8B-B14F-4D97-AF65-F5344CB8AC3E}">
+        <p14:creationId xmlns:p14="http://schemas.microsoft.com/office/powerpoint/2010/main" val="4140098935"/>
+      </p:ext>
+    </p:extLst>
+  </p:cSld>
+  <p:clrMapOvr>
+    <a:masterClrMapping/>
+  </p:clrMapOvr>
+</p:sld>
+</file>
+
+<file path=ppt/slides/slide12.xml><?xml version="1.0" encoding="utf-8"?>
 <p:sld xmlns:a="http://schemas.openxmlformats.org/drawingml/2006/main" xmlns:r="http://schemas.openxmlformats.org/officeDocument/2006/relationships" xmlns:p="http://schemas.openxmlformats.org/presentationml/2006/main">
   <p:cSld>
     <p:spTree>
@@ -13389,6 +13953,306 @@
           </a:p>
         </p:txBody>
       </p:sp>
+      <p:sp>
+        <p:nvSpPr>
+          <p:cNvPr id="10" name="TextBox 9">
+            <a:extLst>
+              <a:ext uri="{FF2B5EF4-FFF2-40B4-BE49-F238E27FC236}">
+                <a16:creationId xmlns:a16="http://schemas.microsoft.com/office/drawing/2014/main" id="{2229B41D-2AEA-42BD-9FD0-FBE4F5931C79}"/>
+              </a:ext>
+            </a:extLst>
+          </p:cNvPr>
+          <p:cNvSpPr txBox="1"/>
+          <p:nvPr/>
+        </p:nvSpPr>
+        <p:spPr>
+          <a:xfrm>
+            <a:off x="447041" y="1074515"/>
+            <a:ext cx="8019626" cy="5324535"/>
+          </a:xfrm>
+          <a:prstGeom prst="rect">
+            <a:avLst/>
+          </a:prstGeom>
+          <a:noFill/>
+        </p:spPr>
+        <p:txBody>
+          <a:bodyPr wrap="square">
+            <a:spAutoFit/>
+          </a:bodyPr>
+          <a:lstStyle/>
+          <a:p>
+            <a:pPr marL="342900" indent="-342900">
+              <a:buFont typeface="Arial" panose="020B0604020202020204" pitchFamily="34" charset="0"/>
+              <a:buChar char="•"/>
+            </a:pPr>
+            <a:r>
+              <a:rPr lang="en-US" sz="2400" b="1" dirty="0">
+                <a:solidFill>
+                  <a:schemeClr val="bg1"/>
+                </a:solidFill>
+              </a:rPr>
+              <a:t>Result Observation</a:t>
+            </a:r>
+          </a:p>
+          <a:p>
+            <a:pPr marL="342900" indent="-342900">
+              <a:buFont typeface="Arial" panose="020B0604020202020204" pitchFamily="34" charset="0"/>
+              <a:buChar char="•"/>
+            </a:pPr>
+            <a:endParaRPr lang="en-US" dirty="0">
+              <a:solidFill>
+                <a:schemeClr val="bg1"/>
+              </a:solidFill>
+            </a:endParaRPr>
+          </a:p>
+          <a:p>
+            <a:pPr marL="342900" indent="-342900">
+              <a:buFont typeface="Arial" panose="020B0604020202020204" pitchFamily="34" charset="0"/>
+              <a:buChar char="•"/>
+            </a:pPr>
+            <a:r>
+              <a:rPr lang="en-US" sz="1400" dirty="0">
+                <a:solidFill>
+                  <a:schemeClr val="bg1"/>
+                </a:solidFill>
+              </a:rPr>
+              <a:t>Approximately 97% </a:t>
+            </a:r>
+            <a:r>
+              <a:rPr lang="en-US" dirty="0">
+                <a:solidFill>
+                  <a:schemeClr val="bg1"/>
+                </a:solidFill>
+              </a:rPr>
+              <a:t>a</a:t>
+            </a:r>
+            <a:r>
+              <a:rPr lang="en-US" sz="1400" dirty="0">
+                <a:solidFill>
+                  <a:schemeClr val="bg1"/>
+                </a:solidFill>
+              </a:rPr>
+              <a:t>ccuracy in ResNet-50 model and 93% accuracy in InceptionV3 Model. </a:t>
+            </a:r>
+          </a:p>
+          <a:p>
+            <a:pPr marL="342900" indent="-342900">
+              <a:buFont typeface="Arial" panose="020B0604020202020204" pitchFamily="34" charset="0"/>
+              <a:buChar char="•"/>
+            </a:pPr>
+            <a:endParaRPr lang="en-US" sz="1400" dirty="0">
+              <a:solidFill>
+                <a:schemeClr val="bg1"/>
+              </a:solidFill>
+            </a:endParaRPr>
+          </a:p>
+          <a:p>
+            <a:pPr marL="342900" indent="-342900">
+              <a:buFont typeface="Arial" panose="020B0604020202020204" pitchFamily="34" charset="0"/>
+              <a:buChar char="•"/>
+            </a:pPr>
+            <a:r>
+              <a:rPr lang="en-US" sz="1400" dirty="0">
+                <a:solidFill>
+                  <a:schemeClr val="bg1"/>
+                </a:solidFill>
+              </a:rPr>
+              <a:t>ResNet-50 model is more accurate and effective compared to InceptionV3 model.</a:t>
+            </a:r>
+          </a:p>
+          <a:p>
+            <a:pPr marL="342900" indent="-342900">
+              <a:buFont typeface="Arial" panose="020B0604020202020204" pitchFamily="34" charset="0"/>
+              <a:buChar char="•"/>
+            </a:pPr>
+            <a:endParaRPr lang="en-US" dirty="0">
+              <a:solidFill>
+                <a:schemeClr val="bg1"/>
+              </a:solidFill>
+            </a:endParaRPr>
+          </a:p>
+          <a:p>
+            <a:pPr marL="342900" indent="-342900">
+              <a:buFont typeface="Arial" panose="020B0604020202020204" pitchFamily="34" charset="0"/>
+              <a:buChar char="•"/>
+            </a:pPr>
+            <a:r>
+              <a:rPr lang="en-US" dirty="0">
+                <a:solidFill>
+                  <a:schemeClr val="bg1"/>
+                </a:solidFill>
+              </a:rPr>
+              <a:t>Vanishing Gradient issue with InceptionV3 model.</a:t>
+            </a:r>
+          </a:p>
+          <a:p>
+            <a:pPr marL="342900" indent="-342900">
+              <a:buFont typeface="Arial" panose="020B0604020202020204" pitchFamily="34" charset="0"/>
+              <a:buChar char="•"/>
+            </a:pPr>
+            <a:endParaRPr lang="en-US" dirty="0">
+              <a:solidFill>
+                <a:schemeClr val="bg1"/>
+              </a:solidFill>
+            </a:endParaRPr>
+          </a:p>
+          <a:p>
+            <a:pPr marL="342900" indent="-342900">
+              <a:buFont typeface="Arial" panose="020B0604020202020204" pitchFamily="34" charset="0"/>
+              <a:buChar char="•"/>
+            </a:pPr>
+            <a:r>
+              <a:rPr lang="en-US" dirty="0">
+                <a:solidFill>
+                  <a:schemeClr val="bg1"/>
+                </a:solidFill>
+              </a:rPr>
+              <a:t>Challenges in environment creation and model hosting and deployment in AWS.</a:t>
+            </a:r>
+          </a:p>
+          <a:p>
+            <a:pPr marL="342900" indent="-342900">
+              <a:buFont typeface="Arial" panose="020B0604020202020204" pitchFamily="34" charset="0"/>
+              <a:buChar char="•"/>
+            </a:pPr>
+            <a:endParaRPr lang="en-US" dirty="0">
+              <a:solidFill>
+                <a:schemeClr val="bg1"/>
+              </a:solidFill>
+            </a:endParaRPr>
+          </a:p>
+          <a:p>
+            <a:pPr marL="342900" indent="-342900">
+              <a:buFont typeface="Arial" panose="020B0604020202020204" pitchFamily="34" charset="0"/>
+              <a:buChar char="•"/>
+            </a:pPr>
+            <a:r>
+              <a:rPr lang="en-US" sz="2400" b="1" dirty="0">
+                <a:solidFill>
+                  <a:schemeClr val="bg1"/>
+                </a:solidFill>
+              </a:rPr>
+              <a:t>Optimization</a:t>
+            </a:r>
+          </a:p>
+          <a:p>
+            <a:pPr marL="342900" indent="-342900">
+              <a:buFont typeface="Arial" panose="020B0604020202020204" pitchFamily="34" charset="0"/>
+              <a:buChar char="•"/>
+            </a:pPr>
+            <a:endParaRPr lang="en-US" sz="2400" b="1" dirty="0">
+              <a:solidFill>
+                <a:schemeClr val="bg1"/>
+              </a:solidFill>
+            </a:endParaRPr>
+          </a:p>
+          <a:p>
+            <a:pPr marL="342900" indent="-342900">
+              <a:buFont typeface="Arial" panose="020B0604020202020204" pitchFamily="34" charset="0"/>
+              <a:buChar char="•"/>
+            </a:pPr>
+            <a:r>
+              <a:rPr lang="en-US" dirty="0">
+                <a:solidFill>
+                  <a:schemeClr val="bg1"/>
+                </a:solidFill>
+                <a:effectLst/>
+                <a:latin typeface="+mn-lt"/>
+                <a:ea typeface="Calibri" panose="020F0502020204030204" pitchFamily="34" charset="0"/>
+                <a:cs typeface="Mangal" panose="02040503050203030202" pitchFamily="18" charset="0"/>
+              </a:rPr>
+              <a:t>By using cross entropy Loss function and ADAM optimizer with learning rate of 3e-5, we improved the results having more than 90% accuracy.</a:t>
+            </a:r>
+          </a:p>
+          <a:p>
+            <a:pPr marL="342900" indent="-342900">
+              <a:buFont typeface="Arial" panose="020B0604020202020204" pitchFamily="34" charset="0"/>
+              <a:buChar char="•"/>
+            </a:pPr>
+            <a:endParaRPr lang="en-US" dirty="0">
+              <a:solidFill>
+                <a:schemeClr val="bg1"/>
+              </a:solidFill>
+              <a:latin typeface="+mn-lt"/>
+              <a:ea typeface="Calibri" panose="020F0502020204030204" pitchFamily="34" charset="0"/>
+              <a:cs typeface="Mangal" panose="02040503050203030202" pitchFamily="18" charset="0"/>
+            </a:endParaRPr>
+          </a:p>
+          <a:p>
+            <a:pPr marL="342900" indent="-342900">
+              <a:buFont typeface="Arial" panose="020B0604020202020204" pitchFamily="34" charset="0"/>
+              <a:buChar char="•"/>
+            </a:pPr>
+            <a:endParaRPr lang="en-US" sz="2400" b="1" dirty="0">
+              <a:solidFill>
+                <a:schemeClr val="bg1"/>
+              </a:solidFill>
+            </a:endParaRPr>
+          </a:p>
+          <a:p>
+            <a:pPr marL="342900" indent="-342900">
+              <a:buFont typeface="Arial" panose="020B0604020202020204" pitchFamily="34" charset="0"/>
+              <a:buChar char="•"/>
+            </a:pPr>
+            <a:r>
+              <a:rPr lang="en-US" sz="2400" b="1" dirty="0">
+                <a:solidFill>
+                  <a:schemeClr val="bg1"/>
+                </a:solidFill>
+              </a:rPr>
+              <a:t>Future Work</a:t>
+            </a:r>
+          </a:p>
+          <a:p>
+            <a:pPr marL="342900" indent="-342900">
+              <a:buFont typeface="Arial" panose="020B0604020202020204" pitchFamily="34" charset="0"/>
+              <a:buChar char="•"/>
+            </a:pPr>
+            <a:r>
+              <a:rPr lang="en-US" dirty="0">
+                <a:solidFill>
+                  <a:schemeClr val="bg1"/>
+                </a:solidFill>
+                <a:latin typeface="+mn-lt"/>
+                <a:ea typeface="Calibri" panose="020F0502020204030204" pitchFamily="34" charset="0"/>
+                <a:cs typeface="Mangal" panose="02040503050203030202" pitchFamily="18" charset="0"/>
+              </a:rPr>
+              <a:t>Model can be further optimized, and accuracy could be reached to 99%.</a:t>
+            </a:r>
+            <a:endParaRPr lang="en-US" dirty="0">
+              <a:solidFill>
+                <a:schemeClr val="bg1"/>
+              </a:solidFill>
+              <a:effectLst/>
+              <a:latin typeface="+mn-lt"/>
+              <a:ea typeface="Calibri" panose="020F0502020204030204" pitchFamily="34" charset="0"/>
+              <a:cs typeface="Mangal" panose="02040503050203030202" pitchFamily="18" charset="0"/>
+            </a:endParaRPr>
+          </a:p>
+          <a:p>
+            <a:pPr marL="342900" indent="-342900">
+              <a:buFont typeface="Arial" panose="020B0604020202020204" pitchFamily="34" charset="0"/>
+              <a:buChar char="•"/>
+            </a:pPr>
+            <a:endParaRPr lang="en-US" sz="2400" b="1" dirty="0">
+              <a:solidFill>
+                <a:schemeClr val="bg1"/>
+              </a:solidFill>
+            </a:endParaRPr>
+          </a:p>
+          <a:p>
+            <a:pPr marL="342900" indent="-342900">
+              <a:buFont typeface="Arial" panose="020B0604020202020204" pitchFamily="34" charset="0"/>
+              <a:buChar char="•"/>
+            </a:pPr>
+            <a:endParaRPr lang="en-US" sz="1400" b="1" dirty="0">
+              <a:solidFill>
+                <a:schemeClr val="bg1"/>
+              </a:solidFill>
+            </a:endParaRPr>
+          </a:p>
+        </p:txBody>
+      </p:sp>
     </p:spTree>
     <p:extLst>
       <p:ext uri="{BB962C8B-B14F-4D97-AF65-F5344CB8AC3E}">
@@ -13402,7 +14266,7 @@
 </p:sld>
 </file>
 
-<file path=ppt/slides/slide12.xml><?xml version="1.0" encoding="utf-8"?>
+<file path=ppt/slides/slide13.xml><?xml version="1.0" encoding="utf-8"?>
 <p:sld xmlns:a="http://schemas.openxmlformats.org/drawingml/2006/main" xmlns:r="http://schemas.openxmlformats.org/officeDocument/2006/relationships" xmlns:p="http://schemas.openxmlformats.org/presentationml/2006/main">
   <p:cSld>
     <p:spTree>
@@ -13745,7 +14609,7 @@
 </p:sld>
 </file>
 
-<file path=ppt/slides/slide13.xml><?xml version="1.0" encoding="utf-8"?>
+<file path=ppt/slides/slide14.xml><?xml version="1.0" encoding="utf-8"?>
 <p:sld xmlns:a="http://schemas.openxmlformats.org/drawingml/2006/main" xmlns:r="http://schemas.openxmlformats.org/officeDocument/2006/relationships" xmlns:p="http://schemas.openxmlformats.org/presentationml/2006/main">
   <p:cSld>
     <p:spTree>
@@ -17423,7 +18287,7 @@
 </p:sld>
 </file>
 
-<file path=ppt/slides/slide14.xml><?xml version="1.0" encoding="utf-8"?>
+<file path=ppt/slides/slide15.xml><?xml version="1.0" encoding="utf-8"?>
 <p:sld xmlns:a="http://schemas.openxmlformats.org/drawingml/2006/main" xmlns:r="http://schemas.openxmlformats.org/officeDocument/2006/relationships" xmlns:p="http://schemas.openxmlformats.org/presentationml/2006/main">
   <p:cSld>
     <p:spTree>
@@ -18906,11 +19770,6 @@
               </a:rPr>
               <a:t>Our aspiration is to learn and expand the knowledge of Deep learning</a:t>
             </a:r>
-          </a:p>
-          <a:p>
-            <a:pPr marL="571500" lvl="1" indent="0" algn="just">
-              <a:buNone/>
-            </a:pPr>
             <a:endParaRPr lang="en-US" sz="2000" dirty="0">
               <a:solidFill>
                 <a:schemeClr val="bg1"/>
@@ -20530,7 +21389,7 @@
         <p:spPr>
           <a:xfrm>
             <a:off x="282605" y="1862135"/>
-            <a:ext cx="3040330" cy="3754874"/>
+            <a:ext cx="3040330" cy="3108543"/>
           </a:xfrm>
           <a:prstGeom prst="rect">
             <a:avLst/>
@@ -20551,7 +21410,7 @@
               <a:buChar char="•"/>
             </a:pPr>
             <a:r>
-              <a:rPr lang="en-US" sz="1600" dirty="0">
+              <a:rPr lang="en-US" dirty="0">
                 <a:solidFill>
                   <a:schemeClr val="bg1"/>
                 </a:solidFill>
@@ -20565,7 +21424,7 @@
               <a:buFont typeface="Arial" panose="020B0604020202020204" pitchFamily="34" charset="0"/>
               <a:buChar char="•"/>
             </a:pPr>
-            <a:endParaRPr lang="en-US" sz="1600" dirty="0">
+            <a:endParaRPr lang="en-US" dirty="0">
               <a:solidFill>
                 <a:schemeClr val="bg1"/>
               </a:solidFill>
@@ -20578,7 +21437,7 @@
               <a:buChar char="•"/>
             </a:pPr>
             <a:r>
-              <a:rPr lang="en-US" sz="1600" dirty="0">
+              <a:rPr lang="en-US" dirty="0">
                 <a:solidFill>
                   <a:schemeClr val="bg1"/>
                 </a:solidFill>
@@ -20592,7 +21451,7 @@
               <a:buFont typeface="Arial" panose="020B0604020202020204" pitchFamily="34" charset="0"/>
               <a:buChar char="•"/>
             </a:pPr>
-            <a:endParaRPr lang="en-US" sz="1600" dirty="0">
+            <a:endParaRPr lang="en-US" dirty="0">
               <a:solidFill>
                 <a:schemeClr val="bg1"/>
               </a:solidFill>
@@ -20605,7 +21464,7 @@
               <a:buChar char="•"/>
             </a:pPr>
             <a:r>
-              <a:rPr lang="en-US" sz="1600" dirty="0">
+              <a:rPr lang="en-US" dirty="0">
                 <a:solidFill>
                   <a:schemeClr val="bg1"/>
                 </a:solidFill>
@@ -20619,7 +21478,7 @@
               <a:buFont typeface="Arial" panose="020B0604020202020204" pitchFamily="34" charset="0"/>
               <a:buChar char="•"/>
             </a:pPr>
-            <a:endParaRPr lang="en-US" sz="1600" dirty="0">
+            <a:endParaRPr lang="en-US" dirty="0">
               <a:solidFill>
                 <a:schemeClr val="bg1"/>
               </a:solidFill>
@@ -20632,7 +21491,7 @@
               <a:buChar char="•"/>
             </a:pPr>
             <a:r>
-              <a:rPr lang="en-US" sz="1600" dirty="0">
+              <a:rPr lang="en-US" dirty="0">
                 <a:solidFill>
                   <a:schemeClr val="bg1"/>
                 </a:solidFill>
@@ -20641,7 +21500,7 @@
               <a:t>AWS </a:t>
             </a:r>
             <a:r>
-              <a:rPr lang="en-US" sz="1600" dirty="0" err="1">
+              <a:rPr lang="en-US" dirty="0" err="1">
                 <a:solidFill>
                   <a:schemeClr val="bg1"/>
                 </a:solidFill>
@@ -20649,7 +21508,7 @@
               </a:rPr>
               <a:t>Sagemaker</a:t>
             </a:r>
-            <a:endParaRPr lang="en-US" sz="1600" dirty="0">
+            <a:endParaRPr lang="en-US" dirty="0">
               <a:solidFill>
                 <a:schemeClr val="bg1"/>
               </a:solidFill>
@@ -20661,7 +21520,7 @@
               <a:buFont typeface="Arial" panose="020B0604020202020204" pitchFamily="34" charset="0"/>
               <a:buChar char="•"/>
             </a:pPr>
-            <a:endParaRPr lang="en-US" sz="1600" dirty="0">
+            <a:endParaRPr lang="en-US" dirty="0">
               <a:solidFill>
                 <a:schemeClr val="bg1"/>
               </a:solidFill>
@@ -20674,7 +21533,7 @@
               <a:buChar char="•"/>
             </a:pPr>
             <a:r>
-              <a:rPr lang="en-US" sz="1600" dirty="0">
+              <a:rPr lang="en-US" dirty="0">
                 <a:solidFill>
                   <a:schemeClr val="bg1"/>
                 </a:solidFill>
@@ -20688,7 +21547,7 @@
               <a:buFont typeface="Arial" panose="020B0604020202020204" pitchFamily="34" charset="0"/>
               <a:buChar char="•"/>
             </a:pPr>
-            <a:endParaRPr lang="en-US" sz="1600" dirty="0">
+            <a:endParaRPr lang="en-US" dirty="0">
               <a:solidFill>
                 <a:schemeClr val="bg1"/>
               </a:solidFill>
@@ -20701,7 +21560,7 @@
               <a:buChar char="•"/>
             </a:pPr>
             <a:r>
-              <a:rPr lang="en-US" sz="1600" dirty="0">
+              <a:rPr lang="en-US" dirty="0">
                 <a:solidFill>
                   <a:schemeClr val="bg1"/>
                 </a:solidFill>
@@ -20716,7 +21575,7 @@
               <a:buAutoNum type="arabicPeriod"/>
             </a:pPr>
             <a:r>
-              <a:rPr lang="en-US" sz="1600" dirty="0">
+              <a:rPr lang="en-US" sz="1200" dirty="0">
                 <a:solidFill>
                   <a:schemeClr val="bg1"/>
                 </a:solidFill>
@@ -20731,7 +21590,7 @@
               <a:buAutoNum type="arabicPeriod"/>
             </a:pPr>
             <a:r>
-              <a:rPr lang="en-US" sz="1600" dirty="0">
+              <a:rPr lang="en-US" sz="1200" dirty="0">
                 <a:solidFill>
                   <a:schemeClr val="bg1"/>
                 </a:solidFill>
@@ -21103,7 +21962,7 @@
         </p:spPr>
         <p:txBody>
           <a:bodyPr>
-            <a:normAutofit fontScale="85000" lnSpcReduction="10000"/>
+            <a:normAutofit/>
           </a:bodyPr>
           <a:lstStyle>
             <a:defPPr marR="0" lvl="0" algn="l" rtl="0">
@@ -21340,7 +22199,7 @@
               <a:buChar char="•"/>
             </a:pPr>
             <a:r>
-              <a:rPr lang="en-US" sz="2000" b="1" dirty="0">
+              <a:rPr lang="en-US" sz="1400" b="1" dirty="0">
                 <a:solidFill>
                   <a:schemeClr val="bg1"/>
                 </a:solidFill>
@@ -21349,7 +22208,7 @@
               <a:t>Client Application (Angular.js) </a:t>
             </a:r>
             <a:r>
-              <a:rPr lang="en-US" sz="2000" dirty="0">
+              <a:rPr lang="en-US" sz="1400" dirty="0">
                 <a:solidFill>
                   <a:schemeClr val="bg1"/>
                 </a:solidFill>
@@ -21363,7 +22222,7 @@
               <a:buFont typeface="Arial" panose="020B0604020202020204" pitchFamily="34" charset="0"/>
               <a:buChar char="•"/>
             </a:pPr>
-            <a:endParaRPr lang="en-US" sz="2000" dirty="0">
+            <a:endParaRPr lang="en-US" sz="1400" dirty="0">
               <a:solidFill>
                 <a:schemeClr val="bg1"/>
               </a:solidFill>
@@ -21376,7 +22235,7 @@
               <a:buChar char="•"/>
             </a:pPr>
             <a:r>
-              <a:rPr lang="en-US" sz="2000" b="1" dirty="0">
+              <a:rPr lang="en-US" sz="1400" b="1" dirty="0">
                 <a:solidFill>
                   <a:schemeClr val="bg1"/>
                 </a:solidFill>
@@ -21385,7 +22244,7 @@
               <a:t>Amazon API Gateway -  </a:t>
             </a:r>
             <a:r>
-              <a:rPr lang="en-US" sz="2000" dirty="0">
+              <a:rPr lang="en-US" sz="1400" dirty="0">
                 <a:solidFill>
                   <a:schemeClr val="bg1"/>
                 </a:solidFill>
@@ -21399,7 +22258,7 @@
               <a:buFont typeface="Arial" panose="020B0604020202020204" pitchFamily="34" charset="0"/>
               <a:buChar char="•"/>
             </a:pPr>
-            <a:endParaRPr lang="en-US" sz="2000" dirty="0">
+            <a:endParaRPr lang="en-US" sz="1400" dirty="0">
               <a:solidFill>
                 <a:schemeClr val="bg1"/>
               </a:solidFill>
@@ -21412,7 +22271,7 @@
               <a:buChar char="•"/>
             </a:pPr>
             <a:r>
-              <a:rPr lang="en-US" sz="2000" b="1" dirty="0">
+              <a:rPr lang="en-US" sz="1400" b="1" dirty="0">
                 <a:solidFill>
                   <a:schemeClr val="bg1"/>
                 </a:solidFill>
@@ -21421,7 +22280,7 @@
               <a:t>AWS Lambda – </a:t>
             </a:r>
             <a:r>
-              <a:rPr lang="en-US" sz="2000" dirty="0">
+              <a:rPr lang="en-US" sz="1400" dirty="0">
                 <a:solidFill>
                   <a:schemeClr val="bg1"/>
                 </a:solidFill>
@@ -21435,7 +22294,7 @@
               <a:buFont typeface="Arial" panose="020B0604020202020204" pitchFamily="34" charset="0"/>
               <a:buChar char="•"/>
             </a:pPr>
-            <a:endParaRPr lang="en-US" sz="2000" dirty="0">
+            <a:endParaRPr lang="en-US" sz="1400" dirty="0">
               <a:solidFill>
                 <a:schemeClr val="bg1"/>
               </a:solidFill>
@@ -21448,7 +22307,7 @@
               <a:buChar char="•"/>
             </a:pPr>
             <a:r>
-              <a:rPr lang="en-US" sz="2000" b="1" dirty="0">
+              <a:rPr lang="en-US" sz="1400" b="1" dirty="0">
                 <a:solidFill>
                   <a:schemeClr val="bg1"/>
                 </a:solidFill>
@@ -21457,7 +22316,7 @@
               <a:t>Amazon S3 – </a:t>
             </a:r>
             <a:r>
-              <a:rPr lang="en-US" sz="2000" dirty="0">
+              <a:rPr lang="en-US" sz="1400" dirty="0">
                 <a:solidFill>
                   <a:schemeClr val="bg1"/>
                 </a:solidFill>
@@ -21471,7 +22330,7 @@
               <a:buFont typeface="Arial" panose="020B0604020202020204" pitchFamily="34" charset="0"/>
               <a:buChar char="•"/>
             </a:pPr>
-            <a:endParaRPr lang="en-US" sz="2000" dirty="0">
+            <a:endParaRPr lang="en-US" sz="1400" dirty="0">
               <a:solidFill>
                 <a:schemeClr val="bg1"/>
               </a:solidFill>
@@ -21484,7 +22343,7 @@
               <a:buChar char="•"/>
             </a:pPr>
             <a:r>
-              <a:rPr lang="en-US" sz="2000" b="1" dirty="0">
+              <a:rPr lang="en-US" sz="1400" b="1" dirty="0">
                 <a:solidFill>
                   <a:schemeClr val="bg1"/>
                 </a:solidFill>
@@ -21493,7 +22352,7 @@
               <a:t>Amazon </a:t>
             </a:r>
             <a:r>
-              <a:rPr lang="en-US" sz="2000" b="1" dirty="0" err="1">
+              <a:rPr lang="en-US" sz="1400" b="1" dirty="0" err="1">
                 <a:solidFill>
                   <a:schemeClr val="bg1"/>
                 </a:solidFill>
@@ -21502,7 +22361,7 @@
               <a:t>Sagemaker</a:t>
             </a:r>
             <a:r>
-              <a:rPr lang="en-US" sz="2000" b="1" dirty="0">
+              <a:rPr lang="en-US" sz="1400" b="1" dirty="0">
                 <a:solidFill>
                   <a:schemeClr val="bg1"/>
                 </a:solidFill>
@@ -21511,7 +22370,7 @@
               <a:t> – </a:t>
             </a:r>
             <a:r>
-              <a:rPr lang="en-US" sz="2000" dirty="0">
+              <a:rPr lang="en-US" sz="1400" dirty="0">
                 <a:solidFill>
                   <a:schemeClr val="bg1"/>
                 </a:solidFill>
@@ -21520,16 +22379,25 @@
               <a:t>Amazon </a:t>
             </a:r>
             <a:r>
-              <a:rPr lang="en-US" sz="2000" dirty="0" err="1">
+              <a:rPr lang="en-US" dirty="0" err="1">
                 <a:solidFill>
                   <a:schemeClr val="bg1"/>
                 </a:solidFill>
                 <a:sym typeface="Calibri"/>
               </a:rPr>
-              <a:t>Sagemaker</a:t>
-            </a:r>
-            <a:r>
-              <a:rPr lang="en-US" sz="2000" dirty="0">
+              <a:t>S</a:t>
+            </a:r>
+            <a:r>
+              <a:rPr lang="en-US" sz="1400" dirty="0" err="1">
+                <a:solidFill>
+                  <a:schemeClr val="bg1"/>
+                </a:solidFill>
+                <a:sym typeface="Calibri"/>
+              </a:rPr>
+              <a:t>agemaker</a:t>
+            </a:r>
+            <a:r>
+              <a:rPr lang="en-US" sz="1400" dirty="0">
                 <a:solidFill>
                   <a:schemeClr val="bg1"/>
                 </a:solidFill>
@@ -21543,7 +22411,7 @@
               <a:buFont typeface="Arial" panose="020B0604020202020204" pitchFamily="34" charset="0"/>
               <a:buChar char="•"/>
             </a:pPr>
-            <a:endParaRPr lang="en-US" sz="2000" b="1" dirty="0">
+            <a:endParaRPr lang="en-US" sz="1400" b="1" dirty="0">
               <a:solidFill>
                 <a:schemeClr val="bg1"/>
               </a:solidFill>
@@ -21556,7 +22424,7 @@
               <a:buChar char="•"/>
             </a:pPr>
             <a:r>
-              <a:rPr lang="en-US" sz="2000" b="1" dirty="0">
+              <a:rPr lang="en-US" sz="1400" b="1" dirty="0">
                 <a:solidFill>
                   <a:schemeClr val="bg1"/>
                 </a:solidFill>
@@ -21565,7 +22433,7 @@
               <a:t>Trained Models – </a:t>
             </a:r>
             <a:r>
-              <a:rPr lang="en-US" sz="2000" dirty="0">
+              <a:rPr lang="en-US" sz="1400" dirty="0">
                 <a:solidFill>
                   <a:schemeClr val="bg1"/>
                 </a:solidFill>
@@ -22025,7 +22893,7 @@
         </p:nvSpPr>
         <p:spPr>
           <a:xfrm>
-            <a:off x="468597" y="1407299"/>
+            <a:off x="458087" y="1239134"/>
             <a:ext cx="7012900" cy="2921719"/>
           </a:xfrm>
           <a:prstGeom prst="rect">
@@ -22078,7 +22946,7 @@
               <a:buChar char="•"/>
             </a:pPr>
             <a:r>
-              <a:rPr lang="en-US" sz="2000" dirty="0">
+              <a:rPr lang="en-US" sz="1400" dirty="0">
                 <a:solidFill>
                   <a:schemeClr val="bg1"/>
                 </a:solidFill>
@@ -22091,7 +22959,7 @@
               <a:buFont typeface="Arial" panose="020B0604020202020204" pitchFamily="34" charset="0"/>
               <a:buChar char="•"/>
             </a:pPr>
-            <a:endParaRPr lang="en-US" sz="2000" dirty="0">
+            <a:endParaRPr lang="en-US" sz="1400" dirty="0">
               <a:solidFill>
                 <a:schemeClr val="bg1"/>
               </a:solidFill>
@@ -22103,7 +22971,7 @@
               <a:buChar char="•"/>
             </a:pPr>
             <a:r>
-              <a:rPr lang="en-US" sz="2000" dirty="0">
+              <a:rPr lang="en-US" sz="1400" dirty="0">
                 <a:solidFill>
                   <a:schemeClr val="bg1"/>
                 </a:solidFill>
@@ -22116,7 +22984,7 @@
               <a:buFont typeface="Arial" panose="020B0604020202020204" pitchFamily="34" charset="0"/>
               <a:buChar char="•"/>
             </a:pPr>
-            <a:endParaRPr lang="en-US" sz="2000" b="1" dirty="0">
+            <a:endParaRPr lang="en-US" sz="1400" b="1" dirty="0">
               <a:solidFill>
                 <a:schemeClr val="bg1"/>
               </a:solidFill>
@@ -22128,7 +22996,7 @@
               <a:buChar char="•"/>
             </a:pPr>
             <a:r>
-              <a:rPr lang="en-US" sz="2000" dirty="0">
+              <a:rPr lang="en-US" sz="1400" dirty="0">
                 <a:solidFill>
                   <a:schemeClr val="bg1"/>
                 </a:solidFill>
@@ -22531,7 +23399,7 @@
         </p:blipFill>
         <p:spPr>
           <a:xfrm>
-            <a:off x="2548409" y="4327797"/>
+            <a:off x="4429760" y="4574366"/>
             <a:ext cx="6857076" cy="1670828"/>
           </a:xfrm>
           <a:prstGeom prst="rect">
@@ -22599,8 +23467,8 @@
         </p:nvSpPr>
         <p:spPr>
           <a:xfrm>
-            <a:off x="447040" y="1074515"/>
-            <a:ext cx="11385075" cy="3046988"/>
+            <a:off x="447041" y="1074515"/>
+            <a:ext cx="8019626" cy="3323987"/>
           </a:xfrm>
           <a:prstGeom prst="rect">
             <a:avLst/>
@@ -22614,7 +23482,7 @@
           <a:lstStyle/>
           <a:p>
             <a:r>
-              <a:rPr lang="en-US" sz="1600" b="1" dirty="0">
+              <a:rPr lang="en-US" sz="2800" b="1" dirty="0">
                 <a:solidFill>
                   <a:schemeClr val="bg1"/>
                 </a:solidFill>
@@ -22623,7 +23491,7 @@
             </a:r>
           </a:p>
           <a:p>
-            <a:endParaRPr lang="en-US" sz="1600" b="1" dirty="0">
+            <a:endParaRPr lang="en-US" sz="2800" b="1" dirty="0">
               <a:solidFill>
                 <a:schemeClr val="bg1"/>
               </a:solidFill>
@@ -22635,7 +23503,7 @@
               <a:buChar char="•"/>
             </a:pPr>
             <a:r>
-              <a:rPr lang="en-US" sz="1600" dirty="0">
+              <a:rPr lang="en-US" sz="1400" dirty="0">
                 <a:solidFill>
                   <a:schemeClr val="bg1"/>
                 </a:solidFill>
@@ -22648,7 +23516,7 @@
               <a:buFont typeface="Arial" panose="020B0604020202020204" pitchFamily="34" charset="0"/>
               <a:buChar char="•"/>
             </a:pPr>
-            <a:endParaRPr lang="en-US" sz="1600" dirty="0">
+            <a:endParaRPr lang="en-US" sz="1400" dirty="0">
               <a:solidFill>
                 <a:schemeClr val="bg1"/>
               </a:solidFill>
@@ -22660,7 +23528,7 @@
               <a:buChar char="•"/>
             </a:pPr>
             <a:r>
-              <a:rPr lang="en-US" sz="1600" dirty="0">
+              <a:rPr lang="en-US" sz="1400" dirty="0">
                 <a:solidFill>
                   <a:schemeClr val="bg1"/>
                 </a:solidFill>
@@ -22668,7 +23536,7 @@
               <a:t>Developed by </a:t>
             </a:r>
             <a:r>
-              <a:rPr lang="en-US" sz="1600" dirty="0" err="1">
+              <a:rPr lang="en-US" sz="1400" dirty="0" err="1">
                 <a:solidFill>
                   <a:schemeClr val="bg1"/>
                 </a:solidFill>
@@ -22676,7 +23544,7 @@
               <a:t>GoogleNet</a:t>
             </a:r>
             <a:r>
-              <a:rPr lang="en-US" sz="1600" dirty="0">
+              <a:rPr lang="en-US" sz="1400" dirty="0">
                 <a:solidFill>
                   <a:schemeClr val="bg1"/>
                 </a:solidFill>
@@ -22689,7 +23557,7 @@
               <a:buFont typeface="Arial" panose="020B0604020202020204" pitchFamily="34" charset="0"/>
               <a:buChar char="•"/>
             </a:pPr>
-            <a:endParaRPr lang="en-US" sz="1600" b="1" dirty="0">
+            <a:endParaRPr lang="en-US" sz="1400" b="1" dirty="0">
               <a:solidFill>
                 <a:schemeClr val="bg1"/>
               </a:solidFill>
@@ -22701,7 +23569,7 @@
               <a:buChar char="•"/>
             </a:pPr>
             <a:r>
-              <a:rPr lang="en-US" sz="1600" dirty="0">
+              <a:rPr lang="en-US" sz="1400" dirty="0">
                 <a:solidFill>
                   <a:schemeClr val="bg1"/>
                 </a:solidFill>
@@ -22714,7 +23582,7 @@
               <a:buFont typeface="Arial" panose="020B0604020202020204" pitchFamily="34" charset="0"/>
               <a:buChar char="•"/>
             </a:pPr>
-            <a:endParaRPr lang="en-US" sz="1600" dirty="0">
+            <a:endParaRPr lang="en-US" dirty="0">
               <a:solidFill>
                 <a:schemeClr val="bg1"/>
               </a:solidFill>
@@ -22726,7 +23594,7 @@
               <a:buChar char="•"/>
             </a:pPr>
             <a:r>
-              <a:rPr lang="en-US" sz="1600" dirty="0">
+              <a:rPr lang="en-US" sz="1400" dirty="0">
                 <a:solidFill>
                   <a:schemeClr val="bg1"/>
                 </a:solidFill>
@@ -22740,12 +23608,20 @@
               <a:buChar char="•"/>
             </a:pPr>
             <a:r>
-              <a:rPr lang="en-US" sz="1600" dirty="0">
-                <a:solidFill>
-                  <a:schemeClr val="bg1"/>
-                </a:solidFill>
-              </a:rPr>
-              <a:t>Uses Smaller Convolutions (replaces bigger convolutions to smaller convolutions),</a:t>
+              <a:rPr lang="en-US" dirty="0">
+                <a:solidFill>
+                  <a:schemeClr val="bg1"/>
+                </a:solidFill>
+              </a:rPr>
+              <a:t>Uses </a:t>
+            </a:r>
+            <a:r>
+              <a:rPr lang="en-US" sz="1400" dirty="0">
+                <a:solidFill>
+                  <a:schemeClr val="bg1"/>
+                </a:solidFill>
+              </a:rPr>
+              <a:t>Smaller Convolutions (replaces bigger convolutions to smaller convolutions),</a:t>
             </a:r>
           </a:p>
           <a:p>
@@ -22754,7 +23630,7 @@
               <a:buChar char="•"/>
             </a:pPr>
             <a:r>
-              <a:rPr lang="en-US" sz="1600" dirty="0">
+              <a:rPr lang="en-US" sz="1400" dirty="0">
                 <a:solidFill>
                   <a:schemeClr val="bg1"/>
                 </a:solidFill>

--- a/Presentation_Team_1233 _mike.pptx
+++ b/Presentation_Team_1233 _mike.pptx
@@ -18,8 +18,8 @@
     <p:sldId id="308" r:id="rId9"/>
     <p:sldId id="309" r:id="rId10"/>
     <p:sldId id="310" r:id="rId11"/>
-    <p:sldId id="311" r:id="rId12"/>
-    <p:sldId id="312" r:id="rId13"/>
+    <p:sldId id="318" r:id="rId12"/>
+    <p:sldId id="311" r:id="rId13"/>
     <p:sldId id="313" r:id="rId14"/>
     <p:sldId id="298" r:id="rId15"/>
   </p:sldIdLst>
@@ -259,7 +259,7 @@
       <p15:sldGuideLst xmlns:p15="http://schemas.microsoft.com/office/powerpoint/2012/main"/>
     </p:ext>
     <p:ext uri="http://customooxmlschemas.google.com/">
-      <go:slidesCustomData xmlns:go="http://customooxmlschemas.google.com/" xmlns:p15="http://schemas.microsoft.com/office/powerpoint/2012/main" xmlns:p14="http://schemas.microsoft.com/office/powerpoint/2010/main" xmlns:com="http://schemas.openxmlformats.org/drawingml/2006/compatibility" xmlns:pvml="urn:schemas-microsoft-com:office:powerpoint" xmlns:v="urn:schemas-microsoft-com:vml" xmlns:o="urn:schemas-microsoft-com:office:office" xmlns:dgm="http://schemas.openxmlformats.org/drawingml/2006/diagram" xmlns:c="http://schemas.openxmlformats.org/drawingml/2006/chart" xmlns:mv="urn:schemas-microsoft-com:mac:vml" xmlns:mc="http://schemas.openxmlformats.org/markup-compatibility/2006" xmlns="" r:id="rId35" roundtripDataSignature="AMtx7mhSaRiTD9uDhGJ3nUfwohnl+c0Rsw=="/>
+      <go:slidesCustomData xmlns="" xmlns:mc="http://schemas.openxmlformats.org/markup-compatibility/2006" xmlns:mv="urn:schemas-microsoft-com:mac:vml" xmlns:c="http://schemas.openxmlformats.org/drawingml/2006/chart" xmlns:dgm="http://schemas.openxmlformats.org/drawingml/2006/diagram" xmlns:o="urn:schemas-microsoft-com:office:office" xmlns:v="urn:schemas-microsoft-com:vml" xmlns:pvml="urn:schemas-microsoft-com:office:powerpoint" xmlns:com="http://schemas.openxmlformats.org/drawingml/2006/compatibility" xmlns:p14="http://schemas.microsoft.com/office/powerpoint/2010/main" xmlns:p15="http://schemas.microsoft.com/office/powerpoint/2012/main" xmlns:go="http://customooxmlschemas.google.com/" r:id="rId35" roundtripDataSignature="AMtx7mhSaRiTD9uDhGJ3nUfwohnl+c0Rsw=="/>
     </p:ext>
   </p:extLst>
 </p:presentation>
@@ -275,20 +275,6 @@
     </p:extLst>
   </p:cmAuthor>
 </p:cmAuthorLst>
-</file>
-
-<file path=ppt/comments/comment1.xml><?xml version="1.0" encoding="utf-8"?>
-<p:cmLst xmlns:a="http://schemas.openxmlformats.org/drawingml/2006/main" xmlns:r="http://schemas.openxmlformats.org/officeDocument/2006/relationships" xmlns:p="http://schemas.openxmlformats.org/presentationml/2006/main">
-  <p:cm authorId="1" dt="2021-05-09T10:43:32.764" idx="1">
-    <p:pos x="7680" y="10"/>
-    <p:text/>
-    <p:extLst>
-      <p:ext uri="{C676402C-5697-4E1C-873F-D02D1690AC5C}">
-        <p15:threadingInfo xmlns:p15="http://schemas.microsoft.com/office/powerpoint/2012/main" timeZoneBias="300"/>
-      </p:ext>
-    </p:extLst>
-  </p:cm>
-</p:cmLst>
 </file>
 
 <file path=ppt/notesMasters/notesMaster1.xml><?xml version="1.0" encoding="utf-8"?>
@@ -12586,13 +12572,13 @@
           <p:nvPr>
             <p:extLst>
               <p:ext uri="{D42A27DB-BD31-4B8C-83A1-F6EECF244321}">
-                <p14:modId xmlns:p14="http://schemas.microsoft.com/office/powerpoint/2010/main" val="836285933"/>
+                <p14:modId xmlns:p14="http://schemas.microsoft.com/office/powerpoint/2010/main" val="2665505495"/>
               </p:ext>
             </p:extLst>
           </p:nvPr>
         </p:nvGraphicFramePr>
         <p:xfrm>
-          <a:off x="1185316" y="2093900"/>
+          <a:off x="1235968" y="1950442"/>
           <a:ext cx="8859535" cy="2961925"/>
         </p:xfrm>
         <a:graphic>
@@ -13046,6 +13032,57 @@
           </a:p>
         </p:txBody>
       </p:sp>
+      <p:sp>
+        <p:nvSpPr>
+          <p:cNvPr id="5" name="TextBox 4">
+            <a:extLst>
+              <a:ext uri="{FF2B5EF4-FFF2-40B4-BE49-F238E27FC236}">
+                <a16:creationId xmlns:a16="http://schemas.microsoft.com/office/drawing/2014/main" id="{4515678C-E5DC-477E-A66A-0454DD763633}"/>
+              </a:ext>
+            </a:extLst>
+          </p:cNvPr>
+          <p:cNvSpPr txBox="1"/>
+          <p:nvPr/>
+        </p:nvSpPr>
+        <p:spPr>
+          <a:xfrm>
+            <a:off x="1379946" y="5138092"/>
+            <a:ext cx="8571577" cy="400110"/>
+          </a:xfrm>
+          <a:prstGeom prst="rect">
+            <a:avLst/>
+          </a:prstGeom>
+          <a:noFill/>
+        </p:spPr>
+        <p:txBody>
+          <a:bodyPr wrap="none" rtlCol="0">
+            <a:spAutoFit/>
+          </a:bodyPr>
+          <a:lstStyle/>
+          <a:p>
+            <a:r>
+              <a:rPr lang="en-US" sz="2000" dirty="0">
+                <a:solidFill>
+                  <a:schemeClr val="bg1"/>
+                </a:solidFill>
+              </a:rPr>
+              <a:t>For the same dataset, ResNetV3 model outperformed InceptionV3 model</a:t>
+            </a:r>
+            <a:r>
+              <a:rPr lang="en-US" dirty="0">
+                <a:solidFill>
+                  <a:schemeClr val="bg1"/>
+                </a:solidFill>
+              </a:rPr>
+              <a:t>.</a:t>
+            </a:r>
+            <a:r>
+              <a:rPr lang="en-US" dirty="0"/>
+              <a:t> </a:t>
+            </a:r>
+          </a:p>
+        </p:txBody>
+      </p:sp>
     </p:spTree>
     <p:extLst>
       <p:ext uri="{BB962C8B-B14F-4D97-AF65-F5344CB8AC3E}">
@@ -13060,6 +13097,510 @@
 </file>
 
 <file path=ppt/slides/slide11.xml><?xml version="1.0" encoding="utf-8"?>
+<p:sld xmlns:a="http://schemas.openxmlformats.org/drawingml/2006/main" xmlns:r="http://schemas.openxmlformats.org/officeDocument/2006/relationships" xmlns:p="http://schemas.openxmlformats.org/presentationml/2006/main">
+  <p:cSld>
+    <p:spTree>
+      <p:nvGrpSpPr>
+        <p:cNvPr id="1" name=""/>
+        <p:cNvGrpSpPr/>
+        <p:nvPr/>
+      </p:nvGrpSpPr>
+      <p:grpSpPr>
+        <a:xfrm>
+          <a:off x="0" y="0"/>
+          <a:ext cx="0" cy="0"/>
+          <a:chOff x="0" y="0"/>
+          <a:chExt cx="0" cy="0"/>
+        </a:xfrm>
+      </p:grpSpPr>
+      <p:pic>
+        <p:nvPicPr>
+          <p:cNvPr id="8" name="Picture 7" descr="A picture containing building, street&#10;&#10;Description automatically generated">
+            <a:extLst>
+              <a:ext uri="{FF2B5EF4-FFF2-40B4-BE49-F238E27FC236}">
+                <a16:creationId xmlns:a16="http://schemas.microsoft.com/office/drawing/2014/main" id="{C4D857D6-D6F6-8F48-8C06-282B2DC15410}"/>
+              </a:ext>
+            </a:extLst>
+          </p:cNvPr>
+          <p:cNvPicPr>
+            <a:picLocks noChangeAspect="1"/>
+          </p:cNvPicPr>
+          <p:nvPr/>
+        </p:nvPicPr>
+        <p:blipFill>
+          <a:blip r:embed="rId2">
+            <a:alphaModFix amt="25000"/>
+          </a:blip>
+          <a:stretch>
+            <a:fillRect/>
+          </a:stretch>
+        </p:blipFill>
+        <p:spPr>
+          <a:xfrm>
+            <a:off x="-2" y="16331"/>
+            <a:ext cx="12192000" cy="6858000"/>
+          </a:xfrm>
+          <a:prstGeom prst="rect">
+            <a:avLst/>
+          </a:prstGeom>
+          <a:effectLst>
+            <a:glow rad="25625">
+              <a:schemeClr val="accent1">
+                <a:alpha val="87000"/>
+              </a:schemeClr>
+            </a:glow>
+          </a:effectLst>
+        </p:spPr>
+      </p:pic>
+      <p:pic>
+        <p:nvPicPr>
+          <p:cNvPr id="7" name="Picture 6" descr="A picture containing building, street&#10;&#10;Description automatically generated">
+            <a:extLst>
+              <a:ext uri="{FF2B5EF4-FFF2-40B4-BE49-F238E27FC236}">
+                <a16:creationId xmlns:a16="http://schemas.microsoft.com/office/drawing/2014/main" id="{811E24CA-B4F3-0948-93D2-9E6B53CBA842}"/>
+              </a:ext>
+            </a:extLst>
+          </p:cNvPr>
+          <p:cNvPicPr>
+            <a:picLocks noChangeAspect="1"/>
+          </p:cNvPicPr>
+          <p:nvPr/>
+        </p:nvPicPr>
+        <p:blipFill>
+          <a:blip r:embed="rId2">
+            <a:alphaModFix amt="25000"/>
+          </a:blip>
+          <a:stretch>
+            <a:fillRect/>
+          </a:stretch>
+        </p:blipFill>
+        <p:spPr>
+          <a:xfrm>
+            <a:off x="-1" y="8165"/>
+            <a:ext cx="11832117" cy="6858000"/>
+          </a:xfrm>
+          <a:prstGeom prst="rect">
+            <a:avLst/>
+          </a:prstGeom>
+        </p:spPr>
+      </p:pic>
+      <p:sp>
+        <p:nvSpPr>
+          <p:cNvPr id="18" name="Google Shape;145;p7">
+            <a:extLst>
+              <a:ext uri="{FF2B5EF4-FFF2-40B4-BE49-F238E27FC236}">
+                <a16:creationId xmlns:a16="http://schemas.microsoft.com/office/drawing/2014/main" id="{37E7B2F9-4530-7540-9A7D-25FE9B6FF02F}"/>
+              </a:ext>
+            </a:extLst>
+          </p:cNvPr>
+          <p:cNvSpPr/>
+          <p:nvPr/>
+        </p:nvSpPr>
+        <p:spPr>
+          <a:xfrm rot="10800000" flipH="1">
+            <a:off x="0" y="6437013"/>
+            <a:ext cx="12192000" cy="420987"/>
+          </a:xfrm>
+          <a:prstGeom prst="rect">
+            <a:avLst/>
+          </a:prstGeom>
+          <a:solidFill>
+            <a:srgbClr val="13294B"/>
+          </a:solidFill>
+          <a:ln>
+            <a:noFill/>
+          </a:ln>
+        </p:spPr>
+        <p:txBody>
+          <a:bodyPr spcFirstLastPara="1" wrap="square" lIns="91425" tIns="45700" rIns="91425" bIns="45700" anchor="ctr" anchorCtr="0">
+            <a:noAutofit/>
+          </a:bodyPr>
+          <a:lstStyle/>
+          <a:p>
+            <a:pPr marL="0" marR="0" lvl="0" indent="0" algn="ctr" rtl="0">
+              <a:lnSpc>
+                <a:spcPct val="100000"/>
+              </a:lnSpc>
+              <a:spcBef>
+                <a:spcPts val="0"/>
+              </a:spcBef>
+              <a:spcAft>
+                <a:spcPts val="0"/>
+              </a:spcAft>
+              <a:buClr>
+                <a:schemeClr val="lt1"/>
+              </a:buClr>
+              <a:buSzPts val="1800"/>
+              <a:buFont typeface="Calibri"/>
+              <a:buNone/>
+            </a:pPr>
+            <a:endParaRPr sz="1800" b="0" i="0" u="none" strike="noStrike" cap="none" dirty="0">
+              <a:solidFill>
+                <a:srgbClr val="13294B"/>
+              </a:solidFill>
+              <a:latin typeface="Calibri"/>
+              <a:ea typeface="Calibri"/>
+              <a:cs typeface="Calibri"/>
+              <a:sym typeface="Calibri"/>
+            </a:endParaRPr>
+          </a:p>
+        </p:txBody>
+      </p:sp>
+      <p:sp>
+        <p:nvSpPr>
+          <p:cNvPr id="17" name="Google Shape;145;p7">
+            <a:extLst>
+              <a:ext uri="{FF2B5EF4-FFF2-40B4-BE49-F238E27FC236}">
+                <a16:creationId xmlns:a16="http://schemas.microsoft.com/office/drawing/2014/main" id="{75FA8318-9B15-7F47-850F-EEEFE73BE161}"/>
+              </a:ext>
+            </a:extLst>
+          </p:cNvPr>
+          <p:cNvSpPr/>
+          <p:nvPr/>
+        </p:nvSpPr>
+        <p:spPr>
+          <a:xfrm rot="10800000" flipH="1">
+            <a:off x="0" y="0"/>
+            <a:ext cx="12192000" cy="868220"/>
+          </a:xfrm>
+          <a:prstGeom prst="rect">
+            <a:avLst/>
+          </a:prstGeom>
+          <a:solidFill>
+            <a:srgbClr val="13294B"/>
+          </a:solidFill>
+          <a:ln>
+            <a:noFill/>
+          </a:ln>
+        </p:spPr>
+        <p:txBody>
+          <a:bodyPr spcFirstLastPara="1" wrap="square" lIns="91425" tIns="45700" rIns="91425" bIns="45700" anchor="ctr" anchorCtr="0">
+            <a:noAutofit/>
+          </a:bodyPr>
+          <a:lstStyle/>
+          <a:p>
+            <a:pPr marL="0" marR="0" lvl="0" indent="0" algn="ctr" rtl="0">
+              <a:lnSpc>
+                <a:spcPct val="100000"/>
+              </a:lnSpc>
+              <a:spcBef>
+                <a:spcPts val="0"/>
+              </a:spcBef>
+              <a:spcAft>
+                <a:spcPts val="0"/>
+              </a:spcAft>
+              <a:buClr>
+                <a:schemeClr val="lt1"/>
+              </a:buClr>
+              <a:buSzPts val="1800"/>
+              <a:buFont typeface="Calibri"/>
+              <a:buNone/>
+            </a:pPr>
+            <a:endParaRPr sz="1800" b="0" i="0" u="none" strike="noStrike" cap="none">
+              <a:solidFill>
+                <a:srgbClr val="13294B"/>
+              </a:solidFill>
+              <a:latin typeface="Calibri"/>
+              <a:ea typeface="Calibri"/>
+              <a:cs typeface="Calibri"/>
+              <a:sym typeface="Calibri"/>
+            </a:endParaRPr>
+          </a:p>
+        </p:txBody>
+      </p:sp>
+      <p:pic>
+        <p:nvPicPr>
+          <p:cNvPr id="15" name="Picture 14" descr="A close up of a logo&#10;&#10;Description automatically generated">
+            <a:extLst>
+              <a:ext uri="{FF2B5EF4-FFF2-40B4-BE49-F238E27FC236}">
+                <a16:creationId xmlns:a16="http://schemas.microsoft.com/office/drawing/2014/main" id="{A9194208-BB88-DA45-8C43-B250F5F37BE3}"/>
+              </a:ext>
+            </a:extLst>
+          </p:cNvPr>
+          <p:cNvPicPr>
+            <a:picLocks noChangeAspect="1"/>
+          </p:cNvPicPr>
+          <p:nvPr/>
+        </p:nvPicPr>
+        <p:blipFill>
+          <a:blip r:embed="rId3"/>
+          <a:stretch>
+            <a:fillRect/>
+          </a:stretch>
+        </p:blipFill>
+        <p:spPr>
+          <a:xfrm>
+            <a:off x="11554210" y="228014"/>
+            <a:ext cx="277906" cy="401420"/>
+          </a:xfrm>
+          <a:prstGeom prst="rect">
+            <a:avLst/>
+          </a:prstGeom>
+        </p:spPr>
+      </p:pic>
+      <p:sp>
+        <p:nvSpPr>
+          <p:cNvPr id="16" name="Google Shape;100;p1">
+            <a:extLst>
+              <a:ext uri="{FF2B5EF4-FFF2-40B4-BE49-F238E27FC236}">
+                <a16:creationId xmlns:a16="http://schemas.microsoft.com/office/drawing/2014/main" id="{226FBA8E-8ED2-0F48-B1E6-A03B9736B136}"/>
+              </a:ext>
+            </a:extLst>
+          </p:cNvPr>
+          <p:cNvSpPr txBox="1"/>
+          <p:nvPr/>
+        </p:nvSpPr>
+        <p:spPr>
+          <a:xfrm>
+            <a:off x="376810" y="204051"/>
+            <a:ext cx="10910026" cy="461624"/>
+          </a:xfrm>
+          <a:prstGeom prst="rect">
+            <a:avLst/>
+          </a:prstGeom>
+          <a:noFill/>
+          <a:ln>
+            <a:noFill/>
+          </a:ln>
+        </p:spPr>
+        <p:txBody>
+          <a:bodyPr spcFirstLastPara="1" wrap="square" lIns="91425" tIns="45700" rIns="91425" bIns="45700" anchor="t" anchorCtr="0">
+            <a:spAutoFit/>
+          </a:bodyPr>
+          <a:lstStyle/>
+          <a:p>
+            <a:r>
+              <a:rPr lang="en-US" sz="2400" dirty="0">
+                <a:solidFill>
+                  <a:schemeClr val="bg1"/>
+                </a:solidFill>
+              </a:rPr>
+              <a:t>Optimization</a:t>
+            </a:r>
+          </a:p>
+        </p:txBody>
+      </p:sp>
+      <p:sp>
+        <p:nvSpPr>
+          <p:cNvPr id="10" name="Google Shape;100;p1">
+            <a:extLst>
+              <a:ext uri="{FF2B5EF4-FFF2-40B4-BE49-F238E27FC236}">
+                <a16:creationId xmlns:a16="http://schemas.microsoft.com/office/drawing/2014/main" id="{186920B5-D75D-4D96-A546-B250E671A799}"/>
+              </a:ext>
+            </a:extLst>
+          </p:cNvPr>
+          <p:cNvSpPr txBox="1"/>
+          <p:nvPr/>
+        </p:nvSpPr>
+        <p:spPr>
+          <a:xfrm>
+            <a:off x="376807" y="6524381"/>
+            <a:ext cx="1718323" cy="230792"/>
+          </a:xfrm>
+          <a:prstGeom prst="rect">
+            <a:avLst/>
+          </a:prstGeom>
+          <a:noFill/>
+          <a:ln>
+            <a:noFill/>
+          </a:ln>
+        </p:spPr>
+        <p:txBody>
+          <a:bodyPr spcFirstLastPara="1" wrap="square" lIns="91425" tIns="45700" rIns="91425" bIns="45700" anchor="t" anchorCtr="0">
+            <a:spAutoFit/>
+          </a:bodyPr>
+          <a:lstStyle/>
+          <a:p>
+            <a:pPr lvl="0"/>
+            <a:r>
+              <a:rPr lang="en-US" sz="900" spc="200" dirty="0">
+                <a:solidFill>
+                  <a:schemeClr val="bg1"/>
+                </a:solidFill>
+                <a:ea typeface="Helvetica Neue Light"/>
+                <a:cs typeface="Helvetica Neue Light"/>
+                <a:sym typeface="Helvetica Neue Light"/>
+              </a:rPr>
+              <a:t>CS 598/Team 1233</a:t>
+            </a:r>
+          </a:p>
+        </p:txBody>
+      </p:sp>
+      <p:sp>
+        <p:nvSpPr>
+          <p:cNvPr id="4" name="TextBox 3">
+            <a:extLst>
+              <a:ext uri="{FF2B5EF4-FFF2-40B4-BE49-F238E27FC236}">
+                <a16:creationId xmlns:a16="http://schemas.microsoft.com/office/drawing/2014/main" id="{394C736D-F64B-4B4F-977B-3EA84CCF24DF}"/>
+              </a:ext>
+            </a:extLst>
+          </p:cNvPr>
+          <p:cNvSpPr txBox="1"/>
+          <p:nvPr/>
+        </p:nvSpPr>
+        <p:spPr>
+          <a:xfrm>
+            <a:off x="1036303" y="1115824"/>
+            <a:ext cx="4459875" cy="461665"/>
+          </a:xfrm>
+          <a:prstGeom prst="rect">
+            <a:avLst/>
+          </a:prstGeom>
+          <a:noFill/>
+        </p:spPr>
+        <p:txBody>
+          <a:bodyPr wrap="none" rtlCol="0">
+            <a:spAutoFit/>
+          </a:bodyPr>
+          <a:lstStyle/>
+          <a:p>
+            <a:r>
+              <a:rPr lang="en-US" sz="2400" b="1" dirty="0">
+                <a:solidFill>
+                  <a:schemeClr val="bg1"/>
+                </a:solidFill>
+              </a:rPr>
+              <a:t>SGD Vs ADAM Learning Rate</a:t>
+            </a:r>
+          </a:p>
+        </p:txBody>
+      </p:sp>
+      <p:sp>
+        <p:nvSpPr>
+          <p:cNvPr id="2" name="TextBox 1">
+            <a:extLst>
+              <a:ext uri="{FF2B5EF4-FFF2-40B4-BE49-F238E27FC236}">
+                <a16:creationId xmlns:a16="http://schemas.microsoft.com/office/drawing/2014/main" id="{99FA4716-FAC8-4056-9FDC-0DE08E2B3E6B}"/>
+              </a:ext>
+            </a:extLst>
+          </p:cNvPr>
+          <p:cNvSpPr txBox="1"/>
+          <p:nvPr/>
+        </p:nvSpPr>
+        <p:spPr>
+          <a:xfrm>
+            <a:off x="1118586" y="1957493"/>
+            <a:ext cx="9774316" cy="3385542"/>
+          </a:xfrm>
+          <a:prstGeom prst="rect">
+            <a:avLst/>
+          </a:prstGeom>
+          <a:noFill/>
+        </p:spPr>
+        <p:txBody>
+          <a:bodyPr wrap="square" rtlCol="0">
+            <a:spAutoFit/>
+          </a:bodyPr>
+          <a:lstStyle/>
+          <a:p>
+            <a:r>
+              <a:rPr lang="en-US" sz="2000" dirty="0">
+                <a:solidFill>
+                  <a:schemeClr val="bg1"/>
+                </a:solidFill>
+              </a:rPr>
+              <a:t>Gradient Descent methods are used to optimize the results.</a:t>
+            </a:r>
+          </a:p>
+          <a:p>
+            <a:endParaRPr lang="en-US" sz="2000" dirty="0">
+              <a:solidFill>
+                <a:schemeClr val="bg1"/>
+              </a:solidFill>
+            </a:endParaRPr>
+          </a:p>
+          <a:p>
+            <a:r>
+              <a:rPr lang="en-US" sz="2000" b="1" dirty="0">
+                <a:solidFill>
+                  <a:schemeClr val="bg1"/>
+                </a:solidFill>
+              </a:rPr>
+              <a:t>SGD</a:t>
+            </a:r>
+          </a:p>
+          <a:p>
+            <a:pPr marL="285750" indent="-285750">
+              <a:buFont typeface="Arial" panose="020B0604020202020204" pitchFamily="34" charset="0"/>
+              <a:buChar char="•"/>
+            </a:pPr>
+            <a:r>
+              <a:rPr lang="en-US" sz="2000" dirty="0">
+                <a:solidFill>
+                  <a:schemeClr val="bg1"/>
+                </a:solidFill>
+              </a:rPr>
+              <a:t>Instead of performing computation in whole dataset SGD is used in smaller dataset with learning rate .001</a:t>
+            </a:r>
+          </a:p>
+          <a:p>
+            <a:endParaRPr lang="en-US" sz="2000" dirty="0">
+              <a:solidFill>
+                <a:schemeClr val="bg1"/>
+              </a:solidFill>
+            </a:endParaRPr>
+          </a:p>
+          <a:p>
+            <a:r>
+              <a:rPr lang="en-US" sz="2000" b="1" dirty="0">
+                <a:solidFill>
+                  <a:schemeClr val="bg1"/>
+                </a:solidFill>
+              </a:rPr>
+              <a:t>ADAM (Adaptive Moment Estimation)</a:t>
+            </a:r>
+          </a:p>
+          <a:p>
+            <a:pPr marL="285750" indent="-285750">
+              <a:buFont typeface="Arial" panose="020B0604020202020204" pitchFamily="34" charset="0"/>
+              <a:buChar char="•"/>
+            </a:pPr>
+            <a:r>
+              <a:rPr lang="en-US" sz="2000" dirty="0">
+                <a:solidFill>
+                  <a:schemeClr val="bg1"/>
+                </a:solidFill>
+              </a:rPr>
+              <a:t>ADAM algorithm try to use both RMSProp and Momentum gradient descent optimization algorithms.</a:t>
+            </a:r>
+          </a:p>
+          <a:p>
+            <a:pPr marL="285750" indent="-285750">
+              <a:buFont typeface="Arial" panose="020B0604020202020204" pitchFamily="34" charset="0"/>
+              <a:buChar char="•"/>
+            </a:pPr>
+            <a:r>
+              <a:rPr lang="en-US" sz="2000" dirty="0">
+                <a:solidFill>
+                  <a:schemeClr val="bg1"/>
+                </a:solidFill>
+              </a:rPr>
+              <a:t>ADAM with 3e-5 learning rate gave better performance than SGD.</a:t>
+            </a:r>
+          </a:p>
+          <a:p>
+            <a:pPr marL="285750" indent="-285750">
+              <a:buFont typeface="Arial" panose="020B0604020202020204" pitchFamily="34" charset="0"/>
+              <a:buChar char="•"/>
+            </a:pPr>
+            <a:endParaRPr lang="en-US" dirty="0"/>
+          </a:p>
+        </p:txBody>
+      </p:sp>
+    </p:spTree>
+    <p:extLst>
+      <p:ext uri="{BB962C8B-B14F-4D97-AF65-F5344CB8AC3E}">
+        <p14:creationId xmlns:p14="http://schemas.microsoft.com/office/powerpoint/2010/main" val="4140098935"/>
+      </p:ext>
+    </p:extLst>
+  </p:cSld>
+  <p:clrMapOvr>
+    <a:masterClrMapping/>
+  </p:clrMapOvr>
+</p:sld>
+</file>
+
+<file path=ppt/slides/slide12.xml><?xml version="1.0" encoding="utf-8"?>
 <p:sld xmlns:a="http://schemas.openxmlformats.org/drawingml/2006/main" xmlns:r="http://schemas.openxmlformats.org/officeDocument/2006/relationships" xmlns:p="http://schemas.openxmlformats.org/presentationml/2006/main">
   <p:cSld>
     <p:spTree>
@@ -13389,267 +13930,12 @@
           </a:p>
         </p:txBody>
       </p:sp>
-    </p:spTree>
-    <p:extLst>
-      <p:ext uri="{BB962C8B-B14F-4D97-AF65-F5344CB8AC3E}">
-        <p14:creationId xmlns:p14="http://schemas.microsoft.com/office/powerpoint/2010/main" val="1379892917"/>
-      </p:ext>
-    </p:extLst>
-  </p:cSld>
-  <p:clrMapOvr>
-    <a:masterClrMapping/>
-  </p:clrMapOvr>
-</p:sld>
-</file>
-
-<file path=ppt/slides/slide12.xml><?xml version="1.0" encoding="utf-8"?>
-<p:sld xmlns:a="http://schemas.openxmlformats.org/drawingml/2006/main" xmlns:r="http://schemas.openxmlformats.org/officeDocument/2006/relationships" xmlns:p="http://schemas.openxmlformats.org/presentationml/2006/main">
-  <p:cSld>
-    <p:spTree>
-      <p:nvGrpSpPr>
-        <p:cNvPr id="1" name=""/>
-        <p:cNvGrpSpPr/>
-        <p:nvPr/>
-      </p:nvGrpSpPr>
-      <p:grpSpPr>
-        <a:xfrm>
-          <a:off x="0" y="0"/>
-          <a:ext cx="0" cy="0"/>
-          <a:chOff x="0" y="0"/>
-          <a:chExt cx="0" cy="0"/>
-        </a:xfrm>
-      </p:grpSpPr>
-      <p:pic>
-        <p:nvPicPr>
-          <p:cNvPr id="7" name="Picture 6" descr="A picture containing building, street&#10;&#10;Description automatically generated">
+      <p:sp>
+        <p:nvSpPr>
+          <p:cNvPr id="10" name="TextBox 9">
             <a:extLst>
               <a:ext uri="{FF2B5EF4-FFF2-40B4-BE49-F238E27FC236}">
-                <a16:creationId xmlns:a16="http://schemas.microsoft.com/office/drawing/2014/main" id="{9B728170-08D7-ED42-8F83-11FB2772BD6D}"/>
-              </a:ext>
-            </a:extLst>
-          </p:cNvPr>
-          <p:cNvPicPr>
-            <a:picLocks noChangeAspect="1"/>
-          </p:cNvPicPr>
-          <p:nvPr/>
-        </p:nvPicPr>
-        <p:blipFill>
-          <a:blip r:embed="rId2">
-            <a:alphaModFix amt="25000"/>
-          </a:blip>
-          <a:stretch>
-            <a:fillRect/>
-          </a:stretch>
-        </p:blipFill>
-        <p:spPr>
-          <a:xfrm>
-            <a:off x="-1" y="8165"/>
-            <a:ext cx="12192000" cy="6858000"/>
-          </a:xfrm>
-          <a:prstGeom prst="rect">
-            <a:avLst/>
-          </a:prstGeom>
-        </p:spPr>
-      </p:pic>
-      <p:pic>
-        <p:nvPicPr>
-          <p:cNvPr id="9" name="Picture 8" descr="A picture containing building, street&#10;&#10;Description automatically generated">
-            <a:extLst>
-              <a:ext uri="{FF2B5EF4-FFF2-40B4-BE49-F238E27FC236}">
-                <a16:creationId xmlns:a16="http://schemas.microsoft.com/office/drawing/2014/main" id="{CE34A388-97EE-5545-866A-7447EEAD9C37}"/>
-              </a:ext>
-            </a:extLst>
-          </p:cNvPr>
-          <p:cNvPicPr>
-            <a:picLocks noChangeAspect="1"/>
-          </p:cNvPicPr>
-          <p:nvPr/>
-        </p:nvPicPr>
-        <p:blipFill>
-          <a:blip r:embed="rId2">
-            <a:alphaModFix amt="25000"/>
-          </a:blip>
-          <a:stretch>
-            <a:fillRect/>
-          </a:stretch>
-        </p:blipFill>
-        <p:spPr>
-          <a:xfrm>
-            <a:off x="-2" y="16331"/>
-            <a:ext cx="12192000" cy="6858000"/>
-          </a:xfrm>
-          <a:prstGeom prst="rect">
-            <a:avLst/>
-          </a:prstGeom>
-          <a:effectLst>
-            <a:glow rad="25625">
-              <a:schemeClr val="accent1">
-                <a:alpha val="87000"/>
-              </a:schemeClr>
-            </a:glow>
-          </a:effectLst>
-        </p:spPr>
-      </p:pic>
-      <p:sp>
-        <p:nvSpPr>
-          <p:cNvPr id="18" name="Google Shape;145;p7">
-            <a:extLst>
-              <a:ext uri="{FF2B5EF4-FFF2-40B4-BE49-F238E27FC236}">
-                <a16:creationId xmlns:a16="http://schemas.microsoft.com/office/drawing/2014/main" id="{37E7B2F9-4530-7540-9A7D-25FE9B6FF02F}"/>
-              </a:ext>
-            </a:extLst>
-          </p:cNvPr>
-          <p:cNvSpPr/>
-          <p:nvPr/>
-        </p:nvSpPr>
-        <p:spPr>
-          <a:xfrm rot="10800000" flipH="1">
-            <a:off x="0" y="6437013"/>
-            <a:ext cx="12192000" cy="420987"/>
-          </a:xfrm>
-          <a:prstGeom prst="rect">
-            <a:avLst/>
-          </a:prstGeom>
-          <a:solidFill>
-            <a:srgbClr val="13294B"/>
-          </a:solidFill>
-          <a:ln>
-            <a:noFill/>
-          </a:ln>
-        </p:spPr>
-        <p:txBody>
-          <a:bodyPr spcFirstLastPara="1" wrap="square" lIns="91425" tIns="45700" rIns="91425" bIns="45700" anchor="ctr" anchorCtr="0">
-            <a:noAutofit/>
-          </a:bodyPr>
-          <a:lstStyle/>
-          <a:p>
-            <a:pPr marL="0" marR="0" lvl="0" indent="0" algn="ctr" rtl="0">
-              <a:lnSpc>
-                <a:spcPct val="100000"/>
-              </a:lnSpc>
-              <a:spcBef>
-                <a:spcPts val="0"/>
-              </a:spcBef>
-              <a:spcAft>
-                <a:spcPts val="0"/>
-              </a:spcAft>
-              <a:buClr>
-                <a:schemeClr val="lt1"/>
-              </a:buClr>
-              <a:buSzPts val="1800"/>
-              <a:buFont typeface="Calibri"/>
-              <a:buNone/>
-            </a:pPr>
-            <a:endParaRPr sz="1800" b="0" i="0" u="none" strike="noStrike" cap="none" dirty="0">
-              <a:solidFill>
-                <a:srgbClr val="13294B"/>
-              </a:solidFill>
-              <a:latin typeface="Calibri"/>
-              <a:ea typeface="Calibri"/>
-              <a:cs typeface="Calibri"/>
-              <a:sym typeface="Calibri"/>
-            </a:endParaRPr>
-          </a:p>
-        </p:txBody>
-      </p:sp>
-      <p:sp>
-        <p:nvSpPr>
-          <p:cNvPr id="17" name="Google Shape;145;p7">
-            <a:extLst>
-              <a:ext uri="{FF2B5EF4-FFF2-40B4-BE49-F238E27FC236}">
-                <a16:creationId xmlns:a16="http://schemas.microsoft.com/office/drawing/2014/main" id="{75FA8318-9B15-7F47-850F-EEEFE73BE161}"/>
-              </a:ext>
-            </a:extLst>
-          </p:cNvPr>
-          <p:cNvSpPr/>
-          <p:nvPr/>
-        </p:nvSpPr>
-        <p:spPr>
-          <a:xfrm rot="10800000" flipH="1">
-            <a:off x="0" y="0"/>
-            <a:ext cx="12192000" cy="868220"/>
-          </a:xfrm>
-          <a:prstGeom prst="rect">
-            <a:avLst/>
-          </a:prstGeom>
-          <a:solidFill>
-            <a:srgbClr val="13294B"/>
-          </a:solidFill>
-          <a:ln>
-            <a:noFill/>
-          </a:ln>
-        </p:spPr>
-        <p:txBody>
-          <a:bodyPr spcFirstLastPara="1" wrap="square" lIns="91425" tIns="45700" rIns="91425" bIns="45700" anchor="ctr" anchorCtr="0">
-            <a:noAutofit/>
-          </a:bodyPr>
-          <a:lstStyle/>
-          <a:p>
-            <a:pPr marL="0" marR="0" lvl="0" indent="0" algn="ctr" rtl="0">
-              <a:lnSpc>
-                <a:spcPct val="100000"/>
-              </a:lnSpc>
-              <a:spcBef>
-                <a:spcPts val="0"/>
-              </a:spcBef>
-              <a:spcAft>
-                <a:spcPts val="0"/>
-              </a:spcAft>
-              <a:buClr>
-                <a:schemeClr val="lt1"/>
-              </a:buClr>
-              <a:buSzPts val="1800"/>
-              <a:buFont typeface="Calibri"/>
-              <a:buNone/>
-            </a:pPr>
-            <a:endParaRPr sz="1800" b="0" i="0" u="none" strike="noStrike" cap="none">
-              <a:solidFill>
-                <a:srgbClr val="13294B"/>
-              </a:solidFill>
-              <a:latin typeface="Calibri"/>
-              <a:ea typeface="Calibri"/>
-              <a:cs typeface="Calibri"/>
-              <a:sym typeface="Calibri"/>
-            </a:endParaRPr>
-          </a:p>
-        </p:txBody>
-      </p:sp>
-      <p:pic>
-        <p:nvPicPr>
-          <p:cNvPr id="15" name="Picture 14" descr="A close up of a logo&#10;&#10;Description automatically generated">
-            <a:extLst>
-              <a:ext uri="{FF2B5EF4-FFF2-40B4-BE49-F238E27FC236}">
-                <a16:creationId xmlns:a16="http://schemas.microsoft.com/office/drawing/2014/main" id="{A9194208-BB88-DA45-8C43-B250F5F37BE3}"/>
-              </a:ext>
-            </a:extLst>
-          </p:cNvPr>
-          <p:cNvPicPr>
-            <a:picLocks noChangeAspect="1"/>
-          </p:cNvPicPr>
-          <p:nvPr/>
-        </p:nvPicPr>
-        <p:blipFill>
-          <a:blip r:embed="rId3"/>
-          <a:stretch>
-            <a:fillRect/>
-          </a:stretch>
-        </p:blipFill>
-        <p:spPr>
-          <a:xfrm>
-            <a:off x="11554210" y="228014"/>
-            <a:ext cx="277906" cy="401420"/>
-          </a:xfrm>
-          <a:prstGeom prst="rect">
-            <a:avLst/>
-          </a:prstGeom>
-        </p:spPr>
-      </p:pic>
-      <p:sp>
-        <p:nvSpPr>
-          <p:cNvPr id="16" name="Google Shape;100;p1">
-            <a:extLst>
-              <a:ext uri="{FF2B5EF4-FFF2-40B4-BE49-F238E27FC236}">
-                <a16:creationId xmlns:a16="http://schemas.microsoft.com/office/drawing/2014/main" id="{226FBA8E-8ED2-0F48-B1E6-A03B9736B136}"/>
+                <a16:creationId xmlns:a16="http://schemas.microsoft.com/office/drawing/2014/main" id="{2229B41D-2AEA-42BD-9FD0-FBE4F5931C79}"/>
               </a:ext>
             </a:extLst>
           </p:cNvPr>
@@ -13658,25 +13944,201 @@
         </p:nvSpPr>
         <p:spPr>
           <a:xfrm>
-            <a:off x="376810" y="204051"/>
-            <a:ext cx="10910026" cy="461624"/>
+            <a:off x="447040" y="1074515"/>
+            <a:ext cx="10839795" cy="5447645"/>
           </a:xfrm>
           <a:prstGeom prst="rect">
             <a:avLst/>
           </a:prstGeom>
           <a:noFill/>
-          <a:ln>
-            <a:noFill/>
-          </a:ln>
         </p:spPr>
         <p:txBody>
-          <a:bodyPr spcFirstLastPara="1" wrap="square" lIns="91425" tIns="45700" rIns="91425" bIns="45700" anchor="t" anchorCtr="0">
+          <a:bodyPr wrap="square">
             <a:spAutoFit/>
           </a:bodyPr>
           <a:lstStyle/>
           <a:p>
             <a:r>
-              <a:rPr lang="en-US" sz="2400" dirty="0">
+              <a:rPr lang="en-US" sz="2400" b="1" dirty="0">
+                <a:solidFill>
+                  <a:schemeClr val="bg1"/>
+                </a:solidFill>
+                <a:latin typeface="+mn-lt"/>
+              </a:rPr>
+              <a:t>Result Observation</a:t>
+            </a:r>
+          </a:p>
+          <a:p>
+            <a:pPr marL="342900" indent="-342900">
+              <a:buFont typeface="Arial" panose="020B0604020202020204" pitchFamily="34" charset="0"/>
+              <a:buChar char="•"/>
+            </a:pPr>
+            <a:endParaRPr lang="en-US" dirty="0">
+              <a:solidFill>
+                <a:schemeClr val="bg1"/>
+              </a:solidFill>
+              <a:latin typeface="+mn-lt"/>
+            </a:endParaRPr>
+          </a:p>
+          <a:p>
+            <a:pPr marL="342900" lvl="2" indent="-342900">
+              <a:buFont typeface="Arial" panose="020B0604020202020204" pitchFamily="34" charset="0"/>
+              <a:buChar char="•"/>
+            </a:pPr>
+            <a:r>
+              <a:rPr lang="en-US" sz="1600" dirty="0">
+                <a:solidFill>
+                  <a:schemeClr val="bg1"/>
+                </a:solidFill>
+                <a:latin typeface="+mn-lt"/>
+              </a:rPr>
+              <a:t>Approximately 97% accuracy in ResNet-50 model and 93% accuracy in InceptionV3 Model. </a:t>
+            </a:r>
+          </a:p>
+          <a:p>
+            <a:pPr marL="342900" indent="-342900">
+              <a:buFont typeface="Arial" panose="020B0604020202020204" pitchFamily="34" charset="0"/>
+              <a:buChar char="•"/>
+            </a:pPr>
+            <a:endParaRPr lang="en-US" sz="1600" dirty="0">
+              <a:solidFill>
+                <a:schemeClr val="bg1"/>
+              </a:solidFill>
+              <a:latin typeface="+mn-lt"/>
+            </a:endParaRPr>
+          </a:p>
+          <a:p>
+            <a:pPr marL="342900" indent="-342900">
+              <a:buFont typeface="Arial" panose="020B0604020202020204" pitchFamily="34" charset="0"/>
+              <a:buChar char="•"/>
+            </a:pPr>
+            <a:r>
+              <a:rPr lang="en-US" sz="1600" dirty="0">
+                <a:solidFill>
+                  <a:schemeClr val="bg1"/>
+                </a:solidFill>
+                <a:latin typeface="+mn-lt"/>
+              </a:rPr>
+              <a:t>ResNet-50 model is more accurate and effective compared to InceptionV3 model.</a:t>
+            </a:r>
+          </a:p>
+          <a:p>
+            <a:pPr marL="342900" indent="-342900">
+              <a:buFont typeface="Arial" panose="020B0604020202020204" pitchFamily="34" charset="0"/>
+              <a:buChar char="•"/>
+            </a:pPr>
+            <a:endParaRPr lang="en-US" sz="1600" dirty="0">
+              <a:solidFill>
+                <a:schemeClr val="bg1"/>
+              </a:solidFill>
+              <a:latin typeface="+mn-lt"/>
+            </a:endParaRPr>
+          </a:p>
+          <a:p>
+            <a:pPr marL="342900" indent="-342900">
+              <a:buFont typeface="Arial" panose="020B0604020202020204" pitchFamily="34" charset="0"/>
+              <a:buChar char="•"/>
+            </a:pPr>
+            <a:r>
+              <a:rPr lang="en-US" sz="1600" dirty="0">
+                <a:solidFill>
+                  <a:schemeClr val="bg1"/>
+                </a:solidFill>
+                <a:latin typeface="+mn-lt"/>
+              </a:rPr>
+              <a:t>Vanishing Gradient issue with InceptionV3 model.</a:t>
+            </a:r>
+          </a:p>
+          <a:p>
+            <a:pPr marL="342900" indent="-342900">
+              <a:buFont typeface="Arial" panose="020B0604020202020204" pitchFamily="34" charset="0"/>
+              <a:buChar char="•"/>
+            </a:pPr>
+            <a:endParaRPr lang="en-US" sz="1600" dirty="0">
+              <a:solidFill>
+                <a:schemeClr val="bg1"/>
+              </a:solidFill>
+              <a:latin typeface="+mn-lt"/>
+            </a:endParaRPr>
+          </a:p>
+          <a:p>
+            <a:pPr marL="342900" indent="-342900">
+              <a:buFont typeface="Arial" panose="020B0604020202020204" pitchFamily="34" charset="0"/>
+              <a:buChar char="•"/>
+            </a:pPr>
+            <a:r>
+              <a:rPr lang="en-US" sz="1600" dirty="0">
+                <a:solidFill>
+                  <a:schemeClr val="bg1"/>
+                </a:solidFill>
+                <a:latin typeface="+mn-lt"/>
+              </a:rPr>
+              <a:t>Challenges in environment creation and model hosting and deployment in AWS.</a:t>
+            </a:r>
+          </a:p>
+          <a:p>
+            <a:pPr marL="342900" indent="-342900">
+              <a:buFont typeface="Arial" panose="020B0604020202020204" pitchFamily="34" charset="0"/>
+              <a:buChar char="•"/>
+            </a:pPr>
+            <a:endParaRPr lang="en-US" sz="1600" dirty="0">
+              <a:solidFill>
+                <a:schemeClr val="bg1"/>
+              </a:solidFill>
+              <a:latin typeface="+mn-lt"/>
+            </a:endParaRPr>
+          </a:p>
+          <a:p>
+            <a:r>
+              <a:rPr lang="en-US" sz="2400" b="1" dirty="0">
+                <a:solidFill>
+                  <a:schemeClr val="bg1"/>
+                </a:solidFill>
+                <a:latin typeface="+mn-lt"/>
+              </a:rPr>
+              <a:t>Future Work</a:t>
+            </a:r>
+          </a:p>
+          <a:p>
+            <a:pPr marL="342900" indent="-342900">
+              <a:buFont typeface="Arial" panose="020B0604020202020204" pitchFamily="34" charset="0"/>
+              <a:buChar char="•"/>
+            </a:pPr>
+            <a:r>
+              <a:rPr lang="en-US" sz="1600" dirty="0">
+                <a:solidFill>
+                  <a:schemeClr val="bg1"/>
+                </a:solidFill>
+                <a:latin typeface="+mn-lt"/>
+                <a:ea typeface="Calibri" panose="020F0502020204030204" pitchFamily="34" charset="0"/>
+                <a:cs typeface="Mangal" panose="02040503050203030202" pitchFamily="18" charset="0"/>
+              </a:rPr>
+              <a:t>Model can be further optimized, and accuracy could be reached to 99%.</a:t>
+            </a:r>
+            <a:endParaRPr lang="en-US" sz="1600" dirty="0">
+              <a:solidFill>
+                <a:schemeClr val="bg1"/>
+              </a:solidFill>
+              <a:effectLst/>
+              <a:latin typeface="+mn-lt"/>
+              <a:ea typeface="Calibri" panose="020F0502020204030204" pitchFamily="34" charset="0"/>
+              <a:cs typeface="Mangal" panose="02040503050203030202" pitchFamily="18" charset="0"/>
+            </a:endParaRPr>
+          </a:p>
+          <a:p>
+            <a:pPr marL="342900" indent="-342900">
+              <a:buFont typeface="Arial" panose="020B0604020202020204" pitchFamily="34" charset="0"/>
+              <a:buChar char="•"/>
+            </a:pPr>
+            <a:endParaRPr lang="en-US" sz="2400" b="1" dirty="0">
+              <a:solidFill>
+                <a:schemeClr val="bg1"/>
+              </a:solidFill>
+            </a:endParaRPr>
+          </a:p>
+          <a:p>
+            <a:r>
+              <a:rPr lang="en-US" sz="2400" b="1" dirty="0">
                 <a:solidFill>
                   <a:schemeClr val="bg1"/>
                 </a:solidFill>
@@ -13684,58 +14146,57 @@
               <a:t>Summary</a:t>
             </a:r>
           </a:p>
-        </p:txBody>
-      </p:sp>
-      <p:sp>
-        <p:nvSpPr>
-          <p:cNvPr id="8" name="Google Shape;100;p1">
-            <a:extLst>
-              <a:ext uri="{FF2B5EF4-FFF2-40B4-BE49-F238E27FC236}">
-                <a16:creationId xmlns:a16="http://schemas.microsoft.com/office/drawing/2014/main" id="{FEAEA8ED-1AF7-47FA-AB3C-111BF7B891A4}"/>
-              </a:ext>
-            </a:extLst>
-          </p:cNvPr>
-          <p:cNvSpPr txBox="1"/>
-          <p:nvPr/>
-        </p:nvSpPr>
-        <p:spPr>
-          <a:xfrm>
-            <a:off x="376807" y="6524381"/>
-            <a:ext cx="1718323" cy="230792"/>
-          </a:xfrm>
-          <a:prstGeom prst="rect">
-            <a:avLst/>
-          </a:prstGeom>
-          <a:noFill/>
-          <a:ln>
-            <a:noFill/>
-          </a:ln>
-        </p:spPr>
-        <p:txBody>
-          <a:bodyPr spcFirstLastPara="1" wrap="square" lIns="91425" tIns="45700" rIns="91425" bIns="45700" anchor="t" anchorCtr="0">
-            <a:spAutoFit/>
-          </a:bodyPr>
-          <a:lstStyle/>
-          <a:p>
-            <a:pPr lvl="0"/>
-            <a:r>
-              <a:rPr lang="en-US" sz="900" spc="200" dirty="0">
-                <a:solidFill>
-                  <a:schemeClr val="bg1"/>
-                </a:solidFill>
-                <a:ea typeface="Helvetica Neue Light"/>
-                <a:cs typeface="Helvetica Neue Light"/>
-                <a:sym typeface="Helvetica Neue Light"/>
-              </a:rPr>
-              <a:t>CS 598/Team 1233</a:t>
-            </a:r>
+          <a:p>
+            <a:pPr marL="342900" indent="-342900">
+              <a:buFont typeface="Arial" panose="020B0604020202020204" pitchFamily="34" charset="0"/>
+              <a:buChar char="•"/>
+            </a:pPr>
+            <a:r>
+              <a:rPr lang="en-US" sz="1600" dirty="0">
+                <a:solidFill>
+                  <a:schemeClr val="bg1"/>
+                </a:solidFill>
+                <a:latin typeface="+mn-lt"/>
+                <a:cs typeface="Mangal" panose="02040503050203030202" pitchFamily="18" charset="0"/>
+              </a:rPr>
+              <a:t>Results based on this paper showed that the Convolutional Neural Network with minimized convolutional and fully connected layers are capable of detecting COVID-19 with good accuracy.</a:t>
+            </a:r>
+          </a:p>
+          <a:p>
+            <a:endParaRPr lang="en-US" sz="2400" b="1" dirty="0">
+              <a:solidFill>
+                <a:schemeClr val="bg1"/>
+              </a:solidFill>
+            </a:endParaRPr>
+          </a:p>
+          <a:p>
+            <a:pPr marL="342900" indent="-342900">
+              <a:buFont typeface="Arial" panose="020B0604020202020204" pitchFamily="34" charset="0"/>
+              <a:buChar char="•"/>
+            </a:pPr>
+            <a:endParaRPr lang="en-US" sz="2400" b="1" dirty="0">
+              <a:solidFill>
+                <a:schemeClr val="bg1"/>
+              </a:solidFill>
+            </a:endParaRPr>
+          </a:p>
+          <a:p>
+            <a:pPr marL="342900" indent="-342900">
+              <a:buFont typeface="Arial" panose="020B0604020202020204" pitchFamily="34" charset="0"/>
+              <a:buChar char="•"/>
+            </a:pPr>
+            <a:endParaRPr lang="en-US" sz="1400" b="1" dirty="0">
+              <a:solidFill>
+                <a:schemeClr val="bg1"/>
+              </a:solidFill>
+            </a:endParaRPr>
           </a:p>
         </p:txBody>
       </p:sp>
     </p:spTree>
     <p:extLst>
       <p:ext uri="{BB962C8B-B14F-4D97-AF65-F5344CB8AC3E}">
-        <p14:creationId xmlns:p14="http://schemas.microsoft.com/office/powerpoint/2010/main" val="3579057333"/>
+        <p14:creationId xmlns:p14="http://schemas.microsoft.com/office/powerpoint/2010/main" val="1379892917"/>
       </p:ext>
     </p:extLst>
   </p:cSld>
@@ -17852,58 +18313,7 @@
                 <a:cs typeface="Arial" panose="020B0604020202020204" pitchFamily="34" charset="0"/>
                 <a:sym typeface="Helvetica Neue Light"/>
               </a:rPr>
-              <a:t>Summary</a:t>
-            </a:r>
-          </a:p>
-          <a:p>
-            <a:pPr>
-              <a:buSzPts val="3000"/>
-            </a:pPr>
-            <a:r>
-              <a:rPr lang="en-US" sz="2600" b="1" dirty="0">
-                <a:solidFill>
-                  <a:schemeClr val="bg1"/>
-                </a:solidFill>
-                <a:latin typeface="Arial" panose="020B0604020202020204" pitchFamily="34" charset="0"/>
-                <a:ea typeface="Helvetica Neue Light"/>
-                <a:cs typeface="Arial" panose="020B0604020202020204" pitchFamily="34" charset="0"/>
-                <a:sym typeface="Helvetica Neue Light"/>
-              </a:rPr>
               <a:t>Thank You</a:t>
-            </a:r>
-          </a:p>
-          <a:p>
-            <a:pPr>
-              <a:buSzPts val="3000"/>
-            </a:pPr>
-            <a:r>
-              <a:rPr lang="en-US" sz="2600" b="1" dirty="0">
-                <a:solidFill>
-                  <a:schemeClr val="bg1"/>
-                </a:solidFill>
-                <a:latin typeface="Arial" panose="020B0604020202020204" pitchFamily="34" charset="0"/>
-                <a:ea typeface="Helvetica Neue Light"/>
-                <a:cs typeface="Arial" panose="020B0604020202020204" pitchFamily="34" charset="0"/>
-                <a:sym typeface="Helvetica Neue Light"/>
-              </a:rPr>
-              <a:t>Questions</a:t>
-            </a:r>
-          </a:p>
-          <a:p>
-            <a:pPr>
-              <a:buSzPts val="3000"/>
-            </a:pPr>
-            <a:r>
-              <a:rPr lang="en-US" sz="2600" b="1" dirty="0">
-                <a:solidFill>
-                  <a:schemeClr val="bg1"/>
-                </a:solidFill>
-                <a:latin typeface="Arial" panose="020B0604020202020204" pitchFamily="34" charset="0"/>
-                <a:ea typeface="Helvetica Neue Light"/>
-                <a:cs typeface="Arial" panose="020B0604020202020204" pitchFamily="34" charset="0"/>
-                <a:sym typeface="Helvetica Neue Light"/>
-              </a:rPr>
-              <a:t>Contact Information</a:t>
             </a:r>
           </a:p>
           <a:p>
@@ -18321,6 +18731,7 @@
                 <a:solidFill>
                   <a:schemeClr val="bg1"/>
                 </a:solidFill>
+                <a:latin typeface="+mj-lt"/>
               </a:rPr>
               <a:t>Project Introduction</a:t>
             </a:r>
@@ -18335,6 +18746,7 @@
                 <a:solidFill>
                   <a:schemeClr val="bg1"/>
                 </a:solidFill>
+                <a:latin typeface="+mj-lt"/>
               </a:rPr>
               <a:t>Methods and Approaches</a:t>
             </a:r>
@@ -18349,6 +18761,7 @@
                 <a:solidFill>
                   <a:schemeClr val="bg1"/>
                 </a:solidFill>
+                <a:latin typeface="+mj-lt"/>
               </a:rPr>
               <a:t>Results</a:t>
             </a:r>
@@ -18363,8 +18776,9 @@
                 <a:solidFill>
                   <a:schemeClr val="bg1"/>
                 </a:solidFill>
-              </a:rPr>
-              <a:t>Discussion</a:t>
+                <a:latin typeface="+mj-lt"/>
+              </a:rPr>
+              <a:t>Optimization</a:t>
             </a:r>
           </a:p>
           <a:p>
@@ -18377,6 +18791,22 @@
                 <a:solidFill>
                   <a:schemeClr val="bg1"/>
                 </a:solidFill>
+                <a:latin typeface="+mj-lt"/>
+              </a:rPr>
+              <a:t>Discussion</a:t>
+            </a:r>
+          </a:p>
+          <a:p>
+            <a:pPr indent="-457200">
+              <a:buFont typeface="Arial" panose="020B0604020202020204" pitchFamily="34" charset="0"/>
+              <a:buChar char="•"/>
+            </a:pPr>
+            <a:r>
+              <a:rPr lang="en-US" sz="3200" dirty="0">
+                <a:solidFill>
+                  <a:schemeClr val="bg1"/>
+                </a:solidFill>
+                <a:latin typeface="+mj-lt"/>
               </a:rPr>
               <a:t>References</a:t>
             </a:r>
@@ -18748,7 +19178,7 @@
         <p:spPr>
           <a:xfrm>
             <a:off x="838200" y="1228299"/>
-            <a:ext cx="10515600" cy="4948664"/>
+            <a:ext cx="10782670" cy="4948664"/>
           </a:xfrm>
         </p:spPr>
         <p:txBody>
@@ -18810,7 +19240,7 @@
                 <a:latin typeface="Arial"/>
                 <a:cs typeface="Arial"/>
               </a:rPr>
-              <a:t>Pytorch</a:t>
+              <a:t>PyTorch</a:t>
             </a:r>
             <a:r>
               <a:rPr lang="en-US" sz="2000" dirty="0">
@@ -18833,27 +19263,7 @@
                 <a:latin typeface="Arial"/>
                 <a:cs typeface="Arial"/>
               </a:rPr>
-              <a:t>Cloud computing platform: AWS Services (</a:t>
-            </a:r>
-            <a:r>
-              <a:rPr lang="en-US" sz="2000" dirty="0" err="1">
-                <a:solidFill>
-                  <a:schemeClr val="bg1"/>
-                </a:solidFill>
-                <a:latin typeface="Arial"/>
-                <a:cs typeface="Arial"/>
-              </a:rPr>
-              <a:t>SageMaker</a:t>
-            </a:r>
-            <a:r>
-              <a:rPr lang="en-US" sz="2000" dirty="0">
-                <a:solidFill>
-                  <a:schemeClr val="bg1"/>
-                </a:solidFill>
-                <a:latin typeface="Arial"/>
-                <a:cs typeface="Arial"/>
-              </a:rPr>
-              <a:t>, S3, Lambda)</a:t>
+              <a:t>Cloud computing platform: AWS Services (SageMaker, S3, Lambda)</a:t>
             </a:r>
           </a:p>
           <a:p>
@@ -18906,11 +19316,6 @@
               </a:rPr>
               <a:t>Our aspiration is to learn and expand the knowledge of Deep learning</a:t>
             </a:r>
-          </a:p>
-          <a:p>
-            <a:pPr marL="571500" lvl="1" indent="0" algn="just">
-              <a:buNone/>
-            </a:pPr>
             <a:endParaRPr lang="en-US" sz="2000" dirty="0">
               <a:solidFill>
                 <a:schemeClr val="bg1"/>
@@ -19455,7 +19860,7 @@
                 <a:ea typeface="+mn-lt"/>
                 <a:cs typeface="+mn-lt"/>
               </a:rPr>
-              <a:t>4412 – Chest Xray Images which contains –</a:t>
+              <a:t>4412 – Chest X-ray Images which contains –</a:t>
             </a:r>
           </a:p>
           <a:p>
@@ -19469,10 +19874,13 @@
                 <a:ea typeface="+mn-lt"/>
                 <a:cs typeface="+mn-lt"/>
               </a:rPr>
-              <a:t>1851 – Normal </a:t>
-            </a:r>
-            <a:r>
-              <a:rPr lang="en-US" dirty="0" err="1">
+              <a:t>1851 – Normal X-rays</a:t>
+            </a:r>
+          </a:p>
+          <a:p>
+            <a:pPr lvl="2"/>
+            <a:r>
+              <a:rPr lang="en-US" sz="2000" dirty="0">
                 <a:solidFill>
                   <a:schemeClr val="bg1"/>
                 </a:solidFill>
@@ -19480,51 +19888,7 @@
                 <a:ea typeface="+mn-lt"/>
                 <a:cs typeface="+mn-lt"/>
               </a:rPr>
-              <a:t>Xrays</a:t>
-            </a:r>
-            <a:endParaRPr lang="en-US" dirty="0">
-              <a:solidFill>
-                <a:schemeClr val="bg1"/>
-              </a:solidFill>
-              <a:latin typeface="Arial"/>
-              <a:ea typeface="+mn-lt"/>
-              <a:cs typeface="+mn-lt"/>
-            </a:endParaRPr>
-          </a:p>
-          <a:p>
-            <a:pPr lvl="2"/>
-            <a:r>
-              <a:rPr lang="en-US" sz="2000" dirty="0">
-                <a:solidFill>
-                  <a:schemeClr val="bg1"/>
-                </a:solidFill>
-                <a:latin typeface="Arial"/>
-                <a:ea typeface="+mn-lt"/>
-                <a:cs typeface="+mn-lt"/>
-              </a:rPr>
-              <a:t>1863 – </a:t>
-            </a:r>
-            <a:r>
-              <a:rPr lang="en-US" sz="2000" dirty="0" err="1">
-                <a:solidFill>
-                  <a:schemeClr val="bg1"/>
-                </a:solidFill>
-                <a:latin typeface="Arial"/>
-                <a:ea typeface="+mn-lt"/>
-                <a:cs typeface="+mn-lt"/>
-              </a:rPr>
-              <a:t>Pneumania</a:t>
-            </a:r>
-            <a:r>
-              <a:rPr lang="en-US" sz="2000" dirty="0">
-                <a:solidFill>
-                  <a:schemeClr val="bg1"/>
-                </a:solidFill>
-                <a:latin typeface="Arial"/>
-                <a:ea typeface="+mn-lt"/>
-                <a:cs typeface="+mn-lt"/>
-              </a:rPr>
-              <a:t> </a:t>
+              <a:t>1863 – Pneumonia </a:t>
             </a:r>
           </a:p>
           <a:p>
@@ -20001,8 +20365,8 @@
         </p:nvSpPr>
         <p:spPr>
           <a:xfrm>
-            <a:off x="282605" y="1862135"/>
-            <a:ext cx="9545502" cy="1877437"/>
+            <a:off x="557813" y="2030351"/>
+            <a:ext cx="9545502" cy="2185214"/>
           </a:xfrm>
           <a:prstGeom prst="rect">
             <a:avLst/>
@@ -20023,7 +20387,7 @@
               <a:buChar char="•"/>
             </a:pPr>
             <a:r>
-              <a:rPr lang="en-US" sz="1600" dirty="0">
+              <a:rPr lang="en-US" sz="2000" dirty="0">
                 <a:solidFill>
                   <a:schemeClr val="bg1"/>
                 </a:solidFill>
@@ -20033,10 +20397,7 @@
             </a:r>
           </a:p>
           <a:p>
-            <a:pPr marL="342900" lvl="5" indent="-342900">
-              <a:buFont typeface="+mj-lt"/>
-              <a:buAutoNum type="arabicPeriod"/>
-            </a:pPr>
+            <a:pPr lvl="5"/>
             <a:r>
               <a:rPr lang="en-US" sz="1200" dirty="0">
                 <a:solidFill>
@@ -20044,22 +20405,28 @@
                 </a:solidFill>
                 <a:sym typeface="Calibri"/>
               </a:rPr>
-              <a:t>ResNet50 Model (Resizing Image in 224*224)</a:t>
-            </a:r>
-          </a:p>
-          <a:p>
-            <a:pPr marL="342900" lvl="5" indent="-342900">
-              <a:buFont typeface="+mj-lt"/>
-              <a:buAutoNum type="arabicPeriod"/>
-            </a:pPr>
-            <a:r>
-              <a:rPr lang="en-US" sz="1200" dirty="0">
+              <a:t>	</a:t>
+            </a:r>
+            <a:r>
+              <a:rPr lang="en-US" sz="2000" dirty="0">
                 <a:solidFill>
                   <a:schemeClr val="bg1"/>
                 </a:solidFill>
                 <a:sym typeface="Calibri"/>
               </a:rPr>
-              <a:t>InceptionV3 Model (Resizing Image in 299*299)</a:t>
+              <a:t>- ResNet50 Model (Resizing Image in 224*224)</a:t>
+            </a:r>
+          </a:p>
+          <a:p>
+            <a:pPr lvl="5"/>
+            <a:r>
+              <a:rPr lang="en-US" sz="2000" dirty="0">
+                <a:solidFill>
+                  <a:schemeClr val="bg1"/>
+                </a:solidFill>
+                <a:sym typeface="Calibri"/>
+              </a:rPr>
+              <a:t>	- InceptionV3 Model (Resizing Image in 299*299)</a:t>
             </a:r>
           </a:p>
           <a:p>
@@ -20080,7 +20447,7 @@
               <a:buChar char="•"/>
             </a:pPr>
             <a:r>
-              <a:rPr lang="en-US" sz="1600" dirty="0">
+              <a:rPr lang="en-US" sz="2000" dirty="0">
                 <a:solidFill>
                   <a:schemeClr val="bg1"/>
                 </a:solidFill>
@@ -20461,8 +20828,8 @@
         </p:blipFill>
         <p:spPr>
           <a:xfrm>
-            <a:off x="3644178" y="1673347"/>
-            <a:ext cx="8226578" cy="4379403"/>
+            <a:off x="3815918" y="1673347"/>
+            <a:ext cx="8054838" cy="4379403"/>
           </a:xfrm>
           <a:prstGeom prst="rect">
             <a:avLst/>
@@ -20530,7 +20897,7 @@
         <p:spPr>
           <a:xfrm>
             <a:off x="282605" y="1862135"/>
-            <a:ext cx="3040330" cy="3754874"/>
+            <a:ext cx="3250708" cy="3970318"/>
           </a:xfrm>
           <a:prstGeom prst="rect">
             <a:avLst/>
@@ -20565,7 +20932,7 @@
               <a:buFont typeface="Arial" panose="020B0604020202020204" pitchFamily="34" charset="0"/>
               <a:buChar char="•"/>
             </a:pPr>
-            <a:endParaRPr lang="en-US" sz="1600" dirty="0">
+            <a:endParaRPr lang="en-US" dirty="0">
               <a:solidFill>
                 <a:schemeClr val="bg1"/>
               </a:solidFill>
@@ -20638,23 +21005,8 @@
                 </a:solidFill>
                 <a:sym typeface="Calibri"/>
               </a:rPr>
-              <a:t>AWS </a:t>
-            </a:r>
-            <a:r>
-              <a:rPr lang="en-US" sz="1600" dirty="0" err="1">
-                <a:solidFill>
-                  <a:schemeClr val="bg1"/>
-                </a:solidFill>
-                <a:sym typeface="Calibri"/>
-              </a:rPr>
-              <a:t>Sagemaker</a:t>
-            </a:r>
-            <a:endParaRPr lang="en-US" sz="1600" dirty="0">
-              <a:solidFill>
-                <a:schemeClr val="bg1"/>
-              </a:solidFill>
-              <a:sym typeface="Calibri"/>
-            </a:endParaRPr>
+              <a:t>AWS SageMaker</a:t>
+            </a:r>
           </a:p>
           <a:p>
             <a:pPr marL="342900" indent="-342900">
@@ -20712,9 +21064,17 @@
           </a:p>
           <a:p>
             <a:pPr marL="342900" indent="-342900">
-              <a:buFont typeface="+mj-lt"/>
-              <a:buAutoNum type="arabicPeriod"/>
+              <a:buFont typeface="Arial" panose="020B0604020202020204" pitchFamily="34" charset="0"/>
+              <a:buChar char="•"/>
             </a:pPr>
+            <a:endParaRPr lang="en-US" sz="1600" dirty="0">
+              <a:solidFill>
+                <a:schemeClr val="bg1"/>
+              </a:solidFill>
+              <a:sym typeface="Calibri"/>
+            </a:endParaRPr>
+          </a:p>
+          <a:p>
             <a:r>
               <a:rPr lang="en-US" sz="1600" dirty="0">
                 <a:solidFill>
@@ -20722,14 +21082,18 @@
                 </a:solidFill>
                 <a:sym typeface="Calibri"/>
               </a:rPr>
-              <a:t>InceptionV3</a:t>
-            </a:r>
-          </a:p>
-          <a:p>
-            <a:pPr marL="342900" indent="-342900">
-              <a:buFont typeface="+mj-lt"/>
-              <a:buAutoNum type="arabicPeriod"/>
-            </a:pPr>
+              <a:t>	- InceptionV3</a:t>
+            </a:r>
+          </a:p>
+          <a:p>
+            <a:endParaRPr lang="en-US" sz="1600" dirty="0">
+              <a:solidFill>
+                <a:schemeClr val="bg1"/>
+              </a:solidFill>
+              <a:sym typeface="Calibri"/>
+            </a:endParaRPr>
+          </a:p>
+          <a:p>
             <a:r>
               <a:rPr lang="en-US" sz="1600" dirty="0">
                 <a:solidFill>
@@ -20737,7 +21101,7 @@
                 </a:solidFill>
                 <a:sym typeface="Calibri"/>
               </a:rPr>
-              <a:t>ResNet50</a:t>
+              <a:t>	- ResNet50</a:t>
             </a:r>
           </a:p>
         </p:txBody>
@@ -21095,7 +21459,7 @@
         <p:spPr>
           <a:xfrm>
             <a:off x="716280" y="1991199"/>
-            <a:ext cx="10515600" cy="3761991"/>
+            <a:ext cx="10620504" cy="3761991"/>
           </a:xfrm>
           <a:prstGeom prst="rect">
             <a:avLst/>
@@ -21103,7 +21467,7 @@
         </p:spPr>
         <p:txBody>
           <a:bodyPr>
-            <a:normAutofit fontScale="85000" lnSpcReduction="10000"/>
+            <a:normAutofit fontScale="92500" lnSpcReduction="10000"/>
           </a:bodyPr>
           <a:lstStyle>
             <a:defPPr marR="0" lvl="0" algn="l" rtl="0">
@@ -21344,6 +21708,7 @@
                 <a:solidFill>
                   <a:schemeClr val="bg1"/>
                 </a:solidFill>
+                <a:latin typeface="+mj-lt"/>
                 <a:sym typeface="Calibri"/>
               </a:rPr>
               <a:t>Client Application (Angular.js) </a:t>
@@ -21353,9 +21718,10 @@
                 <a:solidFill>
                   <a:schemeClr val="bg1"/>
                 </a:solidFill>
+                <a:latin typeface="+mj-lt"/>
                 <a:sym typeface="Calibri"/>
               </a:rPr>
-              <a:t>– Client application helps external user to upload any Chest Xray.</a:t>
+              <a:t>– Helps external user to upload any Chest Xray.</a:t>
             </a:r>
           </a:p>
           <a:p>
@@ -21367,6 +21733,7 @@
               <a:solidFill>
                 <a:schemeClr val="bg1"/>
               </a:solidFill>
+              <a:latin typeface="+mj-lt"/>
               <a:sym typeface="Calibri"/>
             </a:endParaRPr>
           </a:p>
@@ -21380,6 +21747,7 @@
                 <a:solidFill>
                   <a:schemeClr val="bg1"/>
                 </a:solidFill>
+                <a:latin typeface="+mj-lt"/>
                 <a:sym typeface="Calibri"/>
               </a:rPr>
               <a:t>Amazon API Gateway -  </a:t>
@@ -21389,6 +21757,7 @@
                 <a:solidFill>
                   <a:schemeClr val="bg1"/>
                 </a:solidFill>
+                <a:latin typeface="+mj-lt"/>
                 <a:sym typeface="Calibri"/>
               </a:rPr>
               <a:t>Exposes REST API to be consumed by any third-party client application.</a:t>
@@ -21403,6 +21772,7 @@
               <a:solidFill>
                 <a:schemeClr val="bg1"/>
               </a:solidFill>
+              <a:latin typeface="+mj-lt"/>
               <a:sym typeface="Calibri"/>
             </a:endParaRPr>
           </a:p>
@@ -21416,6 +21786,7 @@
                 <a:solidFill>
                   <a:schemeClr val="bg1"/>
                 </a:solidFill>
+                <a:latin typeface="+mj-lt"/>
                 <a:sym typeface="Calibri"/>
               </a:rPr>
               <a:t>AWS Lambda – </a:t>
@@ -21425,6 +21796,7 @@
                 <a:solidFill>
                   <a:schemeClr val="bg1"/>
                 </a:solidFill>
+                <a:latin typeface="+mj-lt"/>
                 <a:sym typeface="Calibri"/>
               </a:rPr>
               <a:t>Together with API Gateway, helps to expose model’s end point to external system.</a:t>
@@ -21439,6 +21811,7 @@
               <a:solidFill>
                 <a:schemeClr val="bg1"/>
               </a:solidFill>
+              <a:latin typeface="+mj-lt"/>
               <a:sym typeface="Calibri"/>
             </a:endParaRPr>
           </a:p>
@@ -21452,6 +21825,7 @@
                 <a:solidFill>
                   <a:schemeClr val="bg1"/>
                 </a:solidFill>
+                <a:latin typeface="+mj-lt"/>
                 <a:sym typeface="Calibri"/>
               </a:rPr>
               <a:t>Amazon S3 – </a:t>
@@ -21461,9 +21835,10 @@
                 <a:solidFill>
                   <a:schemeClr val="bg1"/>
                 </a:solidFill>
+                <a:latin typeface="+mj-lt"/>
                 <a:sym typeface="Calibri"/>
               </a:rPr>
-              <a:t>S3 is used to store the dataset (images) needed for training, along with the trained models ready for deployment.</a:t>
+              <a:t>Is used to store the dataset (images) needed for training, along with the trained models ready for deployment.</a:t>
             </a:r>
           </a:p>
           <a:p>
@@ -21475,6 +21850,7 @@
               <a:solidFill>
                 <a:schemeClr val="bg1"/>
               </a:solidFill>
+              <a:latin typeface="+mj-lt"/>
               <a:sym typeface="Calibri"/>
             </a:endParaRPr>
           </a:p>
@@ -21488,54 +21864,20 @@
                 <a:solidFill>
                   <a:schemeClr val="bg1"/>
                 </a:solidFill>
+                <a:latin typeface="+mj-lt"/>
                 <a:sym typeface="Calibri"/>
               </a:rPr>
-              <a:t>Amazon </a:t>
-            </a:r>
-            <a:r>
-              <a:rPr lang="en-US" sz="2000" b="1" dirty="0" err="1">
-                <a:solidFill>
-                  <a:schemeClr val="bg1"/>
-                </a:solidFill>
+              <a:t>Amazon SageMaker – </a:t>
+            </a:r>
+            <a:r>
+              <a:rPr lang="en-US" sz="2000" dirty="0">
+                <a:solidFill>
+                  <a:schemeClr val="bg1"/>
+                </a:solidFill>
+                <a:latin typeface="+mj-lt"/>
                 <a:sym typeface="Calibri"/>
               </a:rPr>
-              <a:t>Sagemaker</a:t>
-            </a:r>
-            <a:r>
-              <a:rPr lang="en-US" sz="2000" b="1" dirty="0">
-                <a:solidFill>
-                  <a:schemeClr val="bg1"/>
-                </a:solidFill>
-                <a:sym typeface="Calibri"/>
-              </a:rPr>
-              <a:t> – </a:t>
-            </a:r>
-            <a:r>
-              <a:rPr lang="en-US" sz="2000" dirty="0">
-                <a:solidFill>
-                  <a:schemeClr val="bg1"/>
-                </a:solidFill>
-                <a:sym typeface="Calibri"/>
-              </a:rPr>
-              <a:t>Amazon </a:t>
-            </a:r>
-            <a:r>
-              <a:rPr lang="en-US" sz="2000" dirty="0" err="1">
-                <a:solidFill>
-                  <a:schemeClr val="bg1"/>
-                </a:solidFill>
-                <a:sym typeface="Calibri"/>
-              </a:rPr>
-              <a:t>Sagemaker</a:t>
-            </a:r>
-            <a:r>
-              <a:rPr lang="en-US" sz="2000" dirty="0">
-                <a:solidFill>
-                  <a:schemeClr val="bg1"/>
-                </a:solidFill>
-                <a:sym typeface="Calibri"/>
-              </a:rPr>
-              <a:t> is used to prepare, build, train and deploy machine learning models.</a:t>
+              <a:t> Is used to prepare, build, train and deploy machine learning models.</a:t>
             </a:r>
           </a:p>
           <a:p>
@@ -21547,6 +21889,7 @@
               <a:solidFill>
                 <a:schemeClr val="bg1"/>
               </a:solidFill>
+              <a:latin typeface="+mj-lt"/>
               <a:sym typeface="Calibri"/>
             </a:endParaRPr>
           </a:p>
@@ -21560,6 +21903,7 @@
                 <a:solidFill>
                   <a:schemeClr val="bg1"/>
                 </a:solidFill>
+                <a:latin typeface="+mj-lt"/>
                 <a:sym typeface="Calibri"/>
               </a:rPr>
               <a:t>Trained Models – </a:t>
@@ -21569,13 +21913,14 @@
                 <a:solidFill>
                   <a:schemeClr val="bg1"/>
                 </a:solidFill>
+                <a:latin typeface="+mj-lt"/>
                 <a:sym typeface="Calibri"/>
               </a:rPr>
               <a:t>Inception V3 and ResNet50</a:t>
             </a:r>
           </a:p>
           <a:p>
-            <a:endParaRPr lang="en-US" dirty="0">
+            <a:endParaRPr lang="en-US" sz="2000" dirty="0">
               <a:latin typeface="+mj-lt"/>
               <a:ea typeface="+mn-lt"/>
               <a:cs typeface="+mn-lt"/>
@@ -22001,7 +22346,7 @@
         </p:blipFill>
         <p:spPr>
           <a:xfrm>
-            <a:off x="3589029" y="4160304"/>
+            <a:off x="2215421" y="3861379"/>
             <a:ext cx="7601356" cy="2097523"/>
           </a:xfrm>
           <a:prstGeom prst="rect">
@@ -22025,8 +22370,8 @@
         </p:nvSpPr>
         <p:spPr>
           <a:xfrm>
-            <a:off x="468597" y="1407299"/>
-            <a:ext cx="7012900" cy="2921719"/>
+            <a:off x="458086" y="1358283"/>
+            <a:ext cx="11374029" cy="2400268"/>
           </a:xfrm>
           <a:prstGeom prst="rect">
             <a:avLst/>
@@ -22056,16 +22401,6 @@
             </a:lvl1pPr>
           </a:lstStyle>
           <a:p>
-            <a:r>
-              <a:rPr lang="en-US" sz="2400" b="1" dirty="0">
-                <a:solidFill>
-                  <a:schemeClr val="bg1"/>
-                </a:solidFill>
-              </a:rPr>
-              <a:t>ResNet50 Model Architecture</a:t>
-            </a:r>
-          </a:p>
-          <a:p>
             <a:endParaRPr lang="en-US" sz="2400" b="1" dirty="0">
               <a:solidFill>
                 <a:schemeClr val="bg1"/>
@@ -22073,6 +22408,23 @@
             </a:endParaRPr>
           </a:p>
           <a:p>
+            <a:r>
+              <a:rPr lang="en-US" sz="2400" b="1" dirty="0">
+                <a:solidFill>
+                  <a:schemeClr val="bg1"/>
+                </a:solidFill>
+              </a:rPr>
+              <a:t>ResNet50 Model Architecture</a:t>
+            </a:r>
+          </a:p>
+          <a:p>
+            <a:endParaRPr lang="en-US" sz="2400" b="1" dirty="0">
+              <a:solidFill>
+                <a:schemeClr val="bg1"/>
+              </a:solidFill>
+            </a:endParaRPr>
+          </a:p>
+          <a:p>
             <a:pPr marL="342900" indent="-342900">
               <a:buFont typeface="Arial" panose="020B0604020202020204" pitchFamily="34" charset="0"/>
               <a:buChar char="•"/>
@@ -22082,6 +22434,7 @@
                 <a:solidFill>
                   <a:schemeClr val="bg1"/>
                 </a:solidFill>
+                <a:latin typeface="+mn-lt"/>
               </a:rPr>
               <a:t>50 Layer deep classic neural network</a:t>
             </a:r>
@@ -22095,6 +22448,7 @@
               <a:solidFill>
                 <a:schemeClr val="bg1"/>
               </a:solidFill>
+              <a:latin typeface="+mn-lt"/>
             </a:endParaRPr>
           </a:p>
           <a:p>
@@ -22107,6 +22461,7 @@
                 <a:solidFill>
                   <a:schemeClr val="bg1"/>
                 </a:solidFill>
+                <a:latin typeface="+mn-lt"/>
               </a:rPr>
               <a:t>Resnet50 Model is effective in solving the issue of diminishing gradient.</a:t>
             </a:r>
@@ -22120,6 +22475,7 @@
               <a:solidFill>
                 <a:schemeClr val="bg1"/>
               </a:solidFill>
+              <a:latin typeface="+mn-lt"/>
             </a:endParaRPr>
           </a:p>
           <a:p>
@@ -22132,6 +22488,7 @@
                 <a:solidFill>
                   <a:schemeClr val="bg1"/>
                 </a:solidFill>
+                <a:latin typeface="+mn-lt"/>
               </a:rPr>
               <a:t>Uses Skip Connection to pass the residuals to next layer and hence enhances the detection of smaller objects. </a:t>
             </a:r>
@@ -22531,7 +22888,7 @@
         </p:blipFill>
         <p:spPr>
           <a:xfrm>
-            <a:off x="2548409" y="4327797"/>
+            <a:off x="2667460" y="4471538"/>
             <a:ext cx="6857076" cy="1670828"/>
           </a:xfrm>
           <a:prstGeom prst="rect">
@@ -22600,7 +22957,7 @@
         <p:spPr>
           <a:xfrm>
             <a:off x="447040" y="1074515"/>
-            <a:ext cx="11385075" cy="3046988"/>
+            <a:ext cx="10839795" cy="3108543"/>
           </a:xfrm>
           <a:prstGeom prst="rect">
             <a:avLst/>
@@ -22614,7 +22971,7 @@
           <a:lstStyle/>
           <a:p>
             <a:r>
-              <a:rPr lang="en-US" sz="1600" b="1" dirty="0">
+              <a:rPr lang="en-US" sz="2000" b="1" dirty="0">
                 <a:solidFill>
                   <a:schemeClr val="bg1"/>
                 </a:solidFill>
@@ -22665,23 +23022,7 @@
                   <a:schemeClr val="bg1"/>
                 </a:solidFill>
               </a:rPr>
-              <a:t>Developed by </a:t>
-            </a:r>
-            <a:r>
-              <a:rPr lang="en-US" sz="1600" dirty="0" err="1">
-                <a:solidFill>
-                  <a:schemeClr val="bg1"/>
-                </a:solidFill>
-              </a:rPr>
-              <a:t>GoogleNet</a:t>
-            </a:r>
-            <a:r>
-              <a:rPr lang="en-US" sz="1600" dirty="0">
-                <a:solidFill>
-                  <a:schemeClr val="bg1"/>
-                </a:solidFill>
-              </a:rPr>
-              <a:t> community in Google.</a:t>
+              <a:t>Developed by Google Net community in Google.</a:t>
             </a:r>
           </a:p>
           <a:p>
@@ -22721,45 +23062,33 @@
             </a:endParaRPr>
           </a:p>
           <a:p>
-            <a:pPr marL="342900" indent="-342900">
-              <a:buFont typeface="Arial" panose="020B0604020202020204" pitchFamily="34" charset="0"/>
-              <a:buChar char="•"/>
-            </a:pPr>
             <a:r>
               <a:rPr lang="en-US" sz="1600" dirty="0">
                 <a:solidFill>
                   <a:schemeClr val="bg1"/>
                 </a:solidFill>
               </a:rPr>
-              <a:t>Uses Factorized Convolutions (helps in reducing computational efficiency), </a:t>
-            </a:r>
-          </a:p>
-          <a:p>
-            <a:pPr marL="342900" indent="-342900">
-              <a:buFont typeface="Arial" panose="020B0604020202020204" pitchFamily="34" charset="0"/>
-              <a:buChar char="•"/>
-            </a:pPr>
+              <a:t>	- Uses Factorized Convolutions (helps in reducing computational efficiency), </a:t>
+            </a:r>
+          </a:p>
+          <a:p>
             <a:r>
               <a:rPr lang="en-US" sz="1600" dirty="0">
                 <a:solidFill>
                   <a:schemeClr val="bg1"/>
                 </a:solidFill>
               </a:rPr>
-              <a:t>Uses Smaller Convolutions (replaces bigger convolutions to smaller convolutions),</a:t>
-            </a:r>
-          </a:p>
-          <a:p>
-            <a:pPr marL="342900" indent="-342900">
-              <a:buFont typeface="Arial" panose="020B0604020202020204" pitchFamily="34" charset="0"/>
-              <a:buChar char="•"/>
-            </a:pPr>
+              <a:t>	- Uses Smaller Convolutions (replaces bigger convolutions to smaller convolutions),</a:t>
+            </a:r>
+          </a:p>
+          <a:p>
             <a:r>
               <a:rPr lang="en-US" sz="1600" dirty="0">
                 <a:solidFill>
                   <a:schemeClr val="bg1"/>
                 </a:solidFill>
               </a:rPr>
-              <a:t>Dimension Reduction and parallel computations.</a:t>
+              <a:t>	- Dimension Reduction and parallel computations.</a:t>
             </a:r>
           </a:p>
         </p:txBody>
